--- a/JeanPiaget/2019-2020/Presentaciones/2_Un2_VI_Planteamiento.pptx
+++ b/JeanPiaget/2019-2020/Presentaciones/2_Un2_VI_Planteamiento.pptx
@@ -6,7 +6,34 @@
   </p:sldMasterIdLst>
   <p:sldIdLst>
     <p:sldId id="256" r:id="rId2"/>
-    <p:sldId id="257" r:id="rId3"/>
+    <p:sldId id="258" r:id="rId3"/>
+    <p:sldId id="259" r:id="rId4"/>
+    <p:sldId id="260" r:id="rId5"/>
+    <p:sldId id="261" r:id="rId6"/>
+    <p:sldId id="262" r:id="rId7"/>
+    <p:sldId id="263" r:id="rId8"/>
+    <p:sldId id="264" r:id="rId9"/>
+    <p:sldId id="265" r:id="rId10"/>
+    <p:sldId id="266" r:id="rId11"/>
+    <p:sldId id="267" r:id="rId12"/>
+    <p:sldId id="268" r:id="rId13"/>
+    <p:sldId id="269" r:id="rId14"/>
+    <p:sldId id="270" r:id="rId15"/>
+    <p:sldId id="271" r:id="rId16"/>
+    <p:sldId id="282" r:id="rId17"/>
+    <p:sldId id="283" r:id="rId18"/>
+    <p:sldId id="284" r:id="rId19"/>
+    <p:sldId id="285" r:id="rId20"/>
+    <p:sldId id="272" r:id="rId21"/>
+    <p:sldId id="273" r:id="rId22"/>
+    <p:sldId id="274" r:id="rId23"/>
+    <p:sldId id="275" r:id="rId24"/>
+    <p:sldId id="276" r:id="rId25"/>
+    <p:sldId id="277" r:id="rId26"/>
+    <p:sldId id="278" r:id="rId27"/>
+    <p:sldId id="286" r:id="rId28"/>
+    <p:sldId id="287" r:id="rId29"/>
+    <p:sldId id="288" r:id="rId30"/>
   </p:sldIdLst>
   <p:sldSz cx="12192000" cy="6858000"/>
   <p:notesSz cx="6858000" cy="9144000"/>
@@ -255,7 +282,7 @@
           <a:p>
             <a:fld id="{295F3DDD-7732-4254-8892-247617EE9CD7}" type="datetimeFigureOut">
               <a:rPr lang="es-MX" smtClean="0"/>
-              <a:t>15/08/2019</a:t>
+              <a:t>05/09/2019</a:t>
             </a:fld>
             <a:endParaRPr lang="es-MX"/>
           </a:p>
@@ -425,7 +452,7 @@
           <a:p>
             <a:fld id="{295F3DDD-7732-4254-8892-247617EE9CD7}" type="datetimeFigureOut">
               <a:rPr lang="es-MX" smtClean="0"/>
-              <a:t>15/08/2019</a:t>
+              <a:t>05/09/2019</a:t>
             </a:fld>
             <a:endParaRPr lang="es-MX"/>
           </a:p>
@@ -605,7 +632,7 @@
           <a:p>
             <a:fld id="{295F3DDD-7732-4254-8892-247617EE9CD7}" type="datetimeFigureOut">
               <a:rPr lang="es-MX" smtClean="0"/>
-              <a:t>15/08/2019</a:t>
+              <a:t>05/09/2019</a:t>
             </a:fld>
             <a:endParaRPr lang="es-MX"/>
           </a:p>
@@ -775,7 +802,7 @@
           <a:p>
             <a:fld id="{295F3DDD-7732-4254-8892-247617EE9CD7}" type="datetimeFigureOut">
               <a:rPr lang="es-MX" smtClean="0"/>
-              <a:t>15/08/2019</a:t>
+              <a:t>05/09/2019</a:t>
             </a:fld>
             <a:endParaRPr lang="es-MX"/>
           </a:p>
@@ -1021,7 +1048,7 @@
           <a:p>
             <a:fld id="{295F3DDD-7732-4254-8892-247617EE9CD7}" type="datetimeFigureOut">
               <a:rPr lang="es-MX" smtClean="0"/>
-              <a:t>15/08/2019</a:t>
+              <a:t>05/09/2019</a:t>
             </a:fld>
             <a:endParaRPr lang="es-MX"/>
           </a:p>
@@ -1253,7 +1280,7 @@
           <a:p>
             <a:fld id="{295F3DDD-7732-4254-8892-247617EE9CD7}" type="datetimeFigureOut">
               <a:rPr lang="es-MX" smtClean="0"/>
-              <a:t>15/08/2019</a:t>
+              <a:t>05/09/2019</a:t>
             </a:fld>
             <a:endParaRPr lang="es-MX"/>
           </a:p>
@@ -1620,7 +1647,7 @@
           <a:p>
             <a:fld id="{295F3DDD-7732-4254-8892-247617EE9CD7}" type="datetimeFigureOut">
               <a:rPr lang="es-MX" smtClean="0"/>
-              <a:t>15/08/2019</a:t>
+              <a:t>05/09/2019</a:t>
             </a:fld>
             <a:endParaRPr lang="es-MX"/>
           </a:p>
@@ -1738,7 +1765,7 @@
           <a:p>
             <a:fld id="{295F3DDD-7732-4254-8892-247617EE9CD7}" type="datetimeFigureOut">
               <a:rPr lang="es-MX" smtClean="0"/>
-              <a:t>15/08/2019</a:t>
+              <a:t>05/09/2019</a:t>
             </a:fld>
             <a:endParaRPr lang="es-MX"/>
           </a:p>
@@ -1833,7 +1860,7 @@
           <a:p>
             <a:fld id="{295F3DDD-7732-4254-8892-247617EE9CD7}" type="datetimeFigureOut">
               <a:rPr lang="es-MX" smtClean="0"/>
-              <a:t>15/08/2019</a:t>
+              <a:t>05/09/2019</a:t>
             </a:fld>
             <a:endParaRPr lang="es-MX"/>
           </a:p>
@@ -2110,7 +2137,7 @@
           <a:p>
             <a:fld id="{295F3DDD-7732-4254-8892-247617EE9CD7}" type="datetimeFigureOut">
               <a:rPr lang="es-MX" smtClean="0"/>
-              <a:t>15/08/2019</a:t>
+              <a:t>05/09/2019</a:t>
             </a:fld>
             <a:endParaRPr lang="es-MX"/>
           </a:p>
@@ -2363,7 +2390,7 @@
           <a:p>
             <a:fld id="{295F3DDD-7732-4254-8892-247617EE9CD7}" type="datetimeFigureOut">
               <a:rPr lang="es-MX" smtClean="0"/>
-              <a:t>15/08/2019</a:t>
+              <a:t>05/09/2019</a:t>
             </a:fld>
             <a:endParaRPr lang="es-MX"/>
           </a:p>
@@ -2576,7 +2603,7 @@
           <a:p>
             <a:fld id="{295F3DDD-7732-4254-8892-247617EE9CD7}" type="datetimeFigureOut">
               <a:rPr lang="es-MX" smtClean="0"/>
-              <a:t>15/08/2019</a:t>
+              <a:t>05/09/2019</a:t>
             </a:fld>
             <a:endParaRPr lang="es-MX"/>
           </a:p>
@@ -3037,10 +3064,2663 @@
           </a:p>
         </p:txBody>
       </p:sp>
+      <p:sp>
+        <p:nvSpPr>
+          <p:cNvPr id="4" name="Rectángulo 3"/>
+          <p:cNvSpPr/>
+          <p:nvPr/>
+        </p:nvSpPr>
+        <p:spPr>
+          <a:xfrm>
+            <a:off x="0" y="0"/>
+            <a:ext cx="12192000" cy="482600"/>
+          </a:xfrm>
+          <a:prstGeom prst="rect">
+            <a:avLst/>
+          </a:prstGeom>
+        </p:spPr>
+        <p:style>
+          <a:lnRef idx="0">
+            <a:schemeClr val="accent4"/>
+          </a:lnRef>
+          <a:fillRef idx="3">
+            <a:schemeClr val="accent4"/>
+          </a:fillRef>
+          <a:effectRef idx="3">
+            <a:schemeClr val="accent4"/>
+          </a:effectRef>
+          <a:fontRef idx="minor">
+            <a:schemeClr val="lt1"/>
+          </a:fontRef>
+        </p:style>
+        <p:txBody>
+          <a:bodyPr rtlCol="0" anchor="ctr"/>
+          <a:lstStyle/>
+          <a:p>
+            <a:pPr algn="ctr"/>
+            <a:endParaRPr lang="es-MX"/>
+          </a:p>
+        </p:txBody>
+      </p:sp>
+      <p:sp>
+        <p:nvSpPr>
+          <p:cNvPr id="5" name="Rectángulo 4"/>
+          <p:cNvSpPr/>
+          <p:nvPr/>
+        </p:nvSpPr>
+        <p:spPr>
+          <a:xfrm>
+            <a:off x="0" y="6400800"/>
+            <a:ext cx="12192000" cy="457200"/>
+          </a:xfrm>
+          <a:prstGeom prst="rect">
+            <a:avLst/>
+          </a:prstGeom>
+        </p:spPr>
+        <p:style>
+          <a:lnRef idx="0">
+            <a:schemeClr val="accent4"/>
+          </a:lnRef>
+          <a:fillRef idx="3">
+            <a:schemeClr val="accent4"/>
+          </a:fillRef>
+          <a:effectRef idx="3">
+            <a:schemeClr val="accent4"/>
+          </a:effectRef>
+          <a:fontRef idx="minor">
+            <a:schemeClr val="lt1"/>
+          </a:fontRef>
+        </p:style>
+        <p:txBody>
+          <a:bodyPr rtlCol="0" anchor="ctr"/>
+          <a:lstStyle/>
+          <a:p>
+            <a:pPr algn="ctr"/>
+            <a:endParaRPr lang="es-MX"/>
+          </a:p>
+        </p:txBody>
+      </p:sp>
     </p:spTree>
     <p:extLst>
       <p:ext uri="{BB962C8B-B14F-4D97-AF65-F5344CB8AC3E}">
         <p14:creationId xmlns:p14="http://schemas.microsoft.com/office/powerpoint/2010/main" val="3005327647"/>
+      </p:ext>
+    </p:extLst>
+  </p:cSld>
+  <p:clrMapOvr>
+    <a:masterClrMapping/>
+  </p:clrMapOvr>
+</p:sld>
+</file>
+
+<file path=ppt/slides/slide10.xml><?xml version="1.0" encoding="utf-8"?>
+<p:sld xmlns:a="http://schemas.openxmlformats.org/drawingml/2006/main" xmlns:r="http://schemas.openxmlformats.org/officeDocument/2006/relationships" xmlns:p="http://schemas.openxmlformats.org/presentationml/2006/main">
+  <p:cSld>
+    <p:spTree>
+      <p:nvGrpSpPr>
+        <p:cNvPr id="1" name=""/>
+        <p:cNvGrpSpPr/>
+        <p:nvPr/>
+      </p:nvGrpSpPr>
+      <p:grpSpPr>
+        <a:xfrm>
+          <a:off x="0" y="0"/>
+          <a:ext cx="0" cy="0"/>
+          <a:chOff x="0" y="0"/>
+          <a:chExt cx="0" cy="0"/>
+        </a:xfrm>
+      </p:grpSpPr>
+      <p:sp>
+        <p:nvSpPr>
+          <p:cNvPr id="2" name="Título 1"/>
+          <p:cNvSpPr>
+            <a:spLocks noGrp="1"/>
+          </p:cNvSpPr>
+          <p:nvPr>
+            <p:ph type="title"/>
+          </p:nvPr>
+        </p:nvSpPr>
+        <p:spPr/>
+        <p:txBody>
+          <a:bodyPr/>
+          <a:lstStyle/>
+          <a:p>
+            <a:r>
+              <a:rPr lang="es-MX" b="1" dirty="0" smtClean="0"/>
+              <a:t>¿Cómo plantear un proyecto de investigación?</a:t>
+            </a:r>
+            <a:endParaRPr lang="es-MX" b="1" dirty="0"/>
+          </a:p>
+        </p:txBody>
+      </p:sp>
+      <p:sp>
+        <p:nvSpPr>
+          <p:cNvPr id="5" name="Rectángulo 4"/>
+          <p:cNvSpPr/>
+          <p:nvPr/>
+        </p:nvSpPr>
+        <p:spPr>
+          <a:xfrm>
+            <a:off x="0" y="0"/>
+            <a:ext cx="12192000" cy="482600"/>
+          </a:xfrm>
+          <a:prstGeom prst="rect">
+            <a:avLst/>
+          </a:prstGeom>
+        </p:spPr>
+        <p:style>
+          <a:lnRef idx="0">
+            <a:schemeClr val="accent4"/>
+          </a:lnRef>
+          <a:fillRef idx="3">
+            <a:schemeClr val="accent4"/>
+          </a:fillRef>
+          <a:effectRef idx="3">
+            <a:schemeClr val="accent4"/>
+          </a:effectRef>
+          <a:fontRef idx="minor">
+            <a:schemeClr val="lt1"/>
+          </a:fontRef>
+        </p:style>
+        <p:txBody>
+          <a:bodyPr rtlCol="0" anchor="ctr"/>
+          <a:lstStyle/>
+          <a:p>
+            <a:pPr algn="ctr"/>
+            <a:endParaRPr lang="es-MX"/>
+          </a:p>
+        </p:txBody>
+      </p:sp>
+      <p:sp>
+        <p:nvSpPr>
+          <p:cNvPr id="6" name="Rectángulo 5"/>
+          <p:cNvSpPr/>
+          <p:nvPr/>
+        </p:nvSpPr>
+        <p:spPr>
+          <a:xfrm>
+            <a:off x="0" y="6400800"/>
+            <a:ext cx="12192000" cy="457200"/>
+          </a:xfrm>
+          <a:prstGeom prst="rect">
+            <a:avLst/>
+          </a:prstGeom>
+        </p:spPr>
+        <p:style>
+          <a:lnRef idx="0">
+            <a:schemeClr val="accent4"/>
+          </a:lnRef>
+          <a:fillRef idx="3">
+            <a:schemeClr val="accent4"/>
+          </a:fillRef>
+          <a:effectRef idx="3">
+            <a:schemeClr val="accent4"/>
+          </a:effectRef>
+          <a:fontRef idx="minor">
+            <a:schemeClr val="lt1"/>
+          </a:fontRef>
+        </p:style>
+        <p:txBody>
+          <a:bodyPr rtlCol="0" anchor="ctr"/>
+          <a:lstStyle/>
+          <a:p>
+            <a:pPr algn="ctr"/>
+            <a:endParaRPr lang="es-MX"/>
+          </a:p>
+        </p:txBody>
+      </p:sp>
+      <p:sp>
+        <p:nvSpPr>
+          <p:cNvPr id="17" name="Marcador de contenido 2"/>
+          <p:cNvSpPr>
+            <a:spLocks noGrp="1"/>
+          </p:cNvSpPr>
+          <p:nvPr>
+            <p:ph idx="1"/>
+          </p:nvPr>
+        </p:nvSpPr>
+        <p:spPr>
+          <a:xfrm>
+            <a:off x="838200" y="1825625"/>
+            <a:ext cx="10515600" cy="4351338"/>
+          </a:xfrm>
+        </p:spPr>
+        <p:txBody>
+          <a:bodyPr/>
+          <a:lstStyle/>
+          <a:p>
+            <a:r>
+              <a:rPr lang="es-MX" dirty="0" smtClean="0"/>
+              <a:t>Introducción</a:t>
+            </a:r>
+          </a:p>
+          <a:p>
+            <a:endParaRPr lang="es-MX" dirty="0"/>
+          </a:p>
+          <a:p>
+            <a:r>
+              <a:rPr lang="es-MX" dirty="0" smtClean="0"/>
+              <a:t>Pregunta de investigación</a:t>
+            </a:r>
+          </a:p>
+          <a:p>
+            <a:endParaRPr lang="es-MX" dirty="0"/>
+          </a:p>
+          <a:p>
+            <a:r>
+              <a:rPr lang="es-MX" dirty="0" smtClean="0"/>
+              <a:t>Objetivos</a:t>
+            </a:r>
+          </a:p>
+          <a:p>
+            <a:pPr lvl="1"/>
+            <a:r>
+              <a:rPr lang="es-MX" dirty="0" smtClean="0"/>
+              <a:t>Objetivo general</a:t>
+            </a:r>
+          </a:p>
+          <a:p>
+            <a:pPr lvl="1"/>
+            <a:r>
+              <a:rPr lang="es-MX" dirty="0" smtClean="0"/>
+              <a:t>Objetivo Específico</a:t>
+            </a:r>
+          </a:p>
+          <a:p>
+            <a:pPr lvl="1"/>
+            <a:endParaRPr lang="es-MX" dirty="0"/>
+          </a:p>
+          <a:p>
+            <a:r>
+              <a:rPr lang="es-MX" dirty="0" smtClean="0"/>
+              <a:t>Justificación</a:t>
+            </a:r>
+            <a:endParaRPr lang="es-MX" dirty="0"/>
+          </a:p>
+        </p:txBody>
+      </p:sp>
+    </p:spTree>
+    <p:extLst>
+      <p:ext uri="{BB962C8B-B14F-4D97-AF65-F5344CB8AC3E}">
+        <p14:creationId xmlns:p14="http://schemas.microsoft.com/office/powerpoint/2010/main" val="4260850126"/>
+      </p:ext>
+    </p:extLst>
+  </p:cSld>
+  <p:clrMapOvr>
+    <a:masterClrMapping/>
+  </p:clrMapOvr>
+</p:sld>
+</file>
+
+<file path=ppt/slides/slide11.xml><?xml version="1.0" encoding="utf-8"?>
+<p:sld xmlns:a="http://schemas.openxmlformats.org/drawingml/2006/main" xmlns:r="http://schemas.openxmlformats.org/officeDocument/2006/relationships" xmlns:p="http://schemas.openxmlformats.org/presentationml/2006/main">
+  <p:cSld>
+    <p:spTree>
+      <p:nvGrpSpPr>
+        <p:cNvPr id="1" name=""/>
+        <p:cNvGrpSpPr/>
+        <p:nvPr/>
+      </p:nvGrpSpPr>
+      <p:grpSpPr>
+        <a:xfrm>
+          <a:off x="0" y="0"/>
+          <a:ext cx="0" cy="0"/>
+          <a:chOff x="0" y="0"/>
+          <a:chExt cx="0" cy="0"/>
+        </a:xfrm>
+      </p:grpSpPr>
+      <p:sp>
+        <p:nvSpPr>
+          <p:cNvPr id="2" name="Título 1"/>
+          <p:cNvSpPr>
+            <a:spLocks noGrp="1"/>
+          </p:cNvSpPr>
+          <p:nvPr>
+            <p:ph type="title"/>
+          </p:nvPr>
+        </p:nvSpPr>
+        <p:spPr/>
+        <p:txBody>
+          <a:bodyPr/>
+          <a:lstStyle/>
+          <a:p>
+            <a:r>
+              <a:rPr lang="es-MX" b="1" dirty="0" smtClean="0"/>
+              <a:t>¿Cómo plantear un proyecto de investigación?</a:t>
+            </a:r>
+            <a:endParaRPr lang="es-MX" b="1" dirty="0"/>
+          </a:p>
+        </p:txBody>
+      </p:sp>
+      <p:sp>
+        <p:nvSpPr>
+          <p:cNvPr id="5" name="Rectángulo 4"/>
+          <p:cNvSpPr/>
+          <p:nvPr/>
+        </p:nvSpPr>
+        <p:spPr>
+          <a:xfrm>
+            <a:off x="0" y="0"/>
+            <a:ext cx="12192000" cy="482600"/>
+          </a:xfrm>
+          <a:prstGeom prst="rect">
+            <a:avLst/>
+          </a:prstGeom>
+        </p:spPr>
+        <p:style>
+          <a:lnRef idx="0">
+            <a:schemeClr val="accent4"/>
+          </a:lnRef>
+          <a:fillRef idx="3">
+            <a:schemeClr val="accent4"/>
+          </a:fillRef>
+          <a:effectRef idx="3">
+            <a:schemeClr val="accent4"/>
+          </a:effectRef>
+          <a:fontRef idx="minor">
+            <a:schemeClr val="lt1"/>
+          </a:fontRef>
+        </p:style>
+        <p:txBody>
+          <a:bodyPr rtlCol="0" anchor="ctr"/>
+          <a:lstStyle/>
+          <a:p>
+            <a:pPr algn="ctr"/>
+            <a:endParaRPr lang="es-MX"/>
+          </a:p>
+        </p:txBody>
+      </p:sp>
+      <p:sp>
+        <p:nvSpPr>
+          <p:cNvPr id="6" name="Rectángulo 5"/>
+          <p:cNvSpPr/>
+          <p:nvPr/>
+        </p:nvSpPr>
+        <p:spPr>
+          <a:xfrm>
+            <a:off x="0" y="6400800"/>
+            <a:ext cx="12192000" cy="457200"/>
+          </a:xfrm>
+          <a:prstGeom prst="rect">
+            <a:avLst/>
+          </a:prstGeom>
+        </p:spPr>
+        <p:style>
+          <a:lnRef idx="0">
+            <a:schemeClr val="accent4"/>
+          </a:lnRef>
+          <a:fillRef idx="3">
+            <a:schemeClr val="accent4"/>
+          </a:fillRef>
+          <a:effectRef idx="3">
+            <a:schemeClr val="accent4"/>
+          </a:effectRef>
+          <a:fontRef idx="minor">
+            <a:schemeClr val="lt1"/>
+          </a:fontRef>
+        </p:style>
+        <p:txBody>
+          <a:bodyPr rtlCol="0" anchor="ctr"/>
+          <a:lstStyle/>
+          <a:p>
+            <a:pPr algn="ctr"/>
+            <a:endParaRPr lang="es-MX"/>
+          </a:p>
+        </p:txBody>
+      </p:sp>
+      <p:sp>
+        <p:nvSpPr>
+          <p:cNvPr id="17" name="Marcador de contenido 2"/>
+          <p:cNvSpPr>
+            <a:spLocks noGrp="1"/>
+          </p:cNvSpPr>
+          <p:nvPr>
+            <p:ph idx="1"/>
+          </p:nvPr>
+        </p:nvSpPr>
+        <p:spPr>
+          <a:xfrm>
+            <a:off x="838200" y="1825625"/>
+            <a:ext cx="10515600" cy="4351338"/>
+          </a:xfrm>
+        </p:spPr>
+        <p:txBody>
+          <a:bodyPr/>
+          <a:lstStyle/>
+          <a:p>
+            <a:r>
+              <a:rPr lang="es-MX" b="1" dirty="0" smtClean="0"/>
+              <a:t>Introducción</a:t>
+            </a:r>
+          </a:p>
+          <a:p>
+            <a:endParaRPr lang="es-MX" dirty="0"/>
+          </a:p>
+          <a:p>
+            <a:r>
+              <a:rPr lang="es-MX" dirty="0" smtClean="0"/>
+              <a:t>Pregunta de investigación</a:t>
+            </a:r>
+          </a:p>
+          <a:p>
+            <a:endParaRPr lang="es-MX" dirty="0"/>
+          </a:p>
+          <a:p>
+            <a:r>
+              <a:rPr lang="es-MX" dirty="0" smtClean="0"/>
+              <a:t>Objetivos</a:t>
+            </a:r>
+          </a:p>
+          <a:p>
+            <a:pPr lvl="1"/>
+            <a:r>
+              <a:rPr lang="es-MX" dirty="0" smtClean="0"/>
+              <a:t>Objetivo general</a:t>
+            </a:r>
+          </a:p>
+          <a:p>
+            <a:pPr lvl="1"/>
+            <a:r>
+              <a:rPr lang="es-MX" dirty="0" smtClean="0"/>
+              <a:t>Objetivo Específico</a:t>
+            </a:r>
+          </a:p>
+          <a:p>
+            <a:pPr lvl="1"/>
+            <a:endParaRPr lang="es-MX" dirty="0"/>
+          </a:p>
+          <a:p>
+            <a:r>
+              <a:rPr lang="es-MX" dirty="0" smtClean="0"/>
+              <a:t>Justificación</a:t>
+            </a:r>
+            <a:endParaRPr lang="es-MX" dirty="0"/>
+          </a:p>
+        </p:txBody>
+      </p:sp>
+      <p:sp>
+        <p:nvSpPr>
+          <p:cNvPr id="3" name="Flecha derecha 2"/>
+          <p:cNvSpPr/>
+          <p:nvPr/>
+        </p:nvSpPr>
+        <p:spPr>
+          <a:xfrm>
+            <a:off x="3234266" y="1914525"/>
+            <a:ext cx="2683934" cy="282575"/>
+          </a:xfrm>
+          <a:prstGeom prst="rightArrow">
+            <a:avLst/>
+          </a:prstGeom>
+        </p:spPr>
+        <p:style>
+          <a:lnRef idx="2">
+            <a:schemeClr val="accent4">
+              <a:shade val="50000"/>
+            </a:schemeClr>
+          </a:lnRef>
+          <a:fillRef idx="1">
+            <a:schemeClr val="accent4"/>
+          </a:fillRef>
+          <a:effectRef idx="0">
+            <a:schemeClr val="accent4"/>
+          </a:effectRef>
+          <a:fontRef idx="minor">
+            <a:schemeClr val="lt1"/>
+          </a:fontRef>
+        </p:style>
+        <p:txBody>
+          <a:bodyPr rtlCol="0" anchor="ctr"/>
+          <a:lstStyle/>
+          <a:p>
+            <a:pPr algn="ctr"/>
+            <a:endParaRPr lang="es-MX"/>
+          </a:p>
+        </p:txBody>
+      </p:sp>
+      <p:sp>
+        <p:nvSpPr>
+          <p:cNvPr id="7" name="CuadroTexto 6"/>
+          <p:cNvSpPr txBox="1"/>
+          <p:nvPr/>
+        </p:nvSpPr>
+        <p:spPr>
+          <a:xfrm>
+            <a:off x="6383867" y="1690688"/>
+            <a:ext cx="5554133" cy="2308324"/>
+          </a:xfrm>
+          <a:prstGeom prst="rect">
+            <a:avLst/>
+          </a:prstGeom>
+          <a:solidFill>
+            <a:schemeClr val="accent4">
+              <a:lumMod val="20000"/>
+              <a:lumOff val="80000"/>
+            </a:schemeClr>
+          </a:solidFill>
+          <a:ln>
+            <a:solidFill>
+              <a:schemeClr val="tx1"/>
+            </a:solidFill>
+          </a:ln>
+        </p:spPr>
+        <p:txBody>
+          <a:bodyPr wrap="square" rtlCol="0">
+            <a:spAutoFit/>
+          </a:bodyPr>
+          <a:lstStyle/>
+          <a:p>
+            <a:pPr marL="285750" indent="-285750">
+              <a:buFont typeface="Arial" panose="020B0604020202020204" pitchFamily="34" charset="0"/>
+              <a:buChar char="•"/>
+            </a:pPr>
+            <a:r>
+              <a:rPr lang="es-MX" dirty="0" smtClean="0"/>
+              <a:t>Descripción </a:t>
+            </a:r>
+            <a:r>
+              <a:rPr lang="es-MX" b="1" dirty="0" smtClean="0"/>
+              <a:t>general</a:t>
+            </a:r>
+            <a:r>
+              <a:rPr lang="es-MX" dirty="0"/>
+              <a:t> </a:t>
+            </a:r>
+            <a:r>
+              <a:rPr lang="es-MX" dirty="0" smtClean="0"/>
+              <a:t>del fenómeno que me interesó estudiar.</a:t>
+            </a:r>
+          </a:p>
+          <a:p>
+            <a:pPr marL="285750" indent="-285750">
+              <a:buFont typeface="Arial" panose="020B0604020202020204" pitchFamily="34" charset="0"/>
+              <a:buChar char="•"/>
+            </a:pPr>
+            <a:endParaRPr lang="es-MX" dirty="0"/>
+          </a:p>
+          <a:p>
+            <a:pPr marL="742950" lvl="1" indent="-285750">
+              <a:buFont typeface="Arial" panose="020B0604020202020204" pitchFamily="34" charset="0"/>
+              <a:buChar char="•"/>
+            </a:pPr>
+            <a:r>
+              <a:rPr lang="es-MX" dirty="0" smtClean="0"/>
+              <a:t>¿Qué tema elegí?</a:t>
+            </a:r>
+          </a:p>
+          <a:p>
+            <a:pPr marL="742950" lvl="1" indent="-285750">
+              <a:buFont typeface="Arial" panose="020B0604020202020204" pitchFamily="34" charset="0"/>
+              <a:buChar char="•"/>
+            </a:pPr>
+            <a:r>
+              <a:rPr lang="es-MX" dirty="0" smtClean="0"/>
+              <a:t>¿Dónde se aplica? ¿Cuál es el contexto de su desarrollo?</a:t>
+            </a:r>
+          </a:p>
+          <a:p>
+            <a:pPr marL="742950" lvl="1" indent="-285750">
+              <a:buFont typeface="Arial" panose="020B0604020202020204" pitchFamily="34" charset="0"/>
+              <a:buChar char="•"/>
+            </a:pPr>
+            <a:r>
+              <a:rPr lang="es-MX" dirty="0" smtClean="0"/>
+              <a:t>¿Por qué elegí este tema?</a:t>
+            </a:r>
+          </a:p>
+          <a:p>
+            <a:pPr marL="742950" lvl="1" indent="-285750">
+              <a:buFont typeface="Arial" panose="020B0604020202020204" pitchFamily="34" charset="0"/>
+              <a:buChar char="•"/>
+            </a:pPr>
+            <a:endParaRPr lang="es-MX" dirty="0"/>
+          </a:p>
+        </p:txBody>
+      </p:sp>
+    </p:spTree>
+    <p:extLst>
+      <p:ext uri="{BB962C8B-B14F-4D97-AF65-F5344CB8AC3E}">
+        <p14:creationId xmlns:p14="http://schemas.microsoft.com/office/powerpoint/2010/main" val="793240462"/>
+      </p:ext>
+    </p:extLst>
+  </p:cSld>
+  <p:clrMapOvr>
+    <a:masterClrMapping/>
+  </p:clrMapOvr>
+</p:sld>
+</file>
+
+<file path=ppt/slides/slide12.xml><?xml version="1.0" encoding="utf-8"?>
+<p:sld xmlns:a="http://schemas.openxmlformats.org/drawingml/2006/main" xmlns:r="http://schemas.openxmlformats.org/officeDocument/2006/relationships" xmlns:p="http://schemas.openxmlformats.org/presentationml/2006/main">
+  <p:cSld>
+    <p:spTree>
+      <p:nvGrpSpPr>
+        <p:cNvPr id="1" name=""/>
+        <p:cNvGrpSpPr/>
+        <p:nvPr/>
+      </p:nvGrpSpPr>
+      <p:grpSpPr>
+        <a:xfrm>
+          <a:off x="0" y="0"/>
+          <a:ext cx="0" cy="0"/>
+          <a:chOff x="0" y="0"/>
+          <a:chExt cx="0" cy="0"/>
+        </a:xfrm>
+      </p:grpSpPr>
+      <p:sp>
+        <p:nvSpPr>
+          <p:cNvPr id="2" name="Título 1"/>
+          <p:cNvSpPr>
+            <a:spLocks noGrp="1"/>
+          </p:cNvSpPr>
+          <p:nvPr>
+            <p:ph type="title"/>
+          </p:nvPr>
+        </p:nvSpPr>
+        <p:spPr/>
+        <p:txBody>
+          <a:bodyPr/>
+          <a:lstStyle/>
+          <a:p>
+            <a:r>
+              <a:rPr lang="es-MX" b="1" dirty="0" smtClean="0"/>
+              <a:t>¿Cómo plantear un proyecto de investigación?</a:t>
+            </a:r>
+            <a:endParaRPr lang="es-MX" b="1" dirty="0"/>
+          </a:p>
+        </p:txBody>
+      </p:sp>
+      <p:sp>
+        <p:nvSpPr>
+          <p:cNvPr id="5" name="Rectángulo 4"/>
+          <p:cNvSpPr/>
+          <p:nvPr/>
+        </p:nvSpPr>
+        <p:spPr>
+          <a:xfrm>
+            <a:off x="0" y="0"/>
+            <a:ext cx="12192000" cy="482600"/>
+          </a:xfrm>
+          <a:prstGeom prst="rect">
+            <a:avLst/>
+          </a:prstGeom>
+        </p:spPr>
+        <p:style>
+          <a:lnRef idx="0">
+            <a:schemeClr val="accent4"/>
+          </a:lnRef>
+          <a:fillRef idx="3">
+            <a:schemeClr val="accent4"/>
+          </a:fillRef>
+          <a:effectRef idx="3">
+            <a:schemeClr val="accent4"/>
+          </a:effectRef>
+          <a:fontRef idx="minor">
+            <a:schemeClr val="lt1"/>
+          </a:fontRef>
+        </p:style>
+        <p:txBody>
+          <a:bodyPr rtlCol="0" anchor="ctr"/>
+          <a:lstStyle/>
+          <a:p>
+            <a:pPr algn="ctr"/>
+            <a:endParaRPr lang="es-MX"/>
+          </a:p>
+        </p:txBody>
+      </p:sp>
+      <p:sp>
+        <p:nvSpPr>
+          <p:cNvPr id="6" name="Rectángulo 5"/>
+          <p:cNvSpPr/>
+          <p:nvPr/>
+        </p:nvSpPr>
+        <p:spPr>
+          <a:xfrm>
+            <a:off x="0" y="6400800"/>
+            <a:ext cx="12192000" cy="457200"/>
+          </a:xfrm>
+          <a:prstGeom prst="rect">
+            <a:avLst/>
+          </a:prstGeom>
+        </p:spPr>
+        <p:style>
+          <a:lnRef idx="0">
+            <a:schemeClr val="accent4"/>
+          </a:lnRef>
+          <a:fillRef idx="3">
+            <a:schemeClr val="accent4"/>
+          </a:fillRef>
+          <a:effectRef idx="3">
+            <a:schemeClr val="accent4"/>
+          </a:effectRef>
+          <a:fontRef idx="minor">
+            <a:schemeClr val="lt1"/>
+          </a:fontRef>
+        </p:style>
+        <p:txBody>
+          <a:bodyPr rtlCol="0" anchor="ctr"/>
+          <a:lstStyle/>
+          <a:p>
+            <a:pPr algn="ctr"/>
+            <a:endParaRPr lang="es-MX"/>
+          </a:p>
+        </p:txBody>
+      </p:sp>
+      <p:sp>
+        <p:nvSpPr>
+          <p:cNvPr id="17" name="Marcador de contenido 2"/>
+          <p:cNvSpPr>
+            <a:spLocks noGrp="1"/>
+          </p:cNvSpPr>
+          <p:nvPr>
+            <p:ph idx="1"/>
+          </p:nvPr>
+        </p:nvSpPr>
+        <p:spPr>
+          <a:xfrm>
+            <a:off x="838200" y="1825625"/>
+            <a:ext cx="10515600" cy="4351338"/>
+          </a:xfrm>
+        </p:spPr>
+        <p:txBody>
+          <a:bodyPr/>
+          <a:lstStyle/>
+          <a:p>
+            <a:r>
+              <a:rPr lang="es-MX" dirty="0" smtClean="0"/>
+              <a:t>Introducción</a:t>
+            </a:r>
+          </a:p>
+          <a:p>
+            <a:endParaRPr lang="es-MX" dirty="0"/>
+          </a:p>
+          <a:p>
+            <a:r>
+              <a:rPr lang="es-MX" dirty="0" smtClean="0"/>
+              <a:t>Pregunta de investigación</a:t>
+            </a:r>
+          </a:p>
+          <a:p>
+            <a:endParaRPr lang="es-MX" dirty="0"/>
+          </a:p>
+          <a:p>
+            <a:r>
+              <a:rPr lang="es-MX" dirty="0" smtClean="0"/>
+              <a:t>Objetivos</a:t>
+            </a:r>
+          </a:p>
+          <a:p>
+            <a:pPr lvl="1"/>
+            <a:r>
+              <a:rPr lang="es-MX" dirty="0" smtClean="0"/>
+              <a:t>Objetivo general</a:t>
+            </a:r>
+          </a:p>
+          <a:p>
+            <a:pPr lvl="1"/>
+            <a:r>
+              <a:rPr lang="es-MX" dirty="0" smtClean="0"/>
+              <a:t>Objetivo Específico</a:t>
+            </a:r>
+          </a:p>
+          <a:p>
+            <a:pPr lvl="1"/>
+            <a:endParaRPr lang="es-MX" dirty="0"/>
+          </a:p>
+          <a:p>
+            <a:r>
+              <a:rPr lang="es-MX" dirty="0" smtClean="0"/>
+              <a:t>Justificación</a:t>
+            </a:r>
+            <a:endParaRPr lang="es-MX" dirty="0"/>
+          </a:p>
+        </p:txBody>
+      </p:sp>
+      <p:sp>
+        <p:nvSpPr>
+          <p:cNvPr id="7" name="Flecha derecha 6"/>
+          <p:cNvSpPr/>
+          <p:nvPr/>
+        </p:nvSpPr>
+        <p:spPr>
+          <a:xfrm>
+            <a:off x="5079998" y="2930525"/>
+            <a:ext cx="1176867" cy="282575"/>
+          </a:xfrm>
+          <a:prstGeom prst="rightArrow">
+            <a:avLst/>
+          </a:prstGeom>
+        </p:spPr>
+        <p:style>
+          <a:lnRef idx="2">
+            <a:schemeClr val="accent4">
+              <a:shade val="50000"/>
+            </a:schemeClr>
+          </a:lnRef>
+          <a:fillRef idx="1">
+            <a:schemeClr val="accent4"/>
+          </a:fillRef>
+          <a:effectRef idx="0">
+            <a:schemeClr val="accent4"/>
+          </a:effectRef>
+          <a:fontRef idx="minor">
+            <a:schemeClr val="lt1"/>
+          </a:fontRef>
+        </p:style>
+        <p:txBody>
+          <a:bodyPr rtlCol="0" anchor="ctr"/>
+          <a:lstStyle/>
+          <a:p>
+            <a:pPr algn="ctr"/>
+            <a:endParaRPr lang="es-MX"/>
+          </a:p>
+        </p:txBody>
+      </p:sp>
+      <p:sp>
+        <p:nvSpPr>
+          <p:cNvPr id="8" name="CuadroTexto 7"/>
+          <p:cNvSpPr txBox="1"/>
+          <p:nvPr/>
+        </p:nvSpPr>
+        <p:spPr>
+          <a:xfrm>
+            <a:off x="6383867" y="1690688"/>
+            <a:ext cx="5554133" cy="4524315"/>
+          </a:xfrm>
+          <a:prstGeom prst="rect">
+            <a:avLst/>
+          </a:prstGeom>
+          <a:solidFill>
+            <a:schemeClr val="accent4">
+              <a:lumMod val="20000"/>
+              <a:lumOff val="80000"/>
+            </a:schemeClr>
+          </a:solidFill>
+          <a:ln>
+            <a:solidFill>
+              <a:schemeClr val="tx1"/>
+            </a:solidFill>
+          </a:ln>
+        </p:spPr>
+        <p:txBody>
+          <a:bodyPr wrap="square" rtlCol="0">
+            <a:spAutoFit/>
+          </a:bodyPr>
+          <a:lstStyle/>
+          <a:p>
+            <a:r>
+              <a:rPr lang="es-MX" dirty="0" smtClean="0"/>
+              <a:t>Ver presentación</a:t>
+            </a:r>
+          </a:p>
+          <a:p>
+            <a:endParaRPr lang="es-MX" dirty="0"/>
+          </a:p>
+          <a:p>
+            <a:endParaRPr lang="es-MX" dirty="0" smtClean="0"/>
+          </a:p>
+          <a:p>
+            <a:endParaRPr lang="es-MX" dirty="0"/>
+          </a:p>
+          <a:p>
+            <a:endParaRPr lang="es-MX" dirty="0" smtClean="0"/>
+          </a:p>
+          <a:p>
+            <a:endParaRPr lang="es-MX" dirty="0"/>
+          </a:p>
+          <a:p>
+            <a:endParaRPr lang="es-MX" dirty="0" smtClean="0"/>
+          </a:p>
+          <a:p>
+            <a:endParaRPr lang="es-MX" dirty="0"/>
+          </a:p>
+          <a:p>
+            <a:endParaRPr lang="es-MX" dirty="0" smtClean="0"/>
+          </a:p>
+          <a:p>
+            <a:endParaRPr lang="es-MX" dirty="0"/>
+          </a:p>
+          <a:p>
+            <a:endParaRPr lang="es-MX" dirty="0" smtClean="0"/>
+          </a:p>
+          <a:p>
+            <a:endParaRPr lang="es-MX" dirty="0"/>
+          </a:p>
+          <a:p>
+            <a:endParaRPr lang="es-MX" dirty="0" smtClean="0"/>
+          </a:p>
+          <a:p>
+            <a:endParaRPr lang="es-MX" dirty="0"/>
+          </a:p>
+          <a:p>
+            <a:endParaRPr lang="es-MX" dirty="0" smtClean="0"/>
+          </a:p>
+          <a:p>
+            <a:endParaRPr lang="es-MX" dirty="0"/>
+          </a:p>
+        </p:txBody>
+      </p:sp>
+      <p:pic>
+        <p:nvPicPr>
+          <p:cNvPr id="3" name="Imagen 2"/>
+          <p:cNvPicPr>
+            <a:picLocks noChangeAspect="1"/>
+          </p:cNvPicPr>
+          <p:nvPr/>
+        </p:nvPicPr>
+        <p:blipFill>
+          <a:blip r:embed="rId2"/>
+          <a:stretch>
+            <a:fillRect/>
+          </a:stretch>
+        </p:blipFill>
+        <p:spPr>
+          <a:xfrm>
+            <a:off x="7235077" y="2780319"/>
+            <a:ext cx="4118723" cy="2530851"/>
+          </a:xfrm>
+          <a:prstGeom prst="rect">
+            <a:avLst/>
+          </a:prstGeom>
+        </p:spPr>
+      </p:pic>
+    </p:spTree>
+    <p:extLst>
+      <p:ext uri="{BB962C8B-B14F-4D97-AF65-F5344CB8AC3E}">
+        <p14:creationId xmlns:p14="http://schemas.microsoft.com/office/powerpoint/2010/main" val="2745185243"/>
+      </p:ext>
+    </p:extLst>
+  </p:cSld>
+  <p:clrMapOvr>
+    <a:masterClrMapping/>
+  </p:clrMapOvr>
+</p:sld>
+</file>
+
+<file path=ppt/slides/slide13.xml><?xml version="1.0" encoding="utf-8"?>
+<p:sld xmlns:a="http://schemas.openxmlformats.org/drawingml/2006/main" xmlns:r="http://schemas.openxmlformats.org/officeDocument/2006/relationships" xmlns:p="http://schemas.openxmlformats.org/presentationml/2006/main">
+  <p:cSld>
+    <p:spTree>
+      <p:nvGrpSpPr>
+        <p:cNvPr id="1" name=""/>
+        <p:cNvGrpSpPr/>
+        <p:nvPr/>
+      </p:nvGrpSpPr>
+      <p:grpSpPr>
+        <a:xfrm>
+          <a:off x="0" y="0"/>
+          <a:ext cx="0" cy="0"/>
+          <a:chOff x="0" y="0"/>
+          <a:chExt cx="0" cy="0"/>
+        </a:xfrm>
+      </p:grpSpPr>
+      <p:sp>
+        <p:nvSpPr>
+          <p:cNvPr id="2" name="Título 1"/>
+          <p:cNvSpPr>
+            <a:spLocks noGrp="1"/>
+          </p:cNvSpPr>
+          <p:nvPr>
+            <p:ph type="title"/>
+          </p:nvPr>
+        </p:nvSpPr>
+        <p:spPr/>
+        <p:txBody>
+          <a:bodyPr/>
+          <a:lstStyle/>
+          <a:p>
+            <a:r>
+              <a:rPr lang="es-MX" b="1" dirty="0" smtClean="0"/>
+              <a:t>¿Cómo plantear un proyecto de investigación?</a:t>
+            </a:r>
+            <a:endParaRPr lang="es-MX" b="1" dirty="0"/>
+          </a:p>
+        </p:txBody>
+      </p:sp>
+      <p:sp>
+        <p:nvSpPr>
+          <p:cNvPr id="5" name="Rectángulo 4"/>
+          <p:cNvSpPr/>
+          <p:nvPr/>
+        </p:nvSpPr>
+        <p:spPr>
+          <a:xfrm>
+            <a:off x="0" y="0"/>
+            <a:ext cx="12192000" cy="482600"/>
+          </a:xfrm>
+          <a:prstGeom prst="rect">
+            <a:avLst/>
+          </a:prstGeom>
+        </p:spPr>
+        <p:style>
+          <a:lnRef idx="0">
+            <a:schemeClr val="accent4"/>
+          </a:lnRef>
+          <a:fillRef idx="3">
+            <a:schemeClr val="accent4"/>
+          </a:fillRef>
+          <a:effectRef idx="3">
+            <a:schemeClr val="accent4"/>
+          </a:effectRef>
+          <a:fontRef idx="minor">
+            <a:schemeClr val="lt1"/>
+          </a:fontRef>
+        </p:style>
+        <p:txBody>
+          <a:bodyPr rtlCol="0" anchor="ctr"/>
+          <a:lstStyle/>
+          <a:p>
+            <a:pPr algn="ctr"/>
+            <a:endParaRPr lang="es-MX"/>
+          </a:p>
+        </p:txBody>
+      </p:sp>
+      <p:sp>
+        <p:nvSpPr>
+          <p:cNvPr id="6" name="Rectángulo 5"/>
+          <p:cNvSpPr/>
+          <p:nvPr/>
+        </p:nvSpPr>
+        <p:spPr>
+          <a:xfrm>
+            <a:off x="0" y="6400800"/>
+            <a:ext cx="12192000" cy="457200"/>
+          </a:xfrm>
+          <a:prstGeom prst="rect">
+            <a:avLst/>
+          </a:prstGeom>
+        </p:spPr>
+        <p:style>
+          <a:lnRef idx="0">
+            <a:schemeClr val="accent4"/>
+          </a:lnRef>
+          <a:fillRef idx="3">
+            <a:schemeClr val="accent4"/>
+          </a:fillRef>
+          <a:effectRef idx="3">
+            <a:schemeClr val="accent4"/>
+          </a:effectRef>
+          <a:fontRef idx="minor">
+            <a:schemeClr val="lt1"/>
+          </a:fontRef>
+        </p:style>
+        <p:txBody>
+          <a:bodyPr rtlCol="0" anchor="ctr"/>
+          <a:lstStyle/>
+          <a:p>
+            <a:pPr algn="ctr"/>
+            <a:endParaRPr lang="es-MX"/>
+          </a:p>
+        </p:txBody>
+      </p:sp>
+      <p:sp>
+        <p:nvSpPr>
+          <p:cNvPr id="17" name="Marcador de contenido 2"/>
+          <p:cNvSpPr>
+            <a:spLocks noGrp="1"/>
+          </p:cNvSpPr>
+          <p:nvPr>
+            <p:ph idx="1"/>
+          </p:nvPr>
+        </p:nvSpPr>
+        <p:spPr>
+          <a:xfrm>
+            <a:off x="838200" y="1825625"/>
+            <a:ext cx="10515600" cy="4351338"/>
+          </a:xfrm>
+        </p:spPr>
+        <p:txBody>
+          <a:bodyPr/>
+          <a:lstStyle/>
+          <a:p>
+            <a:r>
+              <a:rPr lang="es-MX" dirty="0" smtClean="0"/>
+              <a:t>Introducción</a:t>
+            </a:r>
+          </a:p>
+          <a:p>
+            <a:endParaRPr lang="es-MX" dirty="0"/>
+          </a:p>
+          <a:p>
+            <a:r>
+              <a:rPr lang="es-MX" dirty="0" smtClean="0"/>
+              <a:t>Pregunta de investigación</a:t>
+            </a:r>
+          </a:p>
+          <a:p>
+            <a:endParaRPr lang="es-MX" dirty="0"/>
+          </a:p>
+          <a:p>
+            <a:r>
+              <a:rPr lang="es-MX" b="1" dirty="0" smtClean="0"/>
+              <a:t>Objetivos</a:t>
+            </a:r>
+          </a:p>
+          <a:p>
+            <a:pPr lvl="1"/>
+            <a:r>
+              <a:rPr lang="es-MX" b="1" dirty="0" smtClean="0"/>
+              <a:t>Objetivo general</a:t>
+            </a:r>
+          </a:p>
+          <a:p>
+            <a:pPr lvl="1"/>
+            <a:r>
+              <a:rPr lang="es-MX" b="1" dirty="0" smtClean="0"/>
+              <a:t>Objetivo Específico</a:t>
+            </a:r>
+          </a:p>
+          <a:p>
+            <a:pPr lvl="1"/>
+            <a:endParaRPr lang="es-MX" dirty="0"/>
+          </a:p>
+          <a:p>
+            <a:r>
+              <a:rPr lang="es-MX" dirty="0" smtClean="0"/>
+              <a:t>Justificación</a:t>
+            </a:r>
+            <a:endParaRPr lang="es-MX" dirty="0"/>
+          </a:p>
+        </p:txBody>
+      </p:sp>
+      <p:sp>
+        <p:nvSpPr>
+          <p:cNvPr id="7" name="Flecha derecha 6"/>
+          <p:cNvSpPr/>
+          <p:nvPr/>
+        </p:nvSpPr>
+        <p:spPr>
+          <a:xfrm>
+            <a:off x="4021666" y="4081992"/>
+            <a:ext cx="2175933" cy="282575"/>
+          </a:xfrm>
+          <a:prstGeom prst="rightArrow">
+            <a:avLst/>
+          </a:prstGeom>
+        </p:spPr>
+        <p:style>
+          <a:lnRef idx="2">
+            <a:schemeClr val="accent4">
+              <a:shade val="50000"/>
+            </a:schemeClr>
+          </a:lnRef>
+          <a:fillRef idx="1">
+            <a:schemeClr val="accent4"/>
+          </a:fillRef>
+          <a:effectRef idx="0">
+            <a:schemeClr val="accent4"/>
+          </a:effectRef>
+          <a:fontRef idx="minor">
+            <a:schemeClr val="lt1"/>
+          </a:fontRef>
+        </p:style>
+        <p:txBody>
+          <a:bodyPr rtlCol="0" anchor="ctr"/>
+          <a:lstStyle/>
+          <a:p>
+            <a:pPr algn="ctr"/>
+            <a:endParaRPr lang="es-MX"/>
+          </a:p>
+        </p:txBody>
+      </p:sp>
+      <p:sp>
+        <p:nvSpPr>
+          <p:cNvPr id="8" name="CuadroTexto 7"/>
+          <p:cNvSpPr txBox="1"/>
+          <p:nvPr/>
+        </p:nvSpPr>
+        <p:spPr>
+          <a:xfrm>
+            <a:off x="6383867" y="1690688"/>
+            <a:ext cx="5554133" cy="2862322"/>
+          </a:xfrm>
+          <a:prstGeom prst="rect">
+            <a:avLst/>
+          </a:prstGeom>
+          <a:solidFill>
+            <a:schemeClr val="accent4">
+              <a:lumMod val="20000"/>
+              <a:lumOff val="80000"/>
+            </a:schemeClr>
+          </a:solidFill>
+          <a:ln>
+            <a:solidFill>
+              <a:schemeClr val="tx1"/>
+            </a:solidFill>
+          </a:ln>
+        </p:spPr>
+        <p:txBody>
+          <a:bodyPr wrap="square" rtlCol="0">
+            <a:spAutoFit/>
+          </a:bodyPr>
+          <a:lstStyle/>
+          <a:p>
+            <a:pPr marL="285750" indent="-285750">
+              <a:buFont typeface="Arial" panose="020B0604020202020204" pitchFamily="34" charset="0"/>
+              <a:buChar char="•"/>
+            </a:pPr>
+            <a:r>
+              <a:rPr lang="es-MX" b="1" dirty="0" smtClean="0"/>
+              <a:t>Objetivo GENERAL</a:t>
+            </a:r>
+          </a:p>
+          <a:p>
+            <a:pPr marL="742950" lvl="1" indent="-285750">
+              <a:buFont typeface="Arial" panose="020B0604020202020204" pitchFamily="34" charset="0"/>
+              <a:buChar char="•"/>
+            </a:pPr>
+            <a:r>
+              <a:rPr lang="es-MX" dirty="0" smtClean="0"/>
+              <a:t>¿Qué espero lograr con este trabajo?</a:t>
+            </a:r>
+          </a:p>
+          <a:p>
+            <a:pPr marL="742950" lvl="1" indent="-285750">
+              <a:buFont typeface="Arial" panose="020B0604020202020204" pitchFamily="34" charset="0"/>
+              <a:buChar char="•"/>
+            </a:pPr>
+            <a:r>
+              <a:rPr lang="es-MX" dirty="0" smtClean="0"/>
+              <a:t>Después de que la miss de TMI lea este trabajo, ¿qué es lo que espero quede completamente claro?</a:t>
+            </a:r>
+            <a:endParaRPr lang="es-MX" dirty="0"/>
+          </a:p>
+          <a:p>
+            <a:pPr marL="285750" indent="-285750">
+              <a:buFont typeface="Arial" panose="020B0604020202020204" pitchFamily="34" charset="0"/>
+              <a:buChar char="•"/>
+            </a:pPr>
+            <a:endParaRPr lang="es-MX" b="1" dirty="0" smtClean="0"/>
+          </a:p>
+          <a:p>
+            <a:pPr marL="285750" indent="-285750">
+              <a:buFont typeface="Arial" panose="020B0604020202020204" pitchFamily="34" charset="0"/>
+              <a:buChar char="•"/>
+            </a:pPr>
+            <a:endParaRPr lang="es-MX" b="1" dirty="0"/>
+          </a:p>
+          <a:p>
+            <a:pPr marL="285750" indent="-285750">
+              <a:buFont typeface="Arial" panose="020B0604020202020204" pitchFamily="34" charset="0"/>
+              <a:buChar char="•"/>
+            </a:pPr>
+            <a:r>
+              <a:rPr lang="es-MX" b="1" dirty="0" smtClean="0"/>
+              <a:t>Objetivo ESPECÍFICO</a:t>
+            </a:r>
+          </a:p>
+          <a:p>
+            <a:pPr marL="742950" lvl="1" indent="-285750">
+              <a:buFont typeface="Arial" panose="020B0604020202020204" pitchFamily="34" charset="0"/>
+              <a:buChar char="•"/>
+            </a:pPr>
+            <a:r>
+              <a:rPr lang="es-MX" dirty="0" smtClean="0"/>
+              <a:t>¿Cuáles son los pequeños detalles que procuraré resolver a lo largo de mi investigación?</a:t>
+            </a:r>
+            <a:endParaRPr lang="es-MX" dirty="0"/>
+          </a:p>
+        </p:txBody>
+      </p:sp>
+    </p:spTree>
+    <p:extLst>
+      <p:ext uri="{BB962C8B-B14F-4D97-AF65-F5344CB8AC3E}">
+        <p14:creationId xmlns:p14="http://schemas.microsoft.com/office/powerpoint/2010/main" val="4064632209"/>
+      </p:ext>
+    </p:extLst>
+  </p:cSld>
+  <p:clrMapOvr>
+    <a:masterClrMapping/>
+  </p:clrMapOvr>
+</p:sld>
+</file>
+
+<file path=ppt/slides/slide14.xml><?xml version="1.0" encoding="utf-8"?>
+<p:sld xmlns:a="http://schemas.openxmlformats.org/drawingml/2006/main" xmlns:r="http://schemas.openxmlformats.org/officeDocument/2006/relationships" xmlns:p="http://schemas.openxmlformats.org/presentationml/2006/main">
+  <p:cSld>
+    <p:spTree>
+      <p:nvGrpSpPr>
+        <p:cNvPr id="1" name=""/>
+        <p:cNvGrpSpPr/>
+        <p:nvPr/>
+      </p:nvGrpSpPr>
+      <p:grpSpPr>
+        <a:xfrm>
+          <a:off x="0" y="0"/>
+          <a:ext cx="0" cy="0"/>
+          <a:chOff x="0" y="0"/>
+          <a:chExt cx="0" cy="0"/>
+        </a:xfrm>
+      </p:grpSpPr>
+      <p:sp>
+        <p:nvSpPr>
+          <p:cNvPr id="2" name="Título 1"/>
+          <p:cNvSpPr>
+            <a:spLocks noGrp="1"/>
+          </p:cNvSpPr>
+          <p:nvPr>
+            <p:ph type="title"/>
+          </p:nvPr>
+        </p:nvSpPr>
+        <p:spPr/>
+        <p:txBody>
+          <a:bodyPr/>
+          <a:lstStyle/>
+          <a:p>
+            <a:r>
+              <a:rPr lang="es-MX" b="1" dirty="0" smtClean="0"/>
+              <a:t>¿Cómo plantear un proyecto de investigación?</a:t>
+            </a:r>
+            <a:endParaRPr lang="es-MX" b="1" dirty="0"/>
+          </a:p>
+        </p:txBody>
+      </p:sp>
+      <p:sp>
+        <p:nvSpPr>
+          <p:cNvPr id="5" name="Rectángulo 4"/>
+          <p:cNvSpPr/>
+          <p:nvPr/>
+        </p:nvSpPr>
+        <p:spPr>
+          <a:xfrm>
+            <a:off x="0" y="0"/>
+            <a:ext cx="12192000" cy="482600"/>
+          </a:xfrm>
+          <a:prstGeom prst="rect">
+            <a:avLst/>
+          </a:prstGeom>
+        </p:spPr>
+        <p:style>
+          <a:lnRef idx="0">
+            <a:schemeClr val="accent4"/>
+          </a:lnRef>
+          <a:fillRef idx="3">
+            <a:schemeClr val="accent4"/>
+          </a:fillRef>
+          <a:effectRef idx="3">
+            <a:schemeClr val="accent4"/>
+          </a:effectRef>
+          <a:fontRef idx="minor">
+            <a:schemeClr val="lt1"/>
+          </a:fontRef>
+        </p:style>
+        <p:txBody>
+          <a:bodyPr rtlCol="0" anchor="ctr"/>
+          <a:lstStyle/>
+          <a:p>
+            <a:pPr algn="ctr"/>
+            <a:endParaRPr lang="es-MX"/>
+          </a:p>
+        </p:txBody>
+      </p:sp>
+      <p:sp>
+        <p:nvSpPr>
+          <p:cNvPr id="6" name="Rectángulo 5"/>
+          <p:cNvSpPr/>
+          <p:nvPr/>
+        </p:nvSpPr>
+        <p:spPr>
+          <a:xfrm>
+            <a:off x="0" y="6400800"/>
+            <a:ext cx="12192000" cy="457200"/>
+          </a:xfrm>
+          <a:prstGeom prst="rect">
+            <a:avLst/>
+          </a:prstGeom>
+        </p:spPr>
+        <p:style>
+          <a:lnRef idx="0">
+            <a:schemeClr val="accent4"/>
+          </a:lnRef>
+          <a:fillRef idx="3">
+            <a:schemeClr val="accent4"/>
+          </a:fillRef>
+          <a:effectRef idx="3">
+            <a:schemeClr val="accent4"/>
+          </a:effectRef>
+          <a:fontRef idx="minor">
+            <a:schemeClr val="lt1"/>
+          </a:fontRef>
+        </p:style>
+        <p:txBody>
+          <a:bodyPr rtlCol="0" anchor="ctr"/>
+          <a:lstStyle/>
+          <a:p>
+            <a:pPr algn="ctr"/>
+            <a:endParaRPr lang="es-MX"/>
+          </a:p>
+        </p:txBody>
+      </p:sp>
+      <p:sp>
+        <p:nvSpPr>
+          <p:cNvPr id="17" name="Marcador de contenido 2"/>
+          <p:cNvSpPr>
+            <a:spLocks noGrp="1"/>
+          </p:cNvSpPr>
+          <p:nvPr>
+            <p:ph idx="1"/>
+          </p:nvPr>
+        </p:nvSpPr>
+        <p:spPr>
+          <a:xfrm>
+            <a:off x="838200" y="1825625"/>
+            <a:ext cx="10515600" cy="4351338"/>
+          </a:xfrm>
+        </p:spPr>
+        <p:txBody>
+          <a:bodyPr/>
+          <a:lstStyle/>
+          <a:p>
+            <a:r>
+              <a:rPr lang="es-MX" dirty="0" smtClean="0"/>
+              <a:t>Introducción</a:t>
+            </a:r>
+          </a:p>
+          <a:p>
+            <a:endParaRPr lang="es-MX" dirty="0"/>
+          </a:p>
+          <a:p>
+            <a:r>
+              <a:rPr lang="es-MX" dirty="0" smtClean="0"/>
+              <a:t>Pregunta de investigación</a:t>
+            </a:r>
+          </a:p>
+          <a:p>
+            <a:endParaRPr lang="es-MX" dirty="0"/>
+          </a:p>
+          <a:p>
+            <a:r>
+              <a:rPr lang="es-MX" dirty="0" smtClean="0"/>
+              <a:t>Objetivos</a:t>
+            </a:r>
+          </a:p>
+          <a:p>
+            <a:pPr lvl="1"/>
+            <a:r>
+              <a:rPr lang="es-MX" dirty="0" smtClean="0"/>
+              <a:t>Objetivo general</a:t>
+            </a:r>
+          </a:p>
+          <a:p>
+            <a:pPr lvl="1"/>
+            <a:r>
+              <a:rPr lang="es-MX" dirty="0" smtClean="0"/>
+              <a:t>Objetivo Específico</a:t>
+            </a:r>
+          </a:p>
+          <a:p>
+            <a:pPr lvl="1"/>
+            <a:endParaRPr lang="es-MX" dirty="0"/>
+          </a:p>
+          <a:p>
+            <a:r>
+              <a:rPr lang="es-MX" b="1" dirty="0" smtClean="0"/>
+              <a:t>Justificación</a:t>
+            </a:r>
+            <a:endParaRPr lang="es-MX" b="1" dirty="0"/>
+          </a:p>
+        </p:txBody>
+      </p:sp>
+      <p:sp>
+        <p:nvSpPr>
+          <p:cNvPr id="7" name="Flecha derecha 6"/>
+          <p:cNvSpPr/>
+          <p:nvPr/>
+        </p:nvSpPr>
+        <p:spPr>
+          <a:xfrm>
+            <a:off x="3259666" y="5622925"/>
+            <a:ext cx="2683934" cy="282575"/>
+          </a:xfrm>
+          <a:prstGeom prst="rightArrow">
+            <a:avLst/>
+          </a:prstGeom>
+        </p:spPr>
+        <p:style>
+          <a:lnRef idx="2">
+            <a:schemeClr val="accent4">
+              <a:shade val="50000"/>
+            </a:schemeClr>
+          </a:lnRef>
+          <a:fillRef idx="1">
+            <a:schemeClr val="accent4"/>
+          </a:fillRef>
+          <a:effectRef idx="0">
+            <a:schemeClr val="accent4"/>
+          </a:effectRef>
+          <a:fontRef idx="minor">
+            <a:schemeClr val="lt1"/>
+          </a:fontRef>
+        </p:style>
+        <p:txBody>
+          <a:bodyPr rtlCol="0" anchor="ctr"/>
+          <a:lstStyle/>
+          <a:p>
+            <a:pPr algn="ctr"/>
+            <a:endParaRPr lang="es-MX"/>
+          </a:p>
+        </p:txBody>
+      </p:sp>
+      <p:sp>
+        <p:nvSpPr>
+          <p:cNvPr id="8" name="CuadroTexto 7"/>
+          <p:cNvSpPr txBox="1"/>
+          <p:nvPr/>
+        </p:nvSpPr>
+        <p:spPr>
+          <a:xfrm>
+            <a:off x="6096000" y="4811554"/>
+            <a:ext cx="5554133" cy="1477328"/>
+          </a:xfrm>
+          <a:prstGeom prst="rect">
+            <a:avLst/>
+          </a:prstGeom>
+          <a:solidFill>
+            <a:schemeClr val="accent4">
+              <a:lumMod val="20000"/>
+              <a:lumOff val="80000"/>
+            </a:schemeClr>
+          </a:solidFill>
+          <a:ln>
+            <a:solidFill>
+              <a:schemeClr val="tx1"/>
+            </a:solidFill>
+          </a:ln>
+        </p:spPr>
+        <p:txBody>
+          <a:bodyPr wrap="square" rtlCol="0">
+            <a:spAutoFit/>
+          </a:bodyPr>
+          <a:lstStyle/>
+          <a:p>
+            <a:r>
+              <a:rPr lang="es-MX" b="1" dirty="0" smtClean="0"/>
+              <a:t>¿Por qué es importante estudiar este tema?</a:t>
+            </a:r>
+          </a:p>
+          <a:p>
+            <a:endParaRPr lang="es-MX" b="1" dirty="0"/>
+          </a:p>
+          <a:p>
+            <a:r>
+              <a:rPr lang="es-MX" b="1" dirty="0" smtClean="0"/>
+              <a:t>¿Dónde se aplica?</a:t>
+            </a:r>
+          </a:p>
+          <a:p>
+            <a:endParaRPr lang="es-MX" b="1" dirty="0"/>
+          </a:p>
+          <a:p>
+            <a:r>
+              <a:rPr lang="es-MX" b="1" dirty="0" smtClean="0"/>
+              <a:t>¿Qué problemas resuelve (o puede ayudar a resolver)?</a:t>
+            </a:r>
+          </a:p>
+        </p:txBody>
+      </p:sp>
+    </p:spTree>
+    <p:extLst>
+      <p:ext uri="{BB962C8B-B14F-4D97-AF65-F5344CB8AC3E}">
+        <p14:creationId xmlns:p14="http://schemas.microsoft.com/office/powerpoint/2010/main" val="231503851"/>
+      </p:ext>
+    </p:extLst>
+  </p:cSld>
+  <p:clrMapOvr>
+    <a:masterClrMapping/>
+  </p:clrMapOvr>
+</p:sld>
+</file>
+
+<file path=ppt/slides/slide15.xml><?xml version="1.0" encoding="utf-8"?>
+<p:sld xmlns:a="http://schemas.openxmlformats.org/drawingml/2006/main" xmlns:r="http://schemas.openxmlformats.org/officeDocument/2006/relationships" xmlns:p="http://schemas.openxmlformats.org/presentationml/2006/main">
+  <p:cSld>
+    <p:spTree>
+      <p:nvGrpSpPr>
+        <p:cNvPr id="1" name=""/>
+        <p:cNvGrpSpPr/>
+        <p:nvPr/>
+      </p:nvGrpSpPr>
+      <p:grpSpPr>
+        <a:xfrm>
+          <a:off x="0" y="0"/>
+          <a:ext cx="0" cy="0"/>
+          <a:chOff x="0" y="0"/>
+          <a:chExt cx="0" cy="0"/>
+        </a:xfrm>
+      </p:grpSpPr>
+      <p:sp>
+        <p:nvSpPr>
+          <p:cNvPr id="2" name="Título 1"/>
+          <p:cNvSpPr>
+            <a:spLocks noGrp="1"/>
+          </p:cNvSpPr>
+          <p:nvPr>
+            <p:ph type="ctrTitle"/>
+          </p:nvPr>
+        </p:nvSpPr>
+        <p:spPr>
+          <a:xfrm>
+            <a:off x="1524000" y="660400"/>
+            <a:ext cx="9144000" cy="2387600"/>
+          </a:xfrm>
+        </p:spPr>
+        <p:txBody>
+          <a:bodyPr>
+            <a:normAutofit fontScale="90000"/>
+          </a:bodyPr>
+          <a:lstStyle/>
+          <a:p>
+            <a:r>
+              <a:rPr lang="es-ES_tradnl" b="1" dirty="0" smtClean="0"/>
+              <a:t>Siempre</a:t>
+            </a:r>
+            <a:r>
+              <a:rPr lang="es-ES_tradnl" dirty="0" smtClean="0"/>
+              <a:t> hay que tomar en cuenta los siguientes factores</a:t>
+            </a:r>
+            <a:endParaRPr lang="es-MX" b="1" dirty="0"/>
+          </a:p>
+        </p:txBody>
+      </p:sp>
+      <p:sp>
+        <p:nvSpPr>
+          <p:cNvPr id="3" name="Subtítulo 2"/>
+          <p:cNvSpPr>
+            <a:spLocks noGrp="1"/>
+          </p:cNvSpPr>
+          <p:nvPr>
+            <p:ph type="subTitle" idx="1"/>
+          </p:nvPr>
+        </p:nvSpPr>
+        <p:spPr/>
+        <p:txBody>
+          <a:bodyPr/>
+          <a:lstStyle/>
+          <a:p>
+            <a:endParaRPr lang="es-MX"/>
+          </a:p>
+        </p:txBody>
+      </p:sp>
+      <p:pic>
+        <p:nvPicPr>
+          <p:cNvPr id="4" name="Picture 2" descr="Resultado de imagen para InterÃ©s"/>
+          <p:cNvPicPr>
+            <a:picLocks noChangeAspect="1" noChangeArrowheads="1"/>
+          </p:cNvPicPr>
+          <p:nvPr/>
+        </p:nvPicPr>
+        <p:blipFill>
+          <a:blip r:embed="rId2">
+            <a:extLst>
+              <a:ext uri="{28A0092B-C50C-407E-A947-70E740481C1C}">
+                <a14:useLocalDpi xmlns:a14="http://schemas.microsoft.com/office/drawing/2010/main" val="0"/>
+              </a:ext>
+            </a:extLst>
+          </a:blip>
+          <a:srcRect/>
+          <a:stretch>
+            <a:fillRect/>
+          </a:stretch>
+        </p:blipFill>
+        <p:spPr bwMode="auto">
+          <a:xfrm>
+            <a:off x="3810000" y="3048000"/>
+            <a:ext cx="4177242" cy="2784828"/>
+          </a:xfrm>
+          <a:prstGeom prst="rect">
+            <a:avLst/>
+          </a:prstGeom>
+          <a:noFill/>
+          <a:extLst>
+            <a:ext uri="{909E8E84-426E-40DD-AFC4-6F175D3DCCD1}">
+              <a14:hiddenFill xmlns:a14="http://schemas.microsoft.com/office/drawing/2010/main">
+                <a:solidFill>
+                  <a:srgbClr val="FFFFFF"/>
+                </a:solidFill>
+              </a14:hiddenFill>
+            </a:ext>
+          </a:extLst>
+        </p:spPr>
+      </p:pic>
+      <p:sp>
+        <p:nvSpPr>
+          <p:cNvPr id="5" name="Rectángulo 4"/>
+          <p:cNvSpPr/>
+          <p:nvPr/>
+        </p:nvSpPr>
+        <p:spPr>
+          <a:xfrm>
+            <a:off x="0" y="0"/>
+            <a:ext cx="12192000" cy="660400"/>
+          </a:xfrm>
+          <a:prstGeom prst="rect">
+            <a:avLst/>
+          </a:prstGeom>
+        </p:spPr>
+        <p:style>
+          <a:lnRef idx="0">
+            <a:schemeClr val="accent4"/>
+          </a:lnRef>
+          <a:fillRef idx="3">
+            <a:schemeClr val="accent4"/>
+          </a:fillRef>
+          <a:effectRef idx="3">
+            <a:schemeClr val="accent4"/>
+          </a:effectRef>
+          <a:fontRef idx="minor">
+            <a:schemeClr val="lt1"/>
+          </a:fontRef>
+        </p:style>
+        <p:txBody>
+          <a:bodyPr rtlCol="0" anchor="ctr"/>
+          <a:lstStyle/>
+          <a:p>
+            <a:pPr algn="ctr"/>
+            <a:endParaRPr lang="es-MX"/>
+          </a:p>
+        </p:txBody>
+      </p:sp>
+      <p:sp>
+        <p:nvSpPr>
+          <p:cNvPr id="6" name="Rectángulo 5"/>
+          <p:cNvSpPr/>
+          <p:nvPr/>
+        </p:nvSpPr>
+        <p:spPr>
+          <a:xfrm>
+            <a:off x="0" y="6197600"/>
+            <a:ext cx="12192000" cy="660400"/>
+          </a:xfrm>
+          <a:prstGeom prst="rect">
+            <a:avLst/>
+          </a:prstGeom>
+        </p:spPr>
+        <p:style>
+          <a:lnRef idx="0">
+            <a:schemeClr val="accent4"/>
+          </a:lnRef>
+          <a:fillRef idx="3">
+            <a:schemeClr val="accent4"/>
+          </a:fillRef>
+          <a:effectRef idx="3">
+            <a:schemeClr val="accent4"/>
+          </a:effectRef>
+          <a:fontRef idx="minor">
+            <a:schemeClr val="lt1"/>
+          </a:fontRef>
+        </p:style>
+        <p:txBody>
+          <a:bodyPr rtlCol="0" anchor="ctr"/>
+          <a:lstStyle/>
+          <a:p>
+            <a:pPr algn="ctr"/>
+            <a:endParaRPr lang="es-MX"/>
+          </a:p>
+        </p:txBody>
+      </p:sp>
+      <p:sp>
+        <p:nvSpPr>
+          <p:cNvPr id="7" name="Rectángulo redondeado 6"/>
+          <p:cNvSpPr/>
+          <p:nvPr/>
+        </p:nvSpPr>
+        <p:spPr>
+          <a:xfrm>
+            <a:off x="1041400" y="4461933"/>
+            <a:ext cx="2455333" cy="1058334"/>
+          </a:xfrm>
+          <a:prstGeom prst="roundRect">
+            <a:avLst/>
+          </a:prstGeom>
+          <a:solidFill>
+            <a:schemeClr val="accent4">
+              <a:lumMod val="50000"/>
+            </a:schemeClr>
+          </a:solidFill>
+          <a:ln>
+            <a:solidFill>
+              <a:schemeClr val="tx1"/>
+            </a:solidFill>
+          </a:ln>
+        </p:spPr>
+        <p:style>
+          <a:lnRef idx="2">
+            <a:schemeClr val="accent1">
+              <a:shade val="50000"/>
+            </a:schemeClr>
+          </a:lnRef>
+          <a:fillRef idx="1">
+            <a:schemeClr val="accent1"/>
+          </a:fillRef>
+          <a:effectRef idx="0">
+            <a:schemeClr val="accent1"/>
+          </a:effectRef>
+          <a:fontRef idx="minor">
+            <a:schemeClr val="lt1"/>
+          </a:fontRef>
+        </p:style>
+        <p:txBody>
+          <a:bodyPr rtlCol="0" anchor="ctr"/>
+          <a:lstStyle/>
+          <a:p>
+            <a:pPr algn="ctr"/>
+            <a:r>
+              <a:rPr lang="es-MX" sz="2500" b="1" dirty="0" smtClean="0"/>
+              <a:t>Viabilidad</a:t>
+            </a:r>
+            <a:endParaRPr lang="es-MX" sz="2500" b="1" dirty="0"/>
+          </a:p>
+        </p:txBody>
+      </p:sp>
+      <p:sp>
+        <p:nvSpPr>
+          <p:cNvPr id="8" name="Rectángulo redondeado 7"/>
+          <p:cNvSpPr/>
+          <p:nvPr/>
+        </p:nvSpPr>
+        <p:spPr>
+          <a:xfrm>
+            <a:off x="8695267" y="4486980"/>
+            <a:ext cx="2455333" cy="1058334"/>
+          </a:xfrm>
+          <a:prstGeom prst="roundRect">
+            <a:avLst/>
+          </a:prstGeom>
+          <a:solidFill>
+            <a:schemeClr val="accent4">
+              <a:lumMod val="50000"/>
+            </a:schemeClr>
+          </a:solidFill>
+          <a:ln>
+            <a:solidFill>
+              <a:schemeClr val="tx1"/>
+            </a:solidFill>
+          </a:ln>
+        </p:spPr>
+        <p:style>
+          <a:lnRef idx="2">
+            <a:schemeClr val="accent1">
+              <a:shade val="50000"/>
+            </a:schemeClr>
+          </a:lnRef>
+          <a:fillRef idx="1">
+            <a:schemeClr val="accent1"/>
+          </a:fillRef>
+          <a:effectRef idx="0">
+            <a:schemeClr val="accent1"/>
+          </a:effectRef>
+          <a:fontRef idx="minor">
+            <a:schemeClr val="lt1"/>
+          </a:fontRef>
+        </p:style>
+        <p:txBody>
+          <a:bodyPr rtlCol="0" anchor="ctr"/>
+          <a:lstStyle/>
+          <a:p>
+            <a:pPr algn="ctr"/>
+            <a:r>
+              <a:rPr lang="es-MX" sz="2500" b="1" dirty="0" smtClean="0"/>
+              <a:t>Ética</a:t>
+            </a:r>
+            <a:endParaRPr lang="es-MX" sz="2500" b="1" dirty="0"/>
+          </a:p>
+        </p:txBody>
+      </p:sp>
+    </p:spTree>
+    <p:extLst>
+      <p:ext uri="{BB962C8B-B14F-4D97-AF65-F5344CB8AC3E}">
+        <p14:creationId xmlns:p14="http://schemas.microsoft.com/office/powerpoint/2010/main" val="2211206740"/>
+      </p:ext>
+    </p:extLst>
+  </p:cSld>
+  <p:clrMapOvr>
+    <a:masterClrMapping/>
+  </p:clrMapOvr>
+  <p:timing>
+    <p:tnLst>
+      <p:par>
+        <p:cTn id="1" dur="indefinite" restart="never" nodeType="tmRoot"/>
+      </p:par>
+    </p:tnLst>
+  </p:timing>
+</p:sld>
+</file>
+
+<file path=ppt/slides/slide16.xml><?xml version="1.0" encoding="utf-8"?>
+<p:sld xmlns:a="http://schemas.openxmlformats.org/drawingml/2006/main" xmlns:r="http://schemas.openxmlformats.org/officeDocument/2006/relationships" xmlns:p="http://schemas.openxmlformats.org/presentationml/2006/main">
+  <p:cSld>
+    <p:spTree>
+      <p:nvGrpSpPr>
+        <p:cNvPr id="1" name=""/>
+        <p:cNvGrpSpPr/>
+        <p:nvPr/>
+      </p:nvGrpSpPr>
+      <p:grpSpPr>
+        <a:xfrm>
+          <a:off x="0" y="0"/>
+          <a:ext cx="0" cy="0"/>
+          <a:chOff x="0" y="0"/>
+          <a:chExt cx="0" cy="0"/>
+        </a:xfrm>
+      </p:grpSpPr>
+      <p:sp>
+        <p:nvSpPr>
+          <p:cNvPr id="2" name="Título 1"/>
+          <p:cNvSpPr>
+            <a:spLocks noGrp="1"/>
+          </p:cNvSpPr>
+          <p:nvPr>
+            <p:ph type="title"/>
+          </p:nvPr>
+        </p:nvSpPr>
+        <p:spPr/>
+        <p:txBody>
+          <a:bodyPr/>
+          <a:lstStyle/>
+          <a:p>
+            <a:r>
+              <a:rPr lang="es-MX" b="1" dirty="0" smtClean="0"/>
+              <a:t>Viabilidad</a:t>
+            </a:r>
+            <a:endParaRPr lang="es-MX" b="1" dirty="0"/>
+          </a:p>
+        </p:txBody>
+      </p:sp>
+      <p:sp>
+        <p:nvSpPr>
+          <p:cNvPr id="3" name="Marcador de contenido 2"/>
+          <p:cNvSpPr>
+            <a:spLocks noGrp="1"/>
+          </p:cNvSpPr>
+          <p:nvPr>
+            <p:ph idx="1"/>
+          </p:nvPr>
+        </p:nvSpPr>
+        <p:spPr/>
+        <p:txBody>
+          <a:bodyPr/>
+          <a:lstStyle/>
+          <a:p>
+            <a:r>
+              <a:rPr lang="es-MX" dirty="0" smtClean="0"/>
+              <a:t>¿Contamos con los medios para responder la pregunta de investigación</a:t>
+            </a:r>
+            <a:r>
+              <a:rPr lang="es-MX" dirty="0" smtClean="0"/>
+              <a:t>?</a:t>
+            </a:r>
+            <a:endParaRPr lang="es-MX" dirty="0" smtClean="0"/>
+          </a:p>
+        </p:txBody>
+      </p:sp>
+      <p:sp>
+        <p:nvSpPr>
+          <p:cNvPr id="4" name="Rectángulo 3"/>
+          <p:cNvSpPr/>
+          <p:nvPr/>
+        </p:nvSpPr>
+        <p:spPr>
+          <a:xfrm>
+            <a:off x="0" y="0"/>
+            <a:ext cx="12192000" cy="482600"/>
+          </a:xfrm>
+          <a:prstGeom prst="rect">
+            <a:avLst/>
+          </a:prstGeom>
+        </p:spPr>
+        <p:style>
+          <a:lnRef idx="0">
+            <a:schemeClr val="accent4"/>
+          </a:lnRef>
+          <a:fillRef idx="3">
+            <a:schemeClr val="accent4"/>
+          </a:fillRef>
+          <a:effectRef idx="3">
+            <a:schemeClr val="accent4"/>
+          </a:effectRef>
+          <a:fontRef idx="minor">
+            <a:schemeClr val="lt1"/>
+          </a:fontRef>
+        </p:style>
+        <p:txBody>
+          <a:bodyPr rtlCol="0" anchor="ctr"/>
+          <a:lstStyle/>
+          <a:p>
+            <a:pPr algn="ctr"/>
+            <a:endParaRPr lang="es-MX"/>
+          </a:p>
+        </p:txBody>
+      </p:sp>
+      <p:sp>
+        <p:nvSpPr>
+          <p:cNvPr id="5" name="Rectángulo 4"/>
+          <p:cNvSpPr/>
+          <p:nvPr/>
+        </p:nvSpPr>
+        <p:spPr>
+          <a:xfrm>
+            <a:off x="0" y="6400800"/>
+            <a:ext cx="12192000" cy="457200"/>
+          </a:xfrm>
+          <a:prstGeom prst="rect">
+            <a:avLst/>
+          </a:prstGeom>
+        </p:spPr>
+        <p:style>
+          <a:lnRef idx="0">
+            <a:schemeClr val="accent4"/>
+          </a:lnRef>
+          <a:fillRef idx="3">
+            <a:schemeClr val="accent4"/>
+          </a:fillRef>
+          <a:effectRef idx="3">
+            <a:schemeClr val="accent4"/>
+          </a:effectRef>
+          <a:fontRef idx="minor">
+            <a:schemeClr val="lt1"/>
+          </a:fontRef>
+        </p:style>
+        <p:txBody>
+          <a:bodyPr rtlCol="0" anchor="ctr"/>
+          <a:lstStyle/>
+          <a:p>
+            <a:pPr algn="ctr"/>
+            <a:endParaRPr lang="es-MX"/>
+          </a:p>
+        </p:txBody>
+      </p:sp>
+    </p:spTree>
+    <p:extLst>
+      <p:ext uri="{BB962C8B-B14F-4D97-AF65-F5344CB8AC3E}">
+        <p14:creationId xmlns:p14="http://schemas.microsoft.com/office/powerpoint/2010/main" val="3778840078"/>
+      </p:ext>
+    </p:extLst>
+  </p:cSld>
+  <p:clrMapOvr>
+    <a:masterClrMapping/>
+  </p:clrMapOvr>
+</p:sld>
+</file>
+
+<file path=ppt/slides/slide17.xml><?xml version="1.0" encoding="utf-8"?>
+<p:sld xmlns:a="http://schemas.openxmlformats.org/drawingml/2006/main" xmlns:r="http://schemas.openxmlformats.org/officeDocument/2006/relationships" xmlns:p="http://schemas.openxmlformats.org/presentationml/2006/main">
+  <p:cSld>
+    <p:spTree>
+      <p:nvGrpSpPr>
+        <p:cNvPr id="1" name=""/>
+        <p:cNvGrpSpPr/>
+        <p:nvPr/>
+      </p:nvGrpSpPr>
+      <p:grpSpPr>
+        <a:xfrm>
+          <a:off x="0" y="0"/>
+          <a:ext cx="0" cy="0"/>
+          <a:chOff x="0" y="0"/>
+          <a:chExt cx="0" cy="0"/>
+        </a:xfrm>
+      </p:grpSpPr>
+      <p:sp>
+        <p:nvSpPr>
+          <p:cNvPr id="2" name="Título 1"/>
+          <p:cNvSpPr>
+            <a:spLocks noGrp="1"/>
+          </p:cNvSpPr>
+          <p:nvPr>
+            <p:ph type="title"/>
+          </p:nvPr>
+        </p:nvSpPr>
+        <p:spPr/>
+        <p:txBody>
+          <a:bodyPr/>
+          <a:lstStyle/>
+          <a:p>
+            <a:r>
+              <a:rPr lang="es-MX" b="1" dirty="0" smtClean="0"/>
+              <a:t>Viabilidad</a:t>
+            </a:r>
+            <a:endParaRPr lang="es-MX" b="1" dirty="0"/>
+          </a:p>
+        </p:txBody>
+      </p:sp>
+      <p:sp>
+        <p:nvSpPr>
+          <p:cNvPr id="3" name="Marcador de contenido 2"/>
+          <p:cNvSpPr>
+            <a:spLocks noGrp="1"/>
+          </p:cNvSpPr>
+          <p:nvPr>
+            <p:ph idx="1"/>
+          </p:nvPr>
+        </p:nvSpPr>
+        <p:spPr/>
+        <p:txBody>
+          <a:bodyPr/>
+          <a:lstStyle/>
+          <a:p>
+            <a:r>
+              <a:rPr lang="es-MX" dirty="0" smtClean="0"/>
+              <a:t>¿Contamos con los medios para responder la pregunta de investigación</a:t>
+            </a:r>
+            <a:r>
+              <a:rPr lang="es-MX" dirty="0" smtClean="0"/>
+              <a:t>?</a:t>
+            </a:r>
+            <a:endParaRPr lang="es-MX" dirty="0" smtClean="0"/>
+          </a:p>
+        </p:txBody>
+      </p:sp>
+      <p:sp>
+        <p:nvSpPr>
+          <p:cNvPr id="4" name="Rectángulo 3"/>
+          <p:cNvSpPr/>
+          <p:nvPr/>
+        </p:nvSpPr>
+        <p:spPr>
+          <a:xfrm>
+            <a:off x="0" y="0"/>
+            <a:ext cx="12192000" cy="482600"/>
+          </a:xfrm>
+          <a:prstGeom prst="rect">
+            <a:avLst/>
+          </a:prstGeom>
+        </p:spPr>
+        <p:style>
+          <a:lnRef idx="0">
+            <a:schemeClr val="accent4"/>
+          </a:lnRef>
+          <a:fillRef idx="3">
+            <a:schemeClr val="accent4"/>
+          </a:fillRef>
+          <a:effectRef idx="3">
+            <a:schemeClr val="accent4"/>
+          </a:effectRef>
+          <a:fontRef idx="minor">
+            <a:schemeClr val="lt1"/>
+          </a:fontRef>
+        </p:style>
+        <p:txBody>
+          <a:bodyPr rtlCol="0" anchor="ctr"/>
+          <a:lstStyle/>
+          <a:p>
+            <a:pPr algn="ctr"/>
+            <a:endParaRPr lang="es-MX"/>
+          </a:p>
+        </p:txBody>
+      </p:sp>
+      <p:sp>
+        <p:nvSpPr>
+          <p:cNvPr id="5" name="Rectángulo 4"/>
+          <p:cNvSpPr/>
+          <p:nvPr/>
+        </p:nvSpPr>
+        <p:spPr>
+          <a:xfrm>
+            <a:off x="0" y="6400800"/>
+            <a:ext cx="12192000" cy="457200"/>
+          </a:xfrm>
+          <a:prstGeom prst="rect">
+            <a:avLst/>
+          </a:prstGeom>
+        </p:spPr>
+        <p:style>
+          <a:lnRef idx="0">
+            <a:schemeClr val="accent4"/>
+          </a:lnRef>
+          <a:fillRef idx="3">
+            <a:schemeClr val="accent4"/>
+          </a:fillRef>
+          <a:effectRef idx="3">
+            <a:schemeClr val="accent4"/>
+          </a:effectRef>
+          <a:fontRef idx="minor">
+            <a:schemeClr val="lt1"/>
+          </a:fontRef>
+        </p:style>
+        <p:txBody>
+          <a:bodyPr rtlCol="0" anchor="ctr"/>
+          <a:lstStyle/>
+          <a:p>
+            <a:pPr algn="ctr"/>
+            <a:endParaRPr lang="es-MX"/>
+          </a:p>
+        </p:txBody>
+      </p:sp>
+      <p:pic>
+        <p:nvPicPr>
+          <p:cNvPr id="6" name="Imagen 5"/>
+          <p:cNvPicPr>
+            <a:picLocks noChangeAspect="1"/>
+          </p:cNvPicPr>
+          <p:nvPr/>
+        </p:nvPicPr>
+        <p:blipFill>
+          <a:blip r:embed="rId2"/>
+          <a:stretch>
+            <a:fillRect/>
+          </a:stretch>
+        </p:blipFill>
+        <p:spPr>
+          <a:xfrm>
+            <a:off x="2433637" y="2974182"/>
+            <a:ext cx="7324725" cy="714375"/>
+          </a:xfrm>
+          <a:prstGeom prst="rect">
+            <a:avLst/>
+          </a:prstGeom>
+        </p:spPr>
+      </p:pic>
+    </p:spTree>
+    <p:extLst>
+      <p:ext uri="{BB962C8B-B14F-4D97-AF65-F5344CB8AC3E}">
+        <p14:creationId xmlns:p14="http://schemas.microsoft.com/office/powerpoint/2010/main" val="393488508"/>
+      </p:ext>
+    </p:extLst>
+  </p:cSld>
+  <p:clrMapOvr>
+    <a:masterClrMapping/>
+  </p:clrMapOvr>
+</p:sld>
+</file>
+
+<file path=ppt/slides/slide18.xml><?xml version="1.0" encoding="utf-8"?>
+<p:sld xmlns:a="http://schemas.openxmlformats.org/drawingml/2006/main" xmlns:r="http://schemas.openxmlformats.org/officeDocument/2006/relationships" xmlns:p="http://schemas.openxmlformats.org/presentationml/2006/main">
+  <p:cSld>
+    <p:spTree>
+      <p:nvGrpSpPr>
+        <p:cNvPr id="1" name=""/>
+        <p:cNvGrpSpPr/>
+        <p:nvPr/>
+      </p:nvGrpSpPr>
+      <p:grpSpPr>
+        <a:xfrm>
+          <a:off x="0" y="0"/>
+          <a:ext cx="0" cy="0"/>
+          <a:chOff x="0" y="0"/>
+          <a:chExt cx="0" cy="0"/>
+        </a:xfrm>
+      </p:grpSpPr>
+      <p:sp>
+        <p:nvSpPr>
+          <p:cNvPr id="2" name="Título 1"/>
+          <p:cNvSpPr>
+            <a:spLocks noGrp="1"/>
+          </p:cNvSpPr>
+          <p:nvPr>
+            <p:ph type="title"/>
+          </p:nvPr>
+        </p:nvSpPr>
+        <p:spPr/>
+        <p:txBody>
+          <a:bodyPr/>
+          <a:lstStyle/>
+          <a:p>
+            <a:r>
+              <a:rPr lang="es-MX" b="1" dirty="0" smtClean="0"/>
+              <a:t>Viabilidad</a:t>
+            </a:r>
+            <a:endParaRPr lang="es-MX" b="1" dirty="0"/>
+          </a:p>
+        </p:txBody>
+      </p:sp>
+      <p:sp>
+        <p:nvSpPr>
+          <p:cNvPr id="3" name="Marcador de contenido 2"/>
+          <p:cNvSpPr>
+            <a:spLocks noGrp="1"/>
+          </p:cNvSpPr>
+          <p:nvPr>
+            <p:ph idx="1"/>
+          </p:nvPr>
+        </p:nvSpPr>
+        <p:spPr/>
+        <p:txBody>
+          <a:bodyPr/>
+          <a:lstStyle/>
+          <a:p>
+            <a:r>
+              <a:rPr lang="es-MX" dirty="0" smtClean="0"/>
+              <a:t>¿Contamos con los medios para responder la pregunta de investigación</a:t>
+            </a:r>
+            <a:r>
+              <a:rPr lang="es-MX" dirty="0" smtClean="0"/>
+              <a:t>?</a:t>
+            </a:r>
+            <a:endParaRPr lang="es-MX" dirty="0" smtClean="0"/>
+          </a:p>
+        </p:txBody>
+      </p:sp>
+      <p:sp>
+        <p:nvSpPr>
+          <p:cNvPr id="4" name="Rectángulo 3"/>
+          <p:cNvSpPr/>
+          <p:nvPr/>
+        </p:nvSpPr>
+        <p:spPr>
+          <a:xfrm>
+            <a:off x="0" y="0"/>
+            <a:ext cx="12192000" cy="482600"/>
+          </a:xfrm>
+          <a:prstGeom prst="rect">
+            <a:avLst/>
+          </a:prstGeom>
+        </p:spPr>
+        <p:style>
+          <a:lnRef idx="0">
+            <a:schemeClr val="accent4"/>
+          </a:lnRef>
+          <a:fillRef idx="3">
+            <a:schemeClr val="accent4"/>
+          </a:fillRef>
+          <a:effectRef idx="3">
+            <a:schemeClr val="accent4"/>
+          </a:effectRef>
+          <a:fontRef idx="minor">
+            <a:schemeClr val="lt1"/>
+          </a:fontRef>
+        </p:style>
+        <p:txBody>
+          <a:bodyPr rtlCol="0" anchor="ctr"/>
+          <a:lstStyle/>
+          <a:p>
+            <a:pPr algn="ctr"/>
+            <a:endParaRPr lang="es-MX"/>
+          </a:p>
+        </p:txBody>
+      </p:sp>
+      <p:sp>
+        <p:nvSpPr>
+          <p:cNvPr id="5" name="Rectángulo 4"/>
+          <p:cNvSpPr/>
+          <p:nvPr/>
+        </p:nvSpPr>
+        <p:spPr>
+          <a:xfrm>
+            <a:off x="0" y="6400800"/>
+            <a:ext cx="12192000" cy="457200"/>
+          </a:xfrm>
+          <a:prstGeom prst="rect">
+            <a:avLst/>
+          </a:prstGeom>
+        </p:spPr>
+        <p:style>
+          <a:lnRef idx="0">
+            <a:schemeClr val="accent4"/>
+          </a:lnRef>
+          <a:fillRef idx="3">
+            <a:schemeClr val="accent4"/>
+          </a:fillRef>
+          <a:effectRef idx="3">
+            <a:schemeClr val="accent4"/>
+          </a:effectRef>
+          <a:fontRef idx="minor">
+            <a:schemeClr val="lt1"/>
+          </a:fontRef>
+        </p:style>
+        <p:txBody>
+          <a:bodyPr rtlCol="0" anchor="ctr"/>
+          <a:lstStyle/>
+          <a:p>
+            <a:pPr algn="ctr"/>
+            <a:endParaRPr lang="es-MX"/>
+          </a:p>
+        </p:txBody>
+      </p:sp>
+      <p:pic>
+        <p:nvPicPr>
+          <p:cNvPr id="6" name="Imagen 5"/>
+          <p:cNvPicPr>
+            <a:picLocks noChangeAspect="1"/>
+          </p:cNvPicPr>
+          <p:nvPr/>
+        </p:nvPicPr>
+        <p:blipFill>
+          <a:blip r:embed="rId2"/>
+          <a:stretch>
+            <a:fillRect/>
+          </a:stretch>
+        </p:blipFill>
+        <p:spPr>
+          <a:xfrm>
+            <a:off x="2433637" y="2974182"/>
+            <a:ext cx="7324725" cy="714375"/>
+          </a:xfrm>
+          <a:prstGeom prst="rect">
+            <a:avLst/>
+          </a:prstGeom>
+        </p:spPr>
+      </p:pic>
+      <p:pic>
+        <p:nvPicPr>
+          <p:cNvPr id="7" name="Imagen 6"/>
+          <p:cNvPicPr>
+            <a:picLocks noChangeAspect="1"/>
+          </p:cNvPicPr>
+          <p:nvPr/>
+        </p:nvPicPr>
+        <p:blipFill>
+          <a:blip r:embed="rId3"/>
+          <a:stretch>
+            <a:fillRect/>
+          </a:stretch>
+        </p:blipFill>
+        <p:spPr>
+          <a:xfrm>
+            <a:off x="2433637" y="3912394"/>
+            <a:ext cx="6657975" cy="809625"/>
+          </a:xfrm>
+          <a:prstGeom prst="rect">
+            <a:avLst/>
+          </a:prstGeom>
+        </p:spPr>
+      </p:pic>
+    </p:spTree>
+    <p:extLst>
+      <p:ext uri="{BB962C8B-B14F-4D97-AF65-F5344CB8AC3E}">
+        <p14:creationId xmlns:p14="http://schemas.microsoft.com/office/powerpoint/2010/main" val="39608136"/>
+      </p:ext>
+    </p:extLst>
+  </p:cSld>
+  <p:clrMapOvr>
+    <a:masterClrMapping/>
+  </p:clrMapOvr>
+</p:sld>
+</file>
+
+<file path=ppt/slides/slide19.xml><?xml version="1.0" encoding="utf-8"?>
+<p:sld xmlns:a="http://schemas.openxmlformats.org/drawingml/2006/main" xmlns:r="http://schemas.openxmlformats.org/officeDocument/2006/relationships" xmlns:p="http://schemas.openxmlformats.org/presentationml/2006/main">
+  <p:cSld>
+    <p:spTree>
+      <p:nvGrpSpPr>
+        <p:cNvPr id="1" name=""/>
+        <p:cNvGrpSpPr/>
+        <p:nvPr/>
+      </p:nvGrpSpPr>
+      <p:grpSpPr>
+        <a:xfrm>
+          <a:off x="0" y="0"/>
+          <a:ext cx="0" cy="0"/>
+          <a:chOff x="0" y="0"/>
+          <a:chExt cx="0" cy="0"/>
+        </a:xfrm>
+      </p:grpSpPr>
+      <p:sp>
+        <p:nvSpPr>
+          <p:cNvPr id="2" name="Título 1"/>
+          <p:cNvSpPr>
+            <a:spLocks noGrp="1"/>
+          </p:cNvSpPr>
+          <p:nvPr>
+            <p:ph type="title"/>
+          </p:nvPr>
+        </p:nvSpPr>
+        <p:spPr/>
+        <p:txBody>
+          <a:bodyPr/>
+          <a:lstStyle/>
+          <a:p>
+            <a:r>
+              <a:rPr lang="es-MX" b="1" dirty="0" smtClean="0"/>
+              <a:t>Viabilidad</a:t>
+            </a:r>
+            <a:endParaRPr lang="es-MX" b="1" dirty="0"/>
+          </a:p>
+        </p:txBody>
+      </p:sp>
+      <p:sp>
+        <p:nvSpPr>
+          <p:cNvPr id="3" name="Marcador de contenido 2"/>
+          <p:cNvSpPr>
+            <a:spLocks noGrp="1"/>
+          </p:cNvSpPr>
+          <p:nvPr>
+            <p:ph idx="1"/>
+          </p:nvPr>
+        </p:nvSpPr>
+        <p:spPr/>
+        <p:txBody>
+          <a:bodyPr/>
+          <a:lstStyle/>
+          <a:p>
+            <a:r>
+              <a:rPr lang="es-MX" dirty="0" smtClean="0"/>
+              <a:t>¿Contamos con los medios para responder la pregunta de investigación</a:t>
+            </a:r>
+            <a:r>
+              <a:rPr lang="es-MX" dirty="0" smtClean="0"/>
+              <a:t>?</a:t>
+            </a:r>
+            <a:endParaRPr lang="es-MX" dirty="0" smtClean="0"/>
+          </a:p>
+        </p:txBody>
+      </p:sp>
+      <p:sp>
+        <p:nvSpPr>
+          <p:cNvPr id="4" name="Rectángulo 3"/>
+          <p:cNvSpPr/>
+          <p:nvPr/>
+        </p:nvSpPr>
+        <p:spPr>
+          <a:xfrm>
+            <a:off x="0" y="0"/>
+            <a:ext cx="12192000" cy="482600"/>
+          </a:xfrm>
+          <a:prstGeom prst="rect">
+            <a:avLst/>
+          </a:prstGeom>
+        </p:spPr>
+        <p:style>
+          <a:lnRef idx="0">
+            <a:schemeClr val="accent4"/>
+          </a:lnRef>
+          <a:fillRef idx="3">
+            <a:schemeClr val="accent4"/>
+          </a:fillRef>
+          <a:effectRef idx="3">
+            <a:schemeClr val="accent4"/>
+          </a:effectRef>
+          <a:fontRef idx="minor">
+            <a:schemeClr val="lt1"/>
+          </a:fontRef>
+        </p:style>
+        <p:txBody>
+          <a:bodyPr rtlCol="0" anchor="ctr"/>
+          <a:lstStyle/>
+          <a:p>
+            <a:pPr algn="ctr"/>
+            <a:endParaRPr lang="es-MX"/>
+          </a:p>
+        </p:txBody>
+      </p:sp>
+      <p:sp>
+        <p:nvSpPr>
+          <p:cNvPr id="5" name="Rectángulo 4"/>
+          <p:cNvSpPr/>
+          <p:nvPr/>
+        </p:nvSpPr>
+        <p:spPr>
+          <a:xfrm>
+            <a:off x="0" y="6400800"/>
+            <a:ext cx="12192000" cy="457200"/>
+          </a:xfrm>
+          <a:prstGeom prst="rect">
+            <a:avLst/>
+          </a:prstGeom>
+        </p:spPr>
+        <p:style>
+          <a:lnRef idx="0">
+            <a:schemeClr val="accent4"/>
+          </a:lnRef>
+          <a:fillRef idx="3">
+            <a:schemeClr val="accent4"/>
+          </a:fillRef>
+          <a:effectRef idx="3">
+            <a:schemeClr val="accent4"/>
+          </a:effectRef>
+          <a:fontRef idx="minor">
+            <a:schemeClr val="lt1"/>
+          </a:fontRef>
+        </p:style>
+        <p:txBody>
+          <a:bodyPr rtlCol="0" anchor="ctr"/>
+          <a:lstStyle/>
+          <a:p>
+            <a:pPr algn="ctr"/>
+            <a:endParaRPr lang="es-MX"/>
+          </a:p>
+        </p:txBody>
+      </p:sp>
+      <p:pic>
+        <p:nvPicPr>
+          <p:cNvPr id="6" name="Imagen 5"/>
+          <p:cNvPicPr>
+            <a:picLocks noChangeAspect="1"/>
+          </p:cNvPicPr>
+          <p:nvPr/>
+        </p:nvPicPr>
+        <p:blipFill>
+          <a:blip r:embed="rId2"/>
+          <a:stretch>
+            <a:fillRect/>
+          </a:stretch>
+        </p:blipFill>
+        <p:spPr>
+          <a:xfrm>
+            <a:off x="2433637" y="2974182"/>
+            <a:ext cx="7324725" cy="714375"/>
+          </a:xfrm>
+          <a:prstGeom prst="rect">
+            <a:avLst/>
+          </a:prstGeom>
+        </p:spPr>
+      </p:pic>
+      <p:pic>
+        <p:nvPicPr>
+          <p:cNvPr id="7" name="Imagen 6"/>
+          <p:cNvPicPr>
+            <a:picLocks noChangeAspect="1"/>
+          </p:cNvPicPr>
+          <p:nvPr/>
+        </p:nvPicPr>
+        <p:blipFill>
+          <a:blip r:embed="rId3"/>
+          <a:stretch>
+            <a:fillRect/>
+          </a:stretch>
+        </p:blipFill>
+        <p:spPr>
+          <a:xfrm>
+            <a:off x="2433637" y="3912394"/>
+            <a:ext cx="6657975" cy="809625"/>
+          </a:xfrm>
+          <a:prstGeom prst="rect">
+            <a:avLst/>
+          </a:prstGeom>
+        </p:spPr>
+      </p:pic>
+    </p:spTree>
+    <p:extLst>
+      <p:ext uri="{BB962C8B-B14F-4D97-AF65-F5344CB8AC3E}">
+        <p14:creationId xmlns:p14="http://schemas.microsoft.com/office/powerpoint/2010/main" val="1440850166"/>
       </p:ext>
     </p:extLst>
   </p:cSld>
@@ -3083,63 +5763,4054 @@
           <a:lstStyle/>
           <a:p>
             <a:r>
-              <a:rPr lang="es-MX" dirty="0" smtClean="0"/>
-              <a:t>Objetivos de la Clase</a:t>
-            </a:r>
+              <a:rPr lang="es-MX" b="1" dirty="0" smtClean="0"/>
+              <a:t>Elección de un tema en particular</a:t>
+            </a:r>
+            <a:endParaRPr lang="es-MX" b="1" dirty="0"/>
+          </a:p>
+        </p:txBody>
+      </p:sp>
+      <p:sp>
+        <p:nvSpPr>
+          <p:cNvPr id="3" name="Marcador de contenido 2"/>
+          <p:cNvSpPr>
+            <a:spLocks noGrp="1"/>
+          </p:cNvSpPr>
+          <p:nvPr>
+            <p:ph idx="1"/>
+          </p:nvPr>
+        </p:nvSpPr>
+        <p:spPr/>
+        <p:txBody>
+          <a:bodyPr/>
+          <a:lstStyle/>
+          <a:p>
             <a:endParaRPr lang="es-MX" dirty="0"/>
           </a:p>
         </p:txBody>
       </p:sp>
       <p:sp>
         <p:nvSpPr>
-          <p:cNvPr id="3" name="Marcador de contenido 2"/>
-          <p:cNvSpPr>
-            <a:spLocks noGrp="1"/>
-          </p:cNvSpPr>
-          <p:nvPr>
-            <p:ph idx="1"/>
-          </p:nvPr>
-        </p:nvSpPr>
-        <p:spPr/>
-        <p:txBody>
-          <a:bodyPr/>
-          <a:lstStyle/>
-          <a:p>
-            <a:r>
-              <a:rPr lang="es-ES_tradnl" dirty="0"/>
-              <a:t>Viabilidad y relevancia del estudio</a:t>
-            </a:r>
-            <a:endParaRPr lang="es-MX" dirty="0"/>
-          </a:p>
-          <a:p>
-            <a:r>
-              <a:rPr lang="es-ES_tradnl" dirty="0" smtClean="0"/>
-              <a:t>Planeamiento </a:t>
-            </a:r>
-            <a:r>
-              <a:rPr lang="es-ES_tradnl" dirty="0"/>
-              <a:t>de una pregunta de investigación</a:t>
-            </a:r>
-            <a:endParaRPr lang="es-MX" dirty="0"/>
-          </a:p>
-          <a:p>
-            <a:pPr marL="0" indent="0">
-              <a:buNone/>
-            </a:pPr>
-            <a:endParaRPr lang="es-MX" dirty="0"/>
+          <p:cNvPr id="5" name="Rectángulo 4"/>
+          <p:cNvSpPr/>
+          <p:nvPr/>
+        </p:nvSpPr>
+        <p:spPr>
+          <a:xfrm>
+            <a:off x="0" y="0"/>
+            <a:ext cx="12192000" cy="482600"/>
+          </a:xfrm>
+          <a:prstGeom prst="rect">
+            <a:avLst/>
+          </a:prstGeom>
+        </p:spPr>
+        <p:style>
+          <a:lnRef idx="0">
+            <a:schemeClr val="accent4"/>
+          </a:lnRef>
+          <a:fillRef idx="3">
+            <a:schemeClr val="accent4"/>
+          </a:fillRef>
+          <a:effectRef idx="3">
+            <a:schemeClr val="accent4"/>
+          </a:effectRef>
+          <a:fontRef idx="minor">
+            <a:schemeClr val="lt1"/>
+          </a:fontRef>
+        </p:style>
+        <p:txBody>
+          <a:bodyPr rtlCol="0" anchor="ctr"/>
+          <a:lstStyle/>
+          <a:p>
+            <a:pPr algn="ctr"/>
+            <a:endParaRPr lang="es-MX"/>
+          </a:p>
+        </p:txBody>
+      </p:sp>
+      <p:sp>
+        <p:nvSpPr>
+          <p:cNvPr id="6" name="Rectángulo 5"/>
+          <p:cNvSpPr/>
+          <p:nvPr/>
+        </p:nvSpPr>
+        <p:spPr>
+          <a:xfrm>
+            <a:off x="0" y="6400800"/>
+            <a:ext cx="12192000" cy="457200"/>
+          </a:xfrm>
+          <a:prstGeom prst="rect">
+            <a:avLst/>
+          </a:prstGeom>
+        </p:spPr>
+        <p:style>
+          <a:lnRef idx="0">
+            <a:schemeClr val="accent4"/>
+          </a:lnRef>
+          <a:fillRef idx="3">
+            <a:schemeClr val="accent4"/>
+          </a:fillRef>
+          <a:effectRef idx="3">
+            <a:schemeClr val="accent4"/>
+          </a:effectRef>
+          <a:fontRef idx="minor">
+            <a:schemeClr val="lt1"/>
+          </a:fontRef>
+        </p:style>
+        <p:txBody>
+          <a:bodyPr rtlCol="0" anchor="ctr"/>
+          <a:lstStyle/>
+          <a:p>
+            <a:pPr algn="ctr"/>
+            <a:endParaRPr lang="es-MX"/>
           </a:p>
         </p:txBody>
       </p:sp>
     </p:spTree>
     <p:extLst>
       <p:ext uri="{BB962C8B-B14F-4D97-AF65-F5344CB8AC3E}">
-        <p14:creationId xmlns:p14="http://schemas.microsoft.com/office/powerpoint/2010/main" val="2040012876"/>
+        <p14:creationId xmlns:p14="http://schemas.microsoft.com/office/powerpoint/2010/main" val="3446369466"/>
       </p:ext>
     </p:extLst>
   </p:cSld>
   <p:clrMapOvr>
     <a:masterClrMapping/>
   </p:clrMapOvr>
+</p:sld>
+</file>
+
+<file path=ppt/slides/slide20.xml><?xml version="1.0" encoding="utf-8"?>
+<p:sld xmlns:a="http://schemas.openxmlformats.org/drawingml/2006/main" xmlns:r="http://schemas.openxmlformats.org/officeDocument/2006/relationships" xmlns:p="http://schemas.openxmlformats.org/presentationml/2006/main">
+  <p:cSld>
+    <p:spTree>
+      <p:nvGrpSpPr>
+        <p:cNvPr id="1" name=""/>
+        <p:cNvGrpSpPr/>
+        <p:nvPr/>
+      </p:nvGrpSpPr>
+      <p:grpSpPr>
+        <a:xfrm>
+          <a:off x="0" y="0"/>
+          <a:ext cx="0" cy="0"/>
+          <a:chOff x="0" y="0"/>
+          <a:chExt cx="0" cy="0"/>
+        </a:xfrm>
+      </p:grpSpPr>
+      <p:sp>
+        <p:nvSpPr>
+          <p:cNvPr id="2" name="Título 1"/>
+          <p:cNvSpPr>
+            <a:spLocks noGrp="1"/>
+          </p:cNvSpPr>
+          <p:nvPr>
+            <p:ph type="title"/>
+          </p:nvPr>
+        </p:nvSpPr>
+        <p:spPr/>
+        <p:txBody>
+          <a:bodyPr/>
+          <a:lstStyle/>
+          <a:p>
+            <a:r>
+              <a:rPr lang="es-MX" b="1" dirty="0" smtClean="0"/>
+              <a:t>Viabilidad</a:t>
+            </a:r>
+            <a:endParaRPr lang="es-MX" b="1" dirty="0"/>
+          </a:p>
+        </p:txBody>
+      </p:sp>
+      <p:sp>
+        <p:nvSpPr>
+          <p:cNvPr id="3" name="Marcador de contenido 2"/>
+          <p:cNvSpPr>
+            <a:spLocks noGrp="1"/>
+          </p:cNvSpPr>
+          <p:nvPr>
+            <p:ph idx="1"/>
+          </p:nvPr>
+        </p:nvSpPr>
+        <p:spPr/>
+        <p:txBody>
+          <a:bodyPr/>
+          <a:lstStyle/>
+          <a:p>
+            <a:r>
+              <a:rPr lang="es-MX" dirty="0" smtClean="0"/>
+              <a:t>¿Contamos con los medios para responder la pregunta de investigación?</a:t>
+            </a:r>
+          </a:p>
+          <a:p>
+            <a:endParaRPr lang="es-MX" dirty="0"/>
+          </a:p>
+          <a:p>
+            <a:r>
+              <a:rPr lang="es-MX" dirty="0" smtClean="0"/>
+              <a:t>¿Es </a:t>
+            </a:r>
+            <a:r>
+              <a:rPr lang="es-MX" b="1" dirty="0" smtClean="0"/>
+              <a:t>factible</a:t>
+            </a:r>
+            <a:r>
+              <a:rPr lang="es-MX" dirty="0" smtClean="0"/>
+              <a:t>?</a:t>
+            </a:r>
+          </a:p>
+          <a:p>
+            <a:endParaRPr lang="es-MX" dirty="0"/>
+          </a:p>
+          <a:p>
+            <a:r>
+              <a:rPr lang="es-MX" dirty="0" smtClean="0"/>
+              <a:t>¿Es </a:t>
+            </a:r>
+            <a:r>
+              <a:rPr lang="es-MX" b="1" dirty="0" err="1" smtClean="0"/>
+              <a:t>falsable</a:t>
+            </a:r>
+            <a:r>
+              <a:rPr lang="es-MX" dirty="0" smtClean="0"/>
+              <a:t>?</a:t>
+            </a:r>
+            <a:endParaRPr lang="es-MX" dirty="0"/>
+          </a:p>
+        </p:txBody>
+      </p:sp>
+      <p:sp>
+        <p:nvSpPr>
+          <p:cNvPr id="4" name="Rectángulo 3"/>
+          <p:cNvSpPr/>
+          <p:nvPr/>
+        </p:nvSpPr>
+        <p:spPr>
+          <a:xfrm>
+            <a:off x="0" y="0"/>
+            <a:ext cx="12192000" cy="482600"/>
+          </a:xfrm>
+          <a:prstGeom prst="rect">
+            <a:avLst/>
+          </a:prstGeom>
+        </p:spPr>
+        <p:style>
+          <a:lnRef idx="0">
+            <a:schemeClr val="accent4"/>
+          </a:lnRef>
+          <a:fillRef idx="3">
+            <a:schemeClr val="accent4"/>
+          </a:fillRef>
+          <a:effectRef idx="3">
+            <a:schemeClr val="accent4"/>
+          </a:effectRef>
+          <a:fontRef idx="minor">
+            <a:schemeClr val="lt1"/>
+          </a:fontRef>
+        </p:style>
+        <p:txBody>
+          <a:bodyPr rtlCol="0" anchor="ctr"/>
+          <a:lstStyle/>
+          <a:p>
+            <a:pPr algn="ctr"/>
+            <a:endParaRPr lang="es-MX"/>
+          </a:p>
+        </p:txBody>
+      </p:sp>
+      <p:sp>
+        <p:nvSpPr>
+          <p:cNvPr id="5" name="Rectángulo 4"/>
+          <p:cNvSpPr/>
+          <p:nvPr/>
+        </p:nvSpPr>
+        <p:spPr>
+          <a:xfrm>
+            <a:off x="0" y="6400800"/>
+            <a:ext cx="12192000" cy="457200"/>
+          </a:xfrm>
+          <a:prstGeom prst="rect">
+            <a:avLst/>
+          </a:prstGeom>
+        </p:spPr>
+        <p:style>
+          <a:lnRef idx="0">
+            <a:schemeClr val="accent4"/>
+          </a:lnRef>
+          <a:fillRef idx="3">
+            <a:schemeClr val="accent4"/>
+          </a:fillRef>
+          <a:effectRef idx="3">
+            <a:schemeClr val="accent4"/>
+          </a:effectRef>
+          <a:fontRef idx="minor">
+            <a:schemeClr val="lt1"/>
+          </a:fontRef>
+        </p:style>
+        <p:txBody>
+          <a:bodyPr rtlCol="0" anchor="ctr"/>
+          <a:lstStyle/>
+          <a:p>
+            <a:pPr algn="ctr"/>
+            <a:endParaRPr lang="es-MX"/>
+          </a:p>
+        </p:txBody>
+      </p:sp>
+    </p:spTree>
+    <p:extLst>
+      <p:ext uri="{BB962C8B-B14F-4D97-AF65-F5344CB8AC3E}">
+        <p14:creationId xmlns:p14="http://schemas.microsoft.com/office/powerpoint/2010/main" val="3429114455"/>
+      </p:ext>
+    </p:extLst>
+  </p:cSld>
+  <p:clrMapOvr>
+    <a:masterClrMapping/>
+  </p:clrMapOvr>
+</p:sld>
+</file>
+
+<file path=ppt/slides/slide21.xml><?xml version="1.0" encoding="utf-8"?>
+<p:sld xmlns:a="http://schemas.openxmlformats.org/drawingml/2006/main" xmlns:r="http://schemas.openxmlformats.org/officeDocument/2006/relationships" xmlns:p="http://schemas.openxmlformats.org/presentationml/2006/main">
+  <p:cSld>
+    <p:spTree>
+      <p:nvGrpSpPr>
+        <p:cNvPr id="1" name=""/>
+        <p:cNvGrpSpPr/>
+        <p:nvPr/>
+      </p:nvGrpSpPr>
+      <p:grpSpPr>
+        <a:xfrm>
+          <a:off x="0" y="0"/>
+          <a:ext cx="0" cy="0"/>
+          <a:chOff x="0" y="0"/>
+          <a:chExt cx="0" cy="0"/>
+        </a:xfrm>
+      </p:grpSpPr>
+      <p:sp>
+        <p:nvSpPr>
+          <p:cNvPr id="2" name="Título 1"/>
+          <p:cNvSpPr>
+            <a:spLocks noGrp="1"/>
+          </p:cNvSpPr>
+          <p:nvPr>
+            <p:ph type="title"/>
+          </p:nvPr>
+        </p:nvSpPr>
+        <p:spPr/>
+        <p:txBody>
+          <a:bodyPr/>
+          <a:lstStyle/>
+          <a:p>
+            <a:r>
+              <a:rPr lang="es-MX" b="1" dirty="0" smtClean="0"/>
+              <a:t>Aspectos éticos</a:t>
+            </a:r>
+            <a:endParaRPr lang="es-MX" b="1" dirty="0"/>
+          </a:p>
+        </p:txBody>
+      </p:sp>
+      <p:sp>
+        <p:nvSpPr>
+          <p:cNvPr id="3" name="Marcador de contenido 2"/>
+          <p:cNvSpPr>
+            <a:spLocks noGrp="1"/>
+          </p:cNvSpPr>
+          <p:nvPr>
+            <p:ph idx="1"/>
+          </p:nvPr>
+        </p:nvSpPr>
+        <p:spPr/>
+        <p:txBody>
+          <a:bodyPr/>
+          <a:lstStyle/>
+          <a:p>
+            <a:r>
+              <a:rPr lang="es-MX" dirty="0" smtClean="0"/>
+              <a:t>¿Hay alguien que pueda salir directamente perjudicado con la realización de mi proyecto de investigación?</a:t>
+            </a:r>
+          </a:p>
+          <a:p>
+            <a:endParaRPr lang="es-MX" dirty="0"/>
+          </a:p>
+          <a:p>
+            <a:r>
+              <a:rPr lang="es-MX" dirty="0" smtClean="0"/>
+              <a:t>¿El mundo será un lugar mejor una vez que se publiquen los resultados de mi investigación?</a:t>
+            </a:r>
+            <a:endParaRPr lang="es-MX" dirty="0"/>
+          </a:p>
+        </p:txBody>
+      </p:sp>
+      <p:sp>
+        <p:nvSpPr>
+          <p:cNvPr id="4" name="Rectángulo 3"/>
+          <p:cNvSpPr/>
+          <p:nvPr/>
+        </p:nvSpPr>
+        <p:spPr>
+          <a:xfrm>
+            <a:off x="0" y="0"/>
+            <a:ext cx="12192000" cy="482600"/>
+          </a:xfrm>
+          <a:prstGeom prst="rect">
+            <a:avLst/>
+          </a:prstGeom>
+        </p:spPr>
+        <p:style>
+          <a:lnRef idx="0">
+            <a:schemeClr val="accent4"/>
+          </a:lnRef>
+          <a:fillRef idx="3">
+            <a:schemeClr val="accent4"/>
+          </a:fillRef>
+          <a:effectRef idx="3">
+            <a:schemeClr val="accent4"/>
+          </a:effectRef>
+          <a:fontRef idx="minor">
+            <a:schemeClr val="lt1"/>
+          </a:fontRef>
+        </p:style>
+        <p:txBody>
+          <a:bodyPr rtlCol="0" anchor="ctr"/>
+          <a:lstStyle/>
+          <a:p>
+            <a:pPr algn="ctr"/>
+            <a:endParaRPr lang="es-MX"/>
+          </a:p>
+        </p:txBody>
+      </p:sp>
+      <p:sp>
+        <p:nvSpPr>
+          <p:cNvPr id="5" name="Rectángulo 4"/>
+          <p:cNvSpPr/>
+          <p:nvPr/>
+        </p:nvSpPr>
+        <p:spPr>
+          <a:xfrm>
+            <a:off x="0" y="6400800"/>
+            <a:ext cx="12192000" cy="457200"/>
+          </a:xfrm>
+          <a:prstGeom prst="rect">
+            <a:avLst/>
+          </a:prstGeom>
+        </p:spPr>
+        <p:style>
+          <a:lnRef idx="0">
+            <a:schemeClr val="accent4"/>
+          </a:lnRef>
+          <a:fillRef idx="3">
+            <a:schemeClr val="accent4"/>
+          </a:fillRef>
+          <a:effectRef idx="3">
+            <a:schemeClr val="accent4"/>
+          </a:effectRef>
+          <a:fontRef idx="minor">
+            <a:schemeClr val="lt1"/>
+          </a:fontRef>
+        </p:style>
+        <p:txBody>
+          <a:bodyPr rtlCol="0" anchor="ctr"/>
+          <a:lstStyle/>
+          <a:p>
+            <a:pPr algn="ctr"/>
+            <a:endParaRPr lang="es-MX"/>
+          </a:p>
+        </p:txBody>
+      </p:sp>
+    </p:spTree>
+    <p:extLst>
+      <p:ext uri="{BB962C8B-B14F-4D97-AF65-F5344CB8AC3E}">
+        <p14:creationId xmlns:p14="http://schemas.microsoft.com/office/powerpoint/2010/main" val="2397204900"/>
+      </p:ext>
+    </p:extLst>
+  </p:cSld>
+  <p:clrMapOvr>
+    <a:masterClrMapping/>
+  </p:clrMapOvr>
+</p:sld>
+</file>
+
+<file path=ppt/slides/slide22.xml><?xml version="1.0" encoding="utf-8"?>
+<p:sld xmlns:a="http://schemas.openxmlformats.org/drawingml/2006/main" xmlns:r="http://schemas.openxmlformats.org/officeDocument/2006/relationships" xmlns:p="http://schemas.openxmlformats.org/presentationml/2006/main">
+  <p:cSld>
+    <p:spTree>
+      <p:nvGrpSpPr>
+        <p:cNvPr id="1" name=""/>
+        <p:cNvGrpSpPr/>
+        <p:nvPr/>
+      </p:nvGrpSpPr>
+      <p:grpSpPr>
+        <a:xfrm>
+          <a:off x="0" y="0"/>
+          <a:ext cx="0" cy="0"/>
+          <a:chOff x="0" y="0"/>
+          <a:chExt cx="0" cy="0"/>
+        </a:xfrm>
+      </p:grpSpPr>
+      <p:sp>
+        <p:nvSpPr>
+          <p:cNvPr id="2" name="Título 1"/>
+          <p:cNvSpPr>
+            <a:spLocks noGrp="1"/>
+          </p:cNvSpPr>
+          <p:nvPr>
+            <p:ph type="title"/>
+          </p:nvPr>
+        </p:nvSpPr>
+        <p:spPr/>
+        <p:txBody>
+          <a:bodyPr/>
+          <a:lstStyle/>
+          <a:p>
+            <a:endParaRPr lang="es-MX"/>
+          </a:p>
+        </p:txBody>
+      </p:sp>
+      <p:sp>
+        <p:nvSpPr>
+          <p:cNvPr id="3" name="Marcador de contenido 2"/>
+          <p:cNvSpPr>
+            <a:spLocks noGrp="1"/>
+          </p:cNvSpPr>
+          <p:nvPr>
+            <p:ph idx="1"/>
+          </p:nvPr>
+        </p:nvSpPr>
+        <p:spPr/>
+        <p:txBody>
+          <a:bodyPr/>
+          <a:lstStyle/>
+          <a:p>
+            <a:endParaRPr lang="es-MX"/>
+          </a:p>
+        </p:txBody>
+      </p:sp>
+      <p:pic>
+        <p:nvPicPr>
+          <p:cNvPr id="4" name="Imagen 3"/>
+          <p:cNvPicPr>
+            <a:picLocks noChangeAspect="1"/>
+          </p:cNvPicPr>
+          <p:nvPr/>
+        </p:nvPicPr>
+        <p:blipFill>
+          <a:blip r:embed="rId2"/>
+          <a:stretch>
+            <a:fillRect/>
+          </a:stretch>
+        </p:blipFill>
+        <p:spPr>
+          <a:xfrm>
+            <a:off x="1143529" y="0"/>
+            <a:ext cx="9031857" cy="6858000"/>
+          </a:xfrm>
+          <a:prstGeom prst="rect">
+            <a:avLst/>
+          </a:prstGeom>
+        </p:spPr>
+      </p:pic>
+    </p:spTree>
+    <p:extLst>
+      <p:ext uri="{BB962C8B-B14F-4D97-AF65-F5344CB8AC3E}">
+        <p14:creationId xmlns:p14="http://schemas.microsoft.com/office/powerpoint/2010/main" val="4122013348"/>
+      </p:ext>
+    </p:extLst>
+  </p:cSld>
+  <p:clrMapOvr>
+    <a:masterClrMapping/>
+  </p:clrMapOvr>
+</p:sld>
+</file>
+
+<file path=ppt/slides/slide23.xml><?xml version="1.0" encoding="utf-8"?>
+<p:sld xmlns:a="http://schemas.openxmlformats.org/drawingml/2006/main" xmlns:r="http://schemas.openxmlformats.org/officeDocument/2006/relationships" xmlns:p="http://schemas.openxmlformats.org/presentationml/2006/main">
+  <p:cSld>
+    <p:spTree>
+      <p:nvGrpSpPr>
+        <p:cNvPr id="1" name=""/>
+        <p:cNvGrpSpPr/>
+        <p:nvPr/>
+      </p:nvGrpSpPr>
+      <p:grpSpPr>
+        <a:xfrm>
+          <a:off x="0" y="0"/>
+          <a:ext cx="0" cy="0"/>
+          <a:chOff x="0" y="0"/>
+          <a:chExt cx="0" cy="0"/>
+        </a:xfrm>
+      </p:grpSpPr>
+      <p:sp>
+        <p:nvSpPr>
+          <p:cNvPr id="2" name="Título 1"/>
+          <p:cNvSpPr>
+            <a:spLocks noGrp="1"/>
+          </p:cNvSpPr>
+          <p:nvPr>
+            <p:ph type="title"/>
+          </p:nvPr>
+        </p:nvSpPr>
+        <p:spPr/>
+        <p:txBody>
+          <a:bodyPr/>
+          <a:lstStyle/>
+          <a:p>
+            <a:endParaRPr lang="es-MX"/>
+          </a:p>
+        </p:txBody>
+      </p:sp>
+      <p:sp>
+        <p:nvSpPr>
+          <p:cNvPr id="3" name="Marcador de contenido 2"/>
+          <p:cNvSpPr>
+            <a:spLocks noGrp="1"/>
+          </p:cNvSpPr>
+          <p:nvPr>
+            <p:ph idx="1"/>
+          </p:nvPr>
+        </p:nvSpPr>
+        <p:spPr/>
+        <p:txBody>
+          <a:bodyPr/>
+          <a:lstStyle/>
+          <a:p>
+            <a:endParaRPr lang="es-MX"/>
+          </a:p>
+        </p:txBody>
+      </p:sp>
+      <p:pic>
+        <p:nvPicPr>
+          <p:cNvPr id="4" name="Imagen 3"/>
+          <p:cNvPicPr>
+            <a:picLocks noChangeAspect="1"/>
+          </p:cNvPicPr>
+          <p:nvPr/>
+        </p:nvPicPr>
+        <p:blipFill>
+          <a:blip r:embed="rId2"/>
+          <a:stretch>
+            <a:fillRect/>
+          </a:stretch>
+        </p:blipFill>
+        <p:spPr>
+          <a:xfrm>
+            <a:off x="757237" y="-1"/>
+            <a:ext cx="11986460" cy="6747933"/>
+          </a:xfrm>
+          <a:prstGeom prst="rect">
+            <a:avLst/>
+          </a:prstGeom>
+        </p:spPr>
+      </p:pic>
+    </p:spTree>
+    <p:extLst>
+      <p:ext uri="{BB962C8B-B14F-4D97-AF65-F5344CB8AC3E}">
+        <p14:creationId xmlns:p14="http://schemas.microsoft.com/office/powerpoint/2010/main" val="3721810143"/>
+      </p:ext>
+    </p:extLst>
+  </p:cSld>
+  <p:clrMapOvr>
+    <a:masterClrMapping/>
+  </p:clrMapOvr>
+</p:sld>
+</file>
+
+<file path=ppt/slides/slide24.xml><?xml version="1.0" encoding="utf-8"?>
+<p:sld xmlns:a="http://schemas.openxmlformats.org/drawingml/2006/main" xmlns:r="http://schemas.openxmlformats.org/officeDocument/2006/relationships" xmlns:p="http://schemas.openxmlformats.org/presentationml/2006/main">
+  <p:cSld>
+    <p:spTree>
+      <p:nvGrpSpPr>
+        <p:cNvPr id="1" name=""/>
+        <p:cNvGrpSpPr/>
+        <p:nvPr/>
+      </p:nvGrpSpPr>
+      <p:grpSpPr>
+        <a:xfrm>
+          <a:off x="0" y="0"/>
+          <a:ext cx="0" cy="0"/>
+          <a:chOff x="0" y="0"/>
+          <a:chExt cx="0" cy="0"/>
+        </a:xfrm>
+      </p:grpSpPr>
+      <p:sp>
+        <p:nvSpPr>
+          <p:cNvPr id="2" name="Título 1"/>
+          <p:cNvSpPr>
+            <a:spLocks noGrp="1"/>
+          </p:cNvSpPr>
+          <p:nvPr>
+            <p:ph type="title"/>
+          </p:nvPr>
+        </p:nvSpPr>
+        <p:spPr/>
+        <p:txBody>
+          <a:bodyPr/>
+          <a:lstStyle/>
+          <a:p>
+            <a:endParaRPr lang="es-MX"/>
+          </a:p>
+        </p:txBody>
+      </p:sp>
+      <p:sp>
+        <p:nvSpPr>
+          <p:cNvPr id="3" name="Marcador de contenido 2"/>
+          <p:cNvSpPr>
+            <a:spLocks noGrp="1"/>
+          </p:cNvSpPr>
+          <p:nvPr>
+            <p:ph idx="1"/>
+          </p:nvPr>
+        </p:nvSpPr>
+        <p:spPr/>
+        <p:txBody>
+          <a:bodyPr/>
+          <a:lstStyle/>
+          <a:p>
+            <a:endParaRPr lang="es-MX"/>
+          </a:p>
+        </p:txBody>
+      </p:sp>
+      <p:pic>
+        <p:nvPicPr>
+          <p:cNvPr id="4" name="Imagen 3"/>
+          <p:cNvPicPr>
+            <a:picLocks noChangeAspect="1"/>
+          </p:cNvPicPr>
+          <p:nvPr/>
+        </p:nvPicPr>
+        <p:blipFill>
+          <a:blip r:embed="rId2"/>
+          <a:stretch>
+            <a:fillRect/>
+          </a:stretch>
+        </p:blipFill>
+        <p:spPr>
+          <a:xfrm>
+            <a:off x="2614611" y="4258"/>
+            <a:ext cx="6436255" cy="6853742"/>
+          </a:xfrm>
+          <a:prstGeom prst="rect">
+            <a:avLst/>
+          </a:prstGeom>
+        </p:spPr>
+      </p:pic>
+    </p:spTree>
+    <p:extLst>
+      <p:ext uri="{BB962C8B-B14F-4D97-AF65-F5344CB8AC3E}">
+        <p14:creationId xmlns:p14="http://schemas.microsoft.com/office/powerpoint/2010/main" val="2621059621"/>
+      </p:ext>
+    </p:extLst>
+  </p:cSld>
+  <p:clrMapOvr>
+    <a:masterClrMapping/>
+  </p:clrMapOvr>
+</p:sld>
+</file>
+
+<file path=ppt/slides/slide25.xml><?xml version="1.0" encoding="utf-8"?>
+<p:sld xmlns:a="http://schemas.openxmlformats.org/drawingml/2006/main" xmlns:r="http://schemas.openxmlformats.org/officeDocument/2006/relationships" xmlns:p="http://schemas.openxmlformats.org/presentationml/2006/main">
+  <p:cSld>
+    <p:spTree>
+      <p:nvGrpSpPr>
+        <p:cNvPr id="1" name=""/>
+        <p:cNvGrpSpPr/>
+        <p:nvPr/>
+      </p:nvGrpSpPr>
+      <p:grpSpPr>
+        <a:xfrm>
+          <a:off x="0" y="0"/>
+          <a:ext cx="0" cy="0"/>
+          <a:chOff x="0" y="0"/>
+          <a:chExt cx="0" cy="0"/>
+        </a:xfrm>
+      </p:grpSpPr>
+      <p:sp>
+        <p:nvSpPr>
+          <p:cNvPr id="2" name="Título 1"/>
+          <p:cNvSpPr>
+            <a:spLocks noGrp="1"/>
+          </p:cNvSpPr>
+          <p:nvPr>
+            <p:ph type="title"/>
+          </p:nvPr>
+        </p:nvSpPr>
+        <p:spPr/>
+        <p:txBody>
+          <a:bodyPr/>
+          <a:lstStyle/>
+          <a:p>
+            <a:endParaRPr lang="es-MX"/>
+          </a:p>
+        </p:txBody>
+      </p:sp>
+      <p:sp>
+        <p:nvSpPr>
+          <p:cNvPr id="3" name="Marcador de contenido 2"/>
+          <p:cNvSpPr>
+            <a:spLocks noGrp="1"/>
+          </p:cNvSpPr>
+          <p:nvPr>
+            <p:ph idx="1"/>
+          </p:nvPr>
+        </p:nvSpPr>
+        <p:spPr/>
+        <p:txBody>
+          <a:bodyPr/>
+          <a:lstStyle/>
+          <a:p>
+            <a:endParaRPr lang="es-MX"/>
+          </a:p>
+        </p:txBody>
+      </p:sp>
+      <p:pic>
+        <p:nvPicPr>
+          <p:cNvPr id="4" name="Imagen 3"/>
+          <p:cNvPicPr>
+            <a:picLocks noChangeAspect="1"/>
+          </p:cNvPicPr>
+          <p:nvPr/>
+        </p:nvPicPr>
+        <p:blipFill>
+          <a:blip r:embed="rId2"/>
+          <a:stretch>
+            <a:fillRect/>
+          </a:stretch>
+        </p:blipFill>
+        <p:spPr>
+          <a:xfrm>
+            <a:off x="1148820" y="0"/>
+            <a:ext cx="8095319" cy="6905196"/>
+          </a:xfrm>
+          <a:prstGeom prst="rect">
+            <a:avLst/>
+          </a:prstGeom>
+        </p:spPr>
+      </p:pic>
+    </p:spTree>
+    <p:extLst>
+      <p:ext uri="{BB962C8B-B14F-4D97-AF65-F5344CB8AC3E}">
+        <p14:creationId xmlns:p14="http://schemas.microsoft.com/office/powerpoint/2010/main" val="1139669757"/>
+      </p:ext>
+    </p:extLst>
+  </p:cSld>
+  <p:clrMapOvr>
+    <a:masterClrMapping/>
+  </p:clrMapOvr>
+</p:sld>
+</file>
+
+<file path=ppt/slides/slide26.xml><?xml version="1.0" encoding="utf-8"?>
+<p:sld xmlns:a="http://schemas.openxmlformats.org/drawingml/2006/main" xmlns:r="http://schemas.openxmlformats.org/officeDocument/2006/relationships" xmlns:p="http://schemas.openxmlformats.org/presentationml/2006/main">
+  <p:cSld>
+    <p:spTree>
+      <p:nvGrpSpPr>
+        <p:cNvPr id="1" name=""/>
+        <p:cNvGrpSpPr/>
+        <p:nvPr/>
+      </p:nvGrpSpPr>
+      <p:grpSpPr>
+        <a:xfrm>
+          <a:off x="0" y="0"/>
+          <a:ext cx="0" cy="0"/>
+          <a:chOff x="0" y="0"/>
+          <a:chExt cx="0" cy="0"/>
+        </a:xfrm>
+      </p:grpSpPr>
+      <p:sp>
+        <p:nvSpPr>
+          <p:cNvPr id="2" name="Título 1"/>
+          <p:cNvSpPr>
+            <a:spLocks noGrp="1"/>
+          </p:cNvSpPr>
+          <p:nvPr>
+            <p:ph type="title"/>
+          </p:nvPr>
+        </p:nvSpPr>
+        <p:spPr/>
+        <p:txBody>
+          <a:bodyPr/>
+          <a:lstStyle/>
+          <a:p>
+            <a:endParaRPr lang="es-MX"/>
+          </a:p>
+        </p:txBody>
+      </p:sp>
+      <p:sp>
+        <p:nvSpPr>
+          <p:cNvPr id="3" name="Marcador de contenido 2"/>
+          <p:cNvSpPr>
+            <a:spLocks noGrp="1"/>
+          </p:cNvSpPr>
+          <p:nvPr>
+            <p:ph idx="1"/>
+          </p:nvPr>
+        </p:nvSpPr>
+        <p:spPr/>
+        <p:txBody>
+          <a:bodyPr/>
+          <a:lstStyle/>
+          <a:p>
+            <a:endParaRPr lang="es-MX"/>
+          </a:p>
+        </p:txBody>
+      </p:sp>
+      <p:pic>
+        <p:nvPicPr>
+          <p:cNvPr id="4" name="Imagen 3"/>
+          <p:cNvPicPr>
+            <a:picLocks noChangeAspect="1"/>
+          </p:cNvPicPr>
+          <p:nvPr/>
+        </p:nvPicPr>
+        <p:blipFill>
+          <a:blip r:embed="rId2"/>
+          <a:stretch>
+            <a:fillRect/>
+          </a:stretch>
+        </p:blipFill>
+        <p:spPr>
+          <a:xfrm>
+            <a:off x="0" y="0"/>
+            <a:ext cx="9925031" cy="1993370"/>
+          </a:xfrm>
+          <a:prstGeom prst="rect">
+            <a:avLst/>
+          </a:prstGeom>
+        </p:spPr>
+      </p:pic>
+      <p:pic>
+        <p:nvPicPr>
+          <p:cNvPr id="5" name="Imagen 4"/>
+          <p:cNvPicPr>
+            <a:picLocks noChangeAspect="1"/>
+          </p:cNvPicPr>
+          <p:nvPr/>
+        </p:nvPicPr>
+        <p:blipFill>
+          <a:blip r:embed="rId3"/>
+          <a:stretch>
+            <a:fillRect/>
+          </a:stretch>
+        </p:blipFill>
+        <p:spPr>
+          <a:xfrm>
+            <a:off x="2850620" y="2256895"/>
+            <a:ext cx="8413881" cy="4233333"/>
+          </a:xfrm>
+          <a:prstGeom prst="rect">
+            <a:avLst/>
+          </a:prstGeom>
+        </p:spPr>
+      </p:pic>
+    </p:spTree>
+    <p:extLst>
+      <p:ext uri="{BB962C8B-B14F-4D97-AF65-F5344CB8AC3E}">
+        <p14:creationId xmlns:p14="http://schemas.microsoft.com/office/powerpoint/2010/main" val="827276706"/>
+      </p:ext>
+    </p:extLst>
+  </p:cSld>
+  <p:clrMapOvr>
+    <a:masterClrMapping/>
+  </p:clrMapOvr>
+</p:sld>
+</file>
+
+<file path=ppt/slides/slide27.xml><?xml version="1.0" encoding="utf-8"?>
+<p:sld xmlns:a="http://schemas.openxmlformats.org/drawingml/2006/main" xmlns:r="http://schemas.openxmlformats.org/officeDocument/2006/relationships" xmlns:p="http://schemas.openxmlformats.org/presentationml/2006/main">
+  <p:cSld>
+    <p:spTree>
+      <p:nvGrpSpPr>
+        <p:cNvPr id="1" name=""/>
+        <p:cNvGrpSpPr/>
+        <p:nvPr/>
+      </p:nvGrpSpPr>
+      <p:grpSpPr>
+        <a:xfrm>
+          <a:off x="0" y="0"/>
+          <a:ext cx="0" cy="0"/>
+          <a:chOff x="0" y="0"/>
+          <a:chExt cx="0" cy="0"/>
+        </a:xfrm>
+      </p:grpSpPr>
+      <p:sp>
+        <p:nvSpPr>
+          <p:cNvPr id="2" name="Título 1"/>
+          <p:cNvSpPr>
+            <a:spLocks noGrp="1"/>
+          </p:cNvSpPr>
+          <p:nvPr>
+            <p:ph type="title"/>
+          </p:nvPr>
+        </p:nvSpPr>
+        <p:spPr/>
+        <p:txBody>
+          <a:bodyPr/>
+          <a:lstStyle/>
+          <a:p>
+            <a:endParaRPr lang="es-MX"/>
+          </a:p>
+        </p:txBody>
+      </p:sp>
+      <p:sp>
+        <p:nvSpPr>
+          <p:cNvPr id="3" name="Marcador de contenido 2"/>
+          <p:cNvSpPr>
+            <a:spLocks noGrp="1"/>
+          </p:cNvSpPr>
+          <p:nvPr>
+            <p:ph idx="1"/>
+          </p:nvPr>
+        </p:nvSpPr>
+        <p:spPr/>
+        <p:txBody>
+          <a:bodyPr/>
+          <a:lstStyle/>
+          <a:p>
+            <a:endParaRPr lang="es-MX"/>
+          </a:p>
+        </p:txBody>
+      </p:sp>
+      <p:pic>
+        <p:nvPicPr>
+          <p:cNvPr id="4" name="Imagen 3"/>
+          <p:cNvPicPr>
+            <a:picLocks noChangeAspect="1"/>
+          </p:cNvPicPr>
+          <p:nvPr/>
+        </p:nvPicPr>
+        <p:blipFill>
+          <a:blip r:embed="rId2"/>
+          <a:stretch>
+            <a:fillRect/>
+          </a:stretch>
+        </p:blipFill>
+        <p:spPr>
+          <a:xfrm>
+            <a:off x="1524653" y="2091267"/>
+            <a:ext cx="8953376" cy="2224087"/>
+          </a:xfrm>
+          <a:prstGeom prst="rect">
+            <a:avLst/>
+          </a:prstGeom>
+        </p:spPr>
+      </p:pic>
+    </p:spTree>
+    <p:extLst>
+      <p:ext uri="{BB962C8B-B14F-4D97-AF65-F5344CB8AC3E}">
+        <p14:creationId xmlns:p14="http://schemas.microsoft.com/office/powerpoint/2010/main" val="134263842"/>
+      </p:ext>
+    </p:extLst>
+  </p:cSld>
+  <p:clrMapOvr>
+    <a:masterClrMapping/>
+  </p:clrMapOvr>
+</p:sld>
+</file>
+
+<file path=ppt/slides/slide28.xml><?xml version="1.0" encoding="utf-8"?>
+<p:sld xmlns:a="http://schemas.openxmlformats.org/drawingml/2006/main" xmlns:r="http://schemas.openxmlformats.org/officeDocument/2006/relationships" xmlns:p="http://schemas.openxmlformats.org/presentationml/2006/main">
+  <p:cSld>
+    <p:spTree>
+      <p:nvGrpSpPr>
+        <p:cNvPr id="1" name=""/>
+        <p:cNvGrpSpPr/>
+        <p:nvPr/>
+      </p:nvGrpSpPr>
+      <p:grpSpPr>
+        <a:xfrm>
+          <a:off x="0" y="0"/>
+          <a:ext cx="0" cy="0"/>
+          <a:chOff x="0" y="0"/>
+          <a:chExt cx="0" cy="0"/>
+        </a:xfrm>
+      </p:grpSpPr>
+      <p:sp>
+        <p:nvSpPr>
+          <p:cNvPr id="9" name="Flecha derecha 8"/>
+          <p:cNvSpPr/>
+          <p:nvPr/>
+        </p:nvSpPr>
+        <p:spPr>
+          <a:xfrm rot="10800000">
+            <a:off x="254000" y="4738952"/>
+            <a:ext cx="9144000" cy="1566333"/>
+          </a:xfrm>
+          <a:prstGeom prst="rightArrow">
+            <a:avLst/>
+          </a:prstGeom>
+          <a:solidFill>
+            <a:schemeClr val="accent5">
+              <a:lumMod val="50000"/>
+            </a:schemeClr>
+          </a:solidFill>
+        </p:spPr>
+        <p:style>
+          <a:lnRef idx="2">
+            <a:schemeClr val="accent1">
+              <a:shade val="50000"/>
+            </a:schemeClr>
+          </a:lnRef>
+          <a:fillRef idx="1">
+            <a:schemeClr val="accent1"/>
+          </a:fillRef>
+          <a:effectRef idx="0">
+            <a:schemeClr val="accent1"/>
+          </a:effectRef>
+          <a:fontRef idx="minor">
+            <a:schemeClr val="lt1"/>
+          </a:fontRef>
+        </p:style>
+        <p:txBody>
+          <a:bodyPr rtlCol="0" anchor="ctr"/>
+          <a:lstStyle/>
+          <a:p>
+            <a:pPr algn="ctr"/>
+            <a:endParaRPr lang="es-MX"/>
+          </a:p>
+        </p:txBody>
+      </p:sp>
+      <p:sp>
+        <p:nvSpPr>
+          <p:cNvPr id="4" name="Flecha derecha 3"/>
+          <p:cNvSpPr/>
+          <p:nvPr/>
+        </p:nvSpPr>
+        <p:spPr>
+          <a:xfrm>
+            <a:off x="3048000" y="2015066"/>
+            <a:ext cx="9144000" cy="1566333"/>
+          </a:xfrm>
+          <a:prstGeom prst="rightArrow">
+            <a:avLst/>
+          </a:prstGeom>
+          <a:solidFill>
+            <a:schemeClr val="accent6">
+              <a:lumMod val="50000"/>
+            </a:schemeClr>
+          </a:solidFill>
+        </p:spPr>
+        <p:style>
+          <a:lnRef idx="2">
+            <a:schemeClr val="accent1">
+              <a:shade val="50000"/>
+            </a:schemeClr>
+          </a:lnRef>
+          <a:fillRef idx="1">
+            <a:schemeClr val="accent1"/>
+          </a:fillRef>
+          <a:effectRef idx="0">
+            <a:schemeClr val="accent1"/>
+          </a:effectRef>
+          <a:fontRef idx="minor">
+            <a:schemeClr val="lt1"/>
+          </a:fontRef>
+        </p:style>
+        <p:txBody>
+          <a:bodyPr rtlCol="0" anchor="ctr"/>
+          <a:lstStyle/>
+          <a:p>
+            <a:pPr algn="ctr"/>
+            <a:endParaRPr lang="es-MX"/>
+          </a:p>
+        </p:txBody>
+      </p:sp>
+      <p:sp>
+        <p:nvSpPr>
+          <p:cNvPr id="2" name="Título 1"/>
+          <p:cNvSpPr>
+            <a:spLocks noGrp="1"/>
+          </p:cNvSpPr>
+          <p:nvPr>
+            <p:ph type="title"/>
+          </p:nvPr>
+        </p:nvSpPr>
+        <p:spPr/>
+        <p:txBody>
+          <a:bodyPr/>
+          <a:lstStyle/>
+          <a:p>
+            <a:r>
+              <a:rPr lang="es-MX" b="1" dirty="0" smtClean="0"/>
+              <a:t>En resumen, el </a:t>
+            </a:r>
+            <a:r>
+              <a:rPr lang="es-MX" b="1" u="sng" dirty="0" smtClean="0"/>
+              <a:t>Planteamiento del problema </a:t>
+            </a:r>
+            <a:r>
+              <a:rPr lang="es-MX" b="1" dirty="0" smtClean="0"/>
+              <a:t>incluye:</a:t>
+            </a:r>
+            <a:endParaRPr lang="es-MX" b="1" dirty="0"/>
+          </a:p>
+        </p:txBody>
+      </p:sp>
+      <p:sp>
+        <p:nvSpPr>
+          <p:cNvPr id="5" name="Rectángulo 4"/>
+          <p:cNvSpPr/>
+          <p:nvPr/>
+        </p:nvSpPr>
+        <p:spPr>
+          <a:xfrm>
+            <a:off x="0" y="0"/>
+            <a:ext cx="12192000" cy="482600"/>
+          </a:xfrm>
+          <a:prstGeom prst="rect">
+            <a:avLst/>
+          </a:prstGeom>
+        </p:spPr>
+        <p:style>
+          <a:lnRef idx="0">
+            <a:schemeClr val="accent4"/>
+          </a:lnRef>
+          <a:fillRef idx="3">
+            <a:schemeClr val="accent4"/>
+          </a:fillRef>
+          <a:effectRef idx="3">
+            <a:schemeClr val="accent4"/>
+          </a:effectRef>
+          <a:fontRef idx="minor">
+            <a:schemeClr val="lt1"/>
+          </a:fontRef>
+        </p:style>
+        <p:txBody>
+          <a:bodyPr rtlCol="0" anchor="ctr"/>
+          <a:lstStyle/>
+          <a:p>
+            <a:pPr algn="ctr"/>
+            <a:endParaRPr lang="es-MX"/>
+          </a:p>
+        </p:txBody>
+      </p:sp>
+      <p:sp>
+        <p:nvSpPr>
+          <p:cNvPr id="6" name="Rectángulo 5"/>
+          <p:cNvSpPr/>
+          <p:nvPr/>
+        </p:nvSpPr>
+        <p:spPr>
+          <a:xfrm>
+            <a:off x="0" y="6400800"/>
+            <a:ext cx="12192000" cy="457200"/>
+          </a:xfrm>
+          <a:prstGeom prst="rect">
+            <a:avLst/>
+          </a:prstGeom>
+        </p:spPr>
+        <p:style>
+          <a:lnRef idx="0">
+            <a:schemeClr val="accent4"/>
+          </a:lnRef>
+          <a:fillRef idx="3">
+            <a:schemeClr val="accent4"/>
+          </a:fillRef>
+          <a:effectRef idx="3">
+            <a:schemeClr val="accent4"/>
+          </a:effectRef>
+          <a:fontRef idx="minor">
+            <a:schemeClr val="lt1"/>
+          </a:fontRef>
+        </p:style>
+        <p:txBody>
+          <a:bodyPr rtlCol="0" anchor="ctr"/>
+          <a:lstStyle/>
+          <a:p>
+            <a:pPr algn="ctr"/>
+            <a:endParaRPr lang="es-MX"/>
+          </a:p>
+        </p:txBody>
+      </p:sp>
+      <p:sp>
+        <p:nvSpPr>
+          <p:cNvPr id="17" name="Marcador de contenido 2"/>
+          <p:cNvSpPr>
+            <a:spLocks noGrp="1"/>
+          </p:cNvSpPr>
+          <p:nvPr>
+            <p:ph idx="1"/>
+          </p:nvPr>
+        </p:nvSpPr>
+        <p:spPr>
+          <a:xfrm>
+            <a:off x="3657599" y="1498600"/>
+            <a:ext cx="5063067" cy="4711171"/>
+          </a:xfrm>
+          <a:solidFill>
+            <a:schemeClr val="bg1"/>
+          </a:solidFill>
+          <a:ln w="76200">
+            <a:solidFill>
+              <a:schemeClr val="tx1"/>
+            </a:solidFill>
+          </a:ln>
+        </p:spPr>
+        <p:txBody>
+          <a:bodyPr>
+            <a:normAutofit/>
+          </a:bodyPr>
+          <a:lstStyle/>
+          <a:p>
+            <a:r>
+              <a:rPr lang="es-MX" dirty="0" smtClean="0"/>
+              <a:t>Introducción</a:t>
+            </a:r>
+            <a:endParaRPr lang="es-MX" dirty="0" smtClean="0"/>
+          </a:p>
+          <a:p>
+            <a:endParaRPr lang="es-MX" dirty="0"/>
+          </a:p>
+          <a:p>
+            <a:r>
+              <a:rPr lang="es-MX" dirty="0" smtClean="0"/>
+              <a:t>Pregunta de investigación</a:t>
+            </a:r>
+          </a:p>
+          <a:p>
+            <a:endParaRPr lang="es-MX" dirty="0"/>
+          </a:p>
+          <a:p>
+            <a:r>
+              <a:rPr lang="es-MX" dirty="0" smtClean="0"/>
+              <a:t>Objetivos</a:t>
+            </a:r>
+          </a:p>
+          <a:p>
+            <a:pPr lvl="1"/>
+            <a:r>
+              <a:rPr lang="es-MX" dirty="0" smtClean="0"/>
+              <a:t>Objetivo general</a:t>
+            </a:r>
+          </a:p>
+          <a:p>
+            <a:pPr lvl="1"/>
+            <a:r>
+              <a:rPr lang="es-MX" dirty="0" smtClean="0"/>
+              <a:t>Objetivo Específico</a:t>
+            </a:r>
+          </a:p>
+          <a:p>
+            <a:pPr lvl="1"/>
+            <a:endParaRPr lang="es-MX" dirty="0"/>
+          </a:p>
+          <a:p>
+            <a:r>
+              <a:rPr lang="es-MX" dirty="0" smtClean="0"/>
+              <a:t>Justificación</a:t>
+            </a:r>
+            <a:endParaRPr lang="es-MX" dirty="0"/>
+          </a:p>
+        </p:txBody>
+      </p:sp>
+      <p:sp>
+        <p:nvSpPr>
+          <p:cNvPr id="8" name="Rectángulo redondeado 7"/>
+          <p:cNvSpPr/>
+          <p:nvPr/>
+        </p:nvSpPr>
+        <p:spPr>
+          <a:xfrm>
+            <a:off x="8877300" y="1858433"/>
+            <a:ext cx="2209800" cy="1722966"/>
+          </a:xfrm>
+          <a:prstGeom prst="roundRect">
+            <a:avLst/>
+          </a:prstGeom>
+        </p:spPr>
+        <p:style>
+          <a:lnRef idx="1">
+            <a:schemeClr val="accent6"/>
+          </a:lnRef>
+          <a:fillRef idx="2">
+            <a:schemeClr val="accent6"/>
+          </a:fillRef>
+          <a:effectRef idx="1">
+            <a:schemeClr val="accent6"/>
+          </a:effectRef>
+          <a:fontRef idx="minor">
+            <a:schemeClr val="dk1"/>
+          </a:fontRef>
+        </p:style>
+        <p:txBody>
+          <a:bodyPr rtlCol="0" anchor="ctr"/>
+          <a:lstStyle/>
+          <a:p>
+            <a:pPr algn="ctr"/>
+            <a:r>
+              <a:rPr lang="es-MX" dirty="0" smtClean="0"/>
+              <a:t>Cuidando siempre </a:t>
+            </a:r>
+            <a:r>
+              <a:rPr lang="es-MX" b="1" dirty="0" smtClean="0"/>
+              <a:t>garantizar que es una propuesta viable</a:t>
+            </a:r>
+            <a:endParaRPr lang="es-MX" dirty="0"/>
+          </a:p>
+        </p:txBody>
+      </p:sp>
+      <p:sp>
+        <p:nvSpPr>
+          <p:cNvPr id="11" name="Rectángulo redondeado 10"/>
+          <p:cNvSpPr/>
+          <p:nvPr/>
+        </p:nvSpPr>
+        <p:spPr>
+          <a:xfrm>
+            <a:off x="1498600" y="4643437"/>
+            <a:ext cx="1981200" cy="1618985"/>
+          </a:xfrm>
+          <a:prstGeom prst="roundRect">
+            <a:avLst/>
+          </a:prstGeom>
+        </p:spPr>
+        <p:style>
+          <a:lnRef idx="1">
+            <a:schemeClr val="accent1"/>
+          </a:lnRef>
+          <a:fillRef idx="2">
+            <a:schemeClr val="accent1"/>
+          </a:fillRef>
+          <a:effectRef idx="1">
+            <a:schemeClr val="accent1"/>
+          </a:effectRef>
+          <a:fontRef idx="minor">
+            <a:schemeClr val="dk1"/>
+          </a:fontRef>
+        </p:style>
+        <p:txBody>
+          <a:bodyPr rtlCol="0" anchor="ctr"/>
+          <a:lstStyle/>
+          <a:p>
+            <a:pPr algn="ctr"/>
+            <a:r>
+              <a:rPr lang="es-MX" dirty="0" smtClean="0"/>
+              <a:t>Cuidando siempre no violar ninguna </a:t>
+            </a:r>
+            <a:r>
+              <a:rPr lang="es-MX" b="1" dirty="0" smtClean="0"/>
+              <a:t>norma ética</a:t>
+            </a:r>
+            <a:endParaRPr lang="es-MX" dirty="0"/>
+          </a:p>
+        </p:txBody>
+      </p:sp>
+    </p:spTree>
+    <p:extLst>
+      <p:ext uri="{BB962C8B-B14F-4D97-AF65-F5344CB8AC3E}">
+        <p14:creationId xmlns:p14="http://schemas.microsoft.com/office/powerpoint/2010/main" val="1156414739"/>
+      </p:ext>
+    </p:extLst>
+  </p:cSld>
+  <p:clrMapOvr>
+    <a:masterClrMapping/>
+  </p:clrMapOvr>
+</p:sld>
+</file>
+
+<file path=ppt/slides/slide29.xml><?xml version="1.0" encoding="utf-8"?>
+<p:sld xmlns:a="http://schemas.openxmlformats.org/drawingml/2006/main" xmlns:r="http://schemas.openxmlformats.org/officeDocument/2006/relationships" xmlns:p="http://schemas.openxmlformats.org/presentationml/2006/main">
+  <p:cSld>
+    <p:spTree>
+      <p:nvGrpSpPr>
+        <p:cNvPr id="1" name=""/>
+        <p:cNvGrpSpPr/>
+        <p:nvPr/>
+      </p:nvGrpSpPr>
+      <p:grpSpPr>
+        <a:xfrm>
+          <a:off x="0" y="0"/>
+          <a:ext cx="0" cy="0"/>
+          <a:chOff x="0" y="0"/>
+          <a:chExt cx="0" cy="0"/>
+        </a:xfrm>
+      </p:grpSpPr>
+      <p:sp>
+        <p:nvSpPr>
+          <p:cNvPr id="2" name="Título 1"/>
+          <p:cNvSpPr>
+            <a:spLocks noGrp="1"/>
+          </p:cNvSpPr>
+          <p:nvPr>
+            <p:ph type="title"/>
+          </p:nvPr>
+        </p:nvSpPr>
+        <p:spPr>
+          <a:xfrm>
+            <a:off x="762000" y="85195"/>
+            <a:ext cx="10515600" cy="1325563"/>
+          </a:xfrm>
+        </p:spPr>
+        <p:txBody>
+          <a:bodyPr/>
+          <a:lstStyle/>
+          <a:p>
+            <a:r>
+              <a:rPr lang="es-MX" b="1" dirty="0" smtClean="0"/>
+              <a:t>Primera solicitud para la entrega TMI </a:t>
+            </a:r>
+            <a:endParaRPr lang="es-MX" b="1" dirty="0"/>
+          </a:p>
+        </p:txBody>
+      </p:sp>
+      <p:sp>
+        <p:nvSpPr>
+          <p:cNvPr id="3" name="Marcador de contenido 2"/>
+          <p:cNvSpPr>
+            <a:spLocks noGrp="1"/>
+          </p:cNvSpPr>
+          <p:nvPr>
+            <p:ph idx="1"/>
+          </p:nvPr>
+        </p:nvSpPr>
+        <p:spPr/>
+        <p:txBody>
+          <a:bodyPr/>
+          <a:lstStyle/>
+          <a:p>
+            <a:endParaRPr lang="es-MX"/>
+          </a:p>
+        </p:txBody>
+      </p:sp>
+      <p:sp>
+        <p:nvSpPr>
+          <p:cNvPr id="4" name="Marcador de contenido 2"/>
+          <p:cNvSpPr txBox="1">
+            <a:spLocks/>
+          </p:cNvSpPr>
+          <p:nvPr/>
+        </p:nvSpPr>
+        <p:spPr>
+          <a:xfrm>
+            <a:off x="6908799" y="1303866"/>
+            <a:ext cx="5063067" cy="4711171"/>
+          </a:xfrm>
+          <a:prstGeom prst="rect">
+            <a:avLst/>
+          </a:prstGeom>
+          <a:solidFill>
+            <a:schemeClr val="bg1"/>
+          </a:solidFill>
+          <a:ln w="76200">
+            <a:solidFill>
+              <a:schemeClr val="tx1"/>
+            </a:solidFill>
+          </a:ln>
+        </p:spPr>
+        <p:txBody>
+          <a:bodyPr vert="horz" lIns="91440" tIns="45720" rIns="91440" bIns="45720" rtlCol="0">
+            <a:normAutofit/>
+          </a:bodyPr>
+          <a:lstStyle>
+            <a:lvl1pPr marL="228600" indent="-228600" algn="l" defTabSz="914400" rtl="0" eaLnBrk="1" latinLnBrk="0" hangingPunct="1">
+              <a:lnSpc>
+                <a:spcPct val="90000"/>
+              </a:lnSpc>
+              <a:spcBef>
+                <a:spcPts val="1000"/>
+              </a:spcBef>
+              <a:buFont typeface="Arial" panose="020B0604020202020204" pitchFamily="34" charset="0"/>
+              <a:buChar char="•"/>
+              <a:defRPr sz="2800" kern="1200">
+                <a:solidFill>
+                  <a:schemeClr val="tx1"/>
+                </a:solidFill>
+                <a:latin typeface="+mn-lt"/>
+                <a:ea typeface="+mn-ea"/>
+                <a:cs typeface="+mn-cs"/>
+              </a:defRPr>
+            </a:lvl1pPr>
+            <a:lvl2pPr marL="685800" indent="-228600" algn="l" defTabSz="914400" rtl="0" eaLnBrk="1" latinLnBrk="0" hangingPunct="1">
+              <a:lnSpc>
+                <a:spcPct val="90000"/>
+              </a:lnSpc>
+              <a:spcBef>
+                <a:spcPts val="500"/>
+              </a:spcBef>
+              <a:buFont typeface="Arial" panose="020B0604020202020204" pitchFamily="34" charset="0"/>
+              <a:buChar char="•"/>
+              <a:defRPr sz="2400" kern="1200">
+                <a:solidFill>
+                  <a:schemeClr val="tx1"/>
+                </a:solidFill>
+                <a:latin typeface="+mn-lt"/>
+                <a:ea typeface="+mn-ea"/>
+                <a:cs typeface="+mn-cs"/>
+              </a:defRPr>
+            </a:lvl2pPr>
+            <a:lvl3pPr marL="1143000" indent="-228600" algn="l" defTabSz="914400" rtl="0" eaLnBrk="1" latinLnBrk="0" hangingPunct="1">
+              <a:lnSpc>
+                <a:spcPct val="90000"/>
+              </a:lnSpc>
+              <a:spcBef>
+                <a:spcPts val="500"/>
+              </a:spcBef>
+              <a:buFont typeface="Arial" panose="020B0604020202020204" pitchFamily="34" charset="0"/>
+              <a:buChar char="•"/>
+              <a:defRPr sz="2000" kern="1200">
+                <a:solidFill>
+                  <a:schemeClr val="tx1"/>
+                </a:solidFill>
+                <a:latin typeface="+mn-lt"/>
+                <a:ea typeface="+mn-ea"/>
+                <a:cs typeface="+mn-cs"/>
+              </a:defRPr>
+            </a:lvl3pPr>
+            <a:lvl4pPr marL="1600200" indent="-228600" algn="l" defTabSz="914400" rtl="0" eaLnBrk="1" latinLnBrk="0" hangingPunct="1">
+              <a:lnSpc>
+                <a:spcPct val="90000"/>
+              </a:lnSpc>
+              <a:spcBef>
+                <a:spcPts val="500"/>
+              </a:spcBef>
+              <a:buFont typeface="Arial" panose="020B0604020202020204" pitchFamily="34" charset="0"/>
+              <a:buChar char="•"/>
+              <a:defRPr sz="1800" kern="1200">
+                <a:solidFill>
+                  <a:schemeClr val="tx1"/>
+                </a:solidFill>
+                <a:latin typeface="+mn-lt"/>
+                <a:ea typeface="+mn-ea"/>
+                <a:cs typeface="+mn-cs"/>
+              </a:defRPr>
+            </a:lvl4pPr>
+            <a:lvl5pPr marL="2057400" indent="-228600" algn="l" defTabSz="914400" rtl="0" eaLnBrk="1" latinLnBrk="0" hangingPunct="1">
+              <a:lnSpc>
+                <a:spcPct val="90000"/>
+              </a:lnSpc>
+              <a:spcBef>
+                <a:spcPts val="500"/>
+              </a:spcBef>
+              <a:buFont typeface="Arial" panose="020B0604020202020204" pitchFamily="34" charset="0"/>
+              <a:buChar char="•"/>
+              <a:defRPr sz="1800" kern="1200">
+                <a:solidFill>
+                  <a:schemeClr val="tx1"/>
+                </a:solidFill>
+                <a:latin typeface="+mn-lt"/>
+                <a:ea typeface="+mn-ea"/>
+                <a:cs typeface="+mn-cs"/>
+              </a:defRPr>
+            </a:lvl5pPr>
+            <a:lvl6pPr marL="2514600" indent="-228600" algn="l" defTabSz="914400" rtl="0" eaLnBrk="1" latinLnBrk="0" hangingPunct="1">
+              <a:lnSpc>
+                <a:spcPct val="90000"/>
+              </a:lnSpc>
+              <a:spcBef>
+                <a:spcPts val="500"/>
+              </a:spcBef>
+              <a:buFont typeface="Arial" panose="020B0604020202020204" pitchFamily="34" charset="0"/>
+              <a:buChar char="•"/>
+              <a:defRPr sz="1800" kern="1200">
+                <a:solidFill>
+                  <a:schemeClr val="tx1"/>
+                </a:solidFill>
+                <a:latin typeface="+mn-lt"/>
+                <a:ea typeface="+mn-ea"/>
+                <a:cs typeface="+mn-cs"/>
+              </a:defRPr>
+            </a:lvl6pPr>
+            <a:lvl7pPr marL="2971800" indent="-228600" algn="l" defTabSz="914400" rtl="0" eaLnBrk="1" latinLnBrk="0" hangingPunct="1">
+              <a:lnSpc>
+                <a:spcPct val="90000"/>
+              </a:lnSpc>
+              <a:spcBef>
+                <a:spcPts val="500"/>
+              </a:spcBef>
+              <a:buFont typeface="Arial" panose="020B0604020202020204" pitchFamily="34" charset="0"/>
+              <a:buChar char="•"/>
+              <a:defRPr sz="1800" kern="1200">
+                <a:solidFill>
+                  <a:schemeClr val="tx1"/>
+                </a:solidFill>
+                <a:latin typeface="+mn-lt"/>
+                <a:ea typeface="+mn-ea"/>
+                <a:cs typeface="+mn-cs"/>
+              </a:defRPr>
+            </a:lvl7pPr>
+            <a:lvl8pPr marL="3429000" indent="-228600" algn="l" defTabSz="914400" rtl="0" eaLnBrk="1" latinLnBrk="0" hangingPunct="1">
+              <a:lnSpc>
+                <a:spcPct val="90000"/>
+              </a:lnSpc>
+              <a:spcBef>
+                <a:spcPts val="500"/>
+              </a:spcBef>
+              <a:buFont typeface="Arial" panose="020B0604020202020204" pitchFamily="34" charset="0"/>
+              <a:buChar char="•"/>
+              <a:defRPr sz="1800" kern="1200">
+                <a:solidFill>
+                  <a:schemeClr val="tx1"/>
+                </a:solidFill>
+                <a:latin typeface="+mn-lt"/>
+                <a:ea typeface="+mn-ea"/>
+                <a:cs typeface="+mn-cs"/>
+              </a:defRPr>
+            </a:lvl8pPr>
+            <a:lvl9pPr marL="3886200" indent="-228600" algn="l" defTabSz="914400" rtl="0" eaLnBrk="1" latinLnBrk="0" hangingPunct="1">
+              <a:lnSpc>
+                <a:spcPct val="90000"/>
+              </a:lnSpc>
+              <a:spcBef>
+                <a:spcPts val="500"/>
+              </a:spcBef>
+              <a:buFont typeface="Arial" panose="020B0604020202020204" pitchFamily="34" charset="0"/>
+              <a:buChar char="•"/>
+              <a:defRPr sz="1800" kern="1200">
+                <a:solidFill>
+                  <a:schemeClr val="tx1"/>
+                </a:solidFill>
+                <a:latin typeface="+mn-lt"/>
+                <a:ea typeface="+mn-ea"/>
+                <a:cs typeface="+mn-cs"/>
+              </a:defRPr>
+            </a:lvl9pPr>
+          </a:lstStyle>
+          <a:p>
+            <a:r>
+              <a:rPr lang="es-MX" smtClean="0"/>
+              <a:t>Introducción</a:t>
+            </a:r>
+          </a:p>
+          <a:p>
+            <a:endParaRPr lang="es-MX" smtClean="0"/>
+          </a:p>
+          <a:p>
+            <a:r>
+              <a:rPr lang="es-MX" smtClean="0"/>
+              <a:t>Pregunta de investigación</a:t>
+            </a:r>
+          </a:p>
+          <a:p>
+            <a:endParaRPr lang="es-MX" smtClean="0"/>
+          </a:p>
+          <a:p>
+            <a:r>
+              <a:rPr lang="es-MX" smtClean="0"/>
+              <a:t>Objetivos</a:t>
+            </a:r>
+          </a:p>
+          <a:p>
+            <a:pPr lvl="1"/>
+            <a:r>
+              <a:rPr lang="es-MX" smtClean="0"/>
+              <a:t>Objetivo general</a:t>
+            </a:r>
+          </a:p>
+          <a:p>
+            <a:pPr lvl="1"/>
+            <a:r>
+              <a:rPr lang="es-MX" smtClean="0"/>
+              <a:t>Objetivo Específico</a:t>
+            </a:r>
+          </a:p>
+          <a:p>
+            <a:pPr lvl="1"/>
+            <a:endParaRPr lang="es-MX" smtClean="0"/>
+          </a:p>
+          <a:p>
+            <a:r>
+              <a:rPr lang="es-MX" smtClean="0"/>
+              <a:t>Justificación</a:t>
+            </a:r>
+            <a:endParaRPr lang="es-MX" dirty="0"/>
+          </a:p>
+        </p:txBody>
+      </p:sp>
+      <p:sp>
+        <p:nvSpPr>
+          <p:cNvPr id="5" name="Marcador de contenido 2"/>
+          <p:cNvSpPr txBox="1">
+            <a:spLocks/>
+          </p:cNvSpPr>
+          <p:nvPr/>
+        </p:nvSpPr>
+        <p:spPr>
+          <a:xfrm>
+            <a:off x="321732" y="1312844"/>
+            <a:ext cx="4182536" cy="4711171"/>
+          </a:xfrm>
+          <a:prstGeom prst="rect">
+            <a:avLst/>
+          </a:prstGeom>
+          <a:solidFill>
+            <a:schemeClr val="bg1"/>
+          </a:solidFill>
+          <a:ln w="76200">
+            <a:solidFill>
+              <a:schemeClr val="tx1"/>
+            </a:solidFill>
+          </a:ln>
+        </p:spPr>
+        <p:txBody>
+          <a:bodyPr vert="horz" lIns="91440" tIns="45720" rIns="91440" bIns="45720" rtlCol="0">
+            <a:normAutofit/>
+          </a:bodyPr>
+          <a:lstStyle>
+            <a:lvl1pPr marL="228600" indent="-228600" algn="l" defTabSz="914400" rtl="0" eaLnBrk="1" latinLnBrk="0" hangingPunct="1">
+              <a:lnSpc>
+                <a:spcPct val="90000"/>
+              </a:lnSpc>
+              <a:spcBef>
+                <a:spcPts val="1000"/>
+              </a:spcBef>
+              <a:buFont typeface="Arial" panose="020B0604020202020204" pitchFamily="34" charset="0"/>
+              <a:buChar char="•"/>
+              <a:defRPr sz="2800" kern="1200">
+                <a:solidFill>
+                  <a:schemeClr val="tx1"/>
+                </a:solidFill>
+                <a:latin typeface="+mn-lt"/>
+                <a:ea typeface="+mn-ea"/>
+                <a:cs typeface="+mn-cs"/>
+              </a:defRPr>
+            </a:lvl1pPr>
+            <a:lvl2pPr marL="685800" indent="-228600" algn="l" defTabSz="914400" rtl="0" eaLnBrk="1" latinLnBrk="0" hangingPunct="1">
+              <a:lnSpc>
+                <a:spcPct val="90000"/>
+              </a:lnSpc>
+              <a:spcBef>
+                <a:spcPts val="500"/>
+              </a:spcBef>
+              <a:buFont typeface="Arial" panose="020B0604020202020204" pitchFamily="34" charset="0"/>
+              <a:buChar char="•"/>
+              <a:defRPr sz="2400" kern="1200">
+                <a:solidFill>
+                  <a:schemeClr val="tx1"/>
+                </a:solidFill>
+                <a:latin typeface="+mn-lt"/>
+                <a:ea typeface="+mn-ea"/>
+                <a:cs typeface="+mn-cs"/>
+              </a:defRPr>
+            </a:lvl2pPr>
+            <a:lvl3pPr marL="1143000" indent="-228600" algn="l" defTabSz="914400" rtl="0" eaLnBrk="1" latinLnBrk="0" hangingPunct="1">
+              <a:lnSpc>
+                <a:spcPct val="90000"/>
+              </a:lnSpc>
+              <a:spcBef>
+                <a:spcPts val="500"/>
+              </a:spcBef>
+              <a:buFont typeface="Arial" panose="020B0604020202020204" pitchFamily="34" charset="0"/>
+              <a:buChar char="•"/>
+              <a:defRPr sz="2000" kern="1200">
+                <a:solidFill>
+                  <a:schemeClr val="tx1"/>
+                </a:solidFill>
+                <a:latin typeface="+mn-lt"/>
+                <a:ea typeface="+mn-ea"/>
+                <a:cs typeface="+mn-cs"/>
+              </a:defRPr>
+            </a:lvl3pPr>
+            <a:lvl4pPr marL="1600200" indent="-228600" algn="l" defTabSz="914400" rtl="0" eaLnBrk="1" latinLnBrk="0" hangingPunct="1">
+              <a:lnSpc>
+                <a:spcPct val="90000"/>
+              </a:lnSpc>
+              <a:spcBef>
+                <a:spcPts val="500"/>
+              </a:spcBef>
+              <a:buFont typeface="Arial" panose="020B0604020202020204" pitchFamily="34" charset="0"/>
+              <a:buChar char="•"/>
+              <a:defRPr sz="1800" kern="1200">
+                <a:solidFill>
+                  <a:schemeClr val="tx1"/>
+                </a:solidFill>
+                <a:latin typeface="+mn-lt"/>
+                <a:ea typeface="+mn-ea"/>
+                <a:cs typeface="+mn-cs"/>
+              </a:defRPr>
+            </a:lvl4pPr>
+            <a:lvl5pPr marL="2057400" indent="-228600" algn="l" defTabSz="914400" rtl="0" eaLnBrk="1" latinLnBrk="0" hangingPunct="1">
+              <a:lnSpc>
+                <a:spcPct val="90000"/>
+              </a:lnSpc>
+              <a:spcBef>
+                <a:spcPts val="500"/>
+              </a:spcBef>
+              <a:buFont typeface="Arial" panose="020B0604020202020204" pitchFamily="34" charset="0"/>
+              <a:buChar char="•"/>
+              <a:defRPr sz="1800" kern="1200">
+                <a:solidFill>
+                  <a:schemeClr val="tx1"/>
+                </a:solidFill>
+                <a:latin typeface="+mn-lt"/>
+                <a:ea typeface="+mn-ea"/>
+                <a:cs typeface="+mn-cs"/>
+              </a:defRPr>
+            </a:lvl5pPr>
+            <a:lvl6pPr marL="2514600" indent="-228600" algn="l" defTabSz="914400" rtl="0" eaLnBrk="1" latinLnBrk="0" hangingPunct="1">
+              <a:lnSpc>
+                <a:spcPct val="90000"/>
+              </a:lnSpc>
+              <a:spcBef>
+                <a:spcPts val="500"/>
+              </a:spcBef>
+              <a:buFont typeface="Arial" panose="020B0604020202020204" pitchFamily="34" charset="0"/>
+              <a:buChar char="•"/>
+              <a:defRPr sz="1800" kern="1200">
+                <a:solidFill>
+                  <a:schemeClr val="tx1"/>
+                </a:solidFill>
+                <a:latin typeface="+mn-lt"/>
+                <a:ea typeface="+mn-ea"/>
+                <a:cs typeface="+mn-cs"/>
+              </a:defRPr>
+            </a:lvl6pPr>
+            <a:lvl7pPr marL="2971800" indent="-228600" algn="l" defTabSz="914400" rtl="0" eaLnBrk="1" latinLnBrk="0" hangingPunct="1">
+              <a:lnSpc>
+                <a:spcPct val="90000"/>
+              </a:lnSpc>
+              <a:spcBef>
+                <a:spcPts val="500"/>
+              </a:spcBef>
+              <a:buFont typeface="Arial" panose="020B0604020202020204" pitchFamily="34" charset="0"/>
+              <a:buChar char="•"/>
+              <a:defRPr sz="1800" kern="1200">
+                <a:solidFill>
+                  <a:schemeClr val="tx1"/>
+                </a:solidFill>
+                <a:latin typeface="+mn-lt"/>
+                <a:ea typeface="+mn-ea"/>
+                <a:cs typeface="+mn-cs"/>
+              </a:defRPr>
+            </a:lvl7pPr>
+            <a:lvl8pPr marL="3429000" indent="-228600" algn="l" defTabSz="914400" rtl="0" eaLnBrk="1" latinLnBrk="0" hangingPunct="1">
+              <a:lnSpc>
+                <a:spcPct val="90000"/>
+              </a:lnSpc>
+              <a:spcBef>
+                <a:spcPts val="500"/>
+              </a:spcBef>
+              <a:buFont typeface="Arial" panose="020B0604020202020204" pitchFamily="34" charset="0"/>
+              <a:buChar char="•"/>
+              <a:defRPr sz="1800" kern="1200">
+                <a:solidFill>
+                  <a:schemeClr val="tx1"/>
+                </a:solidFill>
+                <a:latin typeface="+mn-lt"/>
+                <a:ea typeface="+mn-ea"/>
+                <a:cs typeface="+mn-cs"/>
+              </a:defRPr>
+            </a:lvl8pPr>
+            <a:lvl9pPr marL="3886200" indent="-228600" algn="l" defTabSz="914400" rtl="0" eaLnBrk="1" latinLnBrk="0" hangingPunct="1">
+              <a:lnSpc>
+                <a:spcPct val="90000"/>
+              </a:lnSpc>
+              <a:spcBef>
+                <a:spcPts val="500"/>
+              </a:spcBef>
+              <a:buFont typeface="Arial" panose="020B0604020202020204" pitchFamily="34" charset="0"/>
+              <a:buChar char="•"/>
+              <a:defRPr sz="1800" kern="1200">
+                <a:solidFill>
+                  <a:schemeClr val="tx1"/>
+                </a:solidFill>
+                <a:latin typeface="+mn-lt"/>
+                <a:ea typeface="+mn-ea"/>
+                <a:cs typeface="+mn-cs"/>
+              </a:defRPr>
+            </a:lvl9pPr>
+          </a:lstStyle>
+          <a:p>
+            <a:endParaRPr lang="es-MX" dirty="0"/>
+          </a:p>
+        </p:txBody>
+      </p:sp>
+      <p:sp>
+        <p:nvSpPr>
+          <p:cNvPr id="6" name="Rectángulo 5"/>
+          <p:cNvSpPr/>
+          <p:nvPr/>
+        </p:nvSpPr>
+        <p:spPr>
+          <a:xfrm rot="18257193">
+            <a:off x="65534" y="2843843"/>
+            <a:ext cx="4259884" cy="1631216"/>
+          </a:xfrm>
+          <a:prstGeom prst="rect">
+            <a:avLst/>
+          </a:prstGeom>
+          <a:noFill/>
+        </p:spPr>
+        <p:txBody>
+          <a:bodyPr wrap="none" lIns="91440" tIns="45720" rIns="91440" bIns="45720">
+            <a:spAutoFit/>
+          </a:bodyPr>
+          <a:lstStyle/>
+          <a:p>
+            <a:pPr algn="ctr"/>
+            <a:r>
+              <a:rPr lang="es-ES" sz="10000" b="0" cap="none" spc="0" dirty="0" smtClean="0">
+                <a:ln w="0"/>
+                <a:gradFill>
+                  <a:gsLst>
+                    <a:gs pos="21000">
+                      <a:srgbClr val="53575C"/>
+                    </a:gs>
+                    <a:gs pos="88000">
+                      <a:srgbClr val="C5C7CA"/>
+                    </a:gs>
+                  </a:gsLst>
+                  <a:lin ang="5400000"/>
+                </a:gradFill>
+                <a:effectLst/>
+              </a:rPr>
+              <a:t>Portada</a:t>
+            </a:r>
+            <a:endParaRPr lang="es-ES" sz="10000" b="0" cap="none" spc="0" dirty="0">
+              <a:ln w="0"/>
+              <a:gradFill>
+                <a:gsLst>
+                  <a:gs pos="21000">
+                    <a:srgbClr val="53575C"/>
+                  </a:gs>
+                  <a:gs pos="88000">
+                    <a:srgbClr val="C5C7CA"/>
+                  </a:gs>
+                </a:gsLst>
+                <a:lin ang="5400000"/>
+              </a:gradFill>
+              <a:effectLst/>
+            </a:endParaRPr>
+          </a:p>
+        </p:txBody>
+      </p:sp>
+      <p:sp>
+        <p:nvSpPr>
+          <p:cNvPr id="8" name="Más 7"/>
+          <p:cNvSpPr/>
+          <p:nvPr/>
+        </p:nvSpPr>
+        <p:spPr>
+          <a:xfrm>
+            <a:off x="5003800" y="2760133"/>
+            <a:ext cx="1600200" cy="1676400"/>
+          </a:xfrm>
+          <a:prstGeom prst="mathPlus">
+            <a:avLst/>
+          </a:prstGeom>
+        </p:spPr>
+        <p:style>
+          <a:lnRef idx="0">
+            <a:schemeClr val="dk1"/>
+          </a:lnRef>
+          <a:fillRef idx="3">
+            <a:schemeClr val="dk1"/>
+          </a:fillRef>
+          <a:effectRef idx="3">
+            <a:schemeClr val="dk1"/>
+          </a:effectRef>
+          <a:fontRef idx="minor">
+            <a:schemeClr val="lt1"/>
+          </a:fontRef>
+        </p:style>
+        <p:txBody>
+          <a:bodyPr rtlCol="0" anchor="ctr"/>
+          <a:lstStyle/>
+          <a:p>
+            <a:pPr algn="ctr"/>
+            <a:endParaRPr lang="es-MX"/>
+          </a:p>
+        </p:txBody>
+      </p:sp>
+    </p:spTree>
+    <p:extLst>
+      <p:ext uri="{BB962C8B-B14F-4D97-AF65-F5344CB8AC3E}">
+        <p14:creationId xmlns:p14="http://schemas.microsoft.com/office/powerpoint/2010/main" val="3348761469"/>
+      </p:ext>
+    </p:extLst>
+  </p:cSld>
+  <p:clrMapOvr>
+    <a:masterClrMapping/>
+  </p:clrMapOvr>
+</p:sld>
+</file>
+
+<file path=ppt/slides/slide3.xml><?xml version="1.0" encoding="utf-8"?>
+<p:sld xmlns:a="http://schemas.openxmlformats.org/drawingml/2006/main" xmlns:r="http://schemas.openxmlformats.org/officeDocument/2006/relationships" xmlns:p="http://schemas.openxmlformats.org/presentationml/2006/main">
+  <p:cSld>
+    <p:spTree>
+      <p:nvGrpSpPr>
+        <p:cNvPr id="1" name=""/>
+        <p:cNvGrpSpPr/>
+        <p:nvPr/>
+      </p:nvGrpSpPr>
+      <p:grpSpPr>
+        <a:xfrm>
+          <a:off x="0" y="0"/>
+          <a:ext cx="0" cy="0"/>
+          <a:chOff x="0" y="0"/>
+          <a:chExt cx="0" cy="0"/>
+        </a:xfrm>
+      </p:grpSpPr>
+      <p:sp>
+        <p:nvSpPr>
+          <p:cNvPr id="2" name="Título 1"/>
+          <p:cNvSpPr>
+            <a:spLocks noGrp="1"/>
+          </p:cNvSpPr>
+          <p:nvPr>
+            <p:ph type="title"/>
+          </p:nvPr>
+        </p:nvSpPr>
+        <p:spPr/>
+        <p:txBody>
+          <a:bodyPr/>
+          <a:lstStyle/>
+          <a:p>
+            <a:r>
+              <a:rPr lang="es-MX" b="1" dirty="0" smtClean="0"/>
+              <a:t>Elección de un tema en particular</a:t>
+            </a:r>
+            <a:endParaRPr lang="es-MX" b="1" dirty="0"/>
+          </a:p>
+        </p:txBody>
+      </p:sp>
+      <p:sp>
+        <p:nvSpPr>
+          <p:cNvPr id="3" name="Marcador de contenido 2"/>
+          <p:cNvSpPr>
+            <a:spLocks noGrp="1"/>
+          </p:cNvSpPr>
+          <p:nvPr>
+            <p:ph idx="1"/>
+          </p:nvPr>
+        </p:nvSpPr>
+        <p:spPr/>
+        <p:txBody>
+          <a:bodyPr/>
+          <a:lstStyle/>
+          <a:p>
+            <a:endParaRPr lang="es-MX" dirty="0"/>
+          </a:p>
+        </p:txBody>
+      </p:sp>
+      <p:sp>
+        <p:nvSpPr>
+          <p:cNvPr id="5" name="Rectángulo 4"/>
+          <p:cNvSpPr/>
+          <p:nvPr/>
+        </p:nvSpPr>
+        <p:spPr>
+          <a:xfrm>
+            <a:off x="0" y="0"/>
+            <a:ext cx="12192000" cy="482600"/>
+          </a:xfrm>
+          <a:prstGeom prst="rect">
+            <a:avLst/>
+          </a:prstGeom>
+        </p:spPr>
+        <p:style>
+          <a:lnRef idx="0">
+            <a:schemeClr val="accent4"/>
+          </a:lnRef>
+          <a:fillRef idx="3">
+            <a:schemeClr val="accent4"/>
+          </a:fillRef>
+          <a:effectRef idx="3">
+            <a:schemeClr val="accent4"/>
+          </a:effectRef>
+          <a:fontRef idx="minor">
+            <a:schemeClr val="lt1"/>
+          </a:fontRef>
+        </p:style>
+        <p:txBody>
+          <a:bodyPr rtlCol="0" anchor="ctr"/>
+          <a:lstStyle/>
+          <a:p>
+            <a:pPr algn="ctr"/>
+            <a:endParaRPr lang="es-MX"/>
+          </a:p>
+        </p:txBody>
+      </p:sp>
+      <p:sp>
+        <p:nvSpPr>
+          <p:cNvPr id="6" name="Rectángulo 5"/>
+          <p:cNvSpPr/>
+          <p:nvPr/>
+        </p:nvSpPr>
+        <p:spPr>
+          <a:xfrm>
+            <a:off x="0" y="6400800"/>
+            <a:ext cx="12192000" cy="457200"/>
+          </a:xfrm>
+          <a:prstGeom prst="rect">
+            <a:avLst/>
+          </a:prstGeom>
+        </p:spPr>
+        <p:style>
+          <a:lnRef idx="0">
+            <a:schemeClr val="accent4"/>
+          </a:lnRef>
+          <a:fillRef idx="3">
+            <a:schemeClr val="accent4"/>
+          </a:fillRef>
+          <a:effectRef idx="3">
+            <a:schemeClr val="accent4"/>
+          </a:effectRef>
+          <a:fontRef idx="minor">
+            <a:schemeClr val="lt1"/>
+          </a:fontRef>
+        </p:style>
+        <p:txBody>
+          <a:bodyPr rtlCol="0" anchor="ctr"/>
+          <a:lstStyle/>
+          <a:p>
+            <a:pPr algn="ctr"/>
+            <a:endParaRPr lang="es-MX"/>
+          </a:p>
+        </p:txBody>
+      </p:sp>
+      <p:sp>
+        <p:nvSpPr>
+          <p:cNvPr id="4" name="Rectángulo redondeado 3"/>
+          <p:cNvSpPr/>
+          <p:nvPr/>
+        </p:nvSpPr>
+        <p:spPr>
+          <a:xfrm>
+            <a:off x="1024467" y="1515533"/>
+            <a:ext cx="5342466" cy="1778000"/>
+          </a:xfrm>
+          <a:prstGeom prst="roundRect">
+            <a:avLst/>
+          </a:prstGeom>
+        </p:spPr>
+        <p:style>
+          <a:lnRef idx="1">
+            <a:schemeClr val="accent4"/>
+          </a:lnRef>
+          <a:fillRef idx="2">
+            <a:schemeClr val="accent4"/>
+          </a:fillRef>
+          <a:effectRef idx="1">
+            <a:schemeClr val="accent4"/>
+          </a:effectRef>
+          <a:fontRef idx="minor">
+            <a:schemeClr val="dk1"/>
+          </a:fontRef>
+        </p:style>
+        <p:txBody>
+          <a:bodyPr rtlCol="0" anchor="ctr"/>
+          <a:lstStyle/>
+          <a:p>
+            <a:pPr algn="ctr"/>
+            <a:endParaRPr lang="es-MX"/>
+          </a:p>
+        </p:txBody>
+      </p:sp>
+      <p:pic>
+        <p:nvPicPr>
+          <p:cNvPr id="12290" name="Picture 2" descr="Resultado de imagen para Tema de interÃ©s"/>
+          <p:cNvPicPr>
+            <a:picLocks noChangeAspect="1" noChangeArrowheads="1"/>
+          </p:cNvPicPr>
+          <p:nvPr/>
+        </p:nvPicPr>
+        <p:blipFill>
+          <a:blip r:embed="rId2" cstate="print">
+            <a:extLst>
+              <a:ext uri="{28A0092B-C50C-407E-A947-70E740481C1C}">
+                <a14:useLocalDpi xmlns:a14="http://schemas.microsoft.com/office/drawing/2010/main" val="0"/>
+              </a:ext>
+            </a:extLst>
+          </a:blip>
+          <a:srcRect/>
+          <a:stretch>
+            <a:fillRect/>
+          </a:stretch>
+        </p:blipFill>
+        <p:spPr bwMode="auto">
+          <a:xfrm>
+            <a:off x="1735666" y="1603912"/>
+            <a:ext cx="3920067" cy="1601242"/>
+          </a:xfrm>
+          <a:prstGeom prst="rect">
+            <a:avLst/>
+          </a:prstGeom>
+          <a:noFill/>
+          <a:extLst>
+            <a:ext uri="{909E8E84-426E-40DD-AFC4-6F175D3DCCD1}">
+              <a14:hiddenFill xmlns:a14="http://schemas.microsoft.com/office/drawing/2010/main">
+                <a:solidFill>
+                  <a:srgbClr val="FFFFFF"/>
+                </a:solidFill>
+              </a14:hiddenFill>
+            </a:ext>
+          </a:extLst>
+        </p:spPr>
+      </p:pic>
+    </p:spTree>
+    <p:extLst>
+      <p:ext uri="{BB962C8B-B14F-4D97-AF65-F5344CB8AC3E}">
+        <p14:creationId xmlns:p14="http://schemas.microsoft.com/office/powerpoint/2010/main" val="3785779987"/>
+      </p:ext>
+    </p:extLst>
+  </p:cSld>
+  <p:clrMapOvr>
+    <a:masterClrMapping/>
+  </p:clrMapOvr>
+</p:sld>
+</file>
+
+<file path=ppt/slides/slide4.xml><?xml version="1.0" encoding="utf-8"?>
+<p:sld xmlns:a="http://schemas.openxmlformats.org/drawingml/2006/main" xmlns:r="http://schemas.openxmlformats.org/officeDocument/2006/relationships" xmlns:p="http://schemas.openxmlformats.org/presentationml/2006/main">
+  <p:cSld>
+    <p:spTree>
+      <p:nvGrpSpPr>
+        <p:cNvPr id="1" name=""/>
+        <p:cNvGrpSpPr/>
+        <p:nvPr/>
+      </p:nvGrpSpPr>
+      <p:grpSpPr>
+        <a:xfrm>
+          <a:off x="0" y="0"/>
+          <a:ext cx="0" cy="0"/>
+          <a:chOff x="0" y="0"/>
+          <a:chExt cx="0" cy="0"/>
+        </a:xfrm>
+      </p:grpSpPr>
+      <p:sp>
+        <p:nvSpPr>
+          <p:cNvPr id="2" name="Título 1"/>
+          <p:cNvSpPr>
+            <a:spLocks noGrp="1"/>
+          </p:cNvSpPr>
+          <p:nvPr>
+            <p:ph type="title"/>
+          </p:nvPr>
+        </p:nvSpPr>
+        <p:spPr/>
+        <p:txBody>
+          <a:bodyPr/>
+          <a:lstStyle/>
+          <a:p>
+            <a:r>
+              <a:rPr lang="es-MX" b="1" dirty="0" smtClean="0"/>
+              <a:t>Elección de un tema en particular</a:t>
+            </a:r>
+            <a:endParaRPr lang="es-MX" b="1" dirty="0"/>
+          </a:p>
+        </p:txBody>
+      </p:sp>
+      <p:sp>
+        <p:nvSpPr>
+          <p:cNvPr id="5" name="Rectángulo 4"/>
+          <p:cNvSpPr/>
+          <p:nvPr/>
+        </p:nvSpPr>
+        <p:spPr>
+          <a:xfrm>
+            <a:off x="0" y="0"/>
+            <a:ext cx="12192000" cy="482600"/>
+          </a:xfrm>
+          <a:prstGeom prst="rect">
+            <a:avLst/>
+          </a:prstGeom>
+        </p:spPr>
+        <p:style>
+          <a:lnRef idx="0">
+            <a:schemeClr val="accent4"/>
+          </a:lnRef>
+          <a:fillRef idx="3">
+            <a:schemeClr val="accent4"/>
+          </a:fillRef>
+          <a:effectRef idx="3">
+            <a:schemeClr val="accent4"/>
+          </a:effectRef>
+          <a:fontRef idx="minor">
+            <a:schemeClr val="lt1"/>
+          </a:fontRef>
+        </p:style>
+        <p:txBody>
+          <a:bodyPr rtlCol="0" anchor="ctr"/>
+          <a:lstStyle/>
+          <a:p>
+            <a:pPr algn="ctr"/>
+            <a:endParaRPr lang="es-MX"/>
+          </a:p>
+        </p:txBody>
+      </p:sp>
+      <p:sp>
+        <p:nvSpPr>
+          <p:cNvPr id="6" name="Rectángulo 5"/>
+          <p:cNvSpPr/>
+          <p:nvPr/>
+        </p:nvSpPr>
+        <p:spPr>
+          <a:xfrm>
+            <a:off x="0" y="6400800"/>
+            <a:ext cx="12192000" cy="457200"/>
+          </a:xfrm>
+          <a:prstGeom prst="rect">
+            <a:avLst/>
+          </a:prstGeom>
+        </p:spPr>
+        <p:style>
+          <a:lnRef idx="0">
+            <a:schemeClr val="accent4"/>
+          </a:lnRef>
+          <a:fillRef idx="3">
+            <a:schemeClr val="accent4"/>
+          </a:fillRef>
+          <a:effectRef idx="3">
+            <a:schemeClr val="accent4"/>
+          </a:effectRef>
+          <a:fontRef idx="minor">
+            <a:schemeClr val="lt1"/>
+          </a:fontRef>
+        </p:style>
+        <p:txBody>
+          <a:bodyPr rtlCol="0" anchor="ctr"/>
+          <a:lstStyle/>
+          <a:p>
+            <a:pPr algn="ctr"/>
+            <a:endParaRPr lang="es-MX"/>
+          </a:p>
+        </p:txBody>
+      </p:sp>
+      <p:sp>
+        <p:nvSpPr>
+          <p:cNvPr id="4" name="Rectángulo redondeado 3"/>
+          <p:cNvSpPr/>
+          <p:nvPr/>
+        </p:nvSpPr>
+        <p:spPr>
+          <a:xfrm>
+            <a:off x="1024467" y="1515533"/>
+            <a:ext cx="5342466" cy="1778000"/>
+          </a:xfrm>
+          <a:prstGeom prst="roundRect">
+            <a:avLst/>
+          </a:prstGeom>
+        </p:spPr>
+        <p:style>
+          <a:lnRef idx="1">
+            <a:schemeClr val="accent4"/>
+          </a:lnRef>
+          <a:fillRef idx="2">
+            <a:schemeClr val="accent4"/>
+          </a:fillRef>
+          <a:effectRef idx="1">
+            <a:schemeClr val="accent4"/>
+          </a:effectRef>
+          <a:fontRef idx="minor">
+            <a:schemeClr val="dk1"/>
+          </a:fontRef>
+        </p:style>
+        <p:txBody>
+          <a:bodyPr rtlCol="0" anchor="ctr"/>
+          <a:lstStyle/>
+          <a:p>
+            <a:pPr algn="ctr"/>
+            <a:endParaRPr lang="es-MX">
+              <a:solidFill>
+                <a:schemeClr val="dk1"/>
+              </a:solidFill>
+            </a:endParaRPr>
+          </a:p>
+        </p:txBody>
+      </p:sp>
+      <p:sp>
+        <p:nvSpPr>
+          <p:cNvPr id="7" name="Flecha abajo 6"/>
+          <p:cNvSpPr/>
+          <p:nvPr/>
+        </p:nvSpPr>
+        <p:spPr>
+          <a:xfrm>
+            <a:off x="2971801" y="2632603"/>
+            <a:ext cx="1244599" cy="1591733"/>
+          </a:xfrm>
+          <a:prstGeom prst="downArrow">
+            <a:avLst/>
+          </a:prstGeom>
+        </p:spPr>
+        <p:style>
+          <a:lnRef idx="2">
+            <a:schemeClr val="accent1">
+              <a:shade val="50000"/>
+            </a:schemeClr>
+          </a:lnRef>
+          <a:fillRef idx="1">
+            <a:schemeClr val="accent1"/>
+          </a:fillRef>
+          <a:effectRef idx="0">
+            <a:schemeClr val="accent1"/>
+          </a:effectRef>
+          <a:fontRef idx="minor">
+            <a:schemeClr val="lt1"/>
+          </a:fontRef>
+        </p:style>
+        <p:txBody>
+          <a:bodyPr rtlCol="0" anchor="ctr"/>
+          <a:lstStyle/>
+          <a:p>
+            <a:pPr algn="ctr"/>
+            <a:endParaRPr lang="es-MX"/>
+          </a:p>
+        </p:txBody>
+      </p:sp>
+      <p:sp>
+        <p:nvSpPr>
+          <p:cNvPr id="8" name="Elipse 7"/>
+          <p:cNvSpPr/>
+          <p:nvPr/>
+        </p:nvSpPr>
+        <p:spPr>
+          <a:xfrm>
+            <a:off x="1993900" y="4294981"/>
+            <a:ext cx="3200400" cy="1617134"/>
+          </a:xfrm>
+          <a:prstGeom prst="ellipse">
+            <a:avLst/>
+          </a:prstGeom>
+        </p:spPr>
+        <p:style>
+          <a:lnRef idx="1">
+            <a:schemeClr val="accent4"/>
+          </a:lnRef>
+          <a:fillRef idx="2">
+            <a:schemeClr val="accent4"/>
+          </a:fillRef>
+          <a:effectRef idx="1">
+            <a:schemeClr val="accent4"/>
+          </a:effectRef>
+          <a:fontRef idx="minor">
+            <a:schemeClr val="dk1"/>
+          </a:fontRef>
+        </p:style>
+        <p:txBody>
+          <a:bodyPr rtlCol="0" anchor="ctr"/>
+          <a:lstStyle/>
+          <a:p>
+            <a:pPr algn="ctr"/>
+            <a:endParaRPr lang="es-MX"/>
+          </a:p>
+        </p:txBody>
+      </p:sp>
+      <p:pic>
+        <p:nvPicPr>
+          <p:cNvPr id="15" name="Picture 2" descr="Resultado de imagen para Tema de interÃ©s"/>
+          <p:cNvPicPr>
+            <a:picLocks noChangeAspect="1" noChangeArrowheads="1"/>
+          </p:cNvPicPr>
+          <p:nvPr/>
+        </p:nvPicPr>
+        <p:blipFill>
+          <a:blip r:embed="rId2" cstate="print">
+            <a:extLst>
+              <a:ext uri="{28A0092B-C50C-407E-A947-70E740481C1C}">
+                <a14:useLocalDpi xmlns:a14="http://schemas.microsoft.com/office/drawing/2010/main" val="0"/>
+              </a:ext>
+            </a:extLst>
+          </a:blip>
+          <a:srcRect/>
+          <a:stretch>
+            <a:fillRect/>
+          </a:stretch>
+        </p:blipFill>
+        <p:spPr bwMode="auto">
+          <a:xfrm>
+            <a:off x="1735666" y="1603912"/>
+            <a:ext cx="3920067" cy="1601242"/>
+          </a:xfrm>
+          <a:prstGeom prst="rect">
+            <a:avLst/>
+          </a:prstGeom>
+          <a:noFill/>
+          <a:extLst>
+            <a:ext uri="{909E8E84-426E-40DD-AFC4-6F175D3DCCD1}">
+              <a14:hiddenFill xmlns:a14="http://schemas.microsoft.com/office/drawing/2010/main">
+                <a:solidFill>
+                  <a:srgbClr val="FFFFFF"/>
+                </a:solidFill>
+              </a14:hiddenFill>
+            </a:ext>
+          </a:extLst>
+        </p:spPr>
+      </p:pic>
+      <p:pic>
+        <p:nvPicPr>
+          <p:cNvPr id="7170" name="Picture 2" descr="Resultado de imagen para Preguntas"/>
+          <p:cNvPicPr>
+            <a:picLocks noChangeAspect="1" noChangeArrowheads="1"/>
+          </p:cNvPicPr>
+          <p:nvPr/>
+        </p:nvPicPr>
+        <p:blipFill>
+          <a:blip r:embed="rId3">
+            <a:extLst>
+              <a:ext uri="{28A0092B-C50C-407E-A947-70E740481C1C}">
+                <a14:useLocalDpi xmlns:a14="http://schemas.microsoft.com/office/drawing/2010/main" val="0"/>
+              </a:ext>
+            </a:extLst>
+          </a:blip>
+          <a:srcRect/>
+          <a:stretch>
+            <a:fillRect/>
+          </a:stretch>
+        </p:blipFill>
+        <p:spPr bwMode="auto">
+          <a:xfrm>
+            <a:off x="2518834" y="4319590"/>
+            <a:ext cx="1814514" cy="1592525"/>
+          </a:xfrm>
+          <a:prstGeom prst="rect">
+            <a:avLst/>
+          </a:prstGeom>
+          <a:noFill/>
+          <a:extLst>
+            <a:ext uri="{909E8E84-426E-40DD-AFC4-6F175D3DCCD1}">
+              <a14:hiddenFill xmlns:a14="http://schemas.microsoft.com/office/drawing/2010/main">
+                <a:solidFill>
+                  <a:srgbClr val="FFFFFF"/>
+                </a:solidFill>
+              </a14:hiddenFill>
+            </a:ext>
+          </a:extLst>
+        </p:spPr>
+      </p:pic>
+    </p:spTree>
+    <p:extLst>
+      <p:ext uri="{BB962C8B-B14F-4D97-AF65-F5344CB8AC3E}">
+        <p14:creationId xmlns:p14="http://schemas.microsoft.com/office/powerpoint/2010/main" val="442320628"/>
+      </p:ext>
+    </p:extLst>
+  </p:cSld>
+  <p:clrMapOvr>
+    <a:masterClrMapping/>
+  </p:clrMapOvr>
+</p:sld>
+</file>
+
+<file path=ppt/slides/slide5.xml><?xml version="1.0" encoding="utf-8"?>
+<p:sld xmlns:a="http://schemas.openxmlformats.org/drawingml/2006/main" xmlns:r="http://schemas.openxmlformats.org/officeDocument/2006/relationships" xmlns:p="http://schemas.openxmlformats.org/presentationml/2006/main">
+  <p:cSld>
+    <p:spTree>
+      <p:nvGrpSpPr>
+        <p:cNvPr id="1" name=""/>
+        <p:cNvGrpSpPr/>
+        <p:nvPr/>
+      </p:nvGrpSpPr>
+      <p:grpSpPr>
+        <a:xfrm>
+          <a:off x="0" y="0"/>
+          <a:ext cx="0" cy="0"/>
+          <a:chOff x="0" y="0"/>
+          <a:chExt cx="0" cy="0"/>
+        </a:xfrm>
+      </p:grpSpPr>
+      <p:sp>
+        <p:nvSpPr>
+          <p:cNvPr id="2" name="Título 1"/>
+          <p:cNvSpPr>
+            <a:spLocks noGrp="1"/>
+          </p:cNvSpPr>
+          <p:nvPr>
+            <p:ph type="title"/>
+          </p:nvPr>
+        </p:nvSpPr>
+        <p:spPr/>
+        <p:txBody>
+          <a:bodyPr/>
+          <a:lstStyle/>
+          <a:p>
+            <a:r>
+              <a:rPr lang="es-MX" b="1" dirty="0" smtClean="0"/>
+              <a:t>Elección de un tema en particular</a:t>
+            </a:r>
+            <a:endParaRPr lang="es-MX" b="1" dirty="0"/>
+          </a:p>
+        </p:txBody>
+      </p:sp>
+      <p:sp>
+        <p:nvSpPr>
+          <p:cNvPr id="3" name="Marcador de contenido 2"/>
+          <p:cNvSpPr>
+            <a:spLocks noGrp="1"/>
+          </p:cNvSpPr>
+          <p:nvPr>
+            <p:ph idx="1"/>
+          </p:nvPr>
+        </p:nvSpPr>
+        <p:spPr/>
+        <p:txBody>
+          <a:bodyPr/>
+          <a:lstStyle/>
+          <a:p>
+            <a:endParaRPr lang="es-MX" dirty="0"/>
+          </a:p>
+        </p:txBody>
+      </p:sp>
+      <p:sp>
+        <p:nvSpPr>
+          <p:cNvPr id="5" name="Rectángulo 4"/>
+          <p:cNvSpPr/>
+          <p:nvPr/>
+        </p:nvSpPr>
+        <p:spPr>
+          <a:xfrm>
+            <a:off x="0" y="0"/>
+            <a:ext cx="12192000" cy="482600"/>
+          </a:xfrm>
+          <a:prstGeom prst="rect">
+            <a:avLst/>
+          </a:prstGeom>
+        </p:spPr>
+        <p:style>
+          <a:lnRef idx="0">
+            <a:schemeClr val="accent4"/>
+          </a:lnRef>
+          <a:fillRef idx="3">
+            <a:schemeClr val="accent4"/>
+          </a:fillRef>
+          <a:effectRef idx="3">
+            <a:schemeClr val="accent4"/>
+          </a:effectRef>
+          <a:fontRef idx="minor">
+            <a:schemeClr val="lt1"/>
+          </a:fontRef>
+        </p:style>
+        <p:txBody>
+          <a:bodyPr rtlCol="0" anchor="ctr"/>
+          <a:lstStyle/>
+          <a:p>
+            <a:pPr algn="ctr"/>
+            <a:endParaRPr lang="es-MX"/>
+          </a:p>
+        </p:txBody>
+      </p:sp>
+      <p:sp>
+        <p:nvSpPr>
+          <p:cNvPr id="6" name="Rectángulo 5"/>
+          <p:cNvSpPr/>
+          <p:nvPr/>
+        </p:nvSpPr>
+        <p:spPr>
+          <a:xfrm>
+            <a:off x="0" y="6400800"/>
+            <a:ext cx="12192000" cy="457200"/>
+          </a:xfrm>
+          <a:prstGeom prst="rect">
+            <a:avLst/>
+          </a:prstGeom>
+        </p:spPr>
+        <p:style>
+          <a:lnRef idx="0">
+            <a:schemeClr val="accent4"/>
+          </a:lnRef>
+          <a:fillRef idx="3">
+            <a:schemeClr val="accent4"/>
+          </a:fillRef>
+          <a:effectRef idx="3">
+            <a:schemeClr val="accent4"/>
+          </a:effectRef>
+          <a:fontRef idx="minor">
+            <a:schemeClr val="lt1"/>
+          </a:fontRef>
+        </p:style>
+        <p:txBody>
+          <a:bodyPr rtlCol="0" anchor="ctr"/>
+          <a:lstStyle/>
+          <a:p>
+            <a:pPr algn="ctr"/>
+            <a:endParaRPr lang="es-MX"/>
+          </a:p>
+        </p:txBody>
+      </p:sp>
+      <p:sp>
+        <p:nvSpPr>
+          <p:cNvPr id="4" name="Rectángulo redondeado 3"/>
+          <p:cNvSpPr/>
+          <p:nvPr/>
+        </p:nvSpPr>
+        <p:spPr>
+          <a:xfrm>
+            <a:off x="1024467" y="1524000"/>
+            <a:ext cx="5342466" cy="1778000"/>
+          </a:xfrm>
+          <a:prstGeom prst="roundRect">
+            <a:avLst/>
+          </a:prstGeom>
+        </p:spPr>
+        <p:style>
+          <a:lnRef idx="1">
+            <a:schemeClr val="accent4"/>
+          </a:lnRef>
+          <a:fillRef idx="2">
+            <a:schemeClr val="accent4"/>
+          </a:fillRef>
+          <a:effectRef idx="1">
+            <a:schemeClr val="accent4"/>
+          </a:effectRef>
+          <a:fontRef idx="minor">
+            <a:schemeClr val="dk1"/>
+          </a:fontRef>
+        </p:style>
+        <p:txBody>
+          <a:bodyPr rtlCol="0" anchor="ctr"/>
+          <a:lstStyle/>
+          <a:p>
+            <a:pPr algn="ctr"/>
+            <a:endParaRPr lang="es-MX">
+              <a:solidFill>
+                <a:schemeClr val="dk1"/>
+              </a:solidFill>
+            </a:endParaRPr>
+          </a:p>
+        </p:txBody>
+      </p:sp>
+      <p:sp>
+        <p:nvSpPr>
+          <p:cNvPr id="7" name="Flecha abajo 6"/>
+          <p:cNvSpPr/>
+          <p:nvPr/>
+        </p:nvSpPr>
+        <p:spPr>
+          <a:xfrm>
+            <a:off x="2971801" y="2632603"/>
+            <a:ext cx="1244599" cy="1591733"/>
+          </a:xfrm>
+          <a:prstGeom prst="downArrow">
+            <a:avLst/>
+          </a:prstGeom>
+        </p:spPr>
+        <p:style>
+          <a:lnRef idx="2">
+            <a:schemeClr val="accent1">
+              <a:shade val="50000"/>
+            </a:schemeClr>
+          </a:lnRef>
+          <a:fillRef idx="1">
+            <a:schemeClr val="accent1"/>
+          </a:fillRef>
+          <a:effectRef idx="0">
+            <a:schemeClr val="accent1"/>
+          </a:effectRef>
+          <a:fontRef idx="minor">
+            <a:schemeClr val="lt1"/>
+          </a:fontRef>
+        </p:style>
+        <p:txBody>
+          <a:bodyPr rtlCol="0" anchor="ctr"/>
+          <a:lstStyle/>
+          <a:p>
+            <a:pPr algn="ctr"/>
+            <a:endParaRPr lang="es-MX"/>
+          </a:p>
+        </p:txBody>
+      </p:sp>
+      <p:sp>
+        <p:nvSpPr>
+          <p:cNvPr id="8" name="Elipse 7"/>
+          <p:cNvSpPr/>
+          <p:nvPr/>
+        </p:nvSpPr>
+        <p:spPr>
+          <a:xfrm>
+            <a:off x="1993900" y="4294981"/>
+            <a:ext cx="3200400" cy="1617134"/>
+          </a:xfrm>
+          <a:prstGeom prst="ellipse">
+            <a:avLst/>
+          </a:prstGeom>
+        </p:spPr>
+        <p:style>
+          <a:lnRef idx="1">
+            <a:schemeClr val="accent4"/>
+          </a:lnRef>
+          <a:fillRef idx="2">
+            <a:schemeClr val="accent4"/>
+          </a:fillRef>
+          <a:effectRef idx="1">
+            <a:schemeClr val="accent4"/>
+          </a:effectRef>
+          <a:fontRef idx="minor">
+            <a:schemeClr val="dk1"/>
+          </a:fontRef>
+        </p:style>
+        <p:txBody>
+          <a:bodyPr rtlCol="0" anchor="ctr"/>
+          <a:lstStyle/>
+          <a:p>
+            <a:pPr algn="ctr"/>
+            <a:endParaRPr lang="es-MX">
+              <a:solidFill>
+                <a:schemeClr val="dk1"/>
+              </a:solidFill>
+            </a:endParaRPr>
+          </a:p>
+        </p:txBody>
+      </p:sp>
+      <p:sp>
+        <p:nvSpPr>
+          <p:cNvPr id="9" name="Abrir llave 8"/>
+          <p:cNvSpPr/>
+          <p:nvPr/>
+        </p:nvSpPr>
+        <p:spPr>
+          <a:xfrm>
+            <a:off x="5520267" y="4294981"/>
+            <a:ext cx="355600" cy="1720851"/>
+          </a:xfrm>
+          <a:prstGeom prst="leftBrace">
+            <a:avLst/>
+          </a:prstGeom>
+        </p:spPr>
+        <p:style>
+          <a:lnRef idx="1">
+            <a:schemeClr val="accent1"/>
+          </a:lnRef>
+          <a:fillRef idx="0">
+            <a:schemeClr val="accent1"/>
+          </a:fillRef>
+          <a:effectRef idx="0">
+            <a:schemeClr val="accent1"/>
+          </a:effectRef>
+          <a:fontRef idx="minor">
+            <a:schemeClr val="tx1"/>
+          </a:fontRef>
+        </p:style>
+        <p:txBody>
+          <a:bodyPr rtlCol="0" anchor="ctr"/>
+          <a:lstStyle/>
+          <a:p>
+            <a:pPr algn="ctr"/>
+            <a:endParaRPr lang="es-MX"/>
+          </a:p>
+        </p:txBody>
+      </p:sp>
+      <p:sp>
+        <p:nvSpPr>
+          <p:cNvPr id="10" name="Rectángulo redondeado 9"/>
+          <p:cNvSpPr/>
+          <p:nvPr/>
+        </p:nvSpPr>
+        <p:spPr>
+          <a:xfrm>
+            <a:off x="6201836" y="4133850"/>
+            <a:ext cx="2599267" cy="361686"/>
+          </a:xfrm>
+          <a:prstGeom prst="roundRect">
+            <a:avLst/>
+          </a:prstGeom>
+          <a:solidFill>
+            <a:schemeClr val="accent4">
+              <a:lumMod val="50000"/>
+            </a:schemeClr>
+          </a:solidFill>
+          <a:ln>
+            <a:solidFill>
+              <a:schemeClr val="tx1"/>
+            </a:solidFill>
+          </a:ln>
+        </p:spPr>
+        <p:style>
+          <a:lnRef idx="2">
+            <a:schemeClr val="accent1">
+              <a:shade val="50000"/>
+            </a:schemeClr>
+          </a:lnRef>
+          <a:fillRef idx="1">
+            <a:schemeClr val="accent1"/>
+          </a:fillRef>
+          <a:effectRef idx="0">
+            <a:schemeClr val="accent1"/>
+          </a:effectRef>
+          <a:fontRef idx="minor">
+            <a:schemeClr val="lt1"/>
+          </a:fontRef>
+        </p:style>
+        <p:txBody>
+          <a:bodyPr rtlCol="0" anchor="ctr"/>
+          <a:lstStyle/>
+          <a:p>
+            <a:pPr algn="ctr"/>
+            <a:endParaRPr lang="es-MX"/>
+          </a:p>
+        </p:txBody>
+      </p:sp>
+      <p:sp>
+        <p:nvSpPr>
+          <p:cNvPr id="11" name="Rectángulo redondeado 10"/>
+          <p:cNvSpPr/>
+          <p:nvPr/>
+        </p:nvSpPr>
+        <p:spPr>
+          <a:xfrm>
+            <a:off x="6201835" y="4632589"/>
+            <a:ext cx="2599267" cy="361686"/>
+          </a:xfrm>
+          <a:prstGeom prst="roundRect">
+            <a:avLst/>
+          </a:prstGeom>
+          <a:solidFill>
+            <a:schemeClr val="accent4">
+              <a:lumMod val="75000"/>
+            </a:schemeClr>
+          </a:solidFill>
+          <a:ln>
+            <a:solidFill>
+              <a:schemeClr val="tx1"/>
+            </a:solidFill>
+          </a:ln>
+        </p:spPr>
+        <p:style>
+          <a:lnRef idx="2">
+            <a:schemeClr val="accent1">
+              <a:shade val="50000"/>
+            </a:schemeClr>
+          </a:lnRef>
+          <a:fillRef idx="1">
+            <a:schemeClr val="accent1"/>
+          </a:fillRef>
+          <a:effectRef idx="0">
+            <a:schemeClr val="accent1"/>
+          </a:effectRef>
+          <a:fontRef idx="minor">
+            <a:schemeClr val="lt1"/>
+          </a:fontRef>
+        </p:style>
+        <p:txBody>
+          <a:bodyPr rtlCol="0" anchor="ctr"/>
+          <a:lstStyle/>
+          <a:p>
+            <a:pPr algn="ctr"/>
+            <a:endParaRPr lang="es-MX"/>
+          </a:p>
+        </p:txBody>
+      </p:sp>
+      <p:sp>
+        <p:nvSpPr>
+          <p:cNvPr id="13" name="Rectángulo redondeado 12"/>
+          <p:cNvSpPr/>
+          <p:nvPr/>
+        </p:nvSpPr>
+        <p:spPr>
+          <a:xfrm>
+            <a:off x="6201836" y="5143367"/>
+            <a:ext cx="2599267" cy="361686"/>
+          </a:xfrm>
+          <a:prstGeom prst="roundRect">
+            <a:avLst/>
+          </a:prstGeom>
+          <a:solidFill>
+            <a:schemeClr val="accent4">
+              <a:lumMod val="60000"/>
+              <a:lumOff val="40000"/>
+            </a:schemeClr>
+          </a:solidFill>
+          <a:ln>
+            <a:solidFill>
+              <a:schemeClr val="tx1"/>
+            </a:solidFill>
+          </a:ln>
+        </p:spPr>
+        <p:style>
+          <a:lnRef idx="2">
+            <a:schemeClr val="accent1">
+              <a:shade val="50000"/>
+            </a:schemeClr>
+          </a:lnRef>
+          <a:fillRef idx="1">
+            <a:schemeClr val="accent1"/>
+          </a:fillRef>
+          <a:effectRef idx="0">
+            <a:schemeClr val="accent1"/>
+          </a:effectRef>
+          <a:fontRef idx="minor">
+            <a:schemeClr val="lt1"/>
+          </a:fontRef>
+        </p:style>
+        <p:txBody>
+          <a:bodyPr rtlCol="0" anchor="ctr"/>
+          <a:lstStyle/>
+          <a:p>
+            <a:pPr algn="ctr"/>
+            <a:endParaRPr lang="es-MX"/>
+          </a:p>
+        </p:txBody>
+      </p:sp>
+      <p:sp>
+        <p:nvSpPr>
+          <p:cNvPr id="14" name="Rectángulo redondeado 13"/>
+          <p:cNvSpPr/>
+          <p:nvPr/>
+        </p:nvSpPr>
+        <p:spPr>
+          <a:xfrm>
+            <a:off x="6201834" y="5654146"/>
+            <a:ext cx="2599267" cy="361686"/>
+          </a:xfrm>
+          <a:prstGeom prst="roundRect">
+            <a:avLst/>
+          </a:prstGeom>
+          <a:solidFill>
+            <a:schemeClr val="accent4">
+              <a:lumMod val="20000"/>
+              <a:lumOff val="80000"/>
+            </a:schemeClr>
+          </a:solidFill>
+          <a:ln>
+            <a:solidFill>
+              <a:schemeClr val="tx1"/>
+            </a:solidFill>
+          </a:ln>
+        </p:spPr>
+        <p:style>
+          <a:lnRef idx="2">
+            <a:schemeClr val="accent1">
+              <a:shade val="50000"/>
+            </a:schemeClr>
+          </a:lnRef>
+          <a:fillRef idx="1">
+            <a:schemeClr val="accent1"/>
+          </a:fillRef>
+          <a:effectRef idx="0">
+            <a:schemeClr val="accent1"/>
+          </a:effectRef>
+          <a:fontRef idx="minor">
+            <a:schemeClr val="lt1"/>
+          </a:fontRef>
+        </p:style>
+        <p:txBody>
+          <a:bodyPr rtlCol="0" anchor="ctr"/>
+          <a:lstStyle/>
+          <a:p>
+            <a:pPr algn="ctr"/>
+            <a:endParaRPr lang="es-MX"/>
+          </a:p>
+        </p:txBody>
+      </p:sp>
+      <p:pic>
+        <p:nvPicPr>
+          <p:cNvPr id="15" name="Picture 2" descr="Resultado de imagen para Tema de interÃ©s"/>
+          <p:cNvPicPr>
+            <a:picLocks noChangeAspect="1" noChangeArrowheads="1"/>
+          </p:cNvPicPr>
+          <p:nvPr/>
+        </p:nvPicPr>
+        <p:blipFill>
+          <a:blip r:embed="rId2" cstate="print">
+            <a:extLst>
+              <a:ext uri="{28A0092B-C50C-407E-A947-70E740481C1C}">
+                <a14:useLocalDpi xmlns:a14="http://schemas.microsoft.com/office/drawing/2010/main" val="0"/>
+              </a:ext>
+            </a:extLst>
+          </a:blip>
+          <a:srcRect/>
+          <a:stretch>
+            <a:fillRect/>
+          </a:stretch>
+        </p:blipFill>
+        <p:spPr bwMode="auto">
+          <a:xfrm>
+            <a:off x="1735666" y="1603912"/>
+            <a:ext cx="3920067" cy="1601242"/>
+          </a:xfrm>
+          <a:prstGeom prst="rect">
+            <a:avLst/>
+          </a:prstGeom>
+          <a:noFill/>
+          <a:extLst>
+            <a:ext uri="{909E8E84-426E-40DD-AFC4-6F175D3DCCD1}">
+              <a14:hiddenFill xmlns:a14="http://schemas.microsoft.com/office/drawing/2010/main">
+                <a:solidFill>
+                  <a:srgbClr val="FFFFFF"/>
+                </a:solidFill>
+              </a14:hiddenFill>
+            </a:ext>
+          </a:extLst>
+        </p:spPr>
+      </p:pic>
+      <p:pic>
+        <p:nvPicPr>
+          <p:cNvPr id="16" name="Picture 2" descr="Resultado de imagen para Preguntas"/>
+          <p:cNvPicPr>
+            <a:picLocks noChangeAspect="1" noChangeArrowheads="1"/>
+          </p:cNvPicPr>
+          <p:nvPr/>
+        </p:nvPicPr>
+        <p:blipFill>
+          <a:blip r:embed="rId3">
+            <a:extLst>
+              <a:ext uri="{28A0092B-C50C-407E-A947-70E740481C1C}">
+                <a14:useLocalDpi xmlns:a14="http://schemas.microsoft.com/office/drawing/2010/main" val="0"/>
+              </a:ext>
+            </a:extLst>
+          </a:blip>
+          <a:srcRect/>
+          <a:stretch>
+            <a:fillRect/>
+          </a:stretch>
+        </p:blipFill>
+        <p:spPr bwMode="auto">
+          <a:xfrm>
+            <a:off x="2518834" y="4319590"/>
+            <a:ext cx="1814514" cy="1592525"/>
+          </a:xfrm>
+          <a:prstGeom prst="rect">
+            <a:avLst/>
+          </a:prstGeom>
+          <a:noFill/>
+          <a:extLst>
+            <a:ext uri="{909E8E84-426E-40DD-AFC4-6F175D3DCCD1}">
+              <a14:hiddenFill xmlns:a14="http://schemas.microsoft.com/office/drawing/2010/main">
+                <a:solidFill>
+                  <a:srgbClr val="FFFFFF"/>
+                </a:solidFill>
+              </a14:hiddenFill>
+            </a:ext>
+          </a:extLst>
+        </p:spPr>
+      </p:pic>
+      <p:pic>
+        <p:nvPicPr>
+          <p:cNvPr id="6146" name="Picture 2" descr="Resultado de imagen para Objetivos"/>
+          <p:cNvPicPr>
+            <a:picLocks noChangeAspect="1" noChangeArrowheads="1"/>
+          </p:cNvPicPr>
+          <p:nvPr/>
+        </p:nvPicPr>
+        <p:blipFill>
+          <a:blip r:embed="rId4">
+            <a:extLst>
+              <a:ext uri="{28A0092B-C50C-407E-A947-70E740481C1C}">
+                <a14:useLocalDpi xmlns:a14="http://schemas.microsoft.com/office/drawing/2010/main" val="0"/>
+              </a:ext>
+            </a:extLst>
+          </a:blip>
+          <a:srcRect/>
+          <a:stretch>
+            <a:fillRect/>
+          </a:stretch>
+        </p:blipFill>
+        <p:spPr bwMode="auto">
+          <a:xfrm>
+            <a:off x="9284254" y="4040716"/>
+            <a:ext cx="2395513" cy="2125663"/>
+          </a:xfrm>
+          <a:prstGeom prst="rect">
+            <a:avLst/>
+          </a:prstGeom>
+          <a:noFill/>
+          <a:extLst>
+            <a:ext uri="{909E8E84-426E-40DD-AFC4-6F175D3DCCD1}">
+              <a14:hiddenFill xmlns:a14="http://schemas.microsoft.com/office/drawing/2010/main">
+                <a:solidFill>
+                  <a:srgbClr val="FFFFFF"/>
+                </a:solidFill>
+              </a14:hiddenFill>
+            </a:ext>
+          </a:extLst>
+        </p:spPr>
+      </p:pic>
+    </p:spTree>
+    <p:extLst>
+      <p:ext uri="{BB962C8B-B14F-4D97-AF65-F5344CB8AC3E}">
+        <p14:creationId xmlns:p14="http://schemas.microsoft.com/office/powerpoint/2010/main" val="1726387342"/>
+      </p:ext>
+    </p:extLst>
+  </p:cSld>
+  <p:clrMapOvr>
+    <a:masterClrMapping/>
+  </p:clrMapOvr>
+</p:sld>
+</file>
+
+<file path=ppt/slides/slide6.xml><?xml version="1.0" encoding="utf-8"?>
+<p:sld xmlns:a="http://schemas.openxmlformats.org/drawingml/2006/main" xmlns:r="http://schemas.openxmlformats.org/officeDocument/2006/relationships" xmlns:p="http://schemas.openxmlformats.org/presentationml/2006/main">
+  <p:cSld>
+    <p:spTree>
+      <p:nvGrpSpPr>
+        <p:cNvPr id="1" name=""/>
+        <p:cNvGrpSpPr/>
+        <p:nvPr/>
+      </p:nvGrpSpPr>
+      <p:grpSpPr>
+        <a:xfrm>
+          <a:off x="0" y="0"/>
+          <a:ext cx="0" cy="0"/>
+          <a:chOff x="0" y="0"/>
+          <a:chExt cx="0" cy="0"/>
+        </a:xfrm>
+      </p:grpSpPr>
+      <p:sp>
+        <p:nvSpPr>
+          <p:cNvPr id="2" name="Título 1"/>
+          <p:cNvSpPr>
+            <a:spLocks noGrp="1"/>
+          </p:cNvSpPr>
+          <p:nvPr>
+            <p:ph type="title"/>
+          </p:nvPr>
+        </p:nvSpPr>
+        <p:spPr/>
+        <p:txBody>
+          <a:bodyPr/>
+          <a:lstStyle/>
+          <a:p>
+            <a:r>
+              <a:rPr lang="es-MX" b="1" dirty="0" smtClean="0"/>
+              <a:t>Elección de un tema en particular</a:t>
+            </a:r>
+            <a:endParaRPr lang="es-MX" b="1" dirty="0"/>
+          </a:p>
+        </p:txBody>
+      </p:sp>
+      <p:sp>
+        <p:nvSpPr>
+          <p:cNvPr id="3" name="Marcador de contenido 2"/>
+          <p:cNvSpPr>
+            <a:spLocks noGrp="1"/>
+          </p:cNvSpPr>
+          <p:nvPr>
+            <p:ph idx="1"/>
+          </p:nvPr>
+        </p:nvSpPr>
+        <p:spPr/>
+        <p:txBody>
+          <a:bodyPr/>
+          <a:lstStyle/>
+          <a:p>
+            <a:endParaRPr lang="es-MX" dirty="0"/>
+          </a:p>
+        </p:txBody>
+      </p:sp>
+      <p:sp>
+        <p:nvSpPr>
+          <p:cNvPr id="5" name="Rectángulo 4"/>
+          <p:cNvSpPr/>
+          <p:nvPr/>
+        </p:nvSpPr>
+        <p:spPr>
+          <a:xfrm>
+            <a:off x="0" y="0"/>
+            <a:ext cx="12192000" cy="482600"/>
+          </a:xfrm>
+          <a:prstGeom prst="rect">
+            <a:avLst/>
+          </a:prstGeom>
+        </p:spPr>
+        <p:style>
+          <a:lnRef idx="0">
+            <a:schemeClr val="accent4"/>
+          </a:lnRef>
+          <a:fillRef idx="3">
+            <a:schemeClr val="accent4"/>
+          </a:fillRef>
+          <a:effectRef idx="3">
+            <a:schemeClr val="accent4"/>
+          </a:effectRef>
+          <a:fontRef idx="minor">
+            <a:schemeClr val="lt1"/>
+          </a:fontRef>
+        </p:style>
+        <p:txBody>
+          <a:bodyPr rtlCol="0" anchor="ctr"/>
+          <a:lstStyle/>
+          <a:p>
+            <a:pPr algn="ctr"/>
+            <a:endParaRPr lang="es-MX"/>
+          </a:p>
+        </p:txBody>
+      </p:sp>
+      <p:sp>
+        <p:nvSpPr>
+          <p:cNvPr id="6" name="Rectángulo 5"/>
+          <p:cNvSpPr/>
+          <p:nvPr/>
+        </p:nvSpPr>
+        <p:spPr>
+          <a:xfrm>
+            <a:off x="0" y="6400800"/>
+            <a:ext cx="12192000" cy="457200"/>
+          </a:xfrm>
+          <a:prstGeom prst="rect">
+            <a:avLst/>
+          </a:prstGeom>
+        </p:spPr>
+        <p:style>
+          <a:lnRef idx="0">
+            <a:schemeClr val="accent4"/>
+          </a:lnRef>
+          <a:fillRef idx="3">
+            <a:schemeClr val="accent4"/>
+          </a:fillRef>
+          <a:effectRef idx="3">
+            <a:schemeClr val="accent4"/>
+          </a:effectRef>
+          <a:fontRef idx="minor">
+            <a:schemeClr val="lt1"/>
+          </a:fontRef>
+        </p:style>
+        <p:txBody>
+          <a:bodyPr rtlCol="0" anchor="ctr"/>
+          <a:lstStyle/>
+          <a:p>
+            <a:pPr algn="ctr"/>
+            <a:endParaRPr lang="es-MX"/>
+          </a:p>
+        </p:txBody>
+      </p:sp>
+      <p:pic>
+        <p:nvPicPr>
+          <p:cNvPr id="4" name="Imagen 3"/>
+          <p:cNvPicPr>
+            <a:picLocks noChangeAspect="1"/>
+          </p:cNvPicPr>
+          <p:nvPr/>
+        </p:nvPicPr>
+        <p:blipFill>
+          <a:blip r:embed="rId2"/>
+          <a:stretch>
+            <a:fillRect/>
+          </a:stretch>
+        </p:blipFill>
+        <p:spPr>
+          <a:xfrm>
+            <a:off x="297922" y="1481668"/>
+            <a:ext cx="3966324" cy="4807214"/>
+          </a:xfrm>
+          <a:prstGeom prst="rect">
+            <a:avLst/>
+          </a:prstGeom>
+          <a:ln>
+            <a:solidFill>
+              <a:schemeClr val="tx1"/>
+            </a:solidFill>
+          </a:ln>
+        </p:spPr>
+      </p:pic>
+    </p:spTree>
+    <p:extLst>
+      <p:ext uri="{BB962C8B-B14F-4D97-AF65-F5344CB8AC3E}">
+        <p14:creationId xmlns:p14="http://schemas.microsoft.com/office/powerpoint/2010/main" val="2820941932"/>
+      </p:ext>
+    </p:extLst>
+  </p:cSld>
+  <p:clrMapOvr>
+    <a:masterClrMapping/>
+  </p:clrMapOvr>
+</p:sld>
+</file>
+
+<file path=ppt/slides/slide7.xml><?xml version="1.0" encoding="utf-8"?>
+<p:sld xmlns:a="http://schemas.openxmlformats.org/drawingml/2006/main" xmlns:r="http://schemas.openxmlformats.org/officeDocument/2006/relationships" xmlns:p="http://schemas.openxmlformats.org/presentationml/2006/main">
+  <p:cSld>
+    <p:spTree>
+      <p:nvGrpSpPr>
+        <p:cNvPr id="1" name=""/>
+        <p:cNvGrpSpPr/>
+        <p:nvPr/>
+      </p:nvGrpSpPr>
+      <p:grpSpPr>
+        <a:xfrm>
+          <a:off x="0" y="0"/>
+          <a:ext cx="0" cy="0"/>
+          <a:chOff x="0" y="0"/>
+          <a:chExt cx="0" cy="0"/>
+        </a:xfrm>
+      </p:grpSpPr>
+      <p:sp>
+        <p:nvSpPr>
+          <p:cNvPr id="2" name="Título 1"/>
+          <p:cNvSpPr>
+            <a:spLocks noGrp="1"/>
+          </p:cNvSpPr>
+          <p:nvPr>
+            <p:ph type="title"/>
+          </p:nvPr>
+        </p:nvSpPr>
+        <p:spPr/>
+        <p:txBody>
+          <a:bodyPr/>
+          <a:lstStyle/>
+          <a:p>
+            <a:r>
+              <a:rPr lang="es-MX" b="1" dirty="0" smtClean="0"/>
+              <a:t>Elección de un tema en particular</a:t>
+            </a:r>
+            <a:endParaRPr lang="es-MX" b="1" dirty="0"/>
+          </a:p>
+        </p:txBody>
+      </p:sp>
+      <p:sp>
+        <p:nvSpPr>
+          <p:cNvPr id="3" name="Marcador de contenido 2"/>
+          <p:cNvSpPr>
+            <a:spLocks noGrp="1"/>
+          </p:cNvSpPr>
+          <p:nvPr>
+            <p:ph idx="1"/>
+          </p:nvPr>
+        </p:nvSpPr>
+        <p:spPr/>
+        <p:txBody>
+          <a:bodyPr/>
+          <a:lstStyle/>
+          <a:p>
+            <a:endParaRPr lang="es-MX" dirty="0"/>
+          </a:p>
+        </p:txBody>
+      </p:sp>
+      <p:sp>
+        <p:nvSpPr>
+          <p:cNvPr id="5" name="Rectángulo 4"/>
+          <p:cNvSpPr/>
+          <p:nvPr/>
+        </p:nvSpPr>
+        <p:spPr>
+          <a:xfrm>
+            <a:off x="0" y="0"/>
+            <a:ext cx="12192000" cy="482600"/>
+          </a:xfrm>
+          <a:prstGeom prst="rect">
+            <a:avLst/>
+          </a:prstGeom>
+        </p:spPr>
+        <p:style>
+          <a:lnRef idx="0">
+            <a:schemeClr val="accent4"/>
+          </a:lnRef>
+          <a:fillRef idx="3">
+            <a:schemeClr val="accent4"/>
+          </a:fillRef>
+          <a:effectRef idx="3">
+            <a:schemeClr val="accent4"/>
+          </a:effectRef>
+          <a:fontRef idx="minor">
+            <a:schemeClr val="lt1"/>
+          </a:fontRef>
+        </p:style>
+        <p:txBody>
+          <a:bodyPr rtlCol="0" anchor="ctr"/>
+          <a:lstStyle/>
+          <a:p>
+            <a:pPr algn="ctr"/>
+            <a:endParaRPr lang="es-MX"/>
+          </a:p>
+        </p:txBody>
+      </p:sp>
+      <p:sp>
+        <p:nvSpPr>
+          <p:cNvPr id="6" name="Rectángulo 5"/>
+          <p:cNvSpPr/>
+          <p:nvPr/>
+        </p:nvSpPr>
+        <p:spPr>
+          <a:xfrm>
+            <a:off x="0" y="6400800"/>
+            <a:ext cx="12192000" cy="457200"/>
+          </a:xfrm>
+          <a:prstGeom prst="rect">
+            <a:avLst/>
+          </a:prstGeom>
+        </p:spPr>
+        <p:style>
+          <a:lnRef idx="0">
+            <a:schemeClr val="accent4"/>
+          </a:lnRef>
+          <a:fillRef idx="3">
+            <a:schemeClr val="accent4"/>
+          </a:fillRef>
+          <a:effectRef idx="3">
+            <a:schemeClr val="accent4"/>
+          </a:effectRef>
+          <a:fontRef idx="minor">
+            <a:schemeClr val="lt1"/>
+          </a:fontRef>
+        </p:style>
+        <p:txBody>
+          <a:bodyPr rtlCol="0" anchor="ctr"/>
+          <a:lstStyle/>
+          <a:p>
+            <a:pPr algn="ctr"/>
+            <a:endParaRPr lang="es-MX"/>
+          </a:p>
+        </p:txBody>
+      </p:sp>
+      <p:pic>
+        <p:nvPicPr>
+          <p:cNvPr id="4" name="Imagen 3"/>
+          <p:cNvPicPr>
+            <a:picLocks noChangeAspect="1"/>
+          </p:cNvPicPr>
+          <p:nvPr/>
+        </p:nvPicPr>
+        <p:blipFill>
+          <a:blip r:embed="rId2"/>
+          <a:stretch>
+            <a:fillRect/>
+          </a:stretch>
+        </p:blipFill>
+        <p:spPr>
+          <a:xfrm>
+            <a:off x="297922" y="1481668"/>
+            <a:ext cx="3966324" cy="4807214"/>
+          </a:xfrm>
+          <a:prstGeom prst="rect">
+            <a:avLst/>
+          </a:prstGeom>
+          <a:ln>
+            <a:solidFill>
+              <a:schemeClr val="tx1"/>
+            </a:solidFill>
+          </a:ln>
+        </p:spPr>
+      </p:pic>
+      <p:pic>
+        <p:nvPicPr>
+          <p:cNvPr id="7" name="Imagen 6"/>
+          <p:cNvPicPr>
+            <a:picLocks noChangeAspect="1"/>
+          </p:cNvPicPr>
+          <p:nvPr/>
+        </p:nvPicPr>
+        <p:blipFill>
+          <a:blip r:embed="rId3"/>
+          <a:stretch>
+            <a:fillRect/>
+          </a:stretch>
+        </p:blipFill>
+        <p:spPr>
+          <a:xfrm>
+            <a:off x="4943475" y="1593321"/>
+            <a:ext cx="6829425" cy="819150"/>
+          </a:xfrm>
+          <a:prstGeom prst="rect">
+            <a:avLst/>
+          </a:prstGeom>
+        </p:spPr>
+      </p:pic>
+    </p:spTree>
+    <p:extLst>
+      <p:ext uri="{BB962C8B-B14F-4D97-AF65-F5344CB8AC3E}">
+        <p14:creationId xmlns:p14="http://schemas.microsoft.com/office/powerpoint/2010/main" val="2508173444"/>
+      </p:ext>
+    </p:extLst>
+  </p:cSld>
+  <p:clrMapOvr>
+    <a:masterClrMapping/>
+  </p:clrMapOvr>
+</p:sld>
+</file>
+
+<file path=ppt/slides/slide8.xml><?xml version="1.0" encoding="utf-8"?>
+<p:sld xmlns:a="http://schemas.openxmlformats.org/drawingml/2006/main" xmlns:r="http://schemas.openxmlformats.org/officeDocument/2006/relationships" xmlns:p="http://schemas.openxmlformats.org/presentationml/2006/main">
+  <p:cSld>
+    <p:spTree>
+      <p:nvGrpSpPr>
+        <p:cNvPr id="1" name=""/>
+        <p:cNvGrpSpPr/>
+        <p:nvPr/>
+      </p:nvGrpSpPr>
+      <p:grpSpPr>
+        <a:xfrm>
+          <a:off x="0" y="0"/>
+          <a:ext cx="0" cy="0"/>
+          <a:chOff x="0" y="0"/>
+          <a:chExt cx="0" cy="0"/>
+        </a:xfrm>
+      </p:grpSpPr>
+      <p:sp>
+        <p:nvSpPr>
+          <p:cNvPr id="2" name="Título 1"/>
+          <p:cNvSpPr>
+            <a:spLocks noGrp="1"/>
+          </p:cNvSpPr>
+          <p:nvPr>
+            <p:ph type="title"/>
+          </p:nvPr>
+        </p:nvSpPr>
+        <p:spPr/>
+        <p:txBody>
+          <a:bodyPr/>
+          <a:lstStyle/>
+          <a:p>
+            <a:r>
+              <a:rPr lang="es-MX" b="1" dirty="0" smtClean="0"/>
+              <a:t>Elección de un tema en particular</a:t>
+            </a:r>
+            <a:endParaRPr lang="es-MX" b="1" dirty="0"/>
+          </a:p>
+        </p:txBody>
+      </p:sp>
+      <p:sp>
+        <p:nvSpPr>
+          <p:cNvPr id="3" name="Marcador de contenido 2"/>
+          <p:cNvSpPr>
+            <a:spLocks noGrp="1"/>
+          </p:cNvSpPr>
+          <p:nvPr>
+            <p:ph idx="1"/>
+          </p:nvPr>
+        </p:nvSpPr>
+        <p:spPr/>
+        <p:txBody>
+          <a:bodyPr/>
+          <a:lstStyle/>
+          <a:p>
+            <a:endParaRPr lang="es-MX" dirty="0"/>
+          </a:p>
+        </p:txBody>
+      </p:sp>
+      <p:sp>
+        <p:nvSpPr>
+          <p:cNvPr id="5" name="Rectángulo 4"/>
+          <p:cNvSpPr/>
+          <p:nvPr/>
+        </p:nvSpPr>
+        <p:spPr>
+          <a:xfrm>
+            <a:off x="0" y="0"/>
+            <a:ext cx="12192000" cy="482600"/>
+          </a:xfrm>
+          <a:prstGeom prst="rect">
+            <a:avLst/>
+          </a:prstGeom>
+        </p:spPr>
+        <p:style>
+          <a:lnRef idx="0">
+            <a:schemeClr val="accent4"/>
+          </a:lnRef>
+          <a:fillRef idx="3">
+            <a:schemeClr val="accent4"/>
+          </a:fillRef>
+          <a:effectRef idx="3">
+            <a:schemeClr val="accent4"/>
+          </a:effectRef>
+          <a:fontRef idx="minor">
+            <a:schemeClr val="lt1"/>
+          </a:fontRef>
+        </p:style>
+        <p:txBody>
+          <a:bodyPr rtlCol="0" anchor="ctr"/>
+          <a:lstStyle/>
+          <a:p>
+            <a:pPr algn="ctr"/>
+            <a:endParaRPr lang="es-MX"/>
+          </a:p>
+        </p:txBody>
+      </p:sp>
+      <p:sp>
+        <p:nvSpPr>
+          <p:cNvPr id="6" name="Rectángulo 5"/>
+          <p:cNvSpPr/>
+          <p:nvPr/>
+        </p:nvSpPr>
+        <p:spPr>
+          <a:xfrm>
+            <a:off x="0" y="6400800"/>
+            <a:ext cx="12192000" cy="457200"/>
+          </a:xfrm>
+          <a:prstGeom prst="rect">
+            <a:avLst/>
+          </a:prstGeom>
+        </p:spPr>
+        <p:style>
+          <a:lnRef idx="0">
+            <a:schemeClr val="accent4"/>
+          </a:lnRef>
+          <a:fillRef idx="3">
+            <a:schemeClr val="accent4"/>
+          </a:fillRef>
+          <a:effectRef idx="3">
+            <a:schemeClr val="accent4"/>
+          </a:effectRef>
+          <a:fontRef idx="minor">
+            <a:schemeClr val="lt1"/>
+          </a:fontRef>
+        </p:style>
+        <p:txBody>
+          <a:bodyPr rtlCol="0" anchor="ctr"/>
+          <a:lstStyle/>
+          <a:p>
+            <a:pPr algn="ctr"/>
+            <a:endParaRPr lang="es-MX"/>
+          </a:p>
+        </p:txBody>
+      </p:sp>
+      <p:pic>
+        <p:nvPicPr>
+          <p:cNvPr id="4" name="Imagen 3"/>
+          <p:cNvPicPr>
+            <a:picLocks noChangeAspect="1"/>
+          </p:cNvPicPr>
+          <p:nvPr/>
+        </p:nvPicPr>
+        <p:blipFill>
+          <a:blip r:embed="rId2"/>
+          <a:stretch>
+            <a:fillRect/>
+          </a:stretch>
+        </p:blipFill>
+        <p:spPr>
+          <a:xfrm>
+            <a:off x="297922" y="1481668"/>
+            <a:ext cx="3966324" cy="4807214"/>
+          </a:xfrm>
+          <a:prstGeom prst="rect">
+            <a:avLst/>
+          </a:prstGeom>
+          <a:ln>
+            <a:solidFill>
+              <a:schemeClr val="tx1"/>
+            </a:solidFill>
+          </a:ln>
+        </p:spPr>
+      </p:pic>
+      <p:pic>
+        <p:nvPicPr>
+          <p:cNvPr id="7" name="Imagen 6"/>
+          <p:cNvPicPr>
+            <a:picLocks noChangeAspect="1"/>
+          </p:cNvPicPr>
+          <p:nvPr/>
+        </p:nvPicPr>
+        <p:blipFill>
+          <a:blip r:embed="rId3"/>
+          <a:stretch>
+            <a:fillRect/>
+          </a:stretch>
+        </p:blipFill>
+        <p:spPr>
+          <a:xfrm>
+            <a:off x="4943475" y="1593321"/>
+            <a:ext cx="6829425" cy="819150"/>
+          </a:xfrm>
+          <a:prstGeom prst="rect">
+            <a:avLst/>
+          </a:prstGeom>
+        </p:spPr>
+      </p:pic>
+      <p:pic>
+        <p:nvPicPr>
+          <p:cNvPr id="8" name="Imagen 7"/>
+          <p:cNvPicPr>
+            <a:picLocks noChangeAspect="1"/>
+          </p:cNvPicPr>
+          <p:nvPr/>
+        </p:nvPicPr>
+        <p:blipFill>
+          <a:blip r:embed="rId4"/>
+          <a:stretch>
+            <a:fillRect/>
+          </a:stretch>
+        </p:blipFill>
+        <p:spPr>
+          <a:xfrm>
+            <a:off x="4657725" y="2461154"/>
+            <a:ext cx="7115175" cy="3667125"/>
+          </a:xfrm>
+          <a:prstGeom prst="rect">
+            <a:avLst/>
+          </a:prstGeom>
+        </p:spPr>
+      </p:pic>
+    </p:spTree>
+    <p:extLst>
+      <p:ext uri="{BB962C8B-B14F-4D97-AF65-F5344CB8AC3E}">
+        <p14:creationId xmlns:p14="http://schemas.microsoft.com/office/powerpoint/2010/main" val="2619486541"/>
+      </p:ext>
+    </p:extLst>
+  </p:cSld>
+  <p:clrMapOvr>
+    <a:masterClrMapping/>
+  </p:clrMapOvr>
+</p:sld>
+</file>
+
+<file path=ppt/slides/slide9.xml><?xml version="1.0" encoding="utf-8"?>
+<p:sld xmlns:a="http://schemas.openxmlformats.org/drawingml/2006/main" xmlns:r="http://schemas.openxmlformats.org/officeDocument/2006/relationships" xmlns:p="http://schemas.openxmlformats.org/presentationml/2006/main">
+  <p:cSld>
+    <p:spTree>
+      <p:nvGrpSpPr>
+        <p:cNvPr id="1" name=""/>
+        <p:cNvGrpSpPr/>
+        <p:nvPr/>
+      </p:nvGrpSpPr>
+      <p:grpSpPr>
+        <a:xfrm>
+          <a:off x="0" y="0"/>
+          <a:ext cx="0" cy="0"/>
+          <a:chOff x="0" y="0"/>
+          <a:chExt cx="0" cy="0"/>
+        </a:xfrm>
+      </p:grpSpPr>
+      <p:sp>
+        <p:nvSpPr>
+          <p:cNvPr id="2" name="Título 1"/>
+          <p:cNvSpPr>
+            <a:spLocks noGrp="1"/>
+          </p:cNvSpPr>
+          <p:nvPr>
+            <p:ph type="ctrTitle"/>
+          </p:nvPr>
+        </p:nvSpPr>
+        <p:spPr>
+          <a:xfrm>
+            <a:off x="1524000" y="660400"/>
+            <a:ext cx="9144000" cy="2387600"/>
+          </a:xfrm>
+        </p:spPr>
+        <p:txBody>
+          <a:bodyPr/>
+          <a:lstStyle/>
+          <a:p>
+            <a:r>
+              <a:rPr lang="es-ES_tradnl" b="1" dirty="0" smtClean="0"/>
+              <a:t>El planteamiento de mi proyecto de investigación</a:t>
+            </a:r>
+            <a:endParaRPr lang="es-MX" dirty="0"/>
+          </a:p>
+        </p:txBody>
+      </p:sp>
+      <p:sp>
+        <p:nvSpPr>
+          <p:cNvPr id="3" name="Subtítulo 2"/>
+          <p:cNvSpPr>
+            <a:spLocks noGrp="1"/>
+          </p:cNvSpPr>
+          <p:nvPr>
+            <p:ph type="subTitle" idx="1"/>
+          </p:nvPr>
+        </p:nvSpPr>
+        <p:spPr/>
+        <p:txBody>
+          <a:bodyPr/>
+          <a:lstStyle/>
+          <a:p>
+            <a:endParaRPr lang="es-MX"/>
+          </a:p>
+        </p:txBody>
+      </p:sp>
+      <p:pic>
+        <p:nvPicPr>
+          <p:cNvPr id="4" name="Picture 2" descr="Resultado de imagen para InterÃ©s"/>
+          <p:cNvPicPr>
+            <a:picLocks noChangeAspect="1" noChangeArrowheads="1"/>
+          </p:cNvPicPr>
+          <p:nvPr/>
+        </p:nvPicPr>
+        <p:blipFill>
+          <a:blip r:embed="rId2">
+            <a:extLst>
+              <a:ext uri="{28A0092B-C50C-407E-A947-70E740481C1C}">
+                <a14:useLocalDpi xmlns:a14="http://schemas.microsoft.com/office/drawing/2010/main" val="0"/>
+              </a:ext>
+            </a:extLst>
+          </a:blip>
+          <a:srcRect/>
+          <a:stretch>
+            <a:fillRect/>
+          </a:stretch>
+        </p:blipFill>
+        <p:spPr bwMode="auto">
+          <a:xfrm>
+            <a:off x="3810000" y="3048000"/>
+            <a:ext cx="4177242" cy="2784828"/>
+          </a:xfrm>
+          <a:prstGeom prst="rect">
+            <a:avLst/>
+          </a:prstGeom>
+          <a:noFill/>
+          <a:extLst>
+            <a:ext uri="{909E8E84-426E-40DD-AFC4-6F175D3DCCD1}">
+              <a14:hiddenFill xmlns:a14="http://schemas.microsoft.com/office/drawing/2010/main">
+                <a:solidFill>
+                  <a:srgbClr val="FFFFFF"/>
+                </a:solidFill>
+              </a14:hiddenFill>
+            </a:ext>
+          </a:extLst>
+        </p:spPr>
+      </p:pic>
+      <p:sp>
+        <p:nvSpPr>
+          <p:cNvPr id="5" name="Rectángulo 4"/>
+          <p:cNvSpPr/>
+          <p:nvPr/>
+        </p:nvSpPr>
+        <p:spPr>
+          <a:xfrm>
+            <a:off x="0" y="0"/>
+            <a:ext cx="12192000" cy="660400"/>
+          </a:xfrm>
+          <a:prstGeom prst="rect">
+            <a:avLst/>
+          </a:prstGeom>
+        </p:spPr>
+        <p:style>
+          <a:lnRef idx="0">
+            <a:schemeClr val="accent4"/>
+          </a:lnRef>
+          <a:fillRef idx="3">
+            <a:schemeClr val="accent4"/>
+          </a:fillRef>
+          <a:effectRef idx="3">
+            <a:schemeClr val="accent4"/>
+          </a:effectRef>
+          <a:fontRef idx="minor">
+            <a:schemeClr val="lt1"/>
+          </a:fontRef>
+        </p:style>
+        <p:txBody>
+          <a:bodyPr rtlCol="0" anchor="ctr"/>
+          <a:lstStyle/>
+          <a:p>
+            <a:pPr algn="ctr"/>
+            <a:endParaRPr lang="es-MX"/>
+          </a:p>
+        </p:txBody>
+      </p:sp>
+      <p:sp>
+        <p:nvSpPr>
+          <p:cNvPr id="6" name="Rectángulo 5"/>
+          <p:cNvSpPr/>
+          <p:nvPr/>
+        </p:nvSpPr>
+        <p:spPr>
+          <a:xfrm>
+            <a:off x="0" y="6197600"/>
+            <a:ext cx="12192000" cy="660400"/>
+          </a:xfrm>
+          <a:prstGeom prst="rect">
+            <a:avLst/>
+          </a:prstGeom>
+        </p:spPr>
+        <p:style>
+          <a:lnRef idx="0">
+            <a:schemeClr val="accent4"/>
+          </a:lnRef>
+          <a:fillRef idx="3">
+            <a:schemeClr val="accent4"/>
+          </a:fillRef>
+          <a:effectRef idx="3">
+            <a:schemeClr val="accent4"/>
+          </a:effectRef>
+          <a:fontRef idx="minor">
+            <a:schemeClr val="lt1"/>
+          </a:fontRef>
+        </p:style>
+        <p:txBody>
+          <a:bodyPr rtlCol="0" anchor="ctr"/>
+          <a:lstStyle/>
+          <a:p>
+            <a:pPr algn="ctr"/>
+            <a:endParaRPr lang="es-MX"/>
+          </a:p>
+        </p:txBody>
+      </p:sp>
+    </p:spTree>
+    <p:extLst>
+      <p:ext uri="{BB962C8B-B14F-4D97-AF65-F5344CB8AC3E}">
+        <p14:creationId xmlns:p14="http://schemas.microsoft.com/office/powerpoint/2010/main" val="3925427256"/>
+      </p:ext>
+    </p:extLst>
+  </p:cSld>
+  <p:clrMapOvr>
+    <a:masterClrMapping/>
+  </p:clrMapOvr>
+  <p:timing>
+    <p:tnLst>
+      <p:par>
+        <p:cTn id="1" dur="indefinite" restart="never" nodeType="tmRoot"/>
+      </p:par>
+    </p:tnLst>
+  </p:timing>
 </p:sld>
 </file>
 

--- a/JeanPiaget/2019-2020/Presentaciones/2_Un2_VI_Planteamiento.pptx
+++ b/JeanPiaget/2019-2020/Presentaciones/2_Un2_VI_Planteamiento.pptx
@@ -19,21 +19,31 @@
     <p:sldId id="268" r:id="rId13"/>
     <p:sldId id="269" r:id="rId14"/>
     <p:sldId id="270" r:id="rId15"/>
-    <p:sldId id="271" r:id="rId16"/>
-    <p:sldId id="282" r:id="rId17"/>
-    <p:sldId id="283" r:id="rId18"/>
-    <p:sldId id="284" r:id="rId19"/>
-    <p:sldId id="285" r:id="rId20"/>
-    <p:sldId id="272" r:id="rId21"/>
-    <p:sldId id="273" r:id="rId22"/>
-    <p:sldId id="274" r:id="rId23"/>
-    <p:sldId id="275" r:id="rId24"/>
-    <p:sldId id="276" r:id="rId25"/>
-    <p:sldId id="277" r:id="rId26"/>
-    <p:sldId id="278" r:id="rId27"/>
-    <p:sldId id="286" r:id="rId28"/>
-    <p:sldId id="287" r:id="rId29"/>
-    <p:sldId id="288" r:id="rId30"/>
+    <p:sldId id="289" r:id="rId16"/>
+    <p:sldId id="293" r:id="rId17"/>
+    <p:sldId id="294" r:id="rId18"/>
+    <p:sldId id="295" r:id="rId19"/>
+    <p:sldId id="292" r:id="rId20"/>
+    <p:sldId id="296" r:id="rId21"/>
+    <p:sldId id="297" r:id="rId22"/>
+    <p:sldId id="291" r:id="rId23"/>
+    <p:sldId id="290" r:id="rId24"/>
+    <p:sldId id="298" r:id="rId25"/>
+    <p:sldId id="271" r:id="rId26"/>
+    <p:sldId id="282" r:id="rId27"/>
+    <p:sldId id="283" r:id="rId28"/>
+    <p:sldId id="284" r:id="rId29"/>
+    <p:sldId id="285" r:id="rId30"/>
+    <p:sldId id="272" r:id="rId31"/>
+    <p:sldId id="273" r:id="rId32"/>
+    <p:sldId id="274" r:id="rId33"/>
+    <p:sldId id="275" r:id="rId34"/>
+    <p:sldId id="276" r:id="rId35"/>
+    <p:sldId id="277" r:id="rId36"/>
+    <p:sldId id="278" r:id="rId37"/>
+    <p:sldId id="286" r:id="rId38"/>
+    <p:sldId id="287" r:id="rId39"/>
+    <p:sldId id="288" r:id="rId40"/>
   </p:sldIdLst>
   <p:sldSz cx="12192000" cy="6858000"/>
   <p:notesSz cx="6858000" cy="9144000"/>
@@ -282,7 +292,7 @@
           <a:p>
             <a:fld id="{295F3DDD-7732-4254-8892-247617EE9CD7}" type="datetimeFigureOut">
               <a:rPr lang="es-MX" smtClean="0"/>
-              <a:t>05/09/2019</a:t>
+              <a:t>12/09/2019</a:t>
             </a:fld>
             <a:endParaRPr lang="es-MX"/>
           </a:p>
@@ -452,7 +462,7 @@
           <a:p>
             <a:fld id="{295F3DDD-7732-4254-8892-247617EE9CD7}" type="datetimeFigureOut">
               <a:rPr lang="es-MX" smtClean="0"/>
-              <a:t>05/09/2019</a:t>
+              <a:t>12/09/2019</a:t>
             </a:fld>
             <a:endParaRPr lang="es-MX"/>
           </a:p>
@@ -632,7 +642,7 @@
           <a:p>
             <a:fld id="{295F3DDD-7732-4254-8892-247617EE9CD7}" type="datetimeFigureOut">
               <a:rPr lang="es-MX" smtClean="0"/>
-              <a:t>05/09/2019</a:t>
+              <a:t>12/09/2019</a:t>
             </a:fld>
             <a:endParaRPr lang="es-MX"/>
           </a:p>
@@ -802,7 +812,7 @@
           <a:p>
             <a:fld id="{295F3DDD-7732-4254-8892-247617EE9CD7}" type="datetimeFigureOut">
               <a:rPr lang="es-MX" smtClean="0"/>
-              <a:t>05/09/2019</a:t>
+              <a:t>12/09/2019</a:t>
             </a:fld>
             <a:endParaRPr lang="es-MX"/>
           </a:p>
@@ -1048,7 +1058,7 @@
           <a:p>
             <a:fld id="{295F3DDD-7732-4254-8892-247617EE9CD7}" type="datetimeFigureOut">
               <a:rPr lang="es-MX" smtClean="0"/>
-              <a:t>05/09/2019</a:t>
+              <a:t>12/09/2019</a:t>
             </a:fld>
             <a:endParaRPr lang="es-MX"/>
           </a:p>
@@ -1280,7 +1290,7 @@
           <a:p>
             <a:fld id="{295F3DDD-7732-4254-8892-247617EE9CD7}" type="datetimeFigureOut">
               <a:rPr lang="es-MX" smtClean="0"/>
-              <a:t>05/09/2019</a:t>
+              <a:t>12/09/2019</a:t>
             </a:fld>
             <a:endParaRPr lang="es-MX"/>
           </a:p>
@@ -1647,7 +1657,7 @@
           <a:p>
             <a:fld id="{295F3DDD-7732-4254-8892-247617EE9CD7}" type="datetimeFigureOut">
               <a:rPr lang="es-MX" smtClean="0"/>
-              <a:t>05/09/2019</a:t>
+              <a:t>12/09/2019</a:t>
             </a:fld>
             <a:endParaRPr lang="es-MX"/>
           </a:p>
@@ -1765,7 +1775,7 @@
           <a:p>
             <a:fld id="{295F3DDD-7732-4254-8892-247617EE9CD7}" type="datetimeFigureOut">
               <a:rPr lang="es-MX" smtClean="0"/>
-              <a:t>05/09/2019</a:t>
+              <a:t>12/09/2019</a:t>
             </a:fld>
             <a:endParaRPr lang="es-MX"/>
           </a:p>
@@ -1860,7 +1870,7 @@
           <a:p>
             <a:fld id="{295F3DDD-7732-4254-8892-247617EE9CD7}" type="datetimeFigureOut">
               <a:rPr lang="es-MX" smtClean="0"/>
-              <a:t>05/09/2019</a:t>
+              <a:t>12/09/2019</a:t>
             </a:fld>
             <a:endParaRPr lang="es-MX"/>
           </a:p>
@@ -2137,7 +2147,7 @@
           <a:p>
             <a:fld id="{295F3DDD-7732-4254-8892-247617EE9CD7}" type="datetimeFigureOut">
               <a:rPr lang="es-MX" smtClean="0"/>
-              <a:t>05/09/2019</a:t>
+              <a:t>12/09/2019</a:t>
             </a:fld>
             <a:endParaRPr lang="es-MX"/>
           </a:p>
@@ -2390,7 +2400,7 @@
           <a:p>
             <a:fld id="{295F3DDD-7732-4254-8892-247617EE9CD7}" type="datetimeFigureOut">
               <a:rPr lang="es-MX" smtClean="0"/>
-              <a:t>05/09/2019</a:t>
+              <a:t>12/09/2019</a:t>
             </a:fld>
             <a:endParaRPr lang="es-MX"/>
           </a:p>
@@ -2603,7 +2613,7 @@
           <a:p>
             <a:fld id="{295F3DDD-7732-4254-8892-247617EE9CD7}" type="datetimeFigureOut">
               <a:rPr lang="es-MX" smtClean="0"/>
-              <a:t>05/09/2019</a:t>
+              <a:t>12/09/2019</a:t>
             </a:fld>
             <a:endParaRPr lang="es-MX"/>
           </a:p>
@@ -4668,6 +4678,13 @@
   <p:clrMapOvr>
     <a:masterClrMapping/>
   </p:clrMapOvr>
+  <p:timing>
+    <p:tnLst>
+      <p:par>
+        <p:cTn id="1" dur="indefinite" restart="never" nodeType="tmRoot"/>
+      </p:par>
+    </p:tnLst>
+  </p:timing>
 </p:sld>
 </file>
 
@@ -4695,28 +4712,17 @@
             <a:spLocks noGrp="1"/>
           </p:cNvSpPr>
           <p:nvPr>
-            <p:ph type="ctrTitle"/>
-          </p:nvPr>
-        </p:nvSpPr>
-        <p:spPr>
-          <a:xfrm>
-            <a:off x="1524000" y="660400"/>
-            <a:ext cx="9144000" cy="2387600"/>
-          </a:xfrm>
-        </p:spPr>
-        <p:txBody>
-          <a:bodyPr>
-            <a:normAutofit fontScale="90000"/>
-          </a:bodyPr>
-          <a:lstStyle/>
-          <a:p>
-            <a:r>
-              <a:rPr lang="es-ES_tradnl" b="1" dirty="0" smtClean="0"/>
-              <a:t>Siempre</a:t>
-            </a:r>
-            <a:r>
-              <a:rPr lang="es-ES_tradnl" dirty="0" smtClean="0"/>
-              <a:t> hay que tomar en cuenta los siguientes factores</a:t>
+            <p:ph type="title"/>
+          </p:nvPr>
+        </p:nvSpPr>
+        <p:spPr/>
+        <p:txBody>
+          <a:bodyPr/>
+          <a:lstStyle/>
+          <a:p>
+            <a:r>
+              <a:rPr lang="es-MX" b="1" dirty="0" smtClean="0"/>
+              <a:t>¿Cómo redactar un Objetivo?</a:t>
             </a:r>
             <a:endParaRPr lang="es-MX" b="1" dirty="0"/>
           </a:p>
@@ -4724,12 +4730,12 @@
       </p:sp>
       <p:sp>
         <p:nvSpPr>
-          <p:cNvPr id="3" name="Subtítulo 2"/>
-          <p:cNvSpPr>
-            <a:spLocks noGrp="1"/>
-          </p:cNvSpPr>
-          <p:nvPr>
-            <p:ph type="subTitle" idx="1"/>
+          <p:cNvPr id="3" name="Marcador de contenido 2"/>
+          <p:cNvSpPr>
+            <a:spLocks noGrp="1"/>
+          </p:cNvSpPr>
+          <p:nvPr>
+            <p:ph idx="1"/>
           </p:nvPr>
         </p:nvSpPr>
         <p:spPr/>
@@ -4737,61 +4743,74 @@
           <a:bodyPr/>
           <a:lstStyle/>
           <a:p>
-            <a:endParaRPr lang="es-MX"/>
-          </a:p>
-        </p:txBody>
-      </p:sp>
-      <p:pic>
-        <p:nvPicPr>
-          <p:cNvPr id="4" name="Picture 2" descr="Resultado de imagen para InterÃ©s"/>
-          <p:cNvPicPr>
-            <a:picLocks noChangeAspect="1" noChangeArrowheads="1"/>
-          </p:cNvPicPr>
-          <p:nvPr/>
-        </p:nvPicPr>
-        <p:blipFill>
-          <a:blip r:embed="rId2">
-            <a:extLst>
-              <a:ext uri="{28A0092B-C50C-407E-A947-70E740481C1C}">
-                <a14:useLocalDpi xmlns:a14="http://schemas.microsoft.com/office/drawing/2010/main" val="0"/>
-              </a:ext>
-            </a:extLst>
-          </a:blip>
-          <a:srcRect/>
-          <a:stretch>
-            <a:fillRect/>
-          </a:stretch>
-        </p:blipFill>
-        <p:spPr bwMode="auto">
-          <a:xfrm>
-            <a:off x="3810000" y="3048000"/>
-            <a:ext cx="4177242" cy="2784828"/>
-          </a:xfrm>
-          <a:prstGeom prst="rect">
-            <a:avLst/>
-          </a:prstGeom>
-          <a:noFill/>
-          <a:extLst>
-            <a:ext uri="{909E8E84-426E-40DD-AFC4-6F175D3DCCD1}">
-              <a14:hiddenFill xmlns:a14="http://schemas.microsoft.com/office/drawing/2010/main">
-                <a:solidFill>
-                  <a:srgbClr val="FFFFFF"/>
-                </a:solidFill>
-              </a14:hiddenFill>
-            </a:ext>
-          </a:extLst>
-        </p:spPr>
-      </p:pic>
-      <p:sp>
-        <p:nvSpPr>
-          <p:cNvPr id="5" name="Rectángulo 4"/>
+            <a:r>
+              <a:rPr lang="es-MX" b="1" dirty="0" smtClean="0"/>
+              <a:t>Objetivo GENERAL:</a:t>
+            </a:r>
+          </a:p>
+          <a:p>
+            <a:pPr lvl="1"/>
+            <a:r>
+              <a:rPr lang="es-MX" dirty="0" smtClean="0"/>
+              <a:t>Habla por </a:t>
+            </a:r>
+            <a:r>
+              <a:rPr lang="es-MX" u="sng" dirty="0" smtClean="0"/>
+              <a:t>la totalidad del proyecto</a:t>
+            </a:r>
+          </a:p>
+          <a:p>
+            <a:pPr lvl="1"/>
+            <a:r>
+              <a:rPr lang="es-MX" dirty="0" smtClean="0"/>
+              <a:t>Representa la </a:t>
+            </a:r>
+            <a:r>
+              <a:rPr lang="es-MX" b="1" dirty="0" smtClean="0"/>
+              <a:t>meta general</a:t>
+            </a:r>
+            <a:r>
+              <a:rPr lang="es-MX" dirty="0" smtClean="0"/>
+              <a:t>.</a:t>
+            </a:r>
+          </a:p>
+          <a:p>
+            <a:pPr lvl="1"/>
+            <a:endParaRPr lang="es-MX" dirty="0"/>
+          </a:p>
+          <a:p>
+            <a:pPr lvl="2"/>
+            <a:r>
+              <a:rPr lang="es-MX" dirty="0" smtClean="0"/>
+              <a:t>¿Cuál es el principal objetivo por el cual hice mi pregunta de investigación?</a:t>
+            </a:r>
+          </a:p>
+          <a:p>
+            <a:pPr lvl="2"/>
+            <a:r>
+              <a:rPr lang="es-MX" dirty="0" smtClean="0"/>
+              <a:t>¿Con qué objetivo es que se busca responder la pregunta de investigación?</a:t>
+            </a:r>
+          </a:p>
+          <a:p>
+            <a:pPr lvl="2"/>
+            <a:endParaRPr lang="es-MX" dirty="0" smtClean="0"/>
+          </a:p>
+          <a:p>
+            <a:endParaRPr lang="es-MX" b="1" dirty="0"/>
+          </a:p>
+        </p:txBody>
+      </p:sp>
+      <p:sp>
+        <p:nvSpPr>
+          <p:cNvPr id="4" name="Rectángulo 3"/>
           <p:cNvSpPr/>
           <p:nvPr/>
         </p:nvSpPr>
         <p:spPr>
           <a:xfrm>
             <a:off x="0" y="0"/>
-            <a:ext cx="12192000" cy="660400"/>
+            <a:ext cx="12192000" cy="482600"/>
           </a:xfrm>
           <a:prstGeom prst="rect">
             <a:avLst/>
@@ -4822,14 +4841,14 @@
       </p:sp>
       <p:sp>
         <p:nvSpPr>
-          <p:cNvPr id="6" name="Rectángulo 5"/>
+          <p:cNvPr id="5" name="Rectángulo 4"/>
           <p:cNvSpPr/>
           <p:nvPr/>
         </p:nvSpPr>
         <p:spPr>
           <a:xfrm>
-            <a:off x="0" y="6197600"/>
-            <a:ext cx="12192000" cy="660400"/>
+            <a:off x="0" y="6400800"/>
+            <a:ext cx="12192000" cy="457200"/>
           </a:xfrm>
           <a:prstGeom prst="rect">
             <a:avLst/>
@@ -4858,118 +4877,10 @@
           </a:p>
         </p:txBody>
       </p:sp>
-      <p:sp>
-        <p:nvSpPr>
-          <p:cNvPr id="7" name="Rectángulo redondeado 6"/>
-          <p:cNvSpPr/>
-          <p:nvPr/>
-        </p:nvSpPr>
-        <p:spPr>
-          <a:xfrm>
-            <a:off x="1041400" y="4461933"/>
-            <a:ext cx="2455333" cy="1058334"/>
-          </a:xfrm>
-          <a:prstGeom prst="roundRect">
-            <a:avLst/>
-          </a:prstGeom>
-          <a:solidFill>
-            <a:schemeClr val="accent4">
-              <a:lumMod val="50000"/>
-            </a:schemeClr>
-          </a:solidFill>
-          <a:ln>
-            <a:solidFill>
-              <a:schemeClr val="tx1"/>
-            </a:solidFill>
-          </a:ln>
-        </p:spPr>
-        <p:style>
-          <a:lnRef idx="2">
-            <a:schemeClr val="accent1">
-              <a:shade val="50000"/>
-            </a:schemeClr>
-          </a:lnRef>
-          <a:fillRef idx="1">
-            <a:schemeClr val="accent1"/>
-          </a:fillRef>
-          <a:effectRef idx="0">
-            <a:schemeClr val="accent1"/>
-          </a:effectRef>
-          <a:fontRef idx="minor">
-            <a:schemeClr val="lt1"/>
-          </a:fontRef>
-        </p:style>
-        <p:txBody>
-          <a:bodyPr rtlCol="0" anchor="ctr"/>
-          <a:lstStyle/>
-          <a:p>
-            <a:pPr algn="ctr"/>
-            <a:r>
-              <a:rPr lang="es-MX" sz="2500" b="1" dirty="0" smtClean="0"/>
-              <a:t>Viabilidad</a:t>
-            </a:r>
-            <a:endParaRPr lang="es-MX" sz="2500" b="1" dirty="0"/>
-          </a:p>
-        </p:txBody>
-      </p:sp>
-      <p:sp>
-        <p:nvSpPr>
-          <p:cNvPr id="8" name="Rectángulo redondeado 7"/>
-          <p:cNvSpPr/>
-          <p:nvPr/>
-        </p:nvSpPr>
-        <p:spPr>
-          <a:xfrm>
-            <a:off x="8695267" y="4486980"/>
-            <a:ext cx="2455333" cy="1058334"/>
-          </a:xfrm>
-          <a:prstGeom prst="roundRect">
-            <a:avLst/>
-          </a:prstGeom>
-          <a:solidFill>
-            <a:schemeClr val="accent4">
-              <a:lumMod val="50000"/>
-            </a:schemeClr>
-          </a:solidFill>
-          <a:ln>
-            <a:solidFill>
-              <a:schemeClr val="tx1"/>
-            </a:solidFill>
-          </a:ln>
-        </p:spPr>
-        <p:style>
-          <a:lnRef idx="2">
-            <a:schemeClr val="accent1">
-              <a:shade val="50000"/>
-            </a:schemeClr>
-          </a:lnRef>
-          <a:fillRef idx="1">
-            <a:schemeClr val="accent1"/>
-          </a:fillRef>
-          <a:effectRef idx="0">
-            <a:schemeClr val="accent1"/>
-          </a:effectRef>
-          <a:fontRef idx="minor">
-            <a:schemeClr val="lt1"/>
-          </a:fontRef>
-        </p:style>
-        <p:txBody>
-          <a:bodyPr rtlCol="0" anchor="ctr"/>
-          <a:lstStyle/>
-          <a:p>
-            <a:pPr algn="ctr"/>
-            <a:r>
-              <a:rPr lang="es-MX" sz="2500" b="1" dirty="0" smtClean="0"/>
-              <a:t>Ética</a:t>
-            </a:r>
-            <a:endParaRPr lang="es-MX" sz="2500" b="1" dirty="0"/>
-          </a:p>
-        </p:txBody>
-      </p:sp>
     </p:spTree>
     <p:extLst>
       <p:ext uri="{BB962C8B-B14F-4D97-AF65-F5344CB8AC3E}">
-        <p14:creationId xmlns:p14="http://schemas.microsoft.com/office/powerpoint/2010/main" val="2211206740"/>
+        <p14:creationId xmlns:p14="http://schemas.microsoft.com/office/powerpoint/2010/main" val="2768046218"/>
       </p:ext>
     </p:extLst>
   </p:cSld>
@@ -5020,7 +4931,7 @@
           <a:p>
             <a:r>
               <a:rPr lang="es-MX" b="1" dirty="0" smtClean="0"/>
-              <a:t>Viabilidad</a:t>
+              <a:t>¿Cómo redactar un Objetivo?</a:t>
             </a:r>
             <a:endParaRPr lang="es-MX" b="1" dirty="0"/>
           </a:p>
@@ -5042,14 +4953,106 @@
           <a:lstStyle/>
           <a:p>
             <a:r>
+              <a:rPr lang="es-MX" b="1" dirty="0" smtClean="0"/>
+              <a:t>Objetivo GENERAL:</a:t>
+            </a:r>
+          </a:p>
+          <a:p>
+            <a:pPr lvl="1"/>
+            <a:r>
               <a:rPr lang="es-MX" dirty="0" smtClean="0"/>
-              <a:t>¿Contamos con los medios para responder la pregunta de investigación</a:t>
-            </a:r>
+              <a:t>Habla por </a:t>
+            </a:r>
+            <a:r>
+              <a:rPr lang="es-MX" u="sng" dirty="0" smtClean="0"/>
+              <a:t>la totalidad del proyecto</a:t>
+            </a:r>
+          </a:p>
+          <a:p>
+            <a:pPr lvl="1"/>
             <a:r>
               <a:rPr lang="es-MX" dirty="0" smtClean="0"/>
-              <a:t>?</a:t>
+              <a:t>Representa la </a:t>
+            </a:r>
+            <a:r>
+              <a:rPr lang="es-MX" b="1" dirty="0" smtClean="0"/>
+              <a:t>meta general</a:t>
+            </a:r>
+            <a:r>
+              <a:rPr lang="es-MX" dirty="0" smtClean="0"/>
+              <a:t>.</a:t>
+            </a:r>
+          </a:p>
+          <a:p>
+            <a:pPr lvl="1"/>
+            <a:endParaRPr lang="es-MX" dirty="0"/>
+          </a:p>
+          <a:p>
+            <a:pPr lvl="2"/>
+            <a:r>
+              <a:rPr lang="es-MX" dirty="0" smtClean="0"/>
+              <a:t>¿Cuál es el principal objetivo por el cual hice mi pregunta de investigación?</a:t>
+            </a:r>
+          </a:p>
+          <a:p>
+            <a:pPr lvl="2"/>
+            <a:r>
+              <a:rPr lang="es-MX" dirty="0" smtClean="0"/>
+              <a:t>Siempre se desprende </a:t>
+            </a:r>
+            <a:r>
+              <a:rPr lang="es-MX" u="sng" dirty="0" smtClean="0"/>
+              <a:t>directamente de la pregunta de investigación.</a:t>
             </a:r>
             <a:endParaRPr lang="es-MX" dirty="0" smtClean="0"/>
+          </a:p>
+          <a:p>
+            <a:pPr lvl="2"/>
+            <a:endParaRPr lang="es-MX" dirty="0"/>
+          </a:p>
+          <a:p>
+            <a:pPr marL="914400" lvl="2" indent="0">
+              <a:buNone/>
+            </a:pPr>
+            <a:r>
+              <a:rPr lang="es-MX" b="1" dirty="0" smtClean="0"/>
+              <a:t>Ejemplo:</a:t>
+            </a:r>
+          </a:p>
+          <a:p>
+            <a:pPr marL="914400" lvl="2" indent="0">
+              <a:buNone/>
+            </a:pPr>
+            <a:r>
+              <a:rPr lang="es-MX" b="1" dirty="0" smtClean="0"/>
+              <a:t>Pregunta de investigación: </a:t>
+            </a:r>
+            <a:r>
+              <a:rPr lang="es-MX" dirty="0" smtClean="0"/>
+              <a:t>¿Existe alguna relación entre el estrés y el desempeño académico de los estudiantes de la preparatoria del CEJP?</a:t>
+            </a:r>
+          </a:p>
+          <a:p>
+            <a:pPr marL="914400" lvl="2" indent="0">
+              <a:buNone/>
+            </a:pPr>
+            <a:endParaRPr lang="es-MX" b="1" dirty="0" smtClean="0"/>
+          </a:p>
+          <a:p>
+            <a:pPr marL="914400" lvl="2" indent="0">
+              <a:buNone/>
+            </a:pPr>
+            <a:r>
+              <a:rPr lang="es-MX" b="1" dirty="0" smtClean="0"/>
+              <a:t>Objetivo General:</a:t>
+            </a:r>
+          </a:p>
+          <a:p>
+            <a:pPr lvl="2"/>
+            <a:endParaRPr lang="es-MX" dirty="0" smtClean="0"/>
+          </a:p>
+          <a:p>
+            <a:endParaRPr lang="es-MX" b="1" dirty="0"/>
           </a:p>
         </p:txBody>
       </p:sp>
@@ -5132,13 +5135,20 @@
     </p:spTree>
     <p:extLst>
       <p:ext uri="{BB962C8B-B14F-4D97-AF65-F5344CB8AC3E}">
-        <p14:creationId xmlns:p14="http://schemas.microsoft.com/office/powerpoint/2010/main" val="3778840078"/>
+        <p14:creationId xmlns:p14="http://schemas.microsoft.com/office/powerpoint/2010/main" val="2632439548"/>
       </p:ext>
     </p:extLst>
   </p:cSld>
   <p:clrMapOvr>
     <a:masterClrMapping/>
   </p:clrMapOvr>
+  <p:timing>
+    <p:tnLst>
+      <p:par>
+        <p:cTn id="1" dur="indefinite" restart="never" nodeType="tmRoot"/>
+      </p:par>
+    </p:tnLst>
+  </p:timing>
 </p:sld>
 </file>
 
@@ -5176,7 +5186,7 @@
           <a:p>
             <a:r>
               <a:rPr lang="es-MX" b="1" dirty="0" smtClean="0"/>
-              <a:t>Viabilidad</a:t>
+              <a:t>¿Cómo redactar un Objetivo?</a:t>
             </a:r>
             <a:endParaRPr lang="es-MX" b="1" dirty="0"/>
           </a:p>
@@ -5194,18 +5204,47 @@
         </p:nvSpPr>
         <p:spPr/>
         <p:txBody>
-          <a:bodyPr/>
-          <a:lstStyle/>
-          <a:p>
+          <a:bodyPr>
+            <a:normAutofit/>
+          </a:bodyPr>
+          <a:lstStyle/>
+          <a:p>
+            <a:r>
+              <a:rPr lang="es-MX" b="1" dirty="0" smtClean="0"/>
+              <a:t>Objetivos ESPECÍFICOS:</a:t>
+            </a:r>
+          </a:p>
+          <a:p>
+            <a:pPr lvl="1"/>
             <a:r>
               <a:rPr lang="es-MX" dirty="0" smtClean="0"/>
-              <a:t>¿Contamos con los medios para responder la pregunta de investigación</a:t>
-            </a:r>
+              <a:t>Se desprenden del Objetivo General del proyecto</a:t>
+            </a:r>
+            <a:endParaRPr lang="es-MX" u="sng" dirty="0" smtClean="0"/>
+          </a:p>
+          <a:p>
+            <a:pPr lvl="1"/>
             <a:r>
               <a:rPr lang="es-MX" dirty="0" smtClean="0"/>
-              <a:t>?</a:t>
-            </a:r>
+              <a:t>Atienden elementos cada vez más particulares dentro de la totalidad del tema que proponemos investigar</a:t>
+            </a:r>
+          </a:p>
+          <a:p>
+            <a:pPr lvl="1"/>
+            <a:endParaRPr lang="es-MX" dirty="0"/>
+          </a:p>
+          <a:p>
+            <a:pPr marL="914400" lvl="2" indent="0">
+              <a:buNone/>
+            </a:pPr>
+            <a:endParaRPr lang="es-MX" b="1" dirty="0"/>
+          </a:p>
+          <a:p>
+            <a:pPr lvl="2"/>
             <a:endParaRPr lang="es-MX" dirty="0" smtClean="0"/>
+          </a:p>
+          <a:p>
+            <a:endParaRPr lang="es-MX" b="1" dirty="0"/>
           </a:p>
         </p:txBody>
       </p:sp>
@@ -5285,40 +5324,23 @@
           </a:p>
         </p:txBody>
       </p:sp>
-      <p:pic>
-        <p:nvPicPr>
-          <p:cNvPr id="6" name="Imagen 5"/>
-          <p:cNvPicPr>
-            <a:picLocks noChangeAspect="1"/>
-          </p:cNvPicPr>
-          <p:nvPr/>
-        </p:nvPicPr>
-        <p:blipFill>
-          <a:blip r:embed="rId2"/>
-          <a:stretch>
-            <a:fillRect/>
-          </a:stretch>
-        </p:blipFill>
-        <p:spPr>
-          <a:xfrm>
-            <a:off x="2433637" y="2974182"/>
-            <a:ext cx="7324725" cy="714375"/>
-          </a:xfrm>
-          <a:prstGeom prst="rect">
-            <a:avLst/>
-          </a:prstGeom>
-        </p:spPr>
-      </p:pic>
     </p:spTree>
     <p:extLst>
       <p:ext uri="{BB962C8B-B14F-4D97-AF65-F5344CB8AC3E}">
-        <p14:creationId xmlns:p14="http://schemas.microsoft.com/office/powerpoint/2010/main" val="393488508"/>
+        <p14:creationId xmlns:p14="http://schemas.microsoft.com/office/powerpoint/2010/main" val="2433241079"/>
       </p:ext>
     </p:extLst>
   </p:cSld>
   <p:clrMapOvr>
     <a:masterClrMapping/>
   </p:clrMapOvr>
+  <p:timing>
+    <p:tnLst>
+      <p:par>
+        <p:cTn id="1" dur="indefinite" restart="never" nodeType="tmRoot"/>
+      </p:par>
+    </p:tnLst>
+  </p:timing>
 </p:sld>
 </file>
 
@@ -5356,7 +5378,7 @@
           <a:p>
             <a:r>
               <a:rPr lang="es-MX" b="1" dirty="0" smtClean="0"/>
-              <a:t>Viabilidad</a:t>
+              <a:t>¿Cómo redactar un Objetivo?</a:t>
             </a:r>
             <a:endParaRPr lang="es-MX" b="1" dirty="0"/>
           </a:p>
@@ -5374,18 +5396,93 @@
         </p:nvSpPr>
         <p:spPr/>
         <p:txBody>
-          <a:bodyPr/>
-          <a:lstStyle/>
-          <a:p>
+          <a:bodyPr>
+            <a:normAutofit/>
+          </a:bodyPr>
+          <a:lstStyle/>
+          <a:p>
+            <a:r>
+              <a:rPr lang="es-MX" b="1" dirty="0" smtClean="0"/>
+              <a:t>Objetivos ESPECÍFICOS:</a:t>
+            </a:r>
+          </a:p>
+          <a:p>
+            <a:pPr lvl="1"/>
             <a:r>
               <a:rPr lang="es-MX" dirty="0" smtClean="0"/>
-              <a:t>¿Contamos con los medios para responder la pregunta de investigación</a:t>
-            </a:r>
+              <a:t>Se desprenden del Objetivo General del proyecto</a:t>
+            </a:r>
+            <a:endParaRPr lang="es-MX" u="sng" dirty="0" smtClean="0"/>
+          </a:p>
+          <a:p>
+            <a:pPr lvl="1"/>
             <a:r>
               <a:rPr lang="es-MX" dirty="0" smtClean="0"/>
-              <a:t>?</a:t>
-            </a:r>
+              <a:t>Atienden elementos cada vez más particulares dentro de la totalidad del tema que proponemos investigar</a:t>
+            </a:r>
+          </a:p>
+          <a:p>
+            <a:pPr lvl="1"/>
+            <a:endParaRPr lang="es-MX" dirty="0"/>
+          </a:p>
+          <a:p>
+            <a:pPr marL="914400" lvl="2" indent="0">
+              <a:buNone/>
+            </a:pPr>
+            <a:r>
+              <a:rPr lang="es-MX" b="1" dirty="0" smtClean="0"/>
+              <a:t>Ejemplo:</a:t>
+            </a:r>
+          </a:p>
+          <a:p>
+            <a:pPr marL="914400" lvl="2" indent="0">
+              <a:buNone/>
+            </a:pPr>
+            <a:r>
+              <a:rPr lang="es-MX" b="1" dirty="0" smtClean="0"/>
+              <a:t>Pregunta de investigación: </a:t>
+            </a:r>
+            <a:r>
+              <a:rPr lang="es-MX" dirty="0" smtClean="0"/>
+              <a:t>¿Existe alguna relación entre el estrés y el desempeño académico de los estudiantes de la preparatoria del CEJP?</a:t>
+            </a:r>
+          </a:p>
+          <a:p>
+            <a:pPr marL="914400" lvl="2" indent="0">
+              <a:buNone/>
+            </a:pPr>
+            <a:endParaRPr lang="es-MX" b="1" dirty="0" smtClean="0"/>
+          </a:p>
+          <a:p>
+            <a:pPr marL="914400" lvl="2" indent="0">
+              <a:buNone/>
+            </a:pPr>
+            <a:r>
+              <a:rPr lang="es-MX" b="1" dirty="0" smtClean="0"/>
+              <a:t>Objetivo General:</a:t>
+            </a:r>
+          </a:p>
+          <a:p>
+            <a:pPr marL="914400" lvl="2" indent="0">
+              <a:buNone/>
+            </a:pPr>
+            <a:endParaRPr lang="es-MX" b="1" dirty="0"/>
+          </a:p>
+          <a:p>
+            <a:pPr marL="914400" lvl="2" indent="0">
+              <a:buNone/>
+            </a:pPr>
+            <a:r>
+              <a:rPr lang="es-MX" b="1" dirty="0" smtClean="0"/>
+              <a:t>Objetivo Específico:</a:t>
+            </a:r>
+          </a:p>
+          <a:p>
+            <a:pPr lvl="2"/>
             <a:endParaRPr lang="es-MX" dirty="0" smtClean="0"/>
+          </a:p>
+          <a:p>
+            <a:endParaRPr lang="es-MX" b="1" dirty="0"/>
           </a:p>
         </p:txBody>
       </p:sp>
@@ -5465,64 +5562,23 @@
           </a:p>
         </p:txBody>
       </p:sp>
-      <p:pic>
-        <p:nvPicPr>
-          <p:cNvPr id="6" name="Imagen 5"/>
-          <p:cNvPicPr>
-            <a:picLocks noChangeAspect="1"/>
-          </p:cNvPicPr>
-          <p:nvPr/>
-        </p:nvPicPr>
-        <p:blipFill>
-          <a:blip r:embed="rId2"/>
-          <a:stretch>
-            <a:fillRect/>
-          </a:stretch>
-        </p:blipFill>
-        <p:spPr>
-          <a:xfrm>
-            <a:off x="2433637" y="2974182"/>
-            <a:ext cx="7324725" cy="714375"/>
-          </a:xfrm>
-          <a:prstGeom prst="rect">
-            <a:avLst/>
-          </a:prstGeom>
-        </p:spPr>
-      </p:pic>
-      <p:pic>
-        <p:nvPicPr>
-          <p:cNvPr id="7" name="Imagen 6"/>
-          <p:cNvPicPr>
-            <a:picLocks noChangeAspect="1"/>
-          </p:cNvPicPr>
-          <p:nvPr/>
-        </p:nvPicPr>
-        <p:blipFill>
-          <a:blip r:embed="rId3"/>
-          <a:stretch>
-            <a:fillRect/>
-          </a:stretch>
-        </p:blipFill>
-        <p:spPr>
-          <a:xfrm>
-            <a:off x="2433637" y="3912394"/>
-            <a:ext cx="6657975" cy="809625"/>
-          </a:xfrm>
-          <a:prstGeom prst="rect">
-            <a:avLst/>
-          </a:prstGeom>
-        </p:spPr>
-      </p:pic>
     </p:spTree>
     <p:extLst>
       <p:ext uri="{BB962C8B-B14F-4D97-AF65-F5344CB8AC3E}">
-        <p14:creationId xmlns:p14="http://schemas.microsoft.com/office/powerpoint/2010/main" val="39608136"/>
+        <p14:creationId xmlns:p14="http://schemas.microsoft.com/office/powerpoint/2010/main" val="2623458190"/>
       </p:ext>
     </p:extLst>
   </p:cSld>
   <p:clrMapOvr>
     <a:masterClrMapping/>
   </p:clrMapOvr>
+  <p:timing>
+    <p:tnLst>
+      <p:par>
+        <p:cTn id="1" dur="indefinite" restart="never" nodeType="tmRoot"/>
+      </p:par>
+    </p:tnLst>
+  </p:timing>
 </p:sld>
 </file>
 
@@ -5558,11 +5614,7 @@
           <a:bodyPr/>
           <a:lstStyle/>
           <a:p>
-            <a:r>
-              <a:rPr lang="es-MX" b="1" dirty="0" smtClean="0"/>
-              <a:t>Viabilidad</a:t>
-            </a:r>
-            <a:endParaRPr lang="es-MX" b="1" dirty="0"/>
+            <a:endParaRPr lang="es-MX"/>
           </a:p>
         </p:txBody>
       </p:sp>
@@ -5581,97 +5633,13 @@
           <a:bodyPr/>
           <a:lstStyle/>
           <a:p>
-            <a:r>
-              <a:rPr lang="es-MX" dirty="0" smtClean="0"/>
-              <a:t>¿Contamos con los medios para responder la pregunta de investigación</a:t>
-            </a:r>
-            <a:r>
-              <a:rPr lang="es-MX" dirty="0" smtClean="0"/>
-              <a:t>?</a:t>
-            </a:r>
-            <a:endParaRPr lang="es-MX" dirty="0" smtClean="0"/>
-          </a:p>
-        </p:txBody>
-      </p:sp>
-      <p:sp>
-        <p:nvSpPr>
-          <p:cNvPr id="4" name="Rectángulo 3"/>
-          <p:cNvSpPr/>
-          <p:nvPr/>
-        </p:nvSpPr>
-        <p:spPr>
-          <a:xfrm>
-            <a:off x="0" y="0"/>
-            <a:ext cx="12192000" cy="482600"/>
-          </a:xfrm>
-          <a:prstGeom prst="rect">
-            <a:avLst/>
-          </a:prstGeom>
-        </p:spPr>
-        <p:style>
-          <a:lnRef idx="0">
-            <a:schemeClr val="accent4"/>
-          </a:lnRef>
-          <a:fillRef idx="3">
-            <a:schemeClr val="accent4"/>
-          </a:fillRef>
-          <a:effectRef idx="3">
-            <a:schemeClr val="accent4"/>
-          </a:effectRef>
-          <a:fontRef idx="minor">
-            <a:schemeClr val="lt1"/>
-          </a:fontRef>
-        </p:style>
-        <p:txBody>
-          <a:bodyPr rtlCol="0" anchor="ctr"/>
-          <a:lstStyle/>
-          <a:p>
-            <a:pPr algn="ctr"/>
-            <a:endParaRPr lang="es-MX"/>
-          </a:p>
-        </p:txBody>
-      </p:sp>
-      <p:sp>
-        <p:nvSpPr>
-          <p:cNvPr id="5" name="Rectángulo 4"/>
-          <p:cNvSpPr/>
-          <p:nvPr/>
-        </p:nvSpPr>
-        <p:spPr>
-          <a:xfrm>
-            <a:off x="0" y="6400800"/>
-            <a:ext cx="12192000" cy="457200"/>
-          </a:xfrm>
-          <a:prstGeom prst="rect">
-            <a:avLst/>
-          </a:prstGeom>
-        </p:spPr>
-        <p:style>
-          <a:lnRef idx="0">
-            <a:schemeClr val="accent4"/>
-          </a:lnRef>
-          <a:fillRef idx="3">
-            <a:schemeClr val="accent4"/>
-          </a:fillRef>
-          <a:effectRef idx="3">
-            <a:schemeClr val="accent4"/>
-          </a:effectRef>
-          <a:fontRef idx="minor">
-            <a:schemeClr val="lt1"/>
-          </a:fontRef>
-        </p:style>
-        <p:txBody>
-          <a:bodyPr rtlCol="0" anchor="ctr"/>
-          <a:lstStyle/>
-          <a:p>
-            <a:pPr algn="ctr"/>
             <a:endParaRPr lang="es-MX"/>
           </a:p>
         </p:txBody>
       </p:sp>
       <p:pic>
         <p:nvPicPr>
-          <p:cNvPr id="6" name="Imagen 5"/>
+          <p:cNvPr id="4" name="Imagen 3"/>
           <p:cNvPicPr>
             <a:picLocks noChangeAspect="1"/>
           </p:cNvPicPr>
@@ -5685,32 +5653,8 @@
         </p:blipFill>
         <p:spPr>
           <a:xfrm>
-            <a:off x="2433637" y="2974182"/>
-            <a:ext cx="7324725" cy="714375"/>
-          </a:xfrm>
-          <a:prstGeom prst="rect">
-            <a:avLst/>
-          </a:prstGeom>
-        </p:spPr>
-      </p:pic>
-      <p:pic>
-        <p:nvPicPr>
-          <p:cNvPr id="7" name="Imagen 6"/>
-          <p:cNvPicPr>
-            <a:picLocks noChangeAspect="1"/>
-          </p:cNvPicPr>
-          <p:nvPr/>
-        </p:nvPicPr>
-        <p:blipFill>
-          <a:blip r:embed="rId3"/>
-          <a:stretch>
-            <a:fillRect/>
-          </a:stretch>
-        </p:blipFill>
-        <p:spPr>
-          <a:xfrm>
-            <a:off x="2433637" y="3912394"/>
-            <a:ext cx="6657975" cy="809625"/>
+            <a:off x="1564746" y="661458"/>
+            <a:ext cx="8598878" cy="5811838"/>
           </a:xfrm>
           <a:prstGeom prst="rect">
             <a:avLst/>
@@ -5720,7 +5664,7 @@
     </p:spTree>
     <p:extLst>
       <p:ext uri="{BB962C8B-B14F-4D97-AF65-F5344CB8AC3E}">
-        <p14:creationId xmlns:p14="http://schemas.microsoft.com/office/powerpoint/2010/main" val="1440850166"/>
+        <p14:creationId xmlns:p14="http://schemas.microsoft.com/office/powerpoint/2010/main" val="3189313981"/>
       </p:ext>
     </p:extLst>
   </p:cSld>
@@ -5910,11 +5854,7 @@
           <a:bodyPr/>
           <a:lstStyle/>
           <a:p>
-            <a:r>
-              <a:rPr lang="es-MX" b="1" dirty="0" smtClean="0"/>
-              <a:t>Viabilidad</a:t>
-            </a:r>
-            <a:endParaRPr lang="es-MX" b="1" dirty="0"/>
+            <a:endParaRPr lang="es-MX"/>
           </a:p>
         </p:txBody>
       </p:sp>
@@ -5933,128 +5873,38 @@
           <a:bodyPr/>
           <a:lstStyle/>
           <a:p>
-            <a:r>
-              <a:rPr lang="es-MX" dirty="0" smtClean="0"/>
-              <a:t>¿Contamos con los medios para responder la pregunta de investigación?</a:t>
-            </a:r>
-          </a:p>
-          <a:p>
-            <a:endParaRPr lang="es-MX" dirty="0"/>
-          </a:p>
-          <a:p>
-            <a:r>
-              <a:rPr lang="es-MX" dirty="0" smtClean="0"/>
-              <a:t>¿Es </a:t>
-            </a:r>
-            <a:r>
-              <a:rPr lang="es-MX" b="1" dirty="0" smtClean="0"/>
-              <a:t>factible</a:t>
-            </a:r>
-            <a:r>
-              <a:rPr lang="es-MX" dirty="0" smtClean="0"/>
-              <a:t>?</a:t>
-            </a:r>
-          </a:p>
-          <a:p>
-            <a:endParaRPr lang="es-MX" dirty="0"/>
-          </a:p>
-          <a:p>
-            <a:r>
-              <a:rPr lang="es-MX" dirty="0" smtClean="0"/>
-              <a:t>¿Es </a:t>
-            </a:r>
-            <a:r>
-              <a:rPr lang="es-MX" b="1" dirty="0" err="1" smtClean="0"/>
-              <a:t>falsable</a:t>
-            </a:r>
-            <a:r>
-              <a:rPr lang="es-MX" dirty="0" smtClean="0"/>
-              <a:t>?</a:t>
-            </a:r>
-            <a:endParaRPr lang="es-MX" dirty="0"/>
-          </a:p>
-        </p:txBody>
-      </p:sp>
-      <p:sp>
-        <p:nvSpPr>
-          <p:cNvPr id="4" name="Rectángulo 3"/>
-          <p:cNvSpPr/>
-          <p:nvPr/>
-        </p:nvSpPr>
-        <p:spPr>
-          <a:xfrm>
-            <a:off x="0" y="0"/>
-            <a:ext cx="12192000" cy="482600"/>
+            <a:endParaRPr lang="es-MX"/>
+          </a:p>
+        </p:txBody>
+      </p:sp>
+      <p:pic>
+        <p:nvPicPr>
+          <p:cNvPr id="4" name="Imagen 3"/>
+          <p:cNvPicPr>
+            <a:picLocks noChangeAspect="1"/>
+          </p:cNvPicPr>
+          <p:nvPr/>
+        </p:nvPicPr>
+        <p:blipFill>
+          <a:blip r:embed="rId2"/>
+          <a:stretch>
+            <a:fillRect/>
+          </a:stretch>
+        </p:blipFill>
+        <p:spPr>
+          <a:xfrm>
+            <a:off x="1132417" y="365125"/>
+            <a:ext cx="9811270" cy="5976408"/>
           </a:xfrm>
           <a:prstGeom prst="rect">
             <a:avLst/>
           </a:prstGeom>
         </p:spPr>
-        <p:style>
-          <a:lnRef idx="0">
-            <a:schemeClr val="accent4"/>
-          </a:lnRef>
-          <a:fillRef idx="3">
-            <a:schemeClr val="accent4"/>
-          </a:fillRef>
-          <a:effectRef idx="3">
-            <a:schemeClr val="accent4"/>
-          </a:effectRef>
-          <a:fontRef idx="minor">
-            <a:schemeClr val="lt1"/>
-          </a:fontRef>
-        </p:style>
-        <p:txBody>
-          <a:bodyPr rtlCol="0" anchor="ctr"/>
-          <a:lstStyle/>
-          <a:p>
-            <a:pPr algn="ctr"/>
-            <a:endParaRPr lang="es-MX"/>
-          </a:p>
-        </p:txBody>
-      </p:sp>
-      <p:sp>
-        <p:nvSpPr>
-          <p:cNvPr id="5" name="Rectángulo 4"/>
-          <p:cNvSpPr/>
-          <p:nvPr/>
-        </p:nvSpPr>
-        <p:spPr>
-          <a:xfrm>
-            <a:off x="0" y="6400800"/>
-            <a:ext cx="12192000" cy="457200"/>
-          </a:xfrm>
-          <a:prstGeom prst="rect">
-            <a:avLst/>
-          </a:prstGeom>
-        </p:spPr>
-        <p:style>
-          <a:lnRef idx="0">
-            <a:schemeClr val="accent4"/>
-          </a:lnRef>
-          <a:fillRef idx="3">
-            <a:schemeClr val="accent4"/>
-          </a:fillRef>
-          <a:effectRef idx="3">
-            <a:schemeClr val="accent4"/>
-          </a:effectRef>
-          <a:fontRef idx="minor">
-            <a:schemeClr val="lt1"/>
-          </a:fontRef>
-        </p:style>
-        <p:txBody>
-          <a:bodyPr rtlCol="0" anchor="ctr"/>
-          <a:lstStyle/>
-          <a:p>
-            <a:pPr algn="ctr"/>
-            <a:endParaRPr lang="es-MX"/>
-          </a:p>
-        </p:txBody>
-      </p:sp>
+      </p:pic>
     </p:spTree>
     <p:extLst>
       <p:ext uri="{BB962C8B-B14F-4D97-AF65-F5344CB8AC3E}">
-        <p14:creationId xmlns:p14="http://schemas.microsoft.com/office/powerpoint/2010/main" val="3429114455"/>
+        <p14:creationId xmlns:p14="http://schemas.microsoft.com/office/powerpoint/2010/main" val="3961419480"/>
       </p:ext>
     </p:extLst>
   </p:cSld>
@@ -6096,11 +5946,7 @@
           <a:bodyPr/>
           <a:lstStyle/>
           <a:p>
-            <a:r>
-              <a:rPr lang="es-MX" b="1" dirty="0" smtClean="0"/>
-              <a:t>Aspectos éticos</a:t>
-            </a:r>
-            <a:endParaRPr lang="es-MX" b="1" dirty="0"/>
+            <a:endParaRPr lang="es-MX"/>
           </a:p>
         </p:txBody>
       </p:sp>
@@ -6119,103 +5965,38 @@
           <a:bodyPr/>
           <a:lstStyle/>
           <a:p>
-            <a:r>
-              <a:rPr lang="es-MX" dirty="0" smtClean="0"/>
-              <a:t>¿Hay alguien que pueda salir directamente perjudicado con la realización de mi proyecto de investigación?</a:t>
-            </a:r>
-          </a:p>
-          <a:p>
             <a:endParaRPr lang="es-MX" dirty="0"/>
           </a:p>
-          <a:p>
-            <a:r>
-              <a:rPr lang="es-MX" dirty="0" smtClean="0"/>
-              <a:t>¿El mundo será un lugar mejor una vez que se publiquen los resultados de mi investigación?</a:t>
-            </a:r>
-            <a:endParaRPr lang="es-MX" dirty="0"/>
-          </a:p>
-        </p:txBody>
-      </p:sp>
-      <p:sp>
-        <p:nvSpPr>
-          <p:cNvPr id="4" name="Rectángulo 3"/>
-          <p:cNvSpPr/>
-          <p:nvPr/>
-        </p:nvSpPr>
-        <p:spPr>
-          <a:xfrm>
-            <a:off x="0" y="0"/>
-            <a:ext cx="12192000" cy="482600"/>
+        </p:txBody>
+      </p:sp>
+      <p:pic>
+        <p:nvPicPr>
+          <p:cNvPr id="4" name="Imagen 3"/>
+          <p:cNvPicPr>
+            <a:picLocks noChangeAspect="1"/>
+          </p:cNvPicPr>
+          <p:nvPr/>
+        </p:nvPicPr>
+        <p:blipFill>
+          <a:blip r:embed="rId2"/>
+          <a:stretch>
+            <a:fillRect/>
+          </a:stretch>
+        </p:blipFill>
+        <p:spPr>
+          <a:xfrm>
+            <a:off x="1757362" y="71437"/>
+            <a:ext cx="7308118" cy="6532563"/>
           </a:xfrm>
           <a:prstGeom prst="rect">
             <a:avLst/>
           </a:prstGeom>
         </p:spPr>
-        <p:style>
-          <a:lnRef idx="0">
-            <a:schemeClr val="accent4"/>
-          </a:lnRef>
-          <a:fillRef idx="3">
-            <a:schemeClr val="accent4"/>
-          </a:fillRef>
-          <a:effectRef idx="3">
-            <a:schemeClr val="accent4"/>
-          </a:effectRef>
-          <a:fontRef idx="minor">
-            <a:schemeClr val="lt1"/>
-          </a:fontRef>
-        </p:style>
-        <p:txBody>
-          <a:bodyPr rtlCol="0" anchor="ctr"/>
-          <a:lstStyle/>
-          <a:p>
-            <a:pPr algn="ctr"/>
-            <a:endParaRPr lang="es-MX"/>
-          </a:p>
-        </p:txBody>
-      </p:sp>
-      <p:sp>
-        <p:nvSpPr>
-          <p:cNvPr id="5" name="Rectángulo 4"/>
-          <p:cNvSpPr/>
-          <p:nvPr/>
-        </p:nvSpPr>
-        <p:spPr>
-          <a:xfrm>
-            <a:off x="0" y="6400800"/>
-            <a:ext cx="12192000" cy="457200"/>
-          </a:xfrm>
-          <a:prstGeom prst="rect">
-            <a:avLst/>
-          </a:prstGeom>
-        </p:spPr>
-        <p:style>
-          <a:lnRef idx="0">
-            <a:schemeClr val="accent4"/>
-          </a:lnRef>
-          <a:fillRef idx="3">
-            <a:schemeClr val="accent4"/>
-          </a:fillRef>
-          <a:effectRef idx="3">
-            <a:schemeClr val="accent4"/>
-          </a:effectRef>
-          <a:fontRef idx="minor">
-            <a:schemeClr val="lt1"/>
-          </a:fontRef>
-        </p:style>
-        <p:txBody>
-          <a:bodyPr rtlCol="0" anchor="ctr"/>
-          <a:lstStyle/>
-          <a:p>
-            <a:pPr algn="ctr"/>
-            <a:endParaRPr lang="es-MX"/>
-          </a:p>
-        </p:txBody>
-      </p:sp>
+      </p:pic>
     </p:spTree>
     <p:extLst>
       <p:ext uri="{BB962C8B-B14F-4D97-AF65-F5344CB8AC3E}">
-        <p14:creationId xmlns:p14="http://schemas.microsoft.com/office/powerpoint/2010/main" val="2397204900"/>
+        <p14:creationId xmlns:p14="http://schemas.microsoft.com/office/powerpoint/2010/main" val="427734170"/>
       </p:ext>
     </p:extLst>
   </p:cSld>
@@ -6257,7 +6038,11 @@
           <a:bodyPr/>
           <a:lstStyle/>
           <a:p>
-            <a:endParaRPr lang="es-MX"/>
+            <a:r>
+              <a:rPr lang="es-MX" b="1" dirty="0" smtClean="0"/>
+              <a:t>La Taxonomía de Bloom</a:t>
+            </a:r>
+            <a:endParaRPr lang="es-MX" b="1" dirty="0"/>
           </a:p>
         </p:txBody>
       </p:sp>
@@ -6276,13 +6061,89 @@
           <a:bodyPr/>
           <a:lstStyle/>
           <a:p>
+            <a:endParaRPr lang="es-MX" dirty="0"/>
+          </a:p>
+        </p:txBody>
+      </p:sp>
+      <p:sp>
+        <p:nvSpPr>
+          <p:cNvPr id="4" name="Rectángulo 3"/>
+          <p:cNvSpPr/>
+          <p:nvPr/>
+        </p:nvSpPr>
+        <p:spPr>
+          <a:xfrm>
+            <a:off x="0" y="0"/>
+            <a:ext cx="12192000" cy="482600"/>
+          </a:xfrm>
+          <a:prstGeom prst="rect">
+            <a:avLst/>
+          </a:prstGeom>
+        </p:spPr>
+        <p:style>
+          <a:lnRef idx="0">
+            <a:schemeClr val="accent4"/>
+          </a:lnRef>
+          <a:fillRef idx="3">
+            <a:schemeClr val="accent4"/>
+          </a:fillRef>
+          <a:effectRef idx="3">
+            <a:schemeClr val="accent4"/>
+          </a:effectRef>
+          <a:fontRef idx="minor">
+            <a:schemeClr val="lt1"/>
+          </a:fontRef>
+        </p:style>
+        <p:txBody>
+          <a:bodyPr rtlCol="0" anchor="ctr"/>
+          <a:lstStyle/>
+          <a:p>
+            <a:pPr algn="ctr"/>
+            <a:endParaRPr lang="es-MX"/>
+          </a:p>
+        </p:txBody>
+      </p:sp>
+      <p:sp>
+        <p:nvSpPr>
+          <p:cNvPr id="5" name="Rectángulo 4"/>
+          <p:cNvSpPr/>
+          <p:nvPr/>
+        </p:nvSpPr>
+        <p:spPr>
+          <a:xfrm>
+            <a:off x="0" y="6400800"/>
+            <a:ext cx="12192000" cy="457200"/>
+          </a:xfrm>
+          <a:prstGeom prst="rect">
+            <a:avLst/>
+          </a:prstGeom>
+        </p:spPr>
+        <p:style>
+          <a:lnRef idx="0">
+            <a:schemeClr val="accent4"/>
+          </a:lnRef>
+          <a:fillRef idx="3">
+            <a:schemeClr val="accent4"/>
+          </a:fillRef>
+          <a:effectRef idx="3">
+            <a:schemeClr val="accent4"/>
+          </a:effectRef>
+          <a:fontRef idx="minor">
+            <a:schemeClr val="lt1"/>
+          </a:fontRef>
+        </p:style>
+        <p:txBody>
+          <a:bodyPr rtlCol="0" anchor="ctr"/>
+          <a:lstStyle/>
+          <a:p>
+            <a:pPr algn="ctr"/>
             <a:endParaRPr lang="es-MX"/>
           </a:p>
         </p:txBody>
       </p:sp>
       <p:pic>
         <p:nvPicPr>
-          <p:cNvPr id="4" name="Imagen 3"/>
+          <p:cNvPr id="6" name="Imagen 5"/>
           <p:cNvPicPr>
             <a:picLocks noChangeAspect="1"/>
           </p:cNvPicPr>
@@ -6296,8 +6157,8 @@
         </p:blipFill>
         <p:spPr>
           <a:xfrm>
-            <a:off x="1143529" y="0"/>
-            <a:ext cx="9031857" cy="6858000"/>
+            <a:off x="-1" y="1690688"/>
+            <a:ext cx="12322865" cy="3502024"/>
           </a:xfrm>
           <a:prstGeom prst="rect">
             <a:avLst/>
@@ -6307,13 +6168,20 @@
     </p:spTree>
     <p:extLst>
       <p:ext uri="{BB962C8B-B14F-4D97-AF65-F5344CB8AC3E}">
-        <p14:creationId xmlns:p14="http://schemas.microsoft.com/office/powerpoint/2010/main" val="4122013348"/>
+        <p14:creationId xmlns:p14="http://schemas.microsoft.com/office/powerpoint/2010/main" val="1415700118"/>
       </p:ext>
     </p:extLst>
   </p:cSld>
   <p:clrMapOvr>
     <a:masterClrMapping/>
   </p:clrMapOvr>
+  <p:timing>
+    <p:tnLst>
+      <p:par>
+        <p:cTn id="1" dur="indefinite" restart="never" nodeType="tmRoot"/>
+      </p:par>
+    </p:tnLst>
+  </p:timing>
 </p:sld>
 </file>
 
@@ -6349,7 +6217,11 @@
           <a:bodyPr/>
           <a:lstStyle/>
           <a:p>
-            <a:endParaRPr lang="es-MX"/>
+            <a:r>
+              <a:rPr lang="es-MX" b="1" dirty="0" smtClean="0"/>
+              <a:t>¿Qué es una Justificación?</a:t>
+            </a:r>
+            <a:endParaRPr lang="es-MX" b="1" dirty="0"/>
           </a:p>
         </p:txBody>
       </p:sp>
@@ -6368,44 +6240,133 @@
           <a:bodyPr/>
           <a:lstStyle/>
           <a:p>
-            <a:endParaRPr lang="es-MX"/>
-          </a:p>
-        </p:txBody>
-      </p:sp>
-      <p:pic>
-        <p:nvPicPr>
-          <p:cNvPr id="4" name="Imagen 3"/>
-          <p:cNvPicPr>
-            <a:picLocks noChangeAspect="1"/>
-          </p:cNvPicPr>
-          <p:nvPr/>
-        </p:nvPicPr>
-        <p:blipFill>
-          <a:blip r:embed="rId2"/>
-          <a:stretch>
-            <a:fillRect/>
-          </a:stretch>
-        </p:blipFill>
-        <p:spPr>
-          <a:xfrm>
-            <a:off x="757237" y="-1"/>
-            <a:ext cx="11986460" cy="6747933"/>
+            <a:r>
+              <a:rPr lang="es-MX" dirty="0" smtClean="0"/>
+              <a:t>Implica </a:t>
+            </a:r>
+            <a:r>
+              <a:rPr lang="es-MX" b="1" dirty="0" smtClean="0"/>
+              <a:t>justificar</a:t>
+            </a:r>
+            <a:r>
+              <a:rPr lang="es-MX" dirty="0" smtClean="0"/>
+              <a:t> la realización del proyecto de investigación.</a:t>
+            </a:r>
+          </a:p>
+          <a:p>
+            <a:pPr lvl="1"/>
+            <a:r>
+              <a:rPr lang="es-MX" dirty="0" smtClean="0"/>
+              <a:t>¿Por qué es importante estudiar este tema?</a:t>
+            </a:r>
+          </a:p>
+          <a:p>
+            <a:pPr lvl="1"/>
+            <a:r>
+              <a:rPr lang="es-MX" dirty="0" smtClean="0"/>
+              <a:t>¿Qué problemas permitiría resolver a corto o largo plazo? ¿En qué contextos cobra importancia </a:t>
+            </a:r>
+            <a:r>
+              <a:rPr lang="es-MX" smtClean="0"/>
+              <a:t>este tema?</a:t>
+            </a:r>
+            <a:endParaRPr lang="es-MX" dirty="0"/>
+          </a:p>
+        </p:txBody>
+      </p:sp>
+      <p:sp>
+        <p:nvSpPr>
+          <p:cNvPr id="4" name="Rectángulo 3"/>
+          <p:cNvSpPr/>
+          <p:nvPr/>
+        </p:nvSpPr>
+        <p:spPr>
+          <a:xfrm>
+            <a:off x="0" y="0"/>
+            <a:ext cx="12192000" cy="482600"/>
           </a:xfrm>
           <a:prstGeom prst="rect">
             <a:avLst/>
           </a:prstGeom>
         </p:spPr>
-      </p:pic>
+        <p:style>
+          <a:lnRef idx="0">
+            <a:schemeClr val="accent4"/>
+          </a:lnRef>
+          <a:fillRef idx="3">
+            <a:schemeClr val="accent4"/>
+          </a:fillRef>
+          <a:effectRef idx="3">
+            <a:schemeClr val="accent4"/>
+          </a:effectRef>
+          <a:fontRef idx="minor">
+            <a:schemeClr val="lt1"/>
+          </a:fontRef>
+        </p:style>
+        <p:txBody>
+          <a:bodyPr rtlCol="0" anchor="ctr"/>
+          <a:lstStyle/>
+          <a:p>
+            <a:pPr algn="ctr"/>
+            <a:endParaRPr lang="es-MX"/>
+          </a:p>
+        </p:txBody>
+      </p:sp>
+      <p:sp>
+        <p:nvSpPr>
+          <p:cNvPr id="5" name="Rectángulo 4"/>
+          <p:cNvSpPr/>
+          <p:nvPr/>
+        </p:nvSpPr>
+        <p:spPr>
+          <a:xfrm>
+            <a:off x="0" y="6400800"/>
+            <a:ext cx="12192000" cy="457200"/>
+          </a:xfrm>
+          <a:prstGeom prst="rect">
+            <a:avLst/>
+          </a:prstGeom>
+        </p:spPr>
+        <p:style>
+          <a:lnRef idx="0">
+            <a:schemeClr val="accent4"/>
+          </a:lnRef>
+          <a:fillRef idx="3">
+            <a:schemeClr val="accent4"/>
+          </a:fillRef>
+          <a:effectRef idx="3">
+            <a:schemeClr val="accent4"/>
+          </a:effectRef>
+          <a:fontRef idx="minor">
+            <a:schemeClr val="lt1"/>
+          </a:fontRef>
+        </p:style>
+        <p:txBody>
+          <a:bodyPr rtlCol="0" anchor="ctr"/>
+          <a:lstStyle/>
+          <a:p>
+            <a:pPr algn="ctr"/>
+            <a:endParaRPr lang="es-MX"/>
+          </a:p>
+        </p:txBody>
+      </p:sp>
     </p:spTree>
     <p:extLst>
       <p:ext uri="{BB962C8B-B14F-4D97-AF65-F5344CB8AC3E}">
-        <p14:creationId xmlns:p14="http://schemas.microsoft.com/office/powerpoint/2010/main" val="3721810143"/>
+        <p14:creationId xmlns:p14="http://schemas.microsoft.com/office/powerpoint/2010/main" val="4131658192"/>
       </p:ext>
     </p:extLst>
   </p:cSld>
   <p:clrMapOvr>
     <a:masterClrMapping/>
   </p:clrMapOvr>
+  <p:timing>
+    <p:tnLst>
+      <p:par>
+        <p:cTn id="1" dur="indefinite" restart="never" nodeType="tmRoot"/>
+      </p:par>
+    </p:tnLst>
+  </p:timing>
 </p:sld>
 </file>
 
@@ -6480,18 +6441,59 @@
         </p:blipFill>
         <p:spPr>
           <a:xfrm>
-            <a:off x="2614611" y="4258"/>
-            <a:ext cx="6436255" cy="6853742"/>
+            <a:off x="146844" y="150816"/>
+            <a:ext cx="11898312" cy="3999433"/>
           </a:xfrm>
           <a:prstGeom prst="rect">
             <a:avLst/>
           </a:prstGeom>
+        </p:spPr>
+      </p:pic>
+      <p:pic>
+        <p:nvPicPr>
+          <p:cNvPr id="1026" name="Picture 2" descr="Resultado de imagen para moscas"/>
+          <p:cNvPicPr>
+            <a:picLocks noChangeAspect="1" noChangeArrowheads="1"/>
+          </p:cNvPicPr>
+          <p:nvPr/>
+        </p:nvPicPr>
+        <p:blipFill>
+          <a:blip r:embed="rId3" cstate="print">
+            <a:extLst>
+              <a:ext uri="{28A0092B-C50C-407E-A947-70E740481C1C}">
+                <a14:useLocalDpi xmlns:a14="http://schemas.microsoft.com/office/drawing/2010/main" val="0"/>
+              </a:ext>
+            </a:extLst>
+          </a:blip>
+          <a:srcRect/>
+          <a:stretch>
+            <a:fillRect/>
+          </a:stretch>
+        </p:blipFill>
+        <p:spPr bwMode="auto">
+          <a:xfrm>
+            <a:off x="4027814" y="4364558"/>
+            <a:ext cx="3535386" cy="2330455"/>
+          </a:xfrm>
+          <a:prstGeom prst="rect">
+            <a:avLst/>
+          </a:prstGeom>
+          <a:noFill/>
+          <a:extLst>
+            <a:ext uri="{909E8E84-426E-40DD-AFC4-6F175D3DCCD1}">
+              <a14:hiddenFill xmlns:a14="http://schemas.microsoft.com/office/drawing/2010/main">
+                <a:solidFill>
+                  <a:srgbClr val="FFFFFF"/>
+                </a:solidFill>
+              </a14:hiddenFill>
+            </a:ext>
+          </a:extLst>
         </p:spPr>
       </p:pic>
     </p:spTree>
     <p:extLst>
       <p:ext uri="{BB962C8B-B14F-4D97-AF65-F5344CB8AC3E}">
-        <p14:creationId xmlns:p14="http://schemas.microsoft.com/office/powerpoint/2010/main" val="2621059621"/>
+        <p14:creationId xmlns:p14="http://schemas.microsoft.com/office/powerpoint/2010/main" val="3228194820"/>
       </p:ext>
     </p:extLst>
   </p:cSld>
@@ -6525,26 +6527,41 @@
             <a:spLocks noGrp="1"/>
           </p:cNvSpPr>
           <p:nvPr>
-            <p:ph type="title"/>
-          </p:nvPr>
-        </p:nvSpPr>
-        <p:spPr/>
-        <p:txBody>
-          <a:bodyPr/>
-          <a:lstStyle/>
-          <a:p>
-            <a:endParaRPr lang="es-MX"/>
-          </a:p>
-        </p:txBody>
-      </p:sp>
-      <p:sp>
-        <p:nvSpPr>
-          <p:cNvPr id="3" name="Marcador de contenido 2"/>
-          <p:cNvSpPr>
-            <a:spLocks noGrp="1"/>
-          </p:cNvSpPr>
-          <p:nvPr>
-            <p:ph idx="1"/>
+            <p:ph type="ctrTitle"/>
+          </p:nvPr>
+        </p:nvSpPr>
+        <p:spPr>
+          <a:xfrm>
+            <a:off x="1524000" y="660400"/>
+            <a:ext cx="9144000" cy="2387600"/>
+          </a:xfrm>
+        </p:spPr>
+        <p:txBody>
+          <a:bodyPr>
+            <a:normAutofit fontScale="90000"/>
+          </a:bodyPr>
+          <a:lstStyle/>
+          <a:p>
+            <a:r>
+              <a:rPr lang="es-ES_tradnl" b="1" dirty="0" smtClean="0"/>
+              <a:t>Siempre</a:t>
+            </a:r>
+            <a:r>
+              <a:rPr lang="es-ES_tradnl" dirty="0" smtClean="0"/>
+              <a:t> hay que tomar en cuenta los siguientes factores</a:t>
+            </a:r>
+            <a:endParaRPr lang="es-MX" b="1" dirty="0"/>
+          </a:p>
+        </p:txBody>
+      </p:sp>
+      <p:sp>
+        <p:nvSpPr>
+          <p:cNvPr id="3" name="Subtítulo 2"/>
+          <p:cNvSpPr>
+            <a:spLocks noGrp="1"/>
+          </p:cNvSpPr>
+          <p:nvPr>
+            <p:ph type="subTitle" idx="1"/>
           </p:nvPr>
         </p:nvSpPr>
         <p:spPr/>
@@ -6558,38 +6575,246 @@
       </p:sp>
       <p:pic>
         <p:nvPicPr>
-          <p:cNvPr id="4" name="Imagen 3"/>
+          <p:cNvPr id="4" name="Picture 2" descr="Resultado de imagen para InterÃ©s"/>
           <p:cNvPicPr>
-            <a:picLocks noChangeAspect="1"/>
+            <a:picLocks noChangeAspect="1" noChangeArrowheads="1"/>
           </p:cNvPicPr>
           <p:nvPr/>
         </p:nvPicPr>
         <p:blipFill>
-          <a:blip r:embed="rId2"/>
+          <a:blip r:embed="rId2">
+            <a:extLst>
+              <a:ext uri="{28A0092B-C50C-407E-A947-70E740481C1C}">
+                <a14:useLocalDpi xmlns:a14="http://schemas.microsoft.com/office/drawing/2010/main" val="0"/>
+              </a:ext>
+            </a:extLst>
+          </a:blip>
+          <a:srcRect/>
           <a:stretch>
             <a:fillRect/>
           </a:stretch>
         </p:blipFill>
-        <p:spPr>
-          <a:xfrm>
-            <a:off x="1148820" y="0"/>
-            <a:ext cx="8095319" cy="6905196"/>
+        <p:spPr bwMode="auto">
+          <a:xfrm>
+            <a:off x="3810000" y="3048000"/>
+            <a:ext cx="4177242" cy="2784828"/>
           </a:xfrm>
           <a:prstGeom prst="rect">
             <a:avLst/>
           </a:prstGeom>
+          <a:noFill/>
+          <a:extLst>
+            <a:ext uri="{909E8E84-426E-40DD-AFC4-6F175D3DCCD1}">
+              <a14:hiddenFill xmlns:a14="http://schemas.microsoft.com/office/drawing/2010/main">
+                <a:solidFill>
+                  <a:srgbClr val="FFFFFF"/>
+                </a:solidFill>
+              </a14:hiddenFill>
+            </a:ext>
+          </a:extLst>
         </p:spPr>
       </p:pic>
+      <p:sp>
+        <p:nvSpPr>
+          <p:cNvPr id="5" name="Rectángulo 4"/>
+          <p:cNvSpPr/>
+          <p:nvPr/>
+        </p:nvSpPr>
+        <p:spPr>
+          <a:xfrm>
+            <a:off x="0" y="0"/>
+            <a:ext cx="12192000" cy="660400"/>
+          </a:xfrm>
+          <a:prstGeom prst="rect">
+            <a:avLst/>
+          </a:prstGeom>
+        </p:spPr>
+        <p:style>
+          <a:lnRef idx="0">
+            <a:schemeClr val="accent4"/>
+          </a:lnRef>
+          <a:fillRef idx="3">
+            <a:schemeClr val="accent4"/>
+          </a:fillRef>
+          <a:effectRef idx="3">
+            <a:schemeClr val="accent4"/>
+          </a:effectRef>
+          <a:fontRef idx="minor">
+            <a:schemeClr val="lt1"/>
+          </a:fontRef>
+        </p:style>
+        <p:txBody>
+          <a:bodyPr rtlCol="0" anchor="ctr"/>
+          <a:lstStyle/>
+          <a:p>
+            <a:pPr algn="ctr"/>
+            <a:endParaRPr lang="es-MX"/>
+          </a:p>
+        </p:txBody>
+      </p:sp>
+      <p:sp>
+        <p:nvSpPr>
+          <p:cNvPr id="6" name="Rectángulo 5"/>
+          <p:cNvSpPr/>
+          <p:nvPr/>
+        </p:nvSpPr>
+        <p:spPr>
+          <a:xfrm>
+            <a:off x="0" y="6197600"/>
+            <a:ext cx="12192000" cy="660400"/>
+          </a:xfrm>
+          <a:prstGeom prst="rect">
+            <a:avLst/>
+          </a:prstGeom>
+        </p:spPr>
+        <p:style>
+          <a:lnRef idx="0">
+            <a:schemeClr val="accent4"/>
+          </a:lnRef>
+          <a:fillRef idx="3">
+            <a:schemeClr val="accent4"/>
+          </a:fillRef>
+          <a:effectRef idx="3">
+            <a:schemeClr val="accent4"/>
+          </a:effectRef>
+          <a:fontRef idx="minor">
+            <a:schemeClr val="lt1"/>
+          </a:fontRef>
+        </p:style>
+        <p:txBody>
+          <a:bodyPr rtlCol="0" anchor="ctr"/>
+          <a:lstStyle/>
+          <a:p>
+            <a:pPr algn="ctr"/>
+            <a:endParaRPr lang="es-MX"/>
+          </a:p>
+        </p:txBody>
+      </p:sp>
+      <p:sp>
+        <p:nvSpPr>
+          <p:cNvPr id="7" name="Rectángulo redondeado 6"/>
+          <p:cNvSpPr/>
+          <p:nvPr/>
+        </p:nvSpPr>
+        <p:spPr>
+          <a:xfrm>
+            <a:off x="1041400" y="4461933"/>
+            <a:ext cx="2455333" cy="1058334"/>
+          </a:xfrm>
+          <a:prstGeom prst="roundRect">
+            <a:avLst/>
+          </a:prstGeom>
+          <a:solidFill>
+            <a:schemeClr val="accent4">
+              <a:lumMod val="50000"/>
+            </a:schemeClr>
+          </a:solidFill>
+          <a:ln>
+            <a:solidFill>
+              <a:schemeClr val="tx1"/>
+            </a:solidFill>
+          </a:ln>
+        </p:spPr>
+        <p:style>
+          <a:lnRef idx="2">
+            <a:schemeClr val="accent1">
+              <a:shade val="50000"/>
+            </a:schemeClr>
+          </a:lnRef>
+          <a:fillRef idx="1">
+            <a:schemeClr val="accent1"/>
+          </a:fillRef>
+          <a:effectRef idx="0">
+            <a:schemeClr val="accent1"/>
+          </a:effectRef>
+          <a:fontRef idx="minor">
+            <a:schemeClr val="lt1"/>
+          </a:fontRef>
+        </p:style>
+        <p:txBody>
+          <a:bodyPr rtlCol="0" anchor="ctr"/>
+          <a:lstStyle/>
+          <a:p>
+            <a:pPr algn="ctr"/>
+            <a:r>
+              <a:rPr lang="es-MX" sz="2500" b="1" dirty="0" smtClean="0"/>
+              <a:t>Viabilidad</a:t>
+            </a:r>
+            <a:endParaRPr lang="es-MX" sz="2500" b="1" dirty="0"/>
+          </a:p>
+        </p:txBody>
+      </p:sp>
+      <p:sp>
+        <p:nvSpPr>
+          <p:cNvPr id="8" name="Rectángulo redondeado 7"/>
+          <p:cNvSpPr/>
+          <p:nvPr/>
+        </p:nvSpPr>
+        <p:spPr>
+          <a:xfrm>
+            <a:off x="8695267" y="4486980"/>
+            <a:ext cx="2455333" cy="1058334"/>
+          </a:xfrm>
+          <a:prstGeom prst="roundRect">
+            <a:avLst/>
+          </a:prstGeom>
+          <a:solidFill>
+            <a:schemeClr val="accent4">
+              <a:lumMod val="50000"/>
+            </a:schemeClr>
+          </a:solidFill>
+          <a:ln>
+            <a:solidFill>
+              <a:schemeClr val="tx1"/>
+            </a:solidFill>
+          </a:ln>
+        </p:spPr>
+        <p:style>
+          <a:lnRef idx="2">
+            <a:schemeClr val="accent1">
+              <a:shade val="50000"/>
+            </a:schemeClr>
+          </a:lnRef>
+          <a:fillRef idx="1">
+            <a:schemeClr val="accent1"/>
+          </a:fillRef>
+          <a:effectRef idx="0">
+            <a:schemeClr val="accent1"/>
+          </a:effectRef>
+          <a:fontRef idx="minor">
+            <a:schemeClr val="lt1"/>
+          </a:fontRef>
+        </p:style>
+        <p:txBody>
+          <a:bodyPr rtlCol="0" anchor="ctr"/>
+          <a:lstStyle/>
+          <a:p>
+            <a:pPr algn="ctr"/>
+            <a:r>
+              <a:rPr lang="es-MX" sz="2500" b="1" dirty="0" smtClean="0"/>
+              <a:t>Ética</a:t>
+            </a:r>
+            <a:endParaRPr lang="es-MX" sz="2500" b="1" dirty="0"/>
+          </a:p>
+        </p:txBody>
+      </p:sp>
     </p:spTree>
     <p:extLst>
       <p:ext uri="{BB962C8B-B14F-4D97-AF65-F5344CB8AC3E}">
-        <p14:creationId xmlns:p14="http://schemas.microsoft.com/office/powerpoint/2010/main" val="1139669757"/>
+        <p14:creationId xmlns:p14="http://schemas.microsoft.com/office/powerpoint/2010/main" val="2211206740"/>
       </p:ext>
     </p:extLst>
   </p:cSld>
   <p:clrMapOvr>
     <a:masterClrMapping/>
   </p:clrMapOvr>
+  <p:timing>
+    <p:tnLst>
+      <p:par>
+        <p:cTn id="1" dur="indefinite" restart="never" nodeType="tmRoot"/>
+      </p:par>
+    </p:tnLst>
+  </p:timing>
 </p:sld>
 </file>
 
@@ -6625,7 +6850,11 @@
           <a:bodyPr/>
           <a:lstStyle/>
           <a:p>
-            <a:endParaRPr lang="es-MX"/>
+            <a:r>
+              <a:rPr lang="es-MX" b="1" dirty="0" smtClean="0"/>
+              <a:t>Viabilidad</a:t>
+            </a:r>
+            <a:endParaRPr lang="es-MX" b="1" dirty="0"/>
           </a:p>
         </p:txBody>
       </p:sp>
@@ -6644,62 +6873,93 @@
           <a:bodyPr/>
           <a:lstStyle/>
           <a:p>
-            <a:endParaRPr lang="es-MX"/>
-          </a:p>
-        </p:txBody>
-      </p:sp>
-      <p:pic>
-        <p:nvPicPr>
-          <p:cNvPr id="4" name="Imagen 3"/>
-          <p:cNvPicPr>
-            <a:picLocks noChangeAspect="1"/>
-          </p:cNvPicPr>
-          <p:nvPr/>
-        </p:nvPicPr>
-        <p:blipFill>
-          <a:blip r:embed="rId2"/>
-          <a:stretch>
-            <a:fillRect/>
-          </a:stretch>
-        </p:blipFill>
+            <a:r>
+              <a:rPr lang="es-MX" dirty="0" smtClean="0"/>
+              <a:t>¿Contamos con los medios para responder la pregunta de investigación?</a:t>
+            </a:r>
+          </a:p>
+        </p:txBody>
+      </p:sp>
+      <p:sp>
+        <p:nvSpPr>
+          <p:cNvPr id="4" name="Rectángulo 3"/>
+          <p:cNvSpPr/>
+          <p:nvPr/>
+        </p:nvSpPr>
         <p:spPr>
           <a:xfrm>
             <a:off x="0" y="0"/>
-            <a:ext cx="9925031" cy="1993370"/>
+            <a:ext cx="12192000" cy="482600"/>
           </a:xfrm>
           <a:prstGeom prst="rect">
             <a:avLst/>
           </a:prstGeom>
         </p:spPr>
-      </p:pic>
-      <p:pic>
-        <p:nvPicPr>
-          <p:cNvPr id="5" name="Imagen 4"/>
-          <p:cNvPicPr>
-            <a:picLocks noChangeAspect="1"/>
-          </p:cNvPicPr>
-          <p:nvPr/>
-        </p:nvPicPr>
-        <p:blipFill>
-          <a:blip r:embed="rId3"/>
-          <a:stretch>
-            <a:fillRect/>
-          </a:stretch>
-        </p:blipFill>
-        <p:spPr>
-          <a:xfrm>
-            <a:off x="2850620" y="2256895"/>
-            <a:ext cx="8413881" cy="4233333"/>
+        <p:style>
+          <a:lnRef idx="0">
+            <a:schemeClr val="accent4"/>
+          </a:lnRef>
+          <a:fillRef idx="3">
+            <a:schemeClr val="accent4"/>
+          </a:fillRef>
+          <a:effectRef idx="3">
+            <a:schemeClr val="accent4"/>
+          </a:effectRef>
+          <a:fontRef idx="minor">
+            <a:schemeClr val="lt1"/>
+          </a:fontRef>
+        </p:style>
+        <p:txBody>
+          <a:bodyPr rtlCol="0" anchor="ctr"/>
+          <a:lstStyle/>
+          <a:p>
+            <a:pPr algn="ctr"/>
+            <a:endParaRPr lang="es-MX"/>
+          </a:p>
+        </p:txBody>
+      </p:sp>
+      <p:sp>
+        <p:nvSpPr>
+          <p:cNvPr id="5" name="Rectángulo 4"/>
+          <p:cNvSpPr/>
+          <p:nvPr/>
+        </p:nvSpPr>
+        <p:spPr>
+          <a:xfrm>
+            <a:off x="0" y="6400800"/>
+            <a:ext cx="12192000" cy="457200"/>
           </a:xfrm>
           <a:prstGeom prst="rect">
             <a:avLst/>
           </a:prstGeom>
         </p:spPr>
-      </p:pic>
+        <p:style>
+          <a:lnRef idx="0">
+            <a:schemeClr val="accent4"/>
+          </a:lnRef>
+          <a:fillRef idx="3">
+            <a:schemeClr val="accent4"/>
+          </a:fillRef>
+          <a:effectRef idx="3">
+            <a:schemeClr val="accent4"/>
+          </a:effectRef>
+          <a:fontRef idx="minor">
+            <a:schemeClr val="lt1"/>
+          </a:fontRef>
+        </p:style>
+        <p:txBody>
+          <a:bodyPr rtlCol="0" anchor="ctr"/>
+          <a:lstStyle/>
+          <a:p>
+            <a:pPr algn="ctr"/>
+            <a:endParaRPr lang="es-MX"/>
+          </a:p>
+        </p:txBody>
+      </p:sp>
     </p:spTree>
     <p:extLst>
       <p:ext uri="{BB962C8B-B14F-4D97-AF65-F5344CB8AC3E}">
-        <p14:creationId xmlns:p14="http://schemas.microsoft.com/office/powerpoint/2010/main" val="827276706"/>
+        <p14:creationId xmlns:p14="http://schemas.microsoft.com/office/powerpoint/2010/main" val="3778840078"/>
       </p:ext>
     </p:extLst>
   </p:cSld>
@@ -6741,7 +7001,11 @@
           <a:bodyPr/>
           <a:lstStyle/>
           <a:p>
-            <a:endParaRPr lang="es-MX"/>
+            <a:r>
+              <a:rPr lang="es-MX" b="1" dirty="0" smtClean="0"/>
+              <a:t>Viabilidad</a:t>
+            </a:r>
+            <a:endParaRPr lang="es-MX" b="1" dirty="0"/>
           </a:p>
         </p:txBody>
       </p:sp>
@@ -6760,13 +7024,92 @@
           <a:bodyPr/>
           <a:lstStyle/>
           <a:p>
+            <a:r>
+              <a:rPr lang="es-MX" dirty="0" smtClean="0"/>
+              <a:t>¿Contamos con los medios para responder la pregunta de investigación?</a:t>
+            </a:r>
+          </a:p>
+        </p:txBody>
+      </p:sp>
+      <p:sp>
+        <p:nvSpPr>
+          <p:cNvPr id="4" name="Rectángulo 3"/>
+          <p:cNvSpPr/>
+          <p:nvPr/>
+        </p:nvSpPr>
+        <p:spPr>
+          <a:xfrm>
+            <a:off x="0" y="0"/>
+            <a:ext cx="12192000" cy="482600"/>
+          </a:xfrm>
+          <a:prstGeom prst="rect">
+            <a:avLst/>
+          </a:prstGeom>
+        </p:spPr>
+        <p:style>
+          <a:lnRef idx="0">
+            <a:schemeClr val="accent4"/>
+          </a:lnRef>
+          <a:fillRef idx="3">
+            <a:schemeClr val="accent4"/>
+          </a:fillRef>
+          <a:effectRef idx="3">
+            <a:schemeClr val="accent4"/>
+          </a:effectRef>
+          <a:fontRef idx="minor">
+            <a:schemeClr val="lt1"/>
+          </a:fontRef>
+        </p:style>
+        <p:txBody>
+          <a:bodyPr rtlCol="0" anchor="ctr"/>
+          <a:lstStyle/>
+          <a:p>
+            <a:pPr algn="ctr"/>
+            <a:endParaRPr lang="es-MX"/>
+          </a:p>
+        </p:txBody>
+      </p:sp>
+      <p:sp>
+        <p:nvSpPr>
+          <p:cNvPr id="5" name="Rectángulo 4"/>
+          <p:cNvSpPr/>
+          <p:nvPr/>
+        </p:nvSpPr>
+        <p:spPr>
+          <a:xfrm>
+            <a:off x="0" y="6400800"/>
+            <a:ext cx="12192000" cy="457200"/>
+          </a:xfrm>
+          <a:prstGeom prst="rect">
+            <a:avLst/>
+          </a:prstGeom>
+        </p:spPr>
+        <p:style>
+          <a:lnRef idx="0">
+            <a:schemeClr val="accent4"/>
+          </a:lnRef>
+          <a:fillRef idx="3">
+            <a:schemeClr val="accent4"/>
+          </a:fillRef>
+          <a:effectRef idx="3">
+            <a:schemeClr val="accent4"/>
+          </a:effectRef>
+          <a:fontRef idx="minor">
+            <a:schemeClr val="lt1"/>
+          </a:fontRef>
+        </p:style>
+        <p:txBody>
+          <a:bodyPr rtlCol="0" anchor="ctr"/>
+          <a:lstStyle/>
+          <a:p>
+            <a:pPr algn="ctr"/>
             <a:endParaRPr lang="es-MX"/>
           </a:p>
         </p:txBody>
       </p:sp>
       <p:pic>
         <p:nvPicPr>
-          <p:cNvPr id="4" name="Imagen 3"/>
+          <p:cNvPr id="6" name="Imagen 5"/>
           <p:cNvPicPr>
             <a:picLocks noChangeAspect="1"/>
           </p:cNvPicPr>
@@ -6780,8 +7123,8 @@
         </p:blipFill>
         <p:spPr>
           <a:xfrm>
-            <a:off x="1524653" y="2091267"/>
-            <a:ext cx="8953376" cy="2224087"/>
+            <a:off x="2433637" y="2974182"/>
+            <a:ext cx="7324725" cy="714375"/>
           </a:xfrm>
           <a:prstGeom prst="rect">
             <a:avLst/>
@@ -6791,7 +7134,7 @@
     </p:spTree>
     <p:extLst>
       <p:ext uri="{BB962C8B-B14F-4D97-AF65-F5344CB8AC3E}">
-        <p14:creationId xmlns:p14="http://schemas.microsoft.com/office/powerpoint/2010/main" val="134263842"/>
+        <p14:creationId xmlns:p14="http://schemas.microsoft.com/office/powerpoint/2010/main" val="393488508"/>
       </p:ext>
     </p:extLst>
   </p:cSld>
@@ -6820,6 +7163,1554 @@
       </p:grpSpPr>
       <p:sp>
         <p:nvSpPr>
+          <p:cNvPr id="2" name="Título 1"/>
+          <p:cNvSpPr>
+            <a:spLocks noGrp="1"/>
+          </p:cNvSpPr>
+          <p:nvPr>
+            <p:ph type="title"/>
+          </p:nvPr>
+        </p:nvSpPr>
+        <p:spPr/>
+        <p:txBody>
+          <a:bodyPr/>
+          <a:lstStyle/>
+          <a:p>
+            <a:r>
+              <a:rPr lang="es-MX" b="1" dirty="0" smtClean="0"/>
+              <a:t>Viabilidad</a:t>
+            </a:r>
+            <a:endParaRPr lang="es-MX" b="1" dirty="0"/>
+          </a:p>
+        </p:txBody>
+      </p:sp>
+      <p:sp>
+        <p:nvSpPr>
+          <p:cNvPr id="3" name="Marcador de contenido 2"/>
+          <p:cNvSpPr>
+            <a:spLocks noGrp="1"/>
+          </p:cNvSpPr>
+          <p:nvPr>
+            <p:ph idx="1"/>
+          </p:nvPr>
+        </p:nvSpPr>
+        <p:spPr/>
+        <p:txBody>
+          <a:bodyPr/>
+          <a:lstStyle/>
+          <a:p>
+            <a:r>
+              <a:rPr lang="es-MX" dirty="0" smtClean="0"/>
+              <a:t>¿Contamos con los medios para responder la pregunta de investigación?</a:t>
+            </a:r>
+          </a:p>
+        </p:txBody>
+      </p:sp>
+      <p:sp>
+        <p:nvSpPr>
+          <p:cNvPr id="4" name="Rectángulo 3"/>
+          <p:cNvSpPr/>
+          <p:nvPr/>
+        </p:nvSpPr>
+        <p:spPr>
+          <a:xfrm>
+            <a:off x="0" y="0"/>
+            <a:ext cx="12192000" cy="482600"/>
+          </a:xfrm>
+          <a:prstGeom prst="rect">
+            <a:avLst/>
+          </a:prstGeom>
+        </p:spPr>
+        <p:style>
+          <a:lnRef idx="0">
+            <a:schemeClr val="accent4"/>
+          </a:lnRef>
+          <a:fillRef idx="3">
+            <a:schemeClr val="accent4"/>
+          </a:fillRef>
+          <a:effectRef idx="3">
+            <a:schemeClr val="accent4"/>
+          </a:effectRef>
+          <a:fontRef idx="minor">
+            <a:schemeClr val="lt1"/>
+          </a:fontRef>
+        </p:style>
+        <p:txBody>
+          <a:bodyPr rtlCol="0" anchor="ctr"/>
+          <a:lstStyle/>
+          <a:p>
+            <a:pPr algn="ctr"/>
+            <a:endParaRPr lang="es-MX"/>
+          </a:p>
+        </p:txBody>
+      </p:sp>
+      <p:sp>
+        <p:nvSpPr>
+          <p:cNvPr id="5" name="Rectángulo 4"/>
+          <p:cNvSpPr/>
+          <p:nvPr/>
+        </p:nvSpPr>
+        <p:spPr>
+          <a:xfrm>
+            <a:off x="0" y="6400800"/>
+            <a:ext cx="12192000" cy="457200"/>
+          </a:xfrm>
+          <a:prstGeom prst="rect">
+            <a:avLst/>
+          </a:prstGeom>
+        </p:spPr>
+        <p:style>
+          <a:lnRef idx="0">
+            <a:schemeClr val="accent4"/>
+          </a:lnRef>
+          <a:fillRef idx="3">
+            <a:schemeClr val="accent4"/>
+          </a:fillRef>
+          <a:effectRef idx="3">
+            <a:schemeClr val="accent4"/>
+          </a:effectRef>
+          <a:fontRef idx="minor">
+            <a:schemeClr val="lt1"/>
+          </a:fontRef>
+        </p:style>
+        <p:txBody>
+          <a:bodyPr rtlCol="0" anchor="ctr"/>
+          <a:lstStyle/>
+          <a:p>
+            <a:pPr algn="ctr"/>
+            <a:endParaRPr lang="es-MX"/>
+          </a:p>
+        </p:txBody>
+      </p:sp>
+      <p:pic>
+        <p:nvPicPr>
+          <p:cNvPr id="6" name="Imagen 5"/>
+          <p:cNvPicPr>
+            <a:picLocks noChangeAspect="1"/>
+          </p:cNvPicPr>
+          <p:nvPr/>
+        </p:nvPicPr>
+        <p:blipFill>
+          <a:blip r:embed="rId2"/>
+          <a:stretch>
+            <a:fillRect/>
+          </a:stretch>
+        </p:blipFill>
+        <p:spPr>
+          <a:xfrm>
+            <a:off x="2433637" y="2974182"/>
+            <a:ext cx="7324725" cy="714375"/>
+          </a:xfrm>
+          <a:prstGeom prst="rect">
+            <a:avLst/>
+          </a:prstGeom>
+        </p:spPr>
+      </p:pic>
+      <p:pic>
+        <p:nvPicPr>
+          <p:cNvPr id="7" name="Imagen 6"/>
+          <p:cNvPicPr>
+            <a:picLocks noChangeAspect="1"/>
+          </p:cNvPicPr>
+          <p:nvPr/>
+        </p:nvPicPr>
+        <p:blipFill>
+          <a:blip r:embed="rId3"/>
+          <a:stretch>
+            <a:fillRect/>
+          </a:stretch>
+        </p:blipFill>
+        <p:spPr>
+          <a:xfrm>
+            <a:off x="2433637" y="3912394"/>
+            <a:ext cx="6657975" cy="809625"/>
+          </a:xfrm>
+          <a:prstGeom prst="rect">
+            <a:avLst/>
+          </a:prstGeom>
+        </p:spPr>
+      </p:pic>
+    </p:spTree>
+    <p:extLst>
+      <p:ext uri="{BB962C8B-B14F-4D97-AF65-F5344CB8AC3E}">
+        <p14:creationId xmlns:p14="http://schemas.microsoft.com/office/powerpoint/2010/main" val="39608136"/>
+      </p:ext>
+    </p:extLst>
+  </p:cSld>
+  <p:clrMapOvr>
+    <a:masterClrMapping/>
+  </p:clrMapOvr>
+</p:sld>
+</file>
+
+<file path=ppt/slides/slide29.xml><?xml version="1.0" encoding="utf-8"?>
+<p:sld xmlns:a="http://schemas.openxmlformats.org/drawingml/2006/main" xmlns:r="http://schemas.openxmlformats.org/officeDocument/2006/relationships" xmlns:p="http://schemas.openxmlformats.org/presentationml/2006/main">
+  <p:cSld>
+    <p:spTree>
+      <p:nvGrpSpPr>
+        <p:cNvPr id="1" name=""/>
+        <p:cNvGrpSpPr/>
+        <p:nvPr/>
+      </p:nvGrpSpPr>
+      <p:grpSpPr>
+        <a:xfrm>
+          <a:off x="0" y="0"/>
+          <a:ext cx="0" cy="0"/>
+          <a:chOff x="0" y="0"/>
+          <a:chExt cx="0" cy="0"/>
+        </a:xfrm>
+      </p:grpSpPr>
+      <p:sp>
+        <p:nvSpPr>
+          <p:cNvPr id="2" name="Título 1"/>
+          <p:cNvSpPr>
+            <a:spLocks noGrp="1"/>
+          </p:cNvSpPr>
+          <p:nvPr>
+            <p:ph type="title"/>
+          </p:nvPr>
+        </p:nvSpPr>
+        <p:spPr/>
+        <p:txBody>
+          <a:bodyPr/>
+          <a:lstStyle/>
+          <a:p>
+            <a:r>
+              <a:rPr lang="es-MX" b="1" dirty="0" smtClean="0"/>
+              <a:t>Viabilidad</a:t>
+            </a:r>
+            <a:endParaRPr lang="es-MX" b="1" dirty="0"/>
+          </a:p>
+        </p:txBody>
+      </p:sp>
+      <p:sp>
+        <p:nvSpPr>
+          <p:cNvPr id="3" name="Marcador de contenido 2"/>
+          <p:cNvSpPr>
+            <a:spLocks noGrp="1"/>
+          </p:cNvSpPr>
+          <p:nvPr>
+            <p:ph idx="1"/>
+          </p:nvPr>
+        </p:nvSpPr>
+        <p:spPr/>
+        <p:txBody>
+          <a:bodyPr/>
+          <a:lstStyle/>
+          <a:p>
+            <a:r>
+              <a:rPr lang="es-MX" dirty="0" smtClean="0"/>
+              <a:t>¿Contamos con los medios para responder la pregunta de investigación?</a:t>
+            </a:r>
+          </a:p>
+        </p:txBody>
+      </p:sp>
+      <p:sp>
+        <p:nvSpPr>
+          <p:cNvPr id="4" name="Rectángulo 3"/>
+          <p:cNvSpPr/>
+          <p:nvPr/>
+        </p:nvSpPr>
+        <p:spPr>
+          <a:xfrm>
+            <a:off x="0" y="0"/>
+            <a:ext cx="12192000" cy="482600"/>
+          </a:xfrm>
+          <a:prstGeom prst="rect">
+            <a:avLst/>
+          </a:prstGeom>
+        </p:spPr>
+        <p:style>
+          <a:lnRef idx="0">
+            <a:schemeClr val="accent4"/>
+          </a:lnRef>
+          <a:fillRef idx="3">
+            <a:schemeClr val="accent4"/>
+          </a:fillRef>
+          <a:effectRef idx="3">
+            <a:schemeClr val="accent4"/>
+          </a:effectRef>
+          <a:fontRef idx="minor">
+            <a:schemeClr val="lt1"/>
+          </a:fontRef>
+        </p:style>
+        <p:txBody>
+          <a:bodyPr rtlCol="0" anchor="ctr"/>
+          <a:lstStyle/>
+          <a:p>
+            <a:pPr algn="ctr"/>
+            <a:endParaRPr lang="es-MX"/>
+          </a:p>
+        </p:txBody>
+      </p:sp>
+      <p:sp>
+        <p:nvSpPr>
+          <p:cNvPr id="5" name="Rectángulo 4"/>
+          <p:cNvSpPr/>
+          <p:nvPr/>
+        </p:nvSpPr>
+        <p:spPr>
+          <a:xfrm>
+            <a:off x="0" y="6400800"/>
+            <a:ext cx="12192000" cy="457200"/>
+          </a:xfrm>
+          <a:prstGeom prst="rect">
+            <a:avLst/>
+          </a:prstGeom>
+        </p:spPr>
+        <p:style>
+          <a:lnRef idx="0">
+            <a:schemeClr val="accent4"/>
+          </a:lnRef>
+          <a:fillRef idx="3">
+            <a:schemeClr val="accent4"/>
+          </a:fillRef>
+          <a:effectRef idx="3">
+            <a:schemeClr val="accent4"/>
+          </a:effectRef>
+          <a:fontRef idx="minor">
+            <a:schemeClr val="lt1"/>
+          </a:fontRef>
+        </p:style>
+        <p:txBody>
+          <a:bodyPr rtlCol="0" anchor="ctr"/>
+          <a:lstStyle/>
+          <a:p>
+            <a:pPr algn="ctr"/>
+            <a:endParaRPr lang="es-MX"/>
+          </a:p>
+        </p:txBody>
+      </p:sp>
+      <p:pic>
+        <p:nvPicPr>
+          <p:cNvPr id="6" name="Imagen 5"/>
+          <p:cNvPicPr>
+            <a:picLocks noChangeAspect="1"/>
+          </p:cNvPicPr>
+          <p:nvPr/>
+        </p:nvPicPr>
+        <p:blipFill>
+          <a:blip r:embed="rId2"/>
+          <a:stretch>
+            <a:fillRect/>
+          </a:stretch>
+        </p:blipFill>
+        <p:spPr>
+          <a:xfrm>
+            <a:off x="2433637" y="2974182"/>
+            <a:ext cx="7324725" cy="714375"/>
+          </a:xfrm>
+          <a:prstGeom prst="rect">
+            <a:avLst/>
+          </a:prstGeom>
+        </p:spPr>
+      </p:pic>
+      <p:pic>
+        <p:nvPicPr>
+          <p:cNvPr id="7" name="Imagen 6"/>
+          <p:cNvPicPr>
+            <a:picLocks noChangeAspect="1"/>
+          </p:cNvPicPr>
+          <p:nvPr/>
+        </p:nvPicPr>
+        <p:blipFill>
+          <a:blip r:embed="rId3"/>
+          <a:stretch>
+            <a:fillRect/>
+          </a:stretch>
+        </p:blipFill>
+        <p:spPr>
+          <a:xfrm>
+            <a:off x="2433637" y="3912394"/>
+            <a:ext cx="6657975" cy="809625"/>
+          </a:xfrm>
+          <a:prstGeom prst="rect">
+            <a:avLst/>
+          </a:prstGeom>
+        </p:spPr>
+      </p:pic>
+    </p:spTree>
+    <p:extLst>
+      <p:ext uri="{BB962C8B-B14F-4D97-AF65-F5344CB8AC3E}">
+        <p14:creationId xmlns:p14="http://schemas.microsoft.com/office/powerpoint/2010/main" val="1440850166"/>
+      </p:ext>
+    </p:extLst>
+  </p:cSld>
+  <p:clrMapOvr>
+    <a:masterClrMapping/>
+  </p:clrMapOvr>
+</p:sld>
+</file>
+
+<file path=ppt/slides/slide3.xml><?xml version="1.0" encoding="utf-8"?>
+<p:sld xmlns:a="http://schemas.openxmlformats.org/drawingml/2006/main" xmlns:r="http://schemas.openxmlformats.org/officeDocument/2006/relationships" xmlns:p="http://schemas.openxmlformats.org/presentationml/2006/main">
+  <p:cSld>
+    <p:spTree>
+      <p:nvGrpSpPr>
+        <p:cNvPr id="1" name=""/>
+        <p:cNvGrpSpPr/>
+        <p:nvPr/>
+      </p:nvGrpSpPr>
+      <p:grpSpPr>
+        <a:xfrm>
+          <a:off x="0" y="0"/>
+          <a:ext cx="0" cy="0"/>
+          <a:chOff x="0" y="0"/>
+          <a:chExt cx="0" cy="0"/>
+        </a:xfrm>
+      </p:grpSpPr>
+      <p:sp>
+        <p:nvSpPr>
+          <p:cNvPr id="2" name="Título 1"/>
+          <p:cNvSpPr>
+            <a:spLocks noGrp="1"/>
+          </p:cNvSpPr>
+          <p:nvPr>
+            <p:ph type="title"/>
+          </p:nvPr>
+        </p:nvSpPr>
+        <p:spPr/>
+        <p:txBody>
+          <a:bodyPr/>
+          <a:lstStyle/>
+          <a:p>
+            <a:r>
+              <a:rPr lang="es-MX" b="1" dirty="0" smtClean="0"/>
+              <a:t>Elección de un tema en particular</a:t>
+            </a:r>
+            <a:endParaRPr lang="es-MX" b="1" dirty="0"/>
+          </a:p>
+        </p:txBody>
+      </p:sp>
+      <p:sp>
+        <p:nvSpPr>
+          <p:cNvPr id="3" name="Marcador de contenido 2"/>
+          <p:cNvSpPr>
+            <a:spLocks noGrp="1"/>
+          </p:cNvSpPr>
+          <p:nvPr>
+            <p:ph idx="1"/>
+          </p:nvPr>
+        </p:nvSpPr>
+        <p:spPr/>
+        <p:txBody>
+          <a:bodyPr/>
+          <a:lstStyle/>
+          <a:p>
+            <a:endParaRPr lang="es-MX" dirty="0"/>
+          </a:p>
+        </p:txBody>
+      </p:sp>
+      <p:sp>
+        <p:nvSpPr>
+          <p:cNvPr id="5" name="Rectángulo 4"/>
+          <p:cNvSpPr/>
+          <p:nvPr/>
+        </p:nvSpPr>
+        <p:spPr>
+          <a:xfrm>
+            <a:off x="0" y="0"/>
+            <a:ext cx="12192000" cy="482600"/>
+          </a:xfrm>
+          <a:prstGeom prst="rect">
+            <a:avLst/>
+          </a:prstGeom>
+        </p:spPr>
+        <p:style>
+          <a:lnRef idx="0">
+            <a:schemeClr val="accent4"/>
+          </a:lnRef>
+          <a:fillRef idx="3">
+            <a:schemeClr val="accent4"/>
+          </a:fillRef>
+          <a:effectRef idx="3">
+            <a:schemeClr val="accent4"/>
+          </a:effectRef>
+          <a:fontRef idx="minor">
+            <a:schemeClr val="lt1"/>
+          </a:fontRef>
+        </p:style>
+        <p:txBody>
+          <a:bodyPr rtlCol="0" anchor="ctr"/>
+          <a:lstStyle/>
+          <a:p>
+            <a:pPr algn="ctr"/>
+            <a:endParaRPr lang="es-MX"/>
+          </a:p>
+        </p:txBody>
+      </p:sp>
+      <p:sp>
+        <p:nvSpPr>
+          <p:cNvPr id="6" name="Rectángulo 5"/>
+          <p:cNvSpPr/>
+          <p:nvPr/>
+        </p:nvSpPr>
+        <p:spPr>
+          <a:xfrm>
+            <a:off x="0" y="6400800"/>
+            <a:ext cx="12192000" cy="457200"/>
+          </a:xfrm>
+          <a:prstGeom prst="rect">
+            <a:avLst/>
+          </a:prstGeom>
+        </p:spPr>
+        <p:style>
+          <a:lnRef idx="0">
+            <a:schemeClr val="accent4"/>
+          </a:lnRef>
+          <a:fillRef idx="3">
+            <a:schemeClr val="accent4"/>
+          </a:fillRef>
+          <a:effectRef idx="3">
+            <a:schemeClr val="accent4"/>
+          </a:effectRef>
+          <a:fontRef idx="minor">
+            <a:schemeClr val="lt1"/>
+          </a:fontRef>
+        </p:style>
+        <p:txBody>
+          <a:bodyPr rtlCol="0" anchor="ctr"/>
+          <a:lstStyle/>
+          <a:p>
+            <a:pPr algn="ctr"/>
+            <a:endParaRPr lang="es-MX"/>
+          </a:p>
+        </p:txBody>
+      </p:sp>
+      <p:sp>
+        <p:nvSpPr>
+          <p:cNvPr id="4" name="Rectángulo redondeado 3"/>
+          <p:cNvSpPr/>
+          <p:nvPr/>
+        </p:nvSpPr>
+        <p:spPr>
+          <a:xfrm>
+            <a:off x="1024467" y="1515533"/>
+            <a:ext cx="5342466" cy="1778000"/>
+          </a:xfrm>
+          <a:prstGeom prst="roundRect">
+            <a:avLst/>
+          </a:prstGeom>
+        </p:spPr>
+        <p:style>
+          <a:lnRef idx="1">
+            <a:schemeClr val="accent4"/>
+          </a:lnRef>
+          <a:fillRef idx="2">
+            <a:schemeClr val="accent4"/>
+          </a:fillRef>
+          <a:effectRef idx="1">
+            <a:schemeClr val="accent4"/>
+          </a:effectRef>
+          <a:fontRef idx="minor">
+            <a:schemeClr val="dk1"/>
+          </a:fontRef>
+        </p:style>
+        <p:txBody>
+          <a:bodyPr rtlCol="0" anchor="ctr"/>
+          <a:lstStyle/>
+          <a:p>
+            <a:pPr algn="ctr"/>
+            <a:endParaRPr lang="es-MX"/>
+          </a:p>
+        </p:txBody>
+      </p:sp>
+      <p:pic>
+        <p:nvPicPr>
+          <p:cNvPr id="12290" name="Picture 2" descr="Resultado de imagen para Tema de interÃ©s"/>
+          <p:cNvPicPr>
+            <a:picLocks noChangeAspect="1" noChangeArrowheads="1"/>
+          </p:cNvPicPr>
+          <p:nvPr/>
+        </p:nvPicPr>
+        <p:blipFill>
+          <a:blip r:embed="rId2" cstate="print">
+            <a:extLst>
+              <a:ext uri="{28A0092B-C50C-407E-A947-70E740481C1C}">
+                <a14:useLocalDpi xmlns:a14="http://schemas.microsoft.com/office/drawing/2010/main" val="0"/>
+              </a:ext>
+            </a:extLst>
+          </a:blip>
+          <a:srcRect/>
+          <a:stretch>
+            <a:fillRect/>
+          </a:stretch>
+        </p:blipFill>
+        <p:spPr bwMode="auto">
+          <a:xfrm>
+            <a:off x="1735666" y="1603912"/>
+            <a:ext cx="3920067" cy="1601242"/>
+          </a:xfrm>
+          <a:prstGeom prst="rect">
+            <a:avLst/>
+          </a:prstGeom>
+          <a:noFill/>
+          <a:extLst>
+            <a:ext uri="{909E8E84-426E-40DD-AFC4-6F175D3DCCD1}">
+              <a14:hiddenFill xmlns:a14="http://schemas.microsoft.com/office/drawing/2010/main">
+                <a:solidFill>
+                  <a:srgbClr val="FFFFFF"/>
+                </a:solidFill>
+              </a14:hiddenFill>
+            </a:ext>
+          </a:extLst>
+        </p:spPr>
+      </p:pic>
+    </p:spTree>
+    <p:extLst>
+      <p:ext uri="{BB962C8B-B14F-4D97-AF65-F5344CB8AC3E}">
+        <p14:creationId xmlns:p14="http://schemas.microsoft.com/office/powerpoint/2010/main" val="3785779987"/>
+      </p:ext>
+    </p:extLst>
+  </p:cSld>
+  <p:clrMapOvr>
+    <a:masterClrMapping/>
+  </p:clrMapOvr>
+</p:sld>
+</file>
+
+<file path=ppt/slides/slide30.xml><?xml version="1.0" encoding="utf-8"?>
+<p:sld xmlns:a="http://schemas.openxmlformats.org/drawingml/2006/main" xmlns:r="http://schemas.openxmlformats.org/officeDocument/2006/relationships" xmlns:p="http://schemas.openxmlformats.org/presentationml/2006/main">
+  <p:cSld>
+    <p:spTree>
+      <p:nvGrpSpPr>
+        <p:cNvPr id="1" name=""/>
+        <p:cNvGrpSpPr/>
+        <p:nvPr/>
+      </p:nvGrpSpPr>
+      <p:grpSpPr>
+        <a:xfrm>
+          <a:off x="0" y="0"/>
+          <a:ext cx="0" cy="0"/>
+          <a:chOff x="0" y="0"/>
+          <a:chExt cx="0" cy="0"/>
+        </a:xfrm>
+      </p:grpSpPr>
+      <p:sp>
+        <p:nvSpPr>
+          <p:cNvPr id="2" name="Título 1"/>
+          <p:cNvSpPr>
+            <a:spLocks noGrp="1"/>
+          </p:cNvSpPr>
+          <p:nvPr>
+            <p:ph type="title"/>
+          </p:nvPr>
+        </p:nvSpPr>
+        <p:spPr/>
+        <p:txBody>
+          <a:bodyPr/>
+          <a:lstStyle/>
+          <a:p>
+            <a:r>
+              <a:rPr lang="es-MX" b="1" dirty="0" smtClean="0"/>
+              <a:t>Viabilidad</a:t>
+            </a:r>
+            <a:endParaRPr lang="es-MX" b="1" dirty="0"/>
+          </a:p>
+        </p:txBody>
+      </p:sp>
+      <p:sp>
+        <p:nvSpPr>
+          <p:cNvPr id="3" name="Marcador de contenido 2"/>
+          <p:cNvSpPr>
+            <a:spLocks noGrp="1"/>
+          </p:cNvSpPr>
+          <p:nvPr>
+            <p:ph idx="1"/>
+          </p:nvPr>
+        </p:nvSpPr>
+        <p:spPr/>
+        <p:txBody>
+          <a:bodyPr/>
+          <a:lstStyle/>
+          <a:p>
+            <a:r>
+              <a:rPr lang="es-MX" dirty="0" smtClean="0"/>
+              <a:t>¿Contamos con los medios para responder la pregunta de investigación?</a:t>
+            </a:r>
+          </a:p>
+          <a:p>
+            <a:endParaRPr lang="es-MX" dirty="0"/>
+          </a:p>
+          <a:p>
+            <a:r>
+              <a:rPr lang="es-MX" dirty="0" smtClean="0"/>
+              <a:t>¿Es </a:t>
+            </a:r>
+            <a:r>
+              <a:rPr lang="es-MX" b="1" dirty="0" smtClean="0"/>
+              <a:t>factible</a:t>
+            </a:r>
+            <a:r>
+              <a:rPr lang="es-MX" dirty="0" smtClean="0"/>
+              <a:t>?</a:t>
+            </a:r>
+          </a:p>
+          <a:p>
+            <a:endParaRPr lang="es-MX" dirty="0"/>
+          </a:p>
+          <a:p>
+            <a:r>
+              <a:rPr lang="es-MX" dirty="0" smtClean="0"/>
+              <a:t>¿Es </a:t>
+            </a:r>
+            <a:r>
+              <a:rPr lang="es-MX" b="1" dirty="0" err="1" smtClean="0"/>
+              <a:t>falsable</a:t>
+            </a:r>
+            <a:r>
+              <a:rPr lang="es-MX" dirty="0" smtClean="0"/>
+              <a:t>?</a:t>
+            </a:r>
+            <a:endParaRPr lang="es-MX" dirty="0"/>
+          </a:p>
+        </p:txBody>
+      </p:sp>
+      <p:sp>
+        <p:nvSpPr>
+          <p:cNvPr id="4" name="Rectángulo 3"/>
+          <p:cNvSpPr/>
+          <p:nvPr/>
+        </p:nvSpPr>
+        <p:spPr>
+          <a:xfrm>
+            <a:off x="0" y="0"/>
+            <a:ext cx="12192000" cy="482600"/>
+          </a:xfrm>
+          <a:prstGeom prst="rect">
+            <a:avLst/>
+          </a:prstGeom>
+        </p:spPr>
+        <p:style>
+          <a:lnRef idx="0">
+            <a:schemeClr val="accent4"/>
+          </a:lnRef>
+          <a:fillRef idx="3">
+            <a:schemeClr val="accent4"/>
+          </a:fillRef>
+          <a:effectRef idx="3">
+            <a:schemeClr val="accent4"/>
+          </a:effectRef>
+          <a:fontRef idx="minor">
+            <a:schemeClr val="lt1"/>
+          </a:fontRef>
+        </p:style>
+        <p:txBody>
+          <a:bodyPr rtlCol="0" anchor="ctr"/>
+          <a:lstStyle/>
+          <a:p>
+            <a:pPr algn="ctr"/>
+            <a:endParaRPr lang="es-MX"/>
+          </a:p>
+        </p:txBody>
+      </p:sp>
+      <p:sp>
+        <p:nvSpPr>
+          <p:cNvPr id="5" name="Rectángulo 4"/>
+          <p:cNvSpPr/>
+          <p:nvPr/>
+        </p:nvSpPr>
+        <p:spPr>
+          <a:xfrm>
+            <a:off x="0" y="6400800"/>
+            <a:ext cx="12192000" cy="457200"/>
+          </a:xfrm>
+          <a:prstGeom prst="rect">
+            <a:avLst/>
+          </a:prstGeom>
+        </p:spPr>
+        <p:style>
+          <a:lnRef idx="0">
+            <a:schemeClr val="accent4"/>
+          </a:lnRef>
+          <a:fillRef idx="3">
+            <a:schemeClr val="accent4"/>
+          </a:fillRef>
+          <a:effectRef idx="3">
+            <a:schemeClr val="accent4"/>
+          </a:effectRef>
+          <a:fontRef idx="minor">
+            <a:schemeClr val="lt1"/>
+          </a:fontRef>
+        </p:style>
+        <p:txBody>
+          <a:bodyPr rtlCol="0" anchor="ctr"/>
+          <a:lstStyle/>
+          <a:p>
+            <a:pPr algn="ctr"/>
+            <a:endParaRPr lang="es-MX"/>
+          </a:p>
+        </p:txBody>
+      </p:sp>
+    </p:spTree>
+    <p:extLst>
+      <p:ext uri="{BB962C8B-B14F-4D97-AF65-F5344CB8AC3E}">
+        <p14:creationId xmlns:p14="http://schemas.microsoft.com/office/powerpoint/2010/main" val="3429114455"/>
+      </p:ext>
+    </p:extLst>
+  </p:cSld>
+  <p:clrMapOvr>
+    <a:masterClrMapping/>
+  </p:clrMapOvr>
+</p:sld>
+</file>
+
+<file path=ppt/slides/slide31.xml><?xml version="1.0" encoding="utf-8"?>
+<p:sld xmlns:a="http://schemas.openxmlformats.org/drawingml/2006/main" xmlns:r="http://schemas.openxmlformats.org/officeDocument/2006/relationships" xmlns:p="http://schemas.openxmlformats.org/presentationml/2006/main">
+  <p:cSld>
+    <p:spTree>
+      <p:nvGrpSpPr>
+        <p:cNvPr id="1" name=""/>
+        <p:cNvGrpSpPr/>
+        <p:nvPr/>
+      </p:nvGrpSpPr>
+      <p:grpSpPr>
+        <a:xfrm>
+          <a:off x="0" y="0"/>
+          <a:ext cx="0" cy="0"/>
+          <a:chOff x="0" y="0"/>
+          <a:chExt cx="0" cy="0"/>
+        </a:xfrm>
+      </p:grpSpPr>
+      <p:sp>
+        <p:nvSpPr>
+          <p:cNvPr id="2" name="Título 1"/>
+          <p:cNvSpPr>
+            <a:spLocks noGrp="1"/>
+          </p:cNvSpPr>
+          <p:nvPr>
+            <p:ph type="title"/>
+          </p:nvPr>
+        </p:nvSpPr>
+        <p:spPr/>
+        <p:txBody>
+          <a:bodyPr/>
+          <a:lstStyle/>
+          <a:p>
+            <a:r>
+              <a:rPr lang="es-MX" b="1" dirty="0" smtClean="0"/>
+              <a:t>Aspectos éticos</a:t>
+            </a:r>
+            <a:endParaRPr lang="es-MX" b="1" dirty="0"/>
+          </a:p>
+        </p:txBody>
+      </p:sp>
+      <p:sp>
+        <p:nvSpPr>
+          <p:cNvPr id="3" name="Marcador de contenido 2"/>
+          <p:cNvSpPr>
+            <a:spLocks noGrp="1"/>
+          </p:cNvSpPr>
+          <p:nvPr>
+            <p:ph idx="1"/>
+          </p:nvPr>
+        </p:nvSpPr>
+        <p:spPr/>
+        <p:txBody>
+          <a:bodyPr/>
+          <a:lstStyle/>
+          <a:p>
+            <a:r>
+              <a:rPr lang="es-MX" dirty="0" smtClean="0"/>
+              <a:t>¿Hay alguien que pueda salir directamente perjudicado con la realización de mi proyecto de investigación?</a:t>
+            </a:r>
+          </a:p>
+          <a:p>
+            <a:endParaRPr lang="es-MX" dirty="0"/>
+          </a:p>
+          <a:p>
+            <a:r>
+              <a:rPr lang="es-MX" dirty="0" smtClean="0"/>
+              <a:t>¿El mundo será un lugar mejor una vez que se publiquen los resultados de mi investigación?</a:t>
+            </a:r>
+            <a:endParaRPr lang="es-MX" dirty="0"/>
+          </a:p>
+        </p:txBody>
+      </p:sp>
+      <p:sp>
+        <p:nvSpPr>
+          <p:cNvPr id="4" name="Rectángulo 3"/>
+          <p:cNvSpPr/>
+          <p:nvPr/>
+        </p:nvSpPr>
+        <p:spPr>
+          <a:xfrm>
+            <a:off x="0" y="0"/>
+            <a:ext cx="12192000" cy="482600"/>
+          </a:xfrm>
+          <a:prstGeom prst="rect">
+            <a:avLst/>
+          </a:prstGeom>
+        </p:spPr>
+        <p:style>
+          <a:lnRef idx="0">
+            <a:schemeClr val="accent4"/>
+          </a:lnRef>
+          <a:fillRef idx="3">
+            <a:schemeClr val="accent4"/>
+          </a:fillRef>
+          <a:effectRef idx="3">
+            <a:schemeClr val="accent4"/>
+          </a:effectRef>
+          <a:fontRef idx="minor">
+            <a:schemeClr val="lt1"/>
+          </a:fontRef>
+        </p:style>
+        <p:txBody>
+          <a:bodyPr rtlCol="0" anchor="ctr"/>
+          <a:lstStyle/>
+          <a:p>
+            <a:pPr algn="ctr"/>
+            <a:endParaRPr lang="es-MX"/>
+          </a:p>
+        </p:txBody>
+      </p:sp>
+      <p:sp>
+        <p:nvSpPr>
+          <p:cNvPr id="5" name="Rectángulo 4"/>
+          <p:cNvSpPr/>
+          <p:nvPr/>
+        </p:nvSpPr>
+        <p:spPr>
+          <a:xfrm>
+            <a:off x="0" y="6400800"/>
+            <a:ext cx="12192000" cy="457200"/>
+          </a:xfrm>
+          <a:prstGeom prst="rect">
+            <a:avLst/>
+          </a:prstGeom>
+        </p:spPr>
+        <p:style>
+          <a:lnRef idx="0">
+            <a:schemeClr val="accent4"/>
+          </a:lnRef>
+          <a:fillRef idx="3">
+            <a:schemeClr val="accent4"/>
+          </a:fillRef>
+          <a:effectRef idx="3">
+            <a:schemeClr val="accent4"/>
+          </a:effectRef>
+          <a:fontRef idx="minor">
+            <a:schemeClr val="lt1"/>
+          </a:fontRef>
+        </p:style>
+        <p:txBody>
+          <a:bodyPr rtlCol="0" anchor="ctr"/>
+          <a:lstStyle/>
+          <a:p>
+            <a:pPr algn="ctr"/>
+            <a:endParaRPr lang="es-MX"/>
+          </a:p>
+        </p:txBody>
+      </p:sp>
+    </p:spTree>
+    <p:extLst>
+      <p:ext uri="{BB962C8B-B14F-4D97-AF65-F5344CB8AC3E}">
+        <p14:creationId xmlns:p14="http://schemas.microsoft.com/office/powerpoint/2010/main" val="2397204900"/>
+      </p:ext>
+    </p:extLst>
+  </p:cSld>
+  <p:clrMapOvr>
+    <a:masterClrMapping/>
+  </p:clrMapOvr>
+</p:sld>
+</file>
+
+<file path=ppt/slides/slide32.xml><?xml version="1.0" encoding="utf-8"?>
+<p:sld xmlns:a="http://schemas.openxmlformats.org/drawingml/2006/main" xmlns:r="http://schemas.openxmlformats.org/officeDocument/2006/relationships" xmlns:p="http://schemas.openxmlformats.org/presentationml/2006/main">
+  <p:cSld>
+    <p:spTree>
+      <p:nvGrpSpPr>
+        <p:cNvPr id="1" name=""/>
+        <p:cNvGrpSpPr/>
+        <p:nvPr/>
+      </p:nvGrpSpPr>
+      <p:grpSpPr>
+        <a:xfrm>
+          <a:off x="0" y="0"/>
+          <a:ext cx="0" cy="0"/>
+          <a:chOff x="0" y="0"/>
+          <a:chExt cx="0" cy="0"/>
+        </a:xfrm>
+      </p:grpSpPr>
+      <p:sp>
+        <p:nvSpPr>
+          <p:cNvPr id="2" name="Título 1"/>
+          <p:cNvSpPr>
+            <a:spLocks noGrp="1"/>
+          </p:cNvSpPr>
+          <p:nvPr>
+            <p:ph type="title"/>
+          </p:nvPr>
+        </p:nvSpPr>
+        <p:spPr/>
+        <p:txBody>
+          <a:bodyPr/>
+          <a:lstStyle/>
+          <a:p>
+            <a:endParaRPr lang="es-MX"/>
+          </a:p>
+        </p:txBody>
+      </p:sp>
+      <p:sp>
+        <p:nvSpPr>
+          <p:cNvPr id="3" name="Marcador de contenido 2"/>
+          <p:cNvSpPr>
+            <a:spLocks noGrp="1"/>
+          </p:cNvSpPr>
+          <p:nvPr>
+            <p:ph idx="1"/>
+          </p:nvPr>
+        </p:nvSpPr>
+        <p:spPr/>
+        <p:txBody>
+          <a:bodyPr/>
+          <a:lstStyle/>
+          <a:p>
+            <a:endParaRPr lang="es-MX"/>
+          </a:p>
+        </p:txBody>
+      </p:sp>
+      <p:pic>
+        <p:nvPicPr>
+          <p:cNvPr id="4" name="Imagen 3"/>
+          <p:cNvPicPr>
+            <a:picLocks noChangeAspect="1"/>
+          </p:cNvPicPr>
+          <p:nvPr/>
+        </p:nvPicPr>
+        <p:blipFill>
+          <a:blip r:embed="rId2"/>
+          <a:stretch>
+            <a:fillRect/>
+          </a:stretch>
+        </p:blipFill>
+        <p:spPr>
+          <a:xfrm>
+            <a:off x="1143529" y="0"/>
+            <a:ext cx="9031857" cy="6858000"/>
+          </a:xfrm>
+          <a:prstGeom prst="rect">
+            <a:avLst/>
+          </a:prstGeom>
+        </p:spPr>
+      </p:pic>
+    </p:spTree>
+    <p:extLst>
+      <p:ext uri="{BB962C8B-B14F-4D97-AF65-F5344CB8AC3E}">
+        <p14:creationId xmlns:p14="http://schemas.microsoft.com/office/powerpoint/2010/main" val="4122013348"/>
+      </p:ext>
+    </p:extLst>
+  </p:cSld>
+  <p:clrMapOvr>
+    <a:masterClrMapping/>
+  </p:clrMapOvr>
+</p:sld>
+</file>
+
+<file path=ppt/slides/slide33.xml><?xml version="1.0" encoding="utf-8"?>
+<p:sld xmlns:a="http://schemas.openxmlformats.org/drawingml/2006/main" xmlns:r="http://schemas.openxmlformats.org/officeDocument/2006/relationships" xmlns:p="http://schemas.openxmlformats.org/presentationml/2006/main">
+  <p:cSld>
+    <p:spTree>
+      <p:nvGrpSpPr>
+        <p:cNvPr id="1" name=""/>
+        <p:cNvGrpSpPr/>
+        <p:nvPr/>
+      </p:nvGrpSpPr>
+      <p:grpSpPr>
+        <a:xfrm>
+          <a:off x="0" y="0"/>
+          <a:ext cx="0" cy="0"/>
+          <a:chOff x="0" y="0"/>
+          <a:chExt cx="0" cy="0"/>
+        </a:xfrm>
+      </p:grpSpPr>
+      <p:sp>
+        <p:nvSpPr>
+          <p:cNvPr id="2" name="Título 1"/>
+          <p:cNvSpPr>
+            <a:spLocks noGrp="1"/>
+          </p:cNvSpPr>
+          <p:nvPr>
+            <p:ph type="title"/>
+          </p:nvPr>
+        </p:nvSpPr>
+        <p:spPr/>
+        <p:txBody>
+          <a:bodyPr/>
+          <a:lstStyle/>
+          <a:p>
+            <a:endParaRPr lang="es-MX"/>
+          </a:p>
+        </p:txBody>
+      </p:sp>
+      <p:sp>
+        <p:nvSpPr>
+          <p:cNvPr id="3" name="Marcador de contenido 2"/>
+          <p:cNvSpPr>
+            <a:spLocks noGrp="1"/>
+          </p:cNvSpPr>
+          <p:nvPr>
+            <p:ph idx="1"/>
+          </p:nvPr>
+        </p:nvSpPr>
+        <p:spPr/>
+        <p:txBody>
+          <a:bodyPr/>
+          <a:lstStyle/>
+          <a:p>
+            <a:endParaRPr lang="es-MX"/>
+          </a:p>
+        </p:txBody>
+      </p:sp>
+      <p:pic>
+        <p:nvPicPr>
+          <p:cNvPr id="4" name="Imagen 3"/>
+          <p:cNvPicPr>
+            <a:picLocks noChangeAspect="1"/>
+          </p:cNvPicPr>
+          <p:nvPr/>
+        </p:nvPicPr>
+        <p:blipFill>
+          <a:blip r:embed="rId2"/>
+          <a:stretch>
+            <a:fillRect/>
+          </a:stretch>
+        </p:blipFill>
+        <p:spPr>
+          <a:xfrm>
+            <a:off x="757237" y="-1"/>
+            <a:ext cx="11986460" cy="6747933"/>
+          </a:xfrm>
+          <a:prstGeom prst="rect">
+            <a:avLst/>
+          </a:prstGeom>
+        </p:spPr>
+      </p:pic>
+    </p:spTree>
+    <p:extLst>
+      <p:ext uri="{BB962C8B-B14F-4D97-AF65-F5344CB8AC3E}">
+        <p14:creationId xmlns:p14="http://schemas.microsoft.com/office/powerpoint/2010/main" val="3721810143"/>
+      </p:ext>
+    </p:extLst>
+  </p:cSld>
+  <p:clrMapOvr>
+    <a:masterClrMapping/>
+  </p:clrMapOvr>
+</p:sld>
+</file>
+
+<file path=ppt/slides/slide34.xml><?xml version="1.0" encoding="utf-8"?>
+<p:sld xmlns:a="http://schemas.openxmlformats.org/drawingml/2006/main" xmlns:r="http://schemas.openxmlformats.org/officeDocument/2006/relationships" xmlns:p="http://schemas.openxmlformats.org/presentationml/2006/main">
+  <p:cSld>
+    <p:spTree>
+      <p:nvGrpSpPr>
+        <p:cNvPr id="1" name=""/>
+        <p:cNvGrpSpPr/>
+        <p:nvPr/>
+      </p:nvGrpSpPr>
+      <p:grpSpPr>
+        <a:xfrm>
+          <a:off x="0" y="0"/>
+          <a:ext cx="0" cy="0"/>
+          <a:chOff x="0" y="0"/>
+          <a:chExt cx="0" cy="0"/>
+        </a:xfrm>
+      </p:grpSpPr>
+      <p:sp>
+        <p:nvSpPr>
+          <p:cNvPr id="2" name="Título 1"/>
+          <p:cNvSpPr>
+            <a:spLocks noGrp="1"/>
+          </p:cNvSpPr>
+          <p:nvPr>
+            <p:ph type="title"/>
+          </p:nvPr>
+        </p:nvSpPr>
+        <p:spPr/>
+        <p:txBody>
+          <a:bodyPr/>
+          <a:lstStyle/>
+          <a:p>
+            <a:endParaRPr lang="es-MX"/>
+          </a:p>
+        </p:txBody>
+      </p:sp>
+      <p:sp>
+        <p:nvSpPr>
+          <p:cNvPr id="3" name="Marcador de contenido 2"/>
+          <p:cNvSpPr>
+            <a:spLocks noGrp="1"/>
+          </p:cNvSpPr>
+          <p:nvPr>
+            <p:ph idx="1"/>
+          </p:nvPr>
+        </p:nvSpPr>
+        <p:spPr/>
+        <p:txBody>
+          <a:bodyPr/>
+          <a:lstStyle/>
+          <a:p>
+            <a:endParaRPr lang="es-MX"/>
+          </a:p>
+        </p:txBody>
+      </p:sp>
+      <p:pic>
+        <p:nvPicPr>
+          <p:cNvPr id="4" name="Imagen 3"/>
+          <p:cNvPicPr>
+            <a:picLocks noChangeAspect="1"/>
+          </p:cNvPicPr>
+          <p:nvPr/>
+        </p:nvPicPr>
+        <p:blipFill>
+          <a:blip r:embed="rId2"/>
+          <a:stretch>
+            <a:fillRect/>
+          </a:stretch>
+        </p:blipFill>
+        <p:spPr>
+          <a:xfrm>
+            <a:off x="2614611" y="4258"/>
+            <a:ext cx="6436255" cy="6853742"/>
+          </a:xfrm>
+          <a:prstGeom prst="rect">
+            <a:avLst/>
+          </a:prstGeom>
+        </p:spPr>
+      </p:pic>
+    </p:spTree>
+    <p:extLst>
+      <p:ext uri="{BB962C8B-B14F-4D97-AF65-F5344CB8AC3E}">
+        <p14:creationId xmlns:p14="http://schemas.microsoft.com/office/powerpoint/2010/main" val="2621059621"/>
+      </p:ext>
+    </p:extLst>
+  </p:cSld>
+  <p:clrMapOvr>
+    <a:masterClrMapping/>
+  </p:clrMapOvr>
+</p:sld>
+</file>
+
+<file path=ppt/slides/slide35.xml><?xml version="1.0" encoding="utf-8"?>
+<p:sld xmlns:a="http://schemas.openxmlformats.org/drawingml/2006/main" xmlns:r="http://schemas.openxmlformats.org/officeDocument/2006/relationships" xmlns:p="http://schemas.openxmlformats.org/presentationml/2006/main">
+  <p:cSld>
+    <p:spTree>
+      <p:nvGrpSpPr>
+        <p:cNvPr id="1" name=""/>
+        <p:cNvGrpSpPr/>
+        <p:nvPr/>
+      </p:nvGrpSpPr>
+      <p:grpSpPr>
+        <a:xfrm>
+          <a:off x="0" y="0"/>
+          <a:ext cx="0" cy="0"/>
+          <a:chOff x="0" y="0"/>
+          <a:chExt cx="0" cy="0"/>
+        </a:xfrm>
+      </p:grpSpPr>
+      <p:sp>
+        <p:nvSpPr>
+          <p:cNvPr id="2" name="Título 1"/>
+          <p:cNvSpPr>
+            <a:spLocks noGrp="1"/>
+          </p:cNvSpPr>
+          <p:nvPr>
+            <p:ph type="title"/>
+          </p:nvPr>
+        </p:nvSpPr>
+        <p:spPr/>
+        <p:txBody>
+          <a:bodyPr/>
+          <a:lstStyle/>
+          <a:p>
+            <a:endParaRPr lang="es-MX"/>
+          </a:p>
+        </p:txBody>
+      </p:sp>
+      <p:sp>
+        <p:nvSpPr>
+          <p:cNvPr id="3" name="Marcador de contenido 2"/>
+          <p:cNvSpPr>
+            <a:spLocks noGrp="1"/>
+          </p:cNvSpPr>
+          <p:nvPr>
+            <p:ph idx="1"/>
+          </p:nvPr>
+        </p:nvSpPr>
+        <p:spPr/>
+        <p:txBody>
+          <a:bodyPr/>
+          <a:lstStyle/>
+          <a:p>
+            <a:endParaRPr lang="es-MX"/>
+          </a:p>
+        </p:txBody>
+      </p:sp>
+      <p:pic>
+        <p:nvPicPr>
+          <p:cNvPr id="4" name="Imagen 3"/>
+          <p:cNvPicPr>
+            <a:picLocks noChangeAspect="1"/>
+          </p:cNvPicPr>
+          <p:nvPr/>
+        </p:nvPicPr>
+        <p:blipFill>
+          <a:blip r:embed="rId2"/>
+          <a:stretch>
+            <a:fillRect/>
+          </a:stretch>
+        </p:blipFill>
+        <p:spPr>
+          <a:xfrm>
+            <a:off x="1148820" y="0"/>
+            <a:ext cx="8095319" cy="6905196"/>
+          </a:xfrm>
+          <a:prstGeom prst="rect">
+            <a:avLst/>
+          </a:prstGeom>
+        </p:spPr>
+      </p:pic>
+    </p:spTree>
+    <p:extLst>
+      <p:ext uri="{BB962C8B-B14F-4D97-AF65-F5344CB8AC3E}">
+        <p14:creationId xmlns:p14="http://schemas.microsoft.com/office/powerpoint/2010/main" val="1139669757"/>
+      </p:ext>
+    </p:extLst>
+  </p:cSld>
+  <p:clrMapOvr>
+    <a:masterClrMapping/>
+  </p:clrMapOvr>
+</p:sld>
+</file>
+
+<file path=ppt/slides/slide36.xml><?xml version="1.0" encoding="utf-8"?>
+<p:sld xmlns:a="http://schemas.openxmlformats.org/drawingml/2006/main" xmlns:r="http://schemas.openxmlformats.org/officeDocument/2006/relationships" xmlns:p="http://schemas.openxmlformats.org/presentationml/2006/main">
+  <p:cSld>
+    <p:spTree>
+      <p:nvGrpSpPr>
+        <p:cNvPr id="1" name=""/>
+        <p:cNvGrpSpPr/>
+        <p:nvPr/>
+      </p:nvGrpSpPr>
+      <p:grpSpPr>
+        <a:xfrm>
+          <a:off x="0" y="0"/>
+          <a:ext cx="0" cy="0"/>
+          <a:chOff x="0" y="0"/>
+          <a:chExt cx="0" cy="0"/>
+        </a:xfrm>
+      </p:grpSpPr>
+      <p:sp>
+        <p:nvSpPr>
+          <p:cNvPr id="2" name="Título 1"/>
+          <p:cNvSpPr>
+            <a:spLocks noGrp="1"/>
+          </p:cNvSpPr>
+          <p:nvPr>
+            <p:ph type="title"/>
+          </p:nvPr>
+        </p:nvSpPr>
+        <p:spPr/>
+        <p:txBody>
+          <a:bodyPr/>
+          <a:lstStyle/>
+          <a:p>
+            <a:endParaRPr lang="es-MX"/>
+          </a:p>
+        </p:txBody>
+      </p:sp>
+      <p:sp>
+        <p:nvSpPr>
+          <p:cNvPr id="3" name="Marcador de contenido 2"/>
+          <p:cNvSpPr>
+            <a:spLocks noGrp="1"/>
+          </p:cNvSpPr>
+          <p:nvPr>
+            <p:ph idx="1"/>
+          </p:nvPr>
+        </p:nvSpPr>
+        <p:spPr/>
+        <p:txBody>
+          <a:bodyPr/>
+          <a:lstStyle/>
+          <a:p>
+            <a:endParaRPr lang="es-MX"/>
+          </a:p>
+        </p:txBody>
+      </p:sp>
+      <p:pic>
+        <p:nvPicPr>
+          <p:cNvPr id="4" name="Imagen 3"/>
+          <p:cNvPicPr>
+            <a:picLocks noChangeAspect="1"/>
+          </p:cNvPicPr>
+          <p:nvPr/>
+        </p:nvPicPr>
+        <p:blipFill>
+          <a:blip r:embed="rId2"/>
+          <a:stretch>
+            <a:fillRect/>
+          </a:stretch>
+        </p:blipFill>
+        <p:spPr>
+          <a:xfrm>
+            <a:off x="0" y="0"/>
+            <a:ext cx="9925031" cy="1993370"/>
+          </a:xfrm>
+          <a:prstGeom prst="rect">
+            <a:avLst/>
+          </a:prstGeom>
+        </p:spPr>
+      </p:pic>
+      <p:pic>
+        <p:nvPicPr>
+          <p:cNvPr id="5" name="Imagen 4"/>
+          <p:cNvPicPr>
+            <a:picLocks noChangeAspect="1"/>
+          </p:cNvPicPr>
+          <p:nvPr/>
+        </p:nvPicPr>
+        <p:blipFill>
+          <a:blip r:embed="rId3"/>
+          <a:stretch>
+            <a:fillRect/>
+          </a:stretch>
+        </p:blipFill>
+        <p:spPr>
+          <a:xfrm>
+            <a:off x="2850620" y="2256895"/>
+            <a:ext cx="8413881" cy="4233333"/>
+          </a:xfrm>
+          <a:prstGeom prst="rect">
+            <a:avLst/>
+          </a:prstGeom>
+        </p:spPr>
+      </p:pic>
+    </p:spTree>
+    <p:extLst>
+      <p:ext uri="{BB962C8B-B14F-4D97-AF65-F5344CB8AC3E}">
+        <p14:creationId xmlns:p14="http://schemas.microsoft.com/office/powerpoint/2010/main" val="827276706"/>
+      </p:ext>
+    </p:extLst>
+  </p:cSld>
+  <p:clrMapOvr>
+    <a:masterClrMapping/>
+  </p:clrMapOvr>
+</p:sld>
+</file>
+
+<file path=ppt/slides/slide37.xml><?xml version="1.0" encoding="utf-8"?>
+<p:sld xmlns:a="http://schemas.openxmlformats.org/drawingml/2006/main" xmlns:r="http://schemas.openxmlformats.org/officeDocument/2006/relationships" xmlns:p="http://schemas.openxmlformats.org/presentationml/2006/main">
+  <p:cSld>
+    <p:spTree>
+      <p:nvGrpSpPr>
+        <p:cNvPr id="1" name=""/>
+        <p:cNvGrpSpPr/>
+        <p:nvPr/>
+      </p:nvGrpSpPr>
+      <p:grpSpPr>
+        <a:xfrm>
+          <a:off x="0" y="0"/>
+          <a:ext cx="0" cy="0"/>
+          <a:chOff x="0" y="0"/>
+          <a:chExt cx="0" cy="0"/>
+        </a:xfrm>
+      </p:grpSpPr>
+      <p:sp>
+        <p:nvSpPr>
+          <p:cNvPr id="2" name="Título 1"/>
+          <p:cNvSpPr>
+            <a:spLocks noGrp="1"/>
+          </p:cNvSpPr>
+          <p:nvPr>
+            <p:ph type="title"/>
+          </p:nvPr>
+        </p:nvSpPr>
+        <p:spPr/>
+        <p:txBody>
+          <a:bodyPr/>
+          <a:lstStyle/>
+          <a:p>
+            <a:endParaRPr lang="es-MX"/>
+          </a:p>
+        </p:txBody>
+      </p:sp>
+      <p:sp>
+        <p:nvSpPr>
+          <p:cNvPr id="3" name="Marcador de contenido 2"/>
+          <p:cNvSpPr>
+            <a:spLocks noGrp="1"/>
+          </p:cNvSpPr>
+          <p:nvPr>
+            <p:ph idx="1"/>
+          </p:nvPr>
+        </p:nvSpPr>
+        <p:spPr/>
+        <p:txBody>
+          <a:bodyPr/>
+          <a:lstStyle/>
+          <a:p>
+            <a:endParaRPr lang="es-MX"/>
+          </a:p>
+        </p:txBody>
+      </p:sp>
+      <p:pic>
+        <p:nvPicPr>
+          <p:cNvPr id="4" name="Imagen 3"/>
+          <p:cNvPicPr>
+            <a:picLocks noChangeAspect="1"/>
+          </p:cNvPicPr>
+          <p:nvPr/>
+        </p:nvPicPr>
+        <p:blipFill>
+          <a:blip r:embed="rId2"/>
+          <a:stretch>
+            <a:fillRect/>
+          </a:stretch>
+        </p:blipFill>
+        <p:spPr>
+          <a:xfrm>
+            <a:off x="1524653" y="2091267"/>
+            <a:ext cx="8953376" cy="2224087"/>
+          </a:xfrm>
+          <a:prstGeom prst="rect">
+            <a:avLst/>
+          </a:prstGeom>
+        </p:spPr>
+      </p:pic>
+    </p:spTree>
+    <p:extLst>
+      <p:ext uri="{BB962C8B-B14F-4D97-AF65-F5344CB8AC3E}">
+        <p14:creationId xmlns:p14="http://schemas.microsoft.com/office/powerpoint/2010/main" val="134263842"/>
+      </p:ext>
+    </p:extLst>
+  </p:cSld>
+  <p:clrMapOvr>
+    <a:masterClrMapping/>
+  </p:clrMapOvr>
+</p:sld>
+</file>
+
+<file path=ppt/slides/slide38.xml><?xml version="1.0" encoding="utf-8"?>
+<p:sld xmlns:a="http://schemas.openxmlformats.org/drawingml/2006/main" xmlns:r="http://schemas.openxmlformats.org/officeDocument/2006/relationships" xmlns:p="http://schemas.openxmlformats.org/presentationml/2006/main">
+  <p:cSld>
+    <p:spTree>
+      <p:nvGrpSpPr>
+        <p:cNvPr id="1" name=""/>
+        <p:cNvGrpSpPr/>
+        <p:nvPr/>
+      </p:nvGrpSpPr>
+      <p:grpSpPr>
+        <a:xfrm>
+          <a:off x="0" y="0"/>
+          <a:ext cx="0" cy="0"/>
+          <a:chOff x="0" y="0"/>
+          <a:chExt cx="0" cy="0"/>
+        </a:xfrm>
+      </p:grpSpPr>
+      <p:sp>
+        <p:nvSpPr>
           <p:cNvPr id="9" name="Flecha derecha 8"/>
           <p:cNvSpPr/>
           <p:nvPr/>
@@ -7049,7 +8940,6 @@
               <a:rPr lang="es-MX" dirty="0" smtClean="0"/>
               <a:t>Introducción</a:t>
             </a:r>
-            <a:endParaRPr lang="es-MX" dirty="0" smtClean="0"/>
           </a:p>
           <a:p>
             <a:endParaRPr lang="es-MX" dirty="0"/>
@@ -7201,7 +9091,7 @@
 </p:sld>
 </file>
 
-<file path=ppt/slides/slide29.xml><?xml version="1.0" encoding="utf-8"?>
+<file path=ppt/slides/slide39.xml><?xml version="1.0" encoding="utf-8"?>
 <p:sld xmlns:a="http://schemas.openxmlformats.org/drawingml/2006/main" xmlns:r="http://schemas.openxmlformats.org/officeDocument/2006/relationships" xmlns:p="http://schemas.openxmlformats.org/presentationml/2006/main">
   <p:cSld>
     <p:spTree>
@@ -7808,233 +9698,6 @@
     <p:extLst>
       <p:ext uri="{BB962C8B-B14F-4D97-AF65-F5344CB8AC3E}">
         <p14:creationId xmlns:p14="http://schemas.microsoft.com/office/powerpoint/2010/main" val="3348761469"/>
-      </p:ext>
-    </p:extLst>
-  </p:cSld>
-  <p:clrMapOvr>
-    <a:masterClrMapping/>
-  </p:clrMapOvr>
-</p:sld>
-</file>
-
-<file path=ppt/slides/slide3.xml><?xml version="1.0" encoding="utf-8"?>
-<p:sld xmlns:a="http://schemas.openxmlformats.org/drawingml/2006/main" xmlns:r="http://schemas.openxmlformats.org/officeDocument/2006/relationships" xmlns:p="http://schemas.openxmlformats.org/presentationml/2006/main">
-  <p:cSld>
-    <p:spTree>
-      <p:nvGrpSpPr>
-        <p:cNvPr id="1" name=""/>
-        <p:cNvGrpSpPr/>
-        <p:nvPr/>
-      </p:nvGrpSpPr>
-      <p:grpSpPr>
-        <a:xfrm>
-          <a:off x="0" y="0"/>
-          <a:ext cx="0" cy="0"/>
-          <a:chOff x="0" y="0"/>
-          <a:chExt cx="0" cy="0"/>
-        </a:xfrm>
-      </p:grpSpPr>
-      <p:sp>
-        <p:nvSpPr>
-          <p:cNvPr id="2" name="Título 1"/>
-          <p:cNvSpPr>
-            <a:spLocks noGrp="1"/>
-          </p:cNvSpPr>
-          <p:nvPr>
-            <p:ph type="title"/>
-          </p:nvPr>
-        </p:nvSpPr>
-        <p:spPr/>
-        <p:txBody>
-          <a:bodyPr/>
-          <a:lstStyle/>
-          <a:p>
-            <a:r>
-              <a:rPr lang="es-MX" b="1" dirty="0" smtClean="0"/>
-              <a:t>Elección de un tema en particular</a:t>
-            </a:r>
-            <a:endParaRPr lang="es-MX" b="1" dirty="0"/>
-          </a:p>
-        </p:txBody>
-      </p:sp>
-      <p:sp>
-        <p:nvSpPr>
-          <p:cNvPr id="3" name="Marcador de contenido 2"/>
-          <p:cNvSpPr>
-            <a:spLocks noGrp="1"/>
-          </p:cNvSpPr>
-          <p:nvPr>
-            <p:ph idx="1"/>
-          </p:nvPr>
-        </p:nvSpPr>
-        <p:spPr/>
-        <p:txBody>
-          <a:bodyPr/>
-          <a:lstStyle/>
-          <a:p>
-            <a:endParaRPr lang="es-MX" dirty="0"/>
-          </a:p>
-        </p:txBody>
-      </p:sp>
-      <p:sp>
-        <p:nvSpPr>
-          <p:cNvPr id="5" name="Rectángulo 4"/>
-          <p:cNvSpPr/>
-          <p:nvPr/>
-        </p:nvSpPr>
-        <p:spPr>
-          <a:xfrm>
-            <a:off x="0" y="0"/>
-            <a:ext cx="12192000" cy="482600"/>
-          </a:xfrm>
-          <a:prstGeom prst="rect">
-            <a:avLst/>
-          </a:prstGeom>
-        </p:spPr>
-        <p:style>
-          <a:lnRef idx="0">
-            <a:schemeClr val="accent4"/>
-          </a:lnRef>
-          <a:fillRef idx="3">
-            <a:schemeClr val="accent4"/>
-          </a:fillRef>
-          <a:effectRef idx="3">
-            <a:schemeClr val="accent4"/>
-          </a:effectRef>
-          <a:fontRef idx="minor">
-            <a:schemeClr val="lt1"/>
-          </a:fontRef>
-        </p:style>
-        <p:txBody>
-          <a:bodyPr rtlCol="0" anchor="ctr"/>
-          <a:lstStyle/>
-          <a:p>
-            <a:pPr algn="ctr"/>
-            <a:endParaRPr lang="es-MX"/>
-          </a:p>
-        </p:txBody>
-      </p:sp>
-      <p:sp>
-        <p:nvSpPr>
-          <p:cNvPr id="6" name="Rectángulo 5"/>
-          <p:cNvSpPr/>
-          <p:nvPr/>
-        </p:nvSpPr>
-        <p:spPr>
-          <a:xfrm>
-            <a:off x="0" y="6400800"/>
-            <a:ext cx="12192000" cy="457200"/>
-          </a:xfrm>
-          <a:prstGeom prst="rect">
-            <a:avLst/>
-          </a:prstGeom>
-        </p:spPr>
-        <p:style>
-          <a:lnRef idx="0">
-            <a:schemeClr val="accent4"/>
-          </a:lnRef>
-          <a:fillRef idx="3">
-            <a:schemeClr val="accent4"/>
-          </a:fillRef>
-          <a:effectRef idx="3">
-            <a:schemeClr val="accent4"/>
-          </a:effectRef>
-          <a:fontRef idx="minor">
-            <a:schemeClr val="lt1"/>
-          </a:fontRef>
-        </p:style>
-        <p:txBody>
-          <a:bodyPr rtlCol="0" anchor="ctr"/>
-          <a:lstStyle/>
-          <a:p>
-            <a:pPr algn="ctr"/>
-            <a:endParaRPr lang="es-MX"/>
-          </a:p>
-        </p:txBody>
-      </p:sp>
-      <p:sp>
-        <p:nvSpPr>
-          <p:cNvPr id="4" name="Rectángulo redondeado 3"/>
-          <p:cNvSpPr/>
-          <p:nvPr/>
-        </p:nvSpPr>
-        <p:spPr>
-          <a:xfrm>
-            <a:off x="1024467" y="1515533"/>
-            <a:ext cx="5342466" cy="1778000"/>
-          </a:xfrm>
-          <a:prstGeom prst="roundRect">
-            <a:avLst/>
-          </a:prstGeom>
-        </p:spPr>
-        <p:style>
-          <a:lnRef idx="1">
-            <a:schemeClr val="accent4"/>
-          </a:lnRef>
-          <a:fillRef idx="2">
-            <a:schemeClr val="accent4"/>
-          </a:fillRef>
-          <a:effectRef idx="1">
-            <a:schemeClr val="accent4"/>
-          </a:effectRef>
-          <a:fontRef idx="minor">
-            <a:schemeClr val="dk1"/>
-          </a:fontRef>
-        </p:style>
-        <p:txBody>
-          <a:bodyPr rtlCol="0" anchor="ctr"/>
-          <a:lstStyle/>
-          <a:p>
-            <a:pPr algn="ctr"/>
-            <a:endParaRPr lang="es-MX"/>
-          </a:p>
-        </p:txBody>
-      </p:sp>
-      <p:pic>
-        <p:nvPicPr>
-          <p:cNvPr id="12290" name="Picture 2" descr="Resultado de imagen para Tema de interÃ©s"/>
-          <p:cNvPicPr>
-            <a:picLocks noChangeAspect="1" noChangeArrowheads="1"/>
-          </p:cNvPicPr>
-          <p:nvPr/>
-        </p:nvPicPr>
-        <p:blipFill>
-          <a:blip r:embed="rId2" cstate="print">
-            <a:extLst>
-              <a:ext uri="{28A0092B-C50C-407E-A947-70E740481C1C}">
-                <a14:useLocalDpi xmlns:a14="http://schemas.microsoft.com/office/drawing/2010/main" val="0"/>
-              </a:ext>
-            </a:extLst>
-          </a:blip>
-          <a:srcRect/>
-          <a:stretch>
-            <a:fillRect/>
-          </a:stretch>
-        </p:blipFill>
-        <p:spPr bwMode="auto">
-          <a:xfrm>
-            <a:off x="1735666" y="1603912"/>
-            <a:ext cx="3920067" cy="1601242"/>
-          </a:xfrm>
-          <a:prstGeom prst="rect">
-            <a:avLst/>
-          </a:prstGeom>
-          <a:noFill/>
-          <a:extLst>
-            <a:ext uri="{909E8E84-426E-40DD-AFC4-6F175D3DCCD1}">
-              <a14:hiddenFill xmlns:a14="http://schemas.microsoft.com/office/drawing/2010/main">
-                <a:solidFill>
-                  <a:srgbClr val="FFFFFF"/>
-                </a:solidFill>
-              </a14:hiddenFill>
-            </a:ext>
-          </a:extLst>
-        </p:spPr>
-      </p:pic>
-    </p:spTree>
-    <p:extLst>
-      <p:ext uri="{BB962C8B-B14F-4D97-AF65-F5344CB8AC3E}">
-        <p14:creationId xmlns:p14="http://schemas.microsoft.com/office/powerpoint/2010/main" val="3785779987"/>
       </p:ext>
     </p:extLst>
   </p:cSld>
